--- a/HW6_BRam_VGA/N06-Tutorial/專案進度報告-BRam_VGA-吳東穎-20230517.pptx
+++ b/HW6_BRam_VGA/N06-Tutorial/專案進度報告-BRam_VGA-吳東穎-20230517.pptx
@@ -5,46 +5,44 @@
     <p:sldMasterId id="2147483648" r:id="rId1"/>
   </p:sldMasterIdLst>
   <p:notesMasterIdLst>
-    <p:notesMasterId r:id="rId36"/>
+    <p:notesMasterId r:id="rId34"/>
   </p:notesMasterIdLst>
   <p:handoutMasterIdLst>
-    <p:handoutMasterId r:id="rId37"/>
+    <p:handoutMasterId r:id="rId35"/>
   </p:handoutMasterIdLst>
   <p:sldIdLst>
     <p:sldId id="259" r:id="rId2"/>
-    <p:sldId id="1257" r:id="rId3"/>
-    <p:sldId id="1307" r:id="rId4"/>
-    <p:sldId id="1280" r:id="rId5"/>
-    <p:sldId id="1267" r:id="rId6"/>
-    <p:sldId id="1142" r:id="rId7"/>
-    <p:sldId id="269" r:id="rId8"/>
-    <p:sldId id="614" r:id="rId9"/>
-    <p:sldId id="1250" r:id="rId10"/>
-    <p:sldId id="1293" r:id="rId11"/>
-    <p:sldId id="1296" r:id="rId12"/>
-    <p:sldId id="1136" r:id="rId13"/>
-    <p:sldId id="1294" r:id="rId14"/>
-    <p:sldId id="1281" r:id="rId15"/>
-    <p:sldId id="1303" r:id="rId16"/>
-    <p:sldId id="1304" r:id="rId17"/>
-    <p:sldId id="1309" r:id="rId18"/>
-    <p:sldId id="1310" r:id="rId19"/>
+    <p:sldId id="1307" r:id="rId3"/>
+    <p:sldId id="1280" r:id="rId4"/>
+    <p:sldId id="1267" r:id="rId5"/>
+    <p:sldId id="1142" r:id="rId6"/>
+    <p:sldId id="269" r:id="rId7"/>
+    <p:sldId id="614" r:id="rId8"/>
+    <p:sldId id="1250" r:id="rId9"/>
+    <p:sldId id="1293" r:id="rId10"/>
+    <p:sldId id="1296" r:id="rId11"/>
+    <p:sldId id="1136" r:id="rId12"/>
+    <p:sldId id="1294" r:id="rId13"/>
+    <p:sldId id="1281" r:id="rId14"/>
+    <p:sldId id="1303" r:id="rId15"/>
+    <p:sldId id="1304" r:id="rId16"/>
+    <p:sldId id="1309" r:id="rId17"/>
+    <p:sldId id="1310" r:id="rId18"/>
+    <p:sldId id="1305" r:id="rId19"/>
     <p:sldId id="1308" r:id="rId20"/>
-    <p:sldId id="1305" r:id="rId21"/>
-    <p:sldId id="1311" r:id="rId22"/>
-    <p:sldId id="1306" r:id="rId23"/>
-    <p:sldId id="261" r:id="rId24"/>
-    <p:sldId id="1287" r:id="rId25"/>
-    <p:sldId id="1299" r:id="rId26"/>
-    <p:sldId id="1300" r:id="rId27"/>
-    <p:sldId id="1298" r:id="rId28"/>
-    <p:sldId id="1292" r:id="rId29"/>
-    <p:sldId id="1258" r:id="rId30"/>
-    <p:sldId id="1282" r:id="rId31"/>
-    <p:sldId id="1297" r:id="rId32"/>
-    <p:sldId id="1301" r:id="rId33"/>
-    <p:sldId id="1302" r:id="rId34"/>
-    <p:sldId id="271" r:id="rId35"/>
+    <p:sldId id="1306" r:id="rId21"/>
+    <p:sldId id="261" r:id="rId22"/>
+    <p:sldId id="1287" r:id="rId23"/>
+    <p:sldId id="1299" r:id="rId24"/>
+    <p:sldId id="1300" r:id="rId25"/>
+    <p:sldId id="1298" r:id="rId26"/>
+    <p:sldId id="1292" r:id="rId27"/>
+    <p:sldId id="1258" r:id="rId28"/>
+    <p:sldId id="1282" r:id="rId29"/>
+    <p:sldId id="1297" r:id="rId30"/>
+    <p:sldId id="1301" r:id="rId31"/>
+    <p:sldId id="1302" r:id="rId32"/>
+    <p:sldId id="271" r:id="rId33"/>
   </p:sldIdLst>
   <p:sldSz cx="12192000" cy="6858000"/>
   <p:notesSz cx="6858000" cy="9144000"/>
@@ -153,7 +151,6 @@
         </p14:section>
         <p14:section name="控管紀錄(NAS)" id="{2E5D7665-38B7-4012-891B-65C37992EB9E}">
           <p14:sldIdLst>
-            <p14:sldId id="1257"/>
             <p14:sldId id="1307"/>
           </p14:sldIdLst>
         </p14:section>
@@ -201,9 +198,8 @@
             <p14:sldId id="1304"/>
             <p14:sldId id="1309"/>
             <p14:sldId id="1310"/>
+            <p14:sldId id="1305"/>
             <p14:sldId id="1308"/>
-            <p14:sldId id="1305"/>
-            <p14:sldId id="1311"/>
             <p14:sldId id="1306"/>
           </p14:sldIdLst>
         </p14:section>
@@ -329,7 +325,7 @@
               <a:rPr lang="zh-TW" altLang="en-US" smtClean="0">
                 <a:ea typeface="標楷體" panose="03000509000000000000" pitchFamily="65" charset="-120"/>
               </a:rPr>
-              <a:t>2023/5/19</a:t>
+              <a:t>2023/5/27</a:t>
             </a:fld>
             <a:endParaRPr lang="zh-TW" altLang="en-US" dirty="0">
               <a:ea typeface="標楷體" panose="03000509000000000000" pitchFamily="65" charset="-120"/>
@@ -507,7 +503,7 @@
             <a:fld id="{2CB905C5-9D54-40E2-B40C-7996280CAB02}" type="datetimeFigureOut">
               <a:rPr lang="zh-TW" altLang="en-US" smtClean="0"/>
               <a:pPr/>
-              <a:t>2023/5/19</a:t>
+              <a:t>2023/5/27</a:t>
             </a:fld>
             <a:endParaRPr lang="zh-TW" altLang="en-US" dirty="0"/>
           </a:p>
@@ -928,7 +924,7 @@
           <a:p>
             <a:fld id="{EF8A6B0B-A5FB-4629-B823-69B1A9EB3A43}" type="slidenum">
               <a:rPr lang="zh-TW" altLang="en-US" smtClean="0"/>
-              <a:t>22</a:t>
+              <a:t>21</a:t>
             </a:fld>
             <a:endParaRPr lang="zh-TW" altLang="en-US"/>
           </a:p>
@@ -937,7 +933,7 @@
     </p:spTree>
     <p:extLst>
       <p:ext uri="{BB962C8B-B14F-4D97-AF65-F5344CB8AC3E}">
-        <p14:creationId xmlns:p14="http://schemas.microsoft.com/office/powerpoint/2010/main" val="3371315486"/>
+        <p14:creationId xmlns:p14="http://schemas.microsoft.com/office/powerpoint/2010/main" val="990272692"/>
       </p:ext>
     </p:extLst>
   </p:cSld>
@@ -1012,7 +1008,7 @@
           <a:p>
             <a:fld id="{EF8A6B0B-A5FB-4629-B823-69B1A9EB3A43}" type="slidenum">
               <a:rPr lang="zh-TW" altLang="en-US" smtClean="0"/>
-              <a:t>23</a:t>
+              <a:t>22</a:t>
             </a:fld>
             <a:endParaRPr lang="zh-TW" altLang="en-US"/>
           </a:p>
@@ -1021,7 +1017,7 @@
     </p:spTree>
     <p:extLst>
       <p:ext uri="{BB962C8B-B14F-4D97-AF65-F5344CB8AC3E}">
-        <p14:creationId xmlns:p14="http://schemas.microsoft.com/office/powerpoint/2010/main" val="990272692"/>
+        <p14:creationId xmlns:p14="http://schemas.microsoft.com/office/powerpoint/2010/main" val="821652528"/>
       </p:ext>
     </p:extLst>
   </p:cSld>
@@ -1096,7 +1092,7 @@
           <a:p>
             <a:fld id="{EF8A6B0B-A5FB-4629-B823-69B1A9EB3A43}" type="slidenum">
               <a:rPr lang="zh-TW" altLang="en-US" smtClean="0"/>
-              <a:t>24</a:t>
+              <a:t>23</a:t>
             </a:fld>
             <a:endParaRPr lang="zh-TW" altLang="en-US"/>
           </a:p>
@@ -1105,7 +1101,7 @@
     </p:spTree>
     <p:extLst>
       <p:ext uri="{BB962C8B-B14F-4D97-AF65-F5344CB8AC3E}">
-        <p14:creationId xmlns:p14="http://schemas.microsoft.com/office/powerpoint/2010/main" val="821652528"/>
+        <p14:creationId xmlns:p14="http://schemas.microsoft.com/office/powerpoint/2010/main" val="1837026944"/>
       </p:ext>
     </p:extLst>
   </p:cSld>
@@ -1180,7 +1176,7 @@
           <a:p>
             <a:fld id="{EF8A6B0B-A5FB-4629-B823-69B1A9EB3A43}" type="slidenum">
               <a:rPr lang="zh-TW" altLang="en-US" smtClean="0"/>
-              <a:t>25</a:t>
+              <a:t>24</a:t>
             </a:fld>
             <a:endParaRPr lang="zh-TW" altLang="en-US"/>
           </a:p>
@@ -1189,7 +1185,7 @@
     </p:spTree>
     <p:extLst>
       <p:ext uri="{BB962C8B-B14F-4D97-AF65-F5344CB8AC3E}">
-        <p14:creationId xmlns:p14="http://schemas.microsoft.com/office/powerpoint/2010/main" val="1837026944"/>
+        <p14:creationId xmlns:p14="http://schemas.microsoft.com/office/powerpoint/2010/main" val="1270164773"/>
       </p:ext>
     </p:extLst>
   </p:cSld>
@@ -1264,7 +1260,7 @@
           <a:p>
             <a:fld id="{EF8A6B0B-A5FB-4629-B823-69B1A9EB3A43}" type="slidenum">
               <a:rPr lang="zh-TW" altLang="en-US" smtClean="0"/>
-              <a:t>26</a:t>
+              <a:t>25</a:t>
             </a:fld>
             <a:endParaRPr lang="zh-TW" altLang="en-US"/>
           </a:p>
@@ -1273,7 +1269,7 @@
     </p:spTree>
     <p:extLst>
       <p:ext uri="{BB962C8B-B14F-4D97-AF65-F5344CB8AC3E}">
-        <p14:creationId xmlns:p14="http://schemas.microsoft.com/office/powerpoint/2010/main" val="1270164773"/>
+        <p14:creationId xmlns:p14="http://schemas.microsoft.com/office/powerpoint/2010/main" val="485267844"/>
       </p:ext>
     </p:extLst>
   </p:cSld>
@@ -1348,7 +1344,7 @@
           <a:p>
             <a:fld id="{EF8A6B0B-A5FB-4629-B823-69B1A9EB3A43}" type="slidenum">
               <a:rPr lang="zh-TW" altLang="en-US" smtClean="0"/>
-              <a:t>27</a:t>
+              <a:t>26</a:t>
             </a:fld>
             <a:endParaRPr lang="zh-TW" altLang="en-US"/>
           </a:p>
@@ -1357,7 +1353,7 @@
     </p:spTree>
     <p:extLst>
       <p:ext uri="{BB962C8B-B14F-4D97-AF65-F5344CB8AC3E}">
-        <p14:creationId xmlns:p14="http://schemas.microsoft.com/office/powerpoint/2010/main" val="485267844"/>
+        <p14:creationId xmlns:p14="http://schemas.microsoft.com/office/powerpoint/2010/main" val="3654295459"/>
       </p:ext>
     </p:extLst>
   </p:cSld>
@@ -1432,7 +1428,7 @@
           <a:p>
             <a:fld id="{EF8A6B0B-A5FB-4629-B823-69B1A9EB3A43}" type="slidenum">
               <a:rPr lang="zh-TW" altLang="en-US" smtClean="0"/>
-              <a:t>28</a:t>
+              <a:t>27</a:t>
             </a:fld>
             <a:endParaRPr lang="zh-TW" altLang="en-US"/>
           </a:p>
@@ -1441,7 +1437,7 @@
     </p:spTree>
     <p:extLst>
       <p:ext uri="{BB962C8B-B14F-4D97-AF65-F5344CB8AC3E}">
-        <p14:creationId xmlns:p14="http://schemas.microsoft.com/office/powerpoint/2010/main" val="3654295459"/>
+        <p14:creationId xmlns:p14="http://schemas.microsoft.com/office/powerpoint/2010/main" val="1813557240"/>
       </p:ext>
     </p:extLst>
   </p:cSld>
@@ -1516,7 +1512,7 @@
           <a:p>
             <a:fld id="{EF8A6B0B-A5FB-4629-B823-69B1A9EB3A43}" type="slidenum">
               <a:rPr lang="zh-TW" altLang="en-US" smtClean="0"/>
-              <a:t>29</a:t>
+              <a:t>28</a:t>
             </a:fld>
             <a:endParaRPr lang="zh-TW" altLang="en-US"/>
           </a:p>
@@ -1525,7 +1521,7 @@
     </p:spTree>
     <p:extLst>
       <p:ext uri="{BB962C8B-B14F-4D97-AF65-F5344CB8AC3E}">
-        <p14:creationId xmlns:p14="http://schemas.microsoft.com/office/powerpoint/2010/main" val="1813557240"/>
+        <p14:creationId xmlns:p14="http://schemas.microsoft.com/office/powerpoint/2010/main" val="800052063"/>
       </p:ext>
     </p:extLst>
   </p:cSld>
@@ -1600,7 +1596,7 @@
           <a:p>
             <a:fld id="{EF8A6B0B-A5FB-4629-B823-69B1A9EB3A43}" type="slidenum">
               <a:rPr lang="zh-TW" altLang="en-US" smtClean="0"/>
-              <a:t>30</a:t>
+              <a:t>29</a:t>
             </a:fld>
             <a:endParaRPr lang="zh-TW" altLang="en-US"/>
           </a:p>
@@ -1609,7 +1605,7 @@
     </p:spTree>
     <p:extLst>
       <p:ext uri="{BB962C8B-B14F-4D97-AF65-F5344CB8AC3E}">
-        <p14:creationId xmlns:p14="http://schemas.microsoft.com/office/powerpoint/2010/main" val="800052063"/>
+        <p14:creationId xmlns:p14="http://schemas.microsoft.com/office/powerpoint/2010/main" val="1901851392"/>
       </p:ext>
     </p:extLst>
   </p:cSld>
@@ -1684,7 +1680,7 @@
           <a:p>
             <a:fld id="{EF8A6B0B-A5FB-4629-B823-69B1A9EB3A43}" type="slidenum">
               <a:rPr lang="zh-TW" altLang="en-US" smtClean="0"/>
-              <a:t>31</a:t>
+              <a:t>30</a:t>
             </a:fld>
             <a:endParaRPr lang="zh-TW" altLang="en-US"/>
           </a:p>
@@ -1693,7 +1689,7 @@
     </p:spTree>
     <p:extLst>
       <p:ext uri="{BB962C8B-B14F-4D97-AF65-F5344CB8AC3E}">
-        <p14:creationId xmlns:p14="http://schemas.microsoft.com/office/powerpoint/2010/main" val="1901851392"/>
+        <p14:creationId xmlns:p14="http://schemas.microsoft.com/office/powerpoint/2010/main" val="3644232668"/>
       </p:ext>
     </p:extLst>
   </p:cSld>
@@ -1768,7 +1764,7 @@
           <a:p>
             <a:fld id="{EF8A6B0B-A5FB-4629-B823-69B1A9EB3A43}" type="slidenum">
               <a:rPr lang="zh-TW" altLang="en-US" smtClean="0"/>
-              <a:t>5</a:t>
+              <a:t>4</a:t>
             </a:fld>
             <a:endParaRPr lang="zh-TW" altLang="en-US"/>
           </a:p>
@@ -1852,91 +1848,7 @@
           <a:p>
             <a:fld id="{EF8A6B0B-A5FB-4629-B823-69B1A9EB3A43}" type="slidenum">
               <a:rPr lang="zh-TW" altLang="en-US" smtClean="0"/>
-              <a:t>32</a:t>
-            </a:fld>
-            <a:endParaRPr lang="zh-TW" altLang="en-US"/>
-          </a:p>
-        </p:txBody>
-      </p:sp>
-    </p:spTree>
-    <p:extLst>
-      <p:ext uri="{BB962C8B-B14F-4D97-AF65-F5344CB8AC3E}">
-        <p14:creationId xmlns:p14="http://schemas.microsoft.com/office/powerpoint/2010/main" val="3644232668"/>
-      </p:ext>
-    </p:extLst>
-  </p:cSld>
-  <p:clrMapOvr>
-    <a:masterClrMapping/>
-  </p:clrMapOvr>
-</p:notes>
-</file>
-
-<file path=ppt/notesSlides/notesSlide21.xml><?xml version="1.0" encoding="utf-8"?>
-<p:notes xmlns:a="http://schemas.openxmlformats.org/drawingml/2006/main" xmlns:r="http://schemas.openxmlformats.org/officeDocument/2006/relationships" xmlns:p="http://schemas.openxmlformats.org/presentationml/2006/main">
-  <p:cSld>
-    <p:spTree>
-      <p:nvGrpSpPr>
-        <p:cNvPr id="1" name=""/>
-        <p:cNvGrpSpPr/>
-        <p:nvPr/>
-      </p:nvGrpSpPr>
-      <p:grpSpPr>
-        <a:xfrm>
-          <a:off x="0" y="0"/>
-          <a:ext cx="0" cy="0"/>
-          <a:chOff x="0" y="0"/>
-          <a:chExt cx="0" cy="0"/>
-        </a:xfrm>
-      </p:grpSpPr>
-      <p:sp>
-        <p:nvSpPr>
-          <p:cNvPr id="2" name="投影片圖像版面配置區 1"/>
-          <p:cNvSpPr>
-            <a:spLocks noGrp="1" noRot="1" noChangeAspect="1"/>
-          </p:cNvSpPr>
-          <p:nvPr>
-            <p:ph type="sldImg"/>
-          </p:nvPr>
-        </p:nvSpPr>
-        <p:spPr/>
-      </p:sp>
-      <p:sp>
-        <p:nvSpPr>
-          <p:cNvPr id="3" name="備忘稿版面配置區 2"/>
-          <p:cNvSpPr>
-            <a:spLocks noGrp="1"/>
-          </p:cNvSpPr>
-          <p:nvPr>
-            <p:ph type="body" idx="1"/>
-          </p:nvPr>
-        </p:nvSpPr>
-        <p:spPr/>
-        <p:txBody>
-          <a:bodyPr/>
-          <a:lstStyle/>
-          <a:p>
-            <a:endParaRPr lang="zh-TW" altLang="en-US" dirty="0"/>
-          </a:p>
-        </p:txBody>
-      </p:sp>
-      <p:sp>
-        <p:nvSpPr>
-          <p:cNvPr id="4" name="投影片編號版面配置區 3"/>
-          <p:cNvSpPr>
-            <a:spLocks noGrp="1"/>
-          </p:cNvSpPr>
-          <p:nvPr>
-            <p:ph type="sldNum" sz="quarter" idx="10"/>
-          </p:nvPr>
-        </p:nvSpPr>
-        <p:spPr/>
-        <p:txBody>
-          <a:bodyPr/>
-          <a:lstStyle/>
-          <a:p>
-            <a:fld id="{EF8A6B0B-A5FB-4629-B823-69B1A9EB3A43}" type="slidenum">
-              <a:rPr lang="zh-TW" altLang="en-US" smtClean="0"/>
-              <a:t>33</a:t>
+              <a:t>31</a:t>
             </a:fld>
             <a:endParaRPr lang="zh-TW" altLang="en-US"/>
           </a:p>
@@ -2020,7 +1932,7 @@
           <a:p>
             <a:fld id="{EF8A6B0B-A5FB-4629-B823-69B1A9EB3A43}" type="slidenum">
               <a:rPr lang="zh-TW" altLang="en-US" smtClean="0"/>
-              <a:t>15</a:t>
+              <a:t>14</a:t>
             </a:fld>
             <a:endParaRPr lang="zh-TW" altLang="en-US"/>
           </a:p>
@@ -2104,7 +2016,7 @@
           <a:p>
             <a:fld id="{EF8A6B0B-A5FB-4629-B823-69B1A9EB3A43}" type="slidenum">
               <a:rPr lang="zh-TW" altLang="en-US" smtClean="0"/>
-              <a:t>16</a:t>
+              <a:t>15</a:t>
             </a:fld>
             <a:endParaRPr lang="zh-TW" altLang="en-US"/>
           </a:p>
@@ -2188,7 +2100,7 @@
           <a:p>
             <a:fld id="{EF8A6B0B-A5FB-4629-B823-69B1A9EB3A43}" type="slidenum">
               <a:rPr lang="zh-TW" altLang="en-US" smtClean="0"/>
-              <a:t>17</a:t>
+              <a:t>16</a:t>
             </a:fld>
             <a:endParaRPr lang="zh-TW" altLang="en-US"/>
           </a:p>
@@ -2272,7 +2184,7 @@
           <a:p>
             <a:fld id="{EF8A6B0B-A5FB-4629-B823-69B1A9EB3A43}" type="slidenum">
               <a:rPr lang="zh-TW" altLang="en-US" smtClean="0"/>
-              <a:t>18</a:t>
+              <a:t>17</a:t>
             </a:fld>
             <a:endParaRPr lang="zh-TW" altLang="en-US"/>
           </a:p>
@@ -2356,7 +2268,7 @@
           <a:p>
             <a:fld id="{EF8A6B0B-A5FB-4629-B823-69B1A9EB3A43}" type="slidenum">
               <a:rPr lang="zh-TW" altLang="en-US" smtClean="0"/>
-              <a:t>19</a:t>
+              <a:t>18</a:t>
             </a:fld>
             <a:endParaRPr lang="zh-TW" altLang="en-US"/>
           </a:p>
@@ -2365,7 +2277,7 @@
     </p:spTree>
     <p:extLst>
       <p:ext uri="{BB962C8B-B14F-4D97-AF65-F5344CB8AC3E}">
-        <p14:creationId xmlns:p14="http://schemas.microsoft.com/office/powerpoint/2010/main" val="1282522162"/>
+        <p14:creationId xmlns:p14="http://schemas.microsoft.com/office/powerpoint/2010/main" val="995771577"/>
       </p:ext>
     </p:extLst>
   </p:cSld>
@@ -2440,7 +2352,7 @@
           <a:p>
             <a:fld id="{EF8A6B0B-A5FB-4629-B823-69B1A9EB3A43}" type="slidenum">
               <a:rPr lang="zh-TW" altLang="en-US" smtClean="0"/>
-              <a:t>20</a:t>
+              <a:t>19</a:t>
             </a:fld>
             <a:endParaRPr lang="zh-TW" altLang="en-US"/>
           </a:p>
@@ -2449,7 +2361,7 @@
     </p:spTree>
     <p:extLst>
       <p:ext uri="{BB962C8B-B14F-4D97-AF65-F5344CB8AC3E}">
-        <p14:creationId xmlns:p14="http://schemas.microsoft.com/office/powerpoint/2010/main" val="995771577"/>
+        <p14:creationId xmlns:p14="http://schemas.microsoft.com/office/powerpoint/2010/main" val="1282522162"/>
       </p:ext>
     </p:extLst>
   </p:cSld>
@@ -2524,7 +2436,7 @@
           <a:p>
             <a:fld id="{EF8A6B0B-A5FB-4629-B823-69B1A9EB3A43}" type="slidenum">
               <a:rPr lang="zh-TW" altLang="en-US" smtClean="0"/>
-              <a:t>21</a:t>
+              <a:t>20</a:t>
             </a:fld>
             <a:endParaRPr lang="zh-TW" altLang="en-US"/>
           </a:p>
@@ -2533,7 +2445,7 @@
     </p:spTree>
     <p:extLst>
       <p:ext uri="{BB962C8B-B14F-4D97-AF65-F5344CB8AC3E}">
-        <p14:creationId xmlns:p14="http://schemas.microsoft.com/office/powerpoint/2010/main" val="3052766067"/>
+        <p14:creationId xmlns:p14="http://schemas.microsoft.com/office/powerpoint/2010/main" val="3371315486"/>
       </p:ext>
     </p:extLst>
   </p:cSld>
@@ -2677,7 +2589,7 @@
           <a:p>
             <a:fld id="{0C0CC965-A63A-473D-BEFB-C8F9714D5269}" type="datetimeFigureOut">
               <a:rPr lang="zh-TW" altLang="en-US" smtClean="0"/>
-              <a:t>2023/5/19</a:t>
+              <a:t>2023/5/27</a:t>
             </a:fld>
             <a:endParaRPr lang="zh-TW" altLang="en-US"/>
           </a:p>
@@ -2845,7 +2757,7 @@
           <a:p>
             <a:fld id="{0C0CC965-A63A-473D-BEFB-C8F9714D5269}" type="datetimeFigureOut">
               <a:rPr lang="zh-TW" altLang="en-US" smtClean="0"/>
-              <a:t>2023/5/19</a:t>
+              <a:t>2023/5/27</a:t>
             </a:fld>
             <a:endParaRPr lang="zh-TW" altLang="en-US"/>
           </a:p>
@@ -3023,7 +2935,7 @@
           <a:p>
             <a:fld id="{0C0CC965-A63A-473D-BEFB-C8F9714D5269}" type="datetimeFigureOut">
               <a:rPr lang="zh-TW" altLang="en-US" smtClean="0"/>
-              <a:t>2023/5/19</a:t>
+              <a:t>2023/5/27</a:t>
             </a:fld>
             <a:endParaRPr lang="zh-TW" altLang="en-US"/>
           </a:p>
@@ -3245,7 +3157,7 @@
           <a:p>
             <a:fld id="{0C0CC965-A63A-473D-BEFB-C8F9714D5269}" type="datetimeFigureOut">
               <a:rPr lang="zh-TW" altLang="en-US" smtClean="0"/>
-              <a:t>2023/5/19</a:t>
+              <a:t>2023/5/27</a:t>
             </a:fld>
             <a:endParaRPr lang="zh-TW" altLang="en-US"/>
           </a:p>
@@ -3440,7 +3352,7 @@
           <a:p>
             <a:fld id="{0C0CC965-A63A-473D-BEFB-C8F9714D5269}" type="datetimeFigureOut">
               <a:rPr lang="zh-TW" altLang="en-US" smtClean="0"/>
-              <a:t>2023/5/19</a:t>
+              <a:t>2023/5/27</a:t>
             </a:fld>
             <a:endParaRPr lang="zh-TW" altLang="en-US"/>
           </a:p>
@@ -3685,7 +3597,7 @@
           <a:p>
             <a:fld id="{0C0CC965-A63A-473D-BEFB-C8F9714D5269}" type="datetimeFigureOut">
               <a:rPr lang="zh-TW" altLang="en-US" smtClean="0"/>
-              <a:t>2023/5/19</a:t>
+              <a:t>2023/5/27</a:t>
             </a:fld>
             <a:endParaRPr lang="zh-TW" altLang="en-US"/>
           </a:p>
@@ -3914,7 +3826,7 @@
           <a:p>
             <a:fld id="{0C0CC965-A63A-473D-BEFB-C8F9714D5269}" type="datetimeFigureOut">
               <a:rPr lang="zh-TW" altLang="en-US" smtClean="0"/>
-              <a:t>2023/5/19</a:t>
+              <a:t>2023/5/27</a:t>
             </a:fld>
             <a:endParaRPr lang="zh-TW" altLang="en-US"/>
           </a:p>
@@ -4278,7 +4190,7 @@
           <a:p>
             <a:fld id="{0C0CC965-A63A-473D-BEFB-C8F9714D5269}" type="datetimeFigureOut">
               <a:rPr lang="zh-TW" altLang="en-US" smtClean="0"/>
-              <a:t>2023/5/19</a:t>
+              <a:t>2023/5/27</a:t>
             </a:fld>
             <a:endParaRPr lang="zh-TW" altLang="en-US"/>
           </a:p>
@@ -4395,7 +4307,7 @@
           <a:p>
             <a:fld id="{0C0CC965-A63A-473D-BEFB-C8F9714D5269}" type="datetimeFigureOut">
               <a:rPr lang="zh-TW" altLang="en-US" smtClean="0"/>
-              <a:t>2023/5/19</a:t>
+              <a:t>2023/5/27</a:t>
             </a:fld>
             <a:endParaRPr lang="zh-TW" altLang="en-US"/>
           </a:p>
@@ -4490,7 +4402,7 @@
           <a:p>
             <a:fld id="{0C0CC965-A63A-473D-BEFB-C8F9714D5269}" type="datetimeFigureOut">
               <a:rPr lang="zh-TW" altLang="en-US" smtClean="0"/>
-              <a:t>2023/5/19</a:t>
+              <a:t>2023/5/27</a:t>
             </a:fld>
             <a:endParaRPr lang="zh-TW" altLang="en-US"/>
           </a:p>
@@ -4765,7 +4677,7 @@
           <a:p>
             <a:fld id="{0C0CC965-A63A-473D-BEFB-C8F9714D5269}" type="datetimeFigureOut">
               <a:rPr lang="zh-TW" altLang="en-US" smtClean="0"/>
-              <a:t>2023/5/19</a:t>
+              <a:t>2023/5/27</a:t>
             </a:fld>
             <a:endParaRPr lang="zh-TW" altLang="en-US"/>
           </a:p>
@@ -5017,7 +4929,7 @@
           <a:p>
             <a:fld id="{0C0CC965-A63A-473D-BEFB-C8F9714D5269}" type="datetimeFigureOut">
               <a:rPr lang="zh-TW" altLang="en-US" smtClean="0"/>
-              <a:t>2023/5/19</a:t>
+              <a:t>2023/5/27</a:t>
             </a:fld>
             <a:endParaRPr lang="zh-TW" altLang="en-US"/>
           </a:p>
@@ -5231,7 +5143,7 @@
             <a:fld id="{0C0CC965-A63A-473D-BEFB-C8F9714D5269}" type="datetimeFigureOut">
               <a:rPr lang="zh-TW" altLang="en-US" smtClean="0"/>
               <a:pPr/>
-              <a:t>2023/5/19</a:t>
+              <a:t>2023/5/27</a:t>
             </a:fld>
             <a:endParaRPr lang="zh-TW" altLang="en-US"/>
           </a:p>
@@ -5892,117 +5804,6 @@
       </p:grpSpPr>
       <p:sp>
         <p:nvSpPr>
-          <p:cNvPr id="4" name="標題 3"/>
-          <p:cNvSpPr>
-            <a:spLocks noGrp="1"/>
-          </p:cNvSpPr>
-          <p:nvPr>
-            <p:ph type="title"/>
-          </p:nvPr>
-        </p:nvSpPr>
-        <p:spPr/>
-        <p:txBody>
-          <a:bodyPr/>
-          <a:lstStyle/>
-          <a:p>
-            <a:r>
-              <a:rPr lang="zh-TW" altLang="en-US" dirty="0"/>
-              <a:t>系統分析 </a:t>
-            </a:r>
-            <a:r>
-              <a:rPr lang="en-US" altLang="zh-TW" dirty="0"/>
-              <a:t>–</a:t>
-            </a:r>
-            <a:r>
-              <a:rPr lang="zh-TW" altLang="en-US" dirty="0"/>
-              <a:t> </a:t>
-            </a:r>
-            <a:r>
-              <a:rPr lang="en-US" altLang="zh-TW" dirty="0"/>
-              <a:t>Break down</a:t>
-            </a:r>
-            <a:r>
-              <a:rPr lang="zh-TW" altLang="en-US" dirty="0"/>
-              <a:t> </a:t>
-            </a:r>
-            <a:r>
-              <a:rPr lang="en-US" altLang="zh-TW" dirty="0"/>
-              <a:t>(2023/5/13</a:t>
-            </a:r>
-            <a:r>
-              <a:rPr lang="zh-TW" altLang="en-US" dirty="0"/>
-              <a:t>更新</a:t>
-            </a:r>
-            <a:r>
-              <a:rPr lang="en-US" altLang="zh-TW" dirty="0"/>
-              <a:t>)</a:t>
-            </a:r>
-            <a:endParaRPr lang="zh-TW" altLang="en-US" dirty="0"/>
-          </a:p>
-        </p:txBody>
-      </p:sp>
-      <p:pic>
-        <p:nvPicPr>
-          <p:cNvPr id="3" name="圖片 2">
-            <a:extLst>
-              <a:ext uri="{FF2B5EF4-FFF2-40B4-BE49-F238E27FC236}">
-                <a16:creationId xmlns:a16="http://schemas.microsoft.com/office/drawing/2014/main" id="{5362726A-8B91-47F6-80D9-15DE3DC47D25}"/>
-              </a:ext>
-            </a:extLst>
-          </p:cNvPr>
-          <p:cNvPicPr>
-            <a:picLocks noChangeAspect="1"/>
-          </p:cNvPicPr>
-          <p:nvPr/>
-        </p:nvPicPr>
-        <p:blipFill>
-          <a:blip r:embed="rId2"/>
-          <a:stretch>
-            <a:fillRect/>
-          </a:stretch>
-        </p:blipFill>
-        <p:spPr>
-          <a:xfrm>
-            <a:off x="1600922" y="1307764"/>
-            <a:ext cx="8990157" cy="4863906"/>
-          </a:xfrm>
-          <a:prstGeom prst="rect">
-            <a:avLst/>
-          </a:prstGeom>
-        </p:spPr>
-      </p:pic>
-    </p:spTree>
-    <p:extLst>
-      <p:ext uri="{BB962C8B-B14F-4D97-AF65-F5344CB8AC3E}">
-        <p14:creationId xmlns:p14="http://schemas.microsoft.com/office/powerpoint/2010/main" val="4097681233"/>
-      </p:ext>
-    </p:extLst>
-  </p:cSld>
-  <p:clrMapOvr>
-    <a:masterClrMapping/>
-  </p:clrMapOvr>
-</p:sld>
-</file>
-
-<file path=ppt/slides/slide11.xml><?xml version="1.0" encoding="utf-8"?>
-<p:sld xmlns:a="http://schemas.openxmlformats.org/drawingml/2006/main" xmlns:r="http://schemas.openxmlformats.org/officeDocument/2006/relationships" xmlns:p="http://schemas.openxmlformats.org/presentationml/2006/main">
-  <p:cSld>
-    <p:spTree>
-      <p:nvGrpSpPr>
-        <p:cNvPr id="1" name=""/>
-        <p:cNvGrpSpPr/>
-        <p:nvPr/>
-      </p:nvGrpSpPr>
-      <p:grpSpPr>
-        <a:xfrm>
-          <a:off x="0" y="0"/>
-          <a:ext cx="0" cy="0"/>
-          <a:chOff x="0" y="0"/>
-          <a:chExt cx="0" cy="0"/>
-        </a:xfrm>
-      </p:grpSpPr>
-      <p:sp>
-        <p:nvSpPr>
           <p:cNvPr id="3" name="標題 2"/>
           <p:cNvSpPr>
             <a:spLocks noGrp="1"/>
@@ -6914,7 +6715,7 @@
 </p:sld>
 </file>
 
-<file path=ppt/slides/slide12.xml><?xml version="1.0" encoding="utf-8"?>
+<file path=ppt/slides/slide11.xml><?xml version="1.0" encoding="utf-8"?>
 <p:sld xmlns:a="http://schemas.openxmlformats.org/drawingml/2006/main" xmlns:r="http://schemas.openxmlformats.org/officeDocument/2006/relationships" xmlns:p="http://schemas.openxmlformats.org/presentationml/2006/main">
   <p:cSld>
     <p:spTree>
@@ -7144,7 +6945,7 @@
 </p:sld>
 </file>
 
-<file path=ppt/slides/slide13.xml><?xml version="1.0" encoding="utf-8"?>
+<file path=ppt/slides/slide12.xml><?xml version="1.0" encoding="utf-8"?>
 <p:sld xmlns:a="http://schemas.openxmlformats.org/drawingml/2006/main" xmlns:r="http://schemas.openxmlformats.org/officeDocument/2006/relationships" xmlns:p="http://schemas.openxmlformats.org/presentationml/2006/main">
   <p:cSld>
     <p:spTree>
@@ -7161,12 +6962,158 @@
           <a:chExt cx="0" cy="0"/>
         </a:xfrm>
       </p:grpSpPr>
+      <p:sp>
+        <p:nvSpPr>
+          <p:cNvPr id="3" name="標題 2"/>
+          <p:cNvSpPr>
+            <a:spLocks noGrp="1"/>
+          </p:cNvSpPr>
+          <p:nvPr>
+            <p:ph type="title"/>
+          </p:nvPr>
+        </p:nvSpPr>
+        <p:spPr>
+          <a:xfrm>
+            <a:off x="838200" y="329614"/>
+            <a:ext cx="10515600" cy="720000"/>
+          </a:xfrm>
+        </p:spPr>
+        <p:txBody>
+          <a:bodyPr>
+            <a:normAutofit/>
+          </a:bodyPr>
+          <a:lstStyle/>
+          <a:p>
+            <a:r>
+              <a:rPr lang="zh-TW" altLang="en-US" sz="4000" dirty="0"/>
+              <a:t>專案架構圖 </a:t>
+            </a:r>
+            <a:r>
+              <a:rPr lang="en-US" altLang="zh-TW" sz="4000" dirty="0"/>
+              <a:t>–</a:t>
+            </a:r>
+            <a:r>
+              <a:rPr lang="zh-TW" altLang="en-US" sz="4000" dirty="0"/>
+              <a:t> </a:t>
+            </a:r>
+            <a:r>
+              <a:rPr lang="zh-TW" altLang="en-US" sz="4000" dirty="0">
+                <a:latin typeface="標楷體" panose="03000509000000000000" pitchFamily="65" charset="-120"/>
+                <a:ea typeface="標楷體" panose="03000509000000000000" pitchFamily="65" charset="-120"/>
+              </a:rPr>
+              <a:t>方塊圖</a:t>
+            </a:r>
+            <a:r>
+              <a:rPr lang="en-US" altLang="zh-TW" sz="4000" dirty="0"/>
+              <a:t>(2023/5/15</a:t>
+            </a:r>
+            <a:r>
+              <a:rPr lang="zh-TW" altLang="en-US" sz="4000" dirty="0"/>
+              <a:t>更新</a:t>
+            </a:r>
+            <a:r>
+              <a:rPr lang="en-US" altLang="zh-TW" sz="4000" dirty="0"/>
+              <a:t>)</a:t>
+            </a:r>
+            <a:endParaRPr lang="zh-TW" altLang="en-US" sz="4000" dirty="0"/>
+          </a:p>
+        </p:txBody>
+      </p:sp>
+      <p:sp>
+        <p:nvSpPr>
+          <p:cNvPr id="4" name="文字方塊 3">
+            <a:extLst>
+              <a:ext uri="{FF2B5EF4-FFF2-40B4-BE49-F238E27FC236}">
+                <a16:creationId xmlns:a16="http://schemas.microsoft.com/office/drawing/2014/main" id="{3B666394-AEC8-471C-8F95-8308C72E30DF}"/>
+              </a:ext>
+            </a:extLst>
+          </p:cNvPr>
+          <p:cNvSpPr txBox="1"/>
+          <p:nvPr/>
+        </p:nvSpPr>
+        <p:spPr>
+          <a:xfrm>
+            <a:off x="1651247" y="1537030"/>
+            <a:ext cx="6977848" cy="1077218"/>
+          </a:xfrm>
+          <a:prstGeom prst="rect">
+            <a:avLst/>
+          </a:prstGeom>
+          <a:noFill/>
+        </p:spPr>
+        <p:txBody>
+          <a:bodyPr wrap="square" rtlCol="0">
+            <a:spAutoFit/>
+          </a:bodyPr>
+          <a:lstStyle/>
+          <a:p>
+            <a:pPr marL="742950" lvl="1" indent="-285750">
+              <a:buFont typeface="Arial" panose="020B0604020202020204" pitchFamily="34" charset="0"/>
+              <a:buChar char="•"/>
+            </a:pPr>
+            <a:r>
+              <a:rPr lang="en-US" altLang="zh-TW" sz="1600" dirty="0">
+                <a:latin typeface="Times New Roman" panose="02020603050405020304" pitchFamily="18" charset="0"/>
+                <a:ea typeface="標楷體" panose="03000509000000000000" pitchFamily="65" charset="-120"/>
+              </a:rPr>
+              <a:t>RTL</a:t>
+            </a:r>
+          </a:p>
+          <a:p>
+            <a:pPr marL="1200150" lvl="2" indent="-285750">
+              <a:buFont typeface="Arial" panose="020B0604020202020204" pitchFamily="34" charset="0"/>
+              <a:buChar char="•"/>
+            </a:pPr>
+            <a:r>
+              <a:rPr lang="en-US" altLang="zh-TW" sz="1600" dirty="0" err="1">
+                <a:latin typeface="Times New Roman" panose="02020603050405020304" pitchFamily="18" charset="0"/>
+                <a:ea typeface="標楷體" panose="03000509000000000000" pitchFamily="65" charset="-120"/>
+              </a:rPr>
+              <a:t>RGB_out</a:t>
+            </a:r>
+            <a:endParaRPr lang="en-US" altLang="zh-TW" sz="1600" dirty="0">
+              <a:latin typeface="Times New Roman" panose="02020603050405020304" pitchFamily="18" charset="0"/>
+              <a:ea typeface="標楷體" panose="03000509000000000000" pitchFamily="65" charset="-120"/>
+            </a:endParaRPr>
+          </a:p>
+          <a:p>
+            <a:pPr marL="1200150" lvl="2" indent="-285750">
+              <a:buFont typeface="Arial" panose="020B0604020202020204" pitchFamily="34" charset="0"/>
+              <a:buChar char="•"/>
+            </a:pPr>
+            <a:r>
+              <a:rPr lang="en-US" altLang="zh-TW" sz="1600" dirty="0">
+                <a:latin typeface="Times New Roman" panose="02020603050405020304" pitchFamily="18" charset="0"/>
+                <a:ea typeface="標楷體" panose="03000509000000000000" pitchFamily="65" charset="-120"/>
+              </a:rPr>
+              <a:t>Bram (.COE)</a:t>
+            </a:r>
+          </a:p>
+          <a:p>
+            <a:pPr marL="1200150" lvl="2" indent="-285750">
+              <a:buFont typeface="Arial" panose="020B0604020202020204" pitchFamily="34" charset="0"/>
+              <a:buChar char="•"/>
+            </a:pPr>
+            <a:r>
+              <a:rPr lang="en-US" altLang="zh-TW" sz="1600" dirty="0" err="1">
+                <a:latin typeface="Times New Roman" panose="02020603050405020304" pitchFamily="18" charset="0"/>
+                <a:ea typeface="標楷體" panose="03000509000000000000" pitchFamily="65" charset="-120"/>
+              </a:rPr>
+              <a:t>FSM_pong</a:t>
+            </a:r>
+            <a:endParaRPr lang="zh-TW" altLang="en-US" sz="1600" dirty="0">
+              <a:latin typeface="Times New Roman" panose="02020603050405020304" pitchFamily="18" charset="0"/>
+              <a:ea typeface="標楷體" panose="03000509000000000000" pitchFamily="65" charset="-120"/>
+            </a:endParaRPr>
+          </a:p>
+        </p:txBody>
+      </p:sp>
       <p:pic>
         <p:nvPicPr>
-          <p:cNvPr id="5" name="圖片 4">
+          <p:cNvPr id="6" name="圖片 5">
             <a:extLst>
               <a:ext uri="{FF2B5EF4-FFF2-40B4-BE49-F238E27FC236}">
-                <a16:creationId xmlns:a16="http://schemas.microsoft.com/office/drawing/2014/main" id="{268355E6-CA47-43C2-AEB6-D8DBF2A98A4B}"/>
+                <a16:creationId xmlns:a16="http://schemas.microsoft.com/office/drawing/2014/main" id="{5FBB5DC6-B716-454F-8648-894BC45CA799}"/>
               </a:ext>
             </a:extLst>
           </p:cNvPr>
@@ -7183,160 +7130,14 @@
         </p:blipFill>
         <p:spPr>
           <a:xfrm>
-            <a:off x="301327" y="2057883"/>
-            <a:ext cx="11589346" cy="3892750"/>
+            <a:off x="406076" y="2830673"/>
+            <a:ext cx="11379848" cy="2297485"/>
           </a:xfrm>
           <a:prstGeom prst="rect">
             <a:avLst/>
           </a:prstGeom>
         </p:spPr>
       </p:pic>
-      <p:sp>
-        <p:nvSpPr>
-          <p:cNvPr id="3" name="標題 2"/>
-          <p:cNvSpPr>
-            <a:spLocks noGrp="1"/>
-          </p:cNvSpPr>
-          <p:nvPr>
-            <p:ph type="title"/>
-          </p:nvPr>
-        </p:nvSpPr>
-        <p:spPr>
-          <a:xfrm>
-            <a:off x="838200" y="329614"/>
-            <a:ext cx="10515600" cy="720000"/>
-          </a:xfrm>
-        </p:spPr>
-        <p:txBody>
-          <a:bodyPr>
-            <a:normAutofit/>
-          </a:bodyPr>
-          <a:lstStyle/>
-          <a:p>
-            <a:r>
-              <a:rPr lang="zh-TW" altLang="en-US" sz="4000" dirty="0"/>
-              <a:t>專案架構圖 </a:t>
-            </a:r>
-            <a:r>
-              <a:rPr lang="en-US" altLang="zh-TW" sz="4000" dirty="0"/>
-              <a:t>–</a:t>
-            </a:r>
-            <a:r>
-              <a:rPr lang="zh-TW" altLang="en-US" sz="4000" dirty="0"/>
-              <a:t> </a:t>
-            </a:r>
-            <a:r>
-              <a:rPr lang="zh-TW" altLang="en-US" sz="4000" dirty="0">
-                <a:latin typeface="標楷體" panose="03000509000000000000" pitchFamily="65" charset="-120"/>
-                <a:ea typeface="標楷體" panose="03000509000000000000" pitchFamily="65" charset="-120"/>
-              </a:rPr>
-              <a:t>方塊圖</a:t>
-            </a:r>
-            <a:r>
-              <a:rPr lang="en-US" altLang="zh-TW" sz="4000" dirty="0"/>
-              <a:t>(2023/5/15</a:t>
-            </a:r>
-            <a:r>
-              <a:rPr lang="zh-TW" altLang="en-US" sz="4000" dirty="0"/>
-              <a:t>更新</a:t>
-            </a:r>
-            <a:r>
-              <a:rPr lang="en-US" altLang="zh-TW" sz="4000" dirty="0"/>
-              <a:t>)</a:t>
-            </a:r>
-            <a:endParaRPr lang="zh-TW" altLang="en-US" sz="4000" dirty="0"/>
-          </a:p>
-        </p:txBody>
-      </p:sp>
-      <p:sp>
-        <p:nvSpPr>
-          <p:cNvPr id="4" name="文字方塊 3">
-            <a:extLst>
-              <a:ext uri="{FF2B5EF4-FFF2-40B4-BE49-F238E27FC236}">
-                <a16:creationId xmlns:a16="http://schemas.microsoft.com/office/drawing/2014/main" id="{3B666394-AEC8-471C-8F95-8308C72E30DF}"/>
-              </a:ext>
-            </a:extLst>
-          </p:cNvPr>
-          <p:cNvSpPr txBox="1"/>
-          <p:nvPr/>
-        </p:nvSpPr>
-        <p:spPr>
-          <a:xfrm>
-            <a:off x="1651247" y="1537030"/>
-            <a:ext cx="6977848" cy="1077218"/>
-          </a:xfrm>
-          <a:prstGeom prst="rect">
-            <a:avLst/>
-          </a:prstGeom>
-          <a:noFill/>
-        </p:spPr>
-        <p:txBody>
-          <a:bodyPr wrap="square" rtlCol="0">
-            <a:spAutoFit/>
-          </a:bodyPr>
-          <a:lstStyle/>
-          <a:p>
-            <a:pPr marL="742950" lvl="1" indent="-285750">
-              <a:buFont typeface="Arial" panose="020B0604020202020204" pitchFamily="34" charset="0"/>
-              <a:buChar char="•"/>
-            </a:pPr>
-            <a:r>
-              <a:rPr lang="en-US" altLang="zh-TW" sz="1600" dirty="0">
-                <a:latin typeface="Times New Roman" panose="02020603050405020304" pitchFamily="18" charset="0"/>
-                <a:ea typeface="標楷體" panose="03000509000000000000" pitchFamily="65" charset="-120"/>
-              </a:rPr>
-              <a:t>RTL</a:t>
-            </a:r>
-          </a:p>
-          <a:p>
-            <a:pPr marL="1200150" lvl="2" indent="-285750">
-              <a:buFont typeface="Arial" panose="020B0604020202020204" pitchFamily="34" charset="0"/>
-              <a:buChar char="•"/>
-            </a:pPr>
-            <a:r>
-              <a:rPr lang="en-US" altLang="zh-TW" sz="1600" dirty="0" err="1">
-                <a:latin typeface="Times New Roman" panose="02020603050405020304" pitchFamily="18" charset="0"/>
-                <a:ea typeface="標楷體" panose="03000509000000000000" pitchFamily="65" charset="-120"/>
-              </a:rPr>
-              <a:t>RGB_out</a:t>
-            </a:r>
-            <a:endParaRPr lang="en-US" altLang="zh-TW" sz="1600" dirty="0">
-              <a:latin typeface="Times New Roman" panose="02020603050405020304" pitchFamily="18" charset="0"/>
-              <a:ea typeface="標楷體" panose="03000509000000000000" pitchFamily="65" charset="-120"/>
-            </a:endParaRPr>
-          </a:p>
-          <a:p>
-            <a:pPr marL="1200150" lvl="2" indent="-285750">
-              <a:buFont typeface="Arial" panose="020B0604020202020204" pitchFamily="34" charset="0"/>
-              <a:buChar char="•"/>
-            </a:pPr>
-            <a:r>
-              <a:rPr lang="en-US" altLang="zh-TW" sz="1600" dirty="0">
-                <a:latin typeface="Times New Roman" panose="02020603050405020304" pitchFamily="18" charset="0"/>
-                <a:ea typeface="標楷體" panose="03000509000000000000" pitchFamily="65" charset="-120"/>
-              </a:rPr>
-              <a:t>Bram (.COE)</a:t>
-            </a:r>
-          </a:p>
-          <a:p>
-            <a:pPr marL="1200150" lvl="2" indent="-285750">
-              <a:buFont typeface="Arial" panose="020B0604020202020204" pitchFamily="34" charset="0"/>
-              <a:buChar char="•"/>
-            </a:pPr>
-            <a:r>
-              <a:rPr lang="en-US" altLang="zh-TW" sz="1600" dirty="0" err="1">
-                <a:latin typeface="Times New Roman" panose="02020603050405020304" pitchFamily="18" charset="0"/>
-                <a:ea typeface="標楷體" panose="03000509000000000000" pitchFamily="65" charset="-120"/>
-              </a:rPr>
-              <a:t>FSM_pong</a:t>
-            </a:r>
-            <a:endParaRPr lang="zh-TW" altLang="en-US" sz="1600" dirty="0">
-              <a:latin typeface="Times New Roman" panose="02020603050405020304" pitchFamily="18" charset="0"/>
-              <a:ea typeface="標楷體" panose="03000509000000000000" pitchFamily="65" charset="-120"/>
-            </a:endParaRPr>
-          </a:p>
-        </p:txBody>
-      </p:sp>
     </p:spTree>
     <p:extLst>
       <p:ext uri="{BB962C8B-B14F-4D97-AF65-F5344CB8AC3E}">
@@ -7350,7 +7151,7 @@
 </p:sld>
 </file>
 
-<file path=ppt/slides/slide14.xml><?xml version="1.0" encoding="utf-8"?>
+<file path=ppt/slides/slide13.xml><?xml version="1.0" encoding="utf-8"?>
 <p:sld xmlns:a="http://schemas.openxmlformats.org/drawingml/2006/main" xmlns:r="http://schemas.openxmlformats.org/officeDocument/2006/relationships" xmlns:p="http://schemas.openxmlformats.org/presentationml/2006/main">
   <p:cSld>
     <p:spTree>
@@ -7544,7 +7345,7 @@
 </p:sld>
 </file>
 
-<file path=ppt/slides/slide15.xml><?xml version="1.0" encoding="utf-8"?>
+<file path=ppt/slides/slide14.xml><?xml version="1.0" encoding="utf-8"?>
 <p:sld xmlns:a="http://schemas.openxmlformats.org/drawingml/2006/main" xmlns:r="http://schemas.openxmlformats.org/officeDocument/2006/relationships" xmlns:p="http://schemas.openxmlformats.org/presentationml/2006/main">
   <p:cSld>
     <p:spTree>
@@ -7865,7 +7666,7 @@
 </p:sld>
 </file>
 
-<file path=ppt/slides/slide16.xml><?xml version="1.0" encoding="utf-8"?>
+<file path=ppt/slides/slide15.xml><?xml version="1.0" encoding="utf-8"?>
 <p:sld xmlns:a="http://schemas.openxmlformats.org/drawingml/2006/main" xmlns:r="http://schemas.openxmlformats.org/officeDocument/2006/relationships" xmlns:p="http://schemas.openxmlformats.org/presentationml/2006/main">
   <p:cSld>
     <p:spTree>
@@ -8120,7 +7921,7 @@
 </p:sld>
 </file>
 
-<file path=ppt/slides/slide17.xml><?xml version="1.0" encoding="utf-8"?>
+<file path=ppt/slides/slide16.xml><?xml version="1.0" encoding="utf-8"?>
 <p:sld xmlns:a="http://schemas.openxmlformats.org/drawingml/2006/main" xmlns:r="http://schemas.openxmlformats.org/officeDocument/2006/relationships" xmlns:p="http://schemas.openxmlformats.org/presentationml/2006/main">
   <p:cSld>
     <p:spTree>
@@ -8429,7 +8230,7 @@
 </p:sld>
 </file>
 
-<file path=ppt/slides/slide18.xml><?xml version="1.0" encoding="utf-8"?>
+<file path=ppt/slides/slide17.xml><?xml version="1.0" encoding="utf-8"?>
 <p:sld xmlns:a="http://schemas.openxmlformats.org/drawingml/2006/main" xmlns:r="http://schemas.openxmlformats.org/officeDocument/2006/relationships" xmlns:p="http://schemas.openxmlformats.org/presentationml/2006/main">
   <p:cSld>
     <p:spTree>
@@ -8738,6 +8539,171 @@
 </p:sld>
 </file>
 
+<file path=ppt/slides/slide18.xml><?xml version="1.0" encoding="utf-8"?>
+<p:sld xmlns:a="http://schemas.openxmlformats.org/drawingml/2006/main" xmlns:r="http://schemas.openxmlformats.org/officeDocument/2006/relationships" xmlns:p="http://schemas.openxmlformats.org/presentationml/2006/main">
+  <p:cSld>
+    <p:spTree>
+      <p:nvGrpSpPr>
+        <p:cNvPr id="1" name=""/>
+        <p:cNvGrpSpPr/>
+        <p:nvPr/>
+      </p:nvGrpSpPr>
+      <p:grpSpPr>
+        <a:xfrm>
+          <a:off x="0" y="0"/>
+          <a:ext cx="0" cy="0"/>
+          <a:chOff x="0" y="0"/>
+          <a:chExt cx="0" cy="0"/>
+        </a:xfrm>
+      </p:grpSpPr>
+      <p:sp>
+        <p:nvSpPr>
+          <p:cNvPr id="3" name="標題 2"/>
+          <p:cNvSpPr>
+            <a:spLocks noGrp="1"/>
+          </p:cNvSpPr>
+          <p:nvPr>
+            <p:ph type="title"/>
+          </p:nvPr>
+        </p:nvSpPr>
+        <p:spPr>
+          <a:xfrm>
+            <a:off x="838200" y="365125"/>
+            <a:ext cx="10515600" cy="720000"/>
+          </a:xfrm>
+        </p:spPr>
+        <p:txBody>
+          <a:bodyPr>
+            <a:noAutofit/>
+          </a:bodyPr>
+          <a:lstStyle/>
+          <a:p>
+            <a:r>
+              <a:rPr lang="en-US" altLang="zh-TW" sz="3200" dirty="0" err="1"/>
+              <a:t>VGA_BRam</a:t>
+            </a:r>
+            <a:r>
+              <a:rPr lang="zh-TW" altLang="en-US" sz="3200" dirty="0"/>
+              <a:t>的圖形改號誌</a:t>
+            </a:r>
+          </a:p>
+        </p:txBody>
+      </p:sp>
+      <p:sp>
+        <p:nvSpPr>
+          <p:cNvPr id="8" name="文字方塊 7">
+            <a:extLst>
+              <a:ext uri="{FF2B5EF4-FFF2-40B4-BE49-F238E27FC236}">
+                <a16:creationId xmlns:a16="http://schemas.microsoft.com/office/drawing/2014/main" id="{4BA85CC5-34E4-41F1-B7F8-09CEB0CDED2B}"/>
+              </a:ext>
+            </a:extLst>
+          </p:cNvPr>
+          <p:cNvSpPr txBox="1"/>
+          <p:nvPr/>
+        </p:nvSpPr>
+        <p:spPr>
+          <a:xfrm>
+            <a:off x="2022446" y="1472202"/>
+            <a:ext cx="5373306" cy="646331"/>
+          </a:xfrm>
+          <a:prstGeom prst="rect">
+            <a:avLst/>
+          </a:prstGeom>
+          <a:noFill/>
+        </p:spPr>
+        <p:txBody>
+          <a:bodyPr wrap="square">
+            <a:spAutoFit/>
+          </a:bodyPr>
+          <a:lstStyle/>
+          <a:p>
+            <a:r>
+              <a:rPr lang="en-US" altLang="zh-TW" sz="1800" kern="1200" baseline="0" dirty="0" err="1">
+                <a:solidFill>
+                  <a:srgbClr val="000000"/>
+                </a:solidFill>
+                <a:effectLst/>
+                <a:latin typeface="Times New Roman" panose="02020603050405020304" pitchFamily="18" charset="0"/>
+                <a:ea typeface="標楷體" panose="03000509000000000000" pitchFamily="65" charset="-120"/>
+                <a:cs typeface="+mj-cs"/>
+              </a:rPr>
+              <a:t>VGA_Bram</a:t>
+            </a:r>
+            <a:endParaRPr lang="zh-TW" altLang="en-US" dirty="0">
+              <a:latin typeface="標楷體" panose="03000509000000000000" pitchFamily="65" charset="-120"/>
+              <a:ea typeface="標楷體" panose="03000509000000000000" pitchFamily="65" charset="-120"/>
+            </a:endParaRPr>
+          </a:p>
+          <a:p>
+            <a:pPr marL="285750" indent="-285750">
+              <a:buFont typeface="Arial" panose="020B0604020202020204" pitchFamily="34" charset="0"/>
+              <a:buChar char="•"/>
+            </a:pPr>
+            <a:r>
+              <a:rPr lang="en-US" altLang="zh-TW" dirty="0">
+                <a:latin typeface="Times New Roman" panose="02020603050405020304" pitchFamily="18" charset="0"/>
+                <a:ea typeface="標楷體" panose="03000509000000000000" pitchFamily="65" charset="-120"/>
+              </a:rPr>
+              <a:t>QR code</a:t>
+            </a:r>
+            <a:endParaRPr lang="en-US" altLang="zh-TW" dirty="0">
+              <a:latin typeface="標楷體" panose="03000509000000000000" pitchFamily="65" charset="-120"/>
+              <a:ea typeface="標楷體" panose="03000509000000000000" pitchFamily="65" charset="-120"/>
+            </a:endParaRPr>
+          </a:p>
+        </p:txBody>
+      </p:sp>
+      <p:sp>
+        <p:nvSpPr>
+          <p:cNvPr id="9" name="文字方塊 8">
+            <a:extLst>
+              <a:ext uri="{FF2B5EF4-FFF2-40B4-BE49-F238E27FC236}">
+                <a16:creationId xmlns:a16="http://schemas.microsoft.com/office/drawing/2014/main" id="{EB8D24F1-959B-48A6-8E8B-73F5E4AE6FCC}"/>
+              </a:ext>
+            </a:extLst>
+          </p:cNvPr>
+          <p:cNvSpPr txBox="1"/>
+          <p:nvPr/>
+        </p:nvSpPr>
+        <p:spPr>
+          <a:xfrm>
+            <a:off x="5577470" y="5474308"/>
+            <a:ext cx="1171202" cy="369332"/>
+          </a:xfrm>
+          <a:prstGeom prst="rect">
+            <a:avLst/>
+          </a:prstGeom>
+          <a:noFill/>
+        </p:spPr>
+        <p:txBody>
+          <a:bodyPr wrap="square">
+            <a:spAutoFit/>
+          </a:bodyPr>
+          <a:lstStyle/>
+          <a:p>
+            <a:r>
+              <a:rPr lang="zh-TW" altLang="en-US" dirty="0">
+                <a:latin typeface="標楷體" panose="03000509000000000000" pitchFamily="65" charset="-120"/>
+                <a:ea typeface="標楷體" panose="03000509000000000000" pitchFamily="65" charset="-120"/>
+              </a:rPr>
+              <a:t>圖形置中</a:t>
+            </a:r>
+          </a:p>
+        </p:txBody>
+      </p:sp>
+    </p:spTree>
+    <p:extLst>
+      <p:ext uri="{BB962C8B-B14F-4D97-AF65-F5344CB8AC3E}">
+        <p14:creationId xmlns:p14="http://schemas.microsoft.com/office/powerpoint/2010/main" val="2179286972"/>
+      </p:ext>
+    </p:extLst>
+  </p:cSld>
+  <p:clrMapOvr>
+    <a:masterClrMapping/>
+  </p:clrMapOvr>
+</p:sld>
+</file>
+
 <file path=ppt/slides/slide19.xml><?xml version="1.0" encoding="utf-8"?>
 <p:sld xmlns:a="http://schemas.openxmlformats.org/drawingml/2006/main" xmlns:r="http://schemas.openxmlformats.org/officeDocument/2006/relationships" xmlns:p="http://schemas.openxmlformats.org/presentationml/2006/main">
   <p:cSld>
@@ -8786,12 +8752,8 @@
               <a:t> - VGA</a:t>
             </a:r>
             <a:r>
-              <a:rPr lang="zh-TW" altLang="en-US" sz="3200" dirty="0"/>
+              <a:rPr lang="zh-TW" altLang="en-US" sz="3200"/>
               <a:t>顯示</a:t>
-            </a:r>
-            <a:r>
-              <a:rPr lang="en-US" altLang="zh-TW" sz="3200" dirty="0"/>
-              <a:t>(3/3)</a:t>
             </a:r>
             <a:endParaRPr lang="zh-TW" altLang="en-US" sz="3200" dirty="0"/>
           </a:p>
@@ -9004,7 +8966,7 @@
             </a:r>
             <a:r>
               <a:rPr lang="en-US" altLang="zh-TW" sz="4400" dirty="0"/>
-              <a:t>2023/5/13</a:t>
+              <a:t>2023/5/18</a:t>
             </a:r>
             <a:r>
               <a:rPr lang="en-US" altLang="zh-TW" dirty="0"/>
@@ -9113,10 +9075,64 @@
           </a:prstGeom>
         </p:spPr>
       </p:pic>
+      <p:sp>
+        <p:nvSpPr>
+          <p:cNvPr id="5" name="矩形 4">
+            <a:extLst>
+              <a:ext uri="{FF2B5EF4-FFF2-40B4-BE49-F238E27FC236}">
+                <a16:creationId xmlns:a16="http://schemas.microsoft.com/office/drawing/2014/main" id="{57854072-619E-4378-B351-7DB5F8B98C17}"/>
+              </a:ext>
+            </a:extLst>
+          </p:cNvPr>
+          <p:cNvSpPr/>
+          <p:nvPr/>
+        </p:nvSpPr>
+        <p:spPr>
+          <a:xfrm>
+            <a:off x="5033640" y="2529430"/>
+            <a:ext cx="5619407" cy="296595"/>
+          </a:xfrm>
+          <a:prstGeom prst="rect">
+            <a:avLst/>
+          </a:prstGeom>
+          <a:noFill/>
+          <a:ln w="28575">
+            <a:solidFill>
+              <a:srgbClr val="FF0000"/>
+            </a:solidFill>
+          </a:ln>
+        </p:spPr>
+        <p:style>
+          <a:lnRef idx="2">
+            <a:schemeClr val="accent1">
+              <a:shade val="50000"/>
+            </a:schemeClr>
+          </a:lnRef>
+          <a:fillRef idx="1">
+            <a:schemeClr val="accent1"/>
+          </a:fillRef>
+          <a:effectRef idx="0">
+            <a:schemeClr val="accent1"/>
+          </a:effectRef>
+          <a:fontRef idx="minor">
+            <a:schemeClr val="lt1"/>
+          </a:fontRef>
+        </p:style>
+        <p:txBody>
+          <a:bodyPr rtlCol="0" anchor="ctr"/>
+          <a:lstStyle/>
+          <a:p>
+            <a:pPr algn="ctr"/>
+            <a:endParaRPr lang="zh-TW" altLang="en-US" dirty="0">
+              <a:noFill/>
+            </a:endParaRPr>
+          </a:p>
+        </p:txBody>
+      </p:sp>
     </p:spTree>
     <p:extLst>
       <p:ext uri="{BB962C8B-B14F-4D97-AF65-F5344CB8AC3E}">
-        <p14:creationId xmlns:p14="http://schemas.microsoft.com/office/powerpoint/2010/main" val="3556275576"/>
+        <p14:creationId xmlns:p14="http://schemas.microsoft.com/office/powerpoint/2010/main" val="409289478"/>
       </p:ext>
     </p:extLst>
   </p:cSld>
@@ -9145,346 +9161,6 @@
       </p:grpSpPr>
       <p:sp>
         <p:nvSpPr>
-          <p:cNvPr id="3" name="標題 2"/>
-          <p:cNvSpPr>
-            <a:spLocks noGrp="1"/>
-          </p:cNvSpPr>
-          <p:nvPr>
-            <p:ph type="title"/>
-          </p:nvPr>
-        </p:nvSpPr>
-        <p:spPr>
-          <a:xfrm>
-            <a:off x="838200" y="365125"/>
-            <a:ext cx="10515600" cy="720000"/>
-          </a:xfrm>
-        </p:spPr>
-        <p:txBody>
-          <a:bodyPr>
-            <a:noAutofit/>
-          </a:bodyPr>
-          <a:lstStyle/>
-          <a:p>
-            <a:r>
-              <a:rPr lang="en-US" altLang="zh-TW" sz="3200" dirty="0" err="1"/>
-              <a:t>VGA_BRam</a:t>
-            </a:r>
-            <a:r>
-              <a:rPr lang="zh-TW" altLang="en-US" sz="3200" dirty="0"/>
-              <a:t>的圖形改號誌</a:t>
-            </a:r>
-            <a:r>
-              <a:rPr lang="en-US" altLang="zh-TW" sz="3200" dirty="0"/>
-              <a:t>(1/2)</a:t>
-            </a:r>
-            <a:endParaRPr lang="zh-TW" altLang="en-US" sz="3200" dirty="0"/>
-          </a:p>
-        </p:txBody>
-      </p:sp>
-      <p:sp>
-        <p:nvSpPr>
-          <p:cNvPr id="8" name="文字方塊 7">
-            <a:extLst>
-              <a:ext uri="{FF2B5EF4-FFF2-40B4-BE49-F238E27FC236}">
-                <a16:creationId xmlns:a16="http://schemas.microsoft.com/office/drawing/2014/main" id="{4BA85CC5-34E4-41F1-B7F8-09CEB0CDED2B}"/>
-              </a:ext>
-            </a:extLst>
-          </p:cNvPr>
-          <p:cNvSpPr txBox="1"/>
-          <p:nvPr/>
-        </p:nvSpPr>
-        <p:spPr>
-          <a:xfrm>
-            <a:off x="2022446" y="1472202"/>
-            <a:ext cx="5373306" cy="646331"/>
-          </a:xfrm>
-          <a:prstGeom prst="rect">
-            <a:avLst/>
-          </a:prstGeom>
-          <a:noFill/>
-        </p:spPr>
-        <p:txBody>
-          <a:bodyPr wrap="square">
-            <a:spAutoFit/>
-          </a:bodyPr>
-          <a:lstStyle/>
-          <a:p>
-            <a:r>
-              <a:rPr lang="en-US" altLang="zh-TW" sz="1800" kern="1200" baseline="0" dirty="0" err="1">
-                <a:solidFill>
-                  <a:srgbClr val="000000"/>
-                </a:solidFill>
-                <a:effectLst/>
-                <a:latin typeface="Times New Roman" panose="02020603050405020304" pitchFamily="18" charset="0"/>
-                <a:ea typeface="標楷體" panose="03000509000000000000" pitchFamily="65" charset="-120"/>
-                <a:cs typeface="+mj-cs"/>
-              </a:rPr>
-              <a:t>VGA_Bram</a:t>
-            </a:r>
-            <a:endParaRPr lang="zh-TW" altLang="en-US" dirty="0">
-              <a:latin typeface="標楷體" panose="03000509000000000000" pitchFamily="65" charset="-120"/>
-              <a:ea typeface="標楷體" panose="03000509000000000000" pitchFamily="65" charset="-120"/>
-            </a:endParaRPr>
-          </a:p>
-          <a:p>
-            <a:pPr marL="285750" indent="-285750">
-              <a:buFont typeface="Arial" panose="020B0604020202020204" pitchFamily="34" charset="0"/>
-              <a:buChar char="•"/>
-            </a:pPr>
-            <a:r>
-              <a:rPr lang="en-US" altLang="zh-TW" dirty="0">
-                <a:latin typeface="Times New Roman" panose="02020603050405020304" pitchFamily="18" charset="0"/>
-                <a:ea typeface="標楷體" panose="03000509000000000000" pitchFamily="65" charset="-120"/>
-              </a:rPr>
-              <a:t>QR code</a:t>
-            </a:r>
-            <a:endParaRPr lang="en-US" altLang="zh-TW" dirty="0">
-              <a:latin typeface="標楷體" panose="03000509000000000000" pitchFamily="65" charset="-120"/>
-              <a:ea typeface="標楷體" panose="03000509000000000000" pitchFamily="65" charset="-120"/>
-            </a:endParaRPr>
-          </a:p>
-        </p:txBody>
-      </p:sp>
-      <p:sp>
-        <p:nvSpPr>
-          <p:cNvPr id="9" name="文字方塊 8">
-            <a:extLst>
-              <a:ext uri="{FF2B5EF4-FFF2-40B4-BE49-F238E27FC236}">
-                <a16:creationId xmlns:a16="http://schemas.microsoft.com/office/drawing/2014/main" id="{EB8D24F1-959B-48A6-8E8B-73F5E4AE6FCC}"/>
-              </a:ext>
-            </a:extLst>
-          </p:cNvPr>
-          <p:cNvSpPr txBox="1"/>
-          <p:nvPr/>
-        </p:nvSpPr>
-        <p:spPr>
-          <a:xfrm>
-            <a:off x="5577470" y="5474308"/>
-            <a:ext cx="1171202" cy="369332"/>
-          </a:xfrm>
-          <a:prstGeom prst="rect">
-            <a:avLst/>
-          </a:prstGeom>
-          <a:noFill/>
-        </p:spPr>
-        <p:txBody>
-          <a:bodyPr wrap="square">
-            <a:spAutoFit/>
-          </a:bodyPr>
-          <a:lstStyle/>
-          <a:p>
-            <a:r>
-              <a:rPr lang="zh-TW" altLang="en-US" dirty="0">
-                <a:latin typeface="標楷體" panose="03000509000000000000" pitchFamily="65" charset="-120"/>
-                <a:ea typeface="標楷體" panose="03000509000000000000" pitchFamily="65" charset="-120"/>
-              </a:rPr>
-              <a:t>圖形置中</a:t>
-            </a:r>
-          </a:p>
-        </p:txBody>
-      </p:sp>
-    </p:spTree>
-    <p:extLst>
-      <p:ext uri="{BB962C8B-B14F-4D97-AF65-F5344CB8AC3E}">
-        <p14:creationId xmlns:p14="http://schemas.microsoft.com/office/powerpoint/2010/main" val="2179286972"/>
-      </p:ext>
-    </p:extLst>
-  </p:cSld>
-  <p:clrMapOvr>
-    <a:masterClrMapping/>
-  </p:clrMapOvr>
-</p:sld>
-</file>
-
-<file path=ppt/slides/slide21.xml><?xml version="1.0" encoding="utf-8"?>
-<p:sld xmlns:a="http://schemas.openxmlformats.org/drawingml/2006/main" xmlns:r="http://schemas.openxmlformats.org/officeDocument/2006/relationships" xmlns:p="http://schemas.openxmlformats.org/presentationml/2006/main">
-  <p:cSld>
-    <p:spTree>
-      <p:nvGrpSpPr>
-        <p:cNvPr id="1" name=""/>
-        <p:cNvGrpSpPr/>
-        <p:nvPr/>
-      </p:nvGrpSpPr>
-      <p:grpSpPr>
-        <a:xfrm>
-          <a:off x="0" y="0"/>
-          <a:ext cx="0" cy="0"/>
-          <a:chOff x="0" y="0"/>
-          <a:chExt cx="0" cy="0"/>
-        </a:xfrm>
-      </p:grpSpPr>
-      <p:sp>
-        <p:nvSpPr>
-          <p:cNvPr id="3" name="標題 2"/>
-          <p:cNvSpPr>
-            <a:spLocks noGrp="1"/>
-          </p:cNvSpPr>
-          <p:nvPr>
-            <p:ph type="title"/>
-          </p:nvPr>
-        </p:nvSpPr>
-        <p:spPr>
-          <a:xfrm>
-            <a:off x="838200" y="365125"/>
-            <a:ext cx="10515600" cy="720000"/>
-          </a:xfrm>
-        </p:spPr>
-        <p:txBody>
-          <a:bodyPr>
-            <a:noAutofit/>
-          </a:bodyPr>
-          <a:lstStyle/>
-          <a:p>
-            <a:r>
-              <a:rPr lang="en-US" altLang="zh-TW" sz="3200" dirty="0" err="1"/>
-              <a:t>VGA_BRam</a:t>
-            </a:r>
-            <a:r>
-              <a:rPr lang="zh-TW" altLang="en-US" sz="3200" dirty="0"/>
-              <a:t>的圖形改號誌</a:t>
-            </a:r>
-            <a:r>
-              <a:rPr lang="en-US" altLang="zh-TW" sz="3200" dirty="0"/>
-              <a:t>(2/2)</a:t>
-            </a:r>
-            <a:endParaRPr lang="zh-TW" altLang="en-US" sz="3200" dirty="0"/>
-          </a:p>
-        </p:txBody>
-      </p:sp>
-      <p:sp>
-        <p:nvSpPr>
-          <p:cNvPr id="8" name="文字方塊 7">
-            <a:extLst>
-              <a:ext uri="{FF2B5EF4-FFF2-40B4-BE49-F238E27FC236}">
-                <a16:creationId xmlns:a16="http://schemas.microsoft.com/office/drawing/2014/main" id="{4BA85CC5-34E4-41F1-B7F8-09CEB0CDED2B}"/>
-              </a:ext>
-            </a:extLst>
-          </p:cNvPr>
-          <p:cNvSpPr txBox="1"/>
-          <p:nvPr/>
-        </p:nvSpPr>
-        <p:spPr>
-          <a:xfrm>
-            <a:off x="2022446" y="1472202"/>
-            <a:ext cx="5373306" cy="646331"/>
-          </a:xfrm>
-          <a:prstGeom prst="rect">
-            <a:avLst/>
-          </a:prstGeom>
-          <a:noFill/>
-        </p:spPr>
-        <p:txBody>
-          <a:bodyPr wrap="square">
-            <a:spAutoFit/>
-          </a:bodyPr>
-          <a:lstStyle/>
-          <a:p>
-            <a:r>
-              <a:rPr lang="en-US" altLang="zh-TW" sz="1800" kern="1200" baseline="0" dirty="0" err="1">
-                <a:solidFill>
-                  <a:srgbClr val="000000"/>
-                </a:solidFill>
-                <a:effectLst/>
-                <a:latin typeface="Times New Roman" panose="02020603050405020304" pitchFamily="18" charset="0"/>
-                <a:ea typeface="標楷體" panose="03000509000000000000" pitchFamily="65" charset="-120"/>
-                <a:cs typeface="+mj-cs"/>
-              </a:rPr>
-              <a:t>VGA_Bram</a:t>
-            </a:r>
-            <a:endParaRPr lang="zh-TW" altLang="en-US" dirty="0">
-              <a:latin typeface="標楷體" panose="03000509000000000000" pitchFamily="65" charset="-120"/>
-              <a:ea typeface="標楷體" panose="03000509000000000000" pitchFamily="65" charset="-120"/>
-            </a:endParaRPr>
-          </a:p>
-          <a:p>
-            <a:pPr marL="285750" indent="-285750">
-              <a:buFont typeface="Arial" panose="020B0604020202020204" pitchFamily="34" charset="0"/>
-              <a:buChar char="•"/>
-            </a:pPr>
-            <a:r>
-              <a:rPr lang="en-US" altLang="zh-TW" dirty="0">
-                <a:latin typeface="Times New Roman" panose="02020603050405020304" pitchFamily="18" charset="0"/>
-                <a:ea typeface="標楷體" panose="03000509000000000000" pitchFamily="65" charset="-120"/>
-              </a:rPr>
-              <a:t>QR code</a:t>
-            </a:r>
-            <a:endParaRPr lang="en-US" altLang="zh-TW" dirty="0">
-              <a:latin typeface="標楷體" panose="03000509000000000000" pitchFamily="65" charset="-120"/>
-              <a:ea typeface="標楷體" panose="03000509000000000000" pitchFamily="65" charset="-120"/>
-            </a:endParaRPr>
-          </a:p>
-        </p:txBody>
-      </p:sp>
-      <p:sp>
-        <p:nvSpPr>
-          <p:cNvPr id="9" name="文字方塊 8">
-            <a:extLst>
-              <a:ext uri="{FF2B5EF4-FFF2-40B4-BE49-F238E27FC236}">
-                <a16:creationId xmlns:a16="http://schemas.microsoft.com/office/drawing/2014/main" id="{EB8D24F1-959B-48A6-8E8B-73F5E4AE6FCC}"/>
-              </a:ext>
-            </a:extLst>
-          </p:cNvPr>
-          <p:cNvSpPr txBox="1"/>
-          <p:nvPr/>
-        </p:nvSpPr>
-        <p:spPr>
-          <a:xfrm>
-            <a:off x="5577470" y="5474308"/>
-            <a:ext cx="1171202" cy="369332"/>
-          </a:xfrm>
-          <a:prstGeom prst="rect">
-            <a:avLst/>
-          </a:prstGeom>
-          <a:noFill/>
-        </p:spPr>
-        <p:txBody>
-          <a:bodyPr wrap="square">
-            <a:spAutoFit/>
-          </a:bodyPr>
-          <a:lstStyle/>
-          <a:p>
-            <a:r>
-              <a:rPr lang="zh-TW" altLang="en-US" dirty="0">
-                <a:latin typeface="標楷體" panose="03000509000000000000" pitchFamily="65" charset="-120"/>
-                <a:ea typeface="標楷體" panose="03000509000000000000" pitchFamily="65" charset="-120"/>
-              </a:rPr>
-              <a:t>來回接球</a:t>
-            </a:r>
-          </a:p>
-        </p:txBody>
-      </p:sp>
-    </p:spTree>
-    <p:extLst>
-      <p:ext uri="{BB962C8B-B14F-4D97-AF65-F5344CB8AC3E}">
-        <p14:creationId xmlns:p14="http://schemas.microsoft.com/office/powerpoint/2010/main" val="3351426594"/>
-      </p:ext>
-    </p:extLst>
-  </p:cSld>
-  <p:clrMapOvr>
-    <a:masterClrMapping/>
-  </p:clrMapOvr>
-</p:sld>
-</file>
-
-<file path=ppt/slides/slide22.xml><?xml version="1.0" encoding="utf-8"?>
-<p:sld xmlns:a="http://schemas.openxmlformats.org/drawingml/2006/main" xmlns:r="http://schemas.openxmlformats.org/officeDocument/2006/relationships" xmlns:p="http://schemas.openxmlformats.org/presentationml/2006/main">
-  <p:cSld>
-    <p:spTree>
-      <p:nvGrpSpPr>
-        <p:cNvPr id="1" name=""/>
-        <p:cNvGrpSpPr/>
-        <p:nvPr/>
-      </p:nvGrpSpPr>
-      <p:grpSpPr>
-        <a:xfrm>
-          <a:off x="0" y="0"/>
-          <a:ext cx="0" cy="0"/>
-          <a:chOff x="0" y="0"/>
-          <a:chExt cx="0" cy="0"/>
-        </a:xfrm>
-      </p:grpSpPr>
-      <p:sp>
-        <p:nvSpPr>
           <p:cNvPr id="2" name="內容版面配置區 1"/>
           <p:cNvSpPr>
             <a:spLocks noGrp="1"/>
@@ -9556,16 +9232,6 @@
             <a:r>
               <a:rPr lang="zh-TW" altLang="en-US" sz="1800" dirty="0"/>
               <a:t>畫面上數</a:t>
-            </a:r>
-            <a:endParaRPr lang="en-US" altLang="zh-TW" sz="1800" b="1" dirty="0">
-              <a:latin typeface="標楷體" panose="03000509000000000000" pitchFamily="65" charset="-120"/>
-            </a:endParaRPr>
-          </a:p>
-          <a:p>
-            <a:pPr marL="1200150" lvl="3" indent="-285750"/>
-            <a:r>
-              <a:rPr lang="zh-TW" altLang="en-US" sz="1800" dirty="0"/>
-              <a:t>加上計分模組</a:t>
             </a:r>
           </a:p>
         </p:txBody>
@@ -9610,7 +9276,7 @@
 </p:sld>
 </file>
 
-<file path=ppt/slides/slide23.xml><?xml version="1.0" encoding="utf-8"?>
+<file path=ppt/slides/slide21.xml><?xml version="1.0" encoding="utf-8"?>
 <p:sld xmlns:a="http://schemas.openxmlformats.org/drawingml/2006/main" xmlns:r="http://schemas.openxmlformats.org/officeDocument/2006/relationships" xmlns:p="http://schemas.openxmlformats.org/presentationml/2006/main">
   <p:cSld>
     <p:spTree>
@@ -9929,7 +9595,7 @@
 </p:sld>
 </file>
 
-<file path=ppt/slides/slide24.xml><?xml version="1.0" encoding="utf-8"?>
+<file path=ppt/slides/slide22.xml><?xml version="1.0" encoding="utf-8"?>
 <p:sld xmlns:a="http://schemas.openxmlformats.org/drawingml/2006/main" xmlns:r="http://schemas.openxmlformats.org/officeDocument/2006/relationships" xmlns:p="http://schemas.openxmlformats.org/presentationml/2006/main">
   <p:cSld>
     <p:spTree>
@@ -10198,7 +9864,7 @@
 </p:sld>
 </file>
 
-<file path=ppt/slides/slide25.xml><?xml version="1.0" encoding="utf-8"?>
+<file path=ppt/slides/slide23.xml><?xml version="1.0" encoding="utf-8"?>
 <p:sld xmlns:a="http://schemas.openxmlformats.org/drawingml/2006/main" xmlns:r="http://schemas.openxmlformats.org/officeDocument/2006/relationships" xmlns:p="http://schemas.openxmlformats.org/presentationml/2006/main">
   <p:cSld>
     <p:spTree>
@@ -10543,7 +10209,7 @@
 </p:sld>
 </file>
 
-<file path=ppt/slides/slide26.xml><?xml version="1.0" encoding="utf-8"?>
+<file path=ppt/slides/slide24.xml><?xml version="1.0" encoding="utf-8"?>
 <p:sld xmlns:a="http://schemas.openxmlformats.org/drawingml/2006/main" xmlns:r="http://schemas.openxmlformats.org/officeDocument/2006/relationships" xmlns:p="http://schemas.openxmlformats.org/presentationml/2006/main">
   <p:cSld>
     <p:spTree>
@@ -11049,6 +10715,379 @@
 </p:sld>
 </file>
 
+<file path=ppt/slides/slide25.xml><?xml version="1.0" encoding="utf-8"?>
+<p:sld xmlns:a="http://schemas.openxmlformats.org/drawingml/2006/main" xmlns:r="http://schemas.openxmlformats.org/officeDocument/2006/relationships" xmlns:p="http://schemas.openxmlformats.org/presentationml/2006/main">
+  <p:cSld>
+    <p:spTree>
+      <p:nvGrpSpPr>
+        <p:cNvPr id="1" name=""/>
+        <p:cNvGrpSpPr/>
+        <p:nvPr/>
+      </p:nvGrpSpPr>
+      <p:grpSpPr>
+        <a:xfrm>
+          <a:off x="0" y="0"/>
+          <a:ext cx="0" cy="0"/>
+          <a:chOff x="0" y="0"/>
+          <a:chExt cx="0" cy="0"/>
+        </a:xfrm>
+      </p:grpSpPr>
+      <p:sp>
+        <p:nvSpPr>
+          <p:cNvPr id="3" name="標題 2"/>
+          <p:cNvSpPr>
+            <a:spLocks noGrp="1"/>
+          </p:cNvSpPr>
+          <p:nvPr>
+            <p:ph type="title"/>
+          </p:nvPr>
+        </p:nvSpPr>
+        <p:spPr>
+          <a:xfrm>
+            <a:off x="838200" y="365125"/>
+            <a:ext cx="10515600" cy="720000"/>
+          </a:xfrm>
+        </p:spPr>
+        <p:txBody>
+          <a:bodyPr>
+            <a:noAutofit/>
+          </a:bodyPr>
+          <a:lstStyle/>
+          <a:p>
+            <a:r>
+              <a:rPr lang="zh-TW" altLang="en-US" sz="3200" dirty="0"/>
+              <a:t>成果展示 </a:t>
+            </a:r>
+            <a:r>
+              <a:rPr lang="en-US" altLang="zh-TW" sz="3200" dirty="0"/>
+              <a:t>–</a:t>
+            </a:r>
+            <a:r>
+              <a:rPr lang="zh-TW" altLang="en-US" sz="3200" dirty="0">
+                <a:latin typeface="標楷體" panose="03000509000000000000" pitchFamily="65" charset="-120"/>
+              </a:rPr>
+              <a:t>單元測試</a:t>
+            </a:r>
+            <a:r>
+              <a:rPr lang="en-US" altLang="zh-TW" sz="3200" dirty="0">
+                <a:latin typeface="標楷體" panose="03000509000000000000" pitchFamily="65" charset="-120"/>
+              </a:rPr>
+              <a:t>:</a:t>
+            </a:r>
+            <a:r>
+              <a:rPr lang="zh-TW" altLang="en-US" sz="3200" dirty="0"/>
+              <a:t>字母、號碼</a:t>
+            </a:r>
+            <a:r>
+              <a:rPr lang="en-US" altLang="zh-TW" sz="3200" dirty="0"/>
+              <a:t>(2023/5/7)</a:t>
+            </a:r>
+            <a:endParaRPr lang="zh-TW" altLang="en-US" sz="3200" dirty="0"/>
+          </a:p>
+        </p:txBody>
+      </p:sp>
+      <p:sp>
+        <p:nvSpPr>
+          <p:cNvPr id="14" name="文字方塊 13">
+            <a:extLst>
+              <a:ext uri="{FF2B5EF4-FFF2-40B4-BE49-F238E27FC236}">
+                <a16:creationId xmlns:a16="http://schemas.microsoft.com/office/drawing/2014/main" id="{E4E592F9-FC71-4DD1-9118-16844995CC7F}"/>
+              </a:ext>
+            </a:extLst>
+          </p:cNvPr>
+          <p:cNvSpPr txBox="1"/>
+          <p:nvPr/>
+        </p:nvSpPr>
+        <p:spPr>
+          <a:xfrm>
+            <a:off x="2022446" y="1472203"/>
+            <a:ext cx="5373306" cy="646331"/>
+          </a:xfrm>
+          <a:prstGeom prst="rect">
+            <a:avLst/>
+          </a:prstGeom>
+          <a:noFill/>
+        </p:spPr>
+        <p:txBody>
+          <a:bodyPr wrap="square">
+            <a:spAutoFit/>
+          </a:bodyPr>
+          <a:lstStyle/>
+          <a:p>
+            <a:pPr marL="285750" indent="-285750">
+              <a:buFont typeface="Arial" panose="020B0604020202020204" pitchFamily="34" charset="0"/>
+              <a:buChar char="•"/>
+            </a:pPr>
+            <a:r>
+              <a:rPr lang="zh-TW" altLang="en-US" dirty="0">
+                <a:latin typeface="標楷體" panose="03000509000000000000" pitchFamily="65" charset="-120"/>
+                <a:ea typeface="標楷體" panose="03000509000000000000" pitchFamily="65" charset="-120"/>
+              </a:rPr>
+              <a:t>圖案比例</a:t>
+            </a:r>
+            <a:r>
+              <a:rPr lang="en-US" altLang="zh-TW" dirty="0">
+                <a:latin typeface="標楷體" panose="03000509000000000000" pitchFamily="65" charset="-120"/>
+                <a:ea typeface="標楷體" panose="03000509000000000000" pitchFamily="65" charset="-120"/>
+              </a:rPr>
+              <a:t>: </a:t>
+            </a:r>
+          </a:p>
+          <a:p>
+            <a:pPr marL="742950" lvl="1" indent="-285750">
+              <a:buFont typeface="Arial" panose="020B0604020202020204" pitchFamily="34" charset="0"/>
+              <a:buChar char="•"/>
+            </a:pPr>
+            <a:r>
+              <a:rPr lang="zh-TW" altLang="en-US" dirty="0">
+                <a:latin typeface="標楷體" panose="03000509000000000000" pitchFamily="65" charset="-120"/>
+                <a:ea typeface="標楷體" panose="03000509000000000000" pitchFamily="65" charset="-120"/>
+              </a:rPr>
+              <a:t>學號</a:t>
+            </a:r>
+            <a:r>
+              <a:rPr lang="en-US" altLang="zh-TW" dirty="0">
+                <a:latin typeface="標楷體" panose="03000509000000000000" pitchFamily="65" charset="-120"/>
+                <a:ea typeface="標楷體" panose="03000509000000000000" pitchFamily="65" charset="-120"/>
+              </a:rPr>
+              <a:t>: 140x38 (8bits)</a:t>
+            </a:r>
+            <a:endParaRPr lang="zh-TW" altLang="en-US" dirty="0">
+              <a:latin typeface="標楷體" panose="03000509000000000000" pitchFamily="65" charset="-120"/>
+              <a:ea typeface="標楷體" panose="03000509000000000000" pitchFamily="65" charset="-120"/>
+            </a:endParaRPr>
+          </a:p>
+        </p:txBody>
+      </p:sp>
+      <p:sp>
+        <p:nvSpPr>
+          <p:cNvPr id="4" name="文字方塊 3">
+            <a:extLst>
+              <a:ext uri="{FF2B5EF4-FFF2-40B4-BE49-F238E27FC236}">
+                <a16:creationId xmlns:a16="http://schemas.microsoft.com/office/drawing/2014/main" id="{ED2814D5-88C3-433F-99B6-BECD9FEA1494}"/>
+              </a:ext>
+            </a:extLst>
+          </p:cNvPr>
+          <p:cNvSpPr txBox="1"/>
+          <p:nvPr/>
+        </p:nvSpPr>
+        <p:spPr>
+          <a:xfrm>
+            <a:off x="5772014" y="5669617"/>
+            <a:ext cx="647972" cy="369332"/>
+          </a:xfrm>
+          <a:prstGeom prst="rect">
+            <a:avLst/>
+          </a:prstGeom>
+          <a:noFill/>
+        </p:spPr>
+        <p:txBody>
+          <a:bodyPr wrap="square">
+            <a:spAutoFit/>
+          </a:bodyPr>
+          <a:lstStyle/>
+          <a:p>
+            <a:r>
+              <a:rPr lang="zh-TW" altLang="en-US" dirty="0">
+                <a:latin typeface="標楷體" panose="03000509000000000000" pitchFamily="65" charset="-120"/>
+                <a:ea typeface="標楷體" panose="03000509000000000000" pitchFamily="65" charset="-120"/>
+              </a:rPr>
+              <a:t>學號</a:t>
+            </a:r>
+          </a:p>
+        </p:txBody>
+      </p:sp>
+    </p:spTree>
+    <p:extLst>
+      <p:ext uri="{BB962C8B-B14F-4D97-AF65-F5344CB8AC3E}">
+        <p14:creationId xmlns:p14="http://schemas.microsoft.com/office/powerpoint/2010/main" val="2902632193"/>
+      </p:ext>
+    </p:extLst>
+  </p:cSld>
+  <p:clrMapOvr>
+    <a:masterClrMapping/>
+  </p:clrMapOvr>
+</p:sld>
+</file>
+
+<file path=ppt/slides/slide26.xml><?xml version="1.0" encoding="utf-8"?>
+<p:sld xmlns:a="http://schemas.openxmlformats.org/drawingml/2006/main" xmlns:r="http://schemas.openxmlformats.org/officeDocument/2006/relationships" xmlns:p="http://schemas.openxmlformats.org/presentationml/2006/main">
+  <p:cSld>
+    <p:spTree>
+      <p:nvGrpSpPr>
+        <p:cNvPr id="1" name=""/>
+        <p:cNvGrpSpPr/>
+        <p:nvPr/>
+      </p:nvGrpSpPr>
+      <p:grpSpPr>
+        <a:xfrm>
+          <a:off x="0" y="0"/>
+          <a:ext cx="0" cy="0"/>
+          <a:chOff x="0" y="0"/>
+          <a:chExt cx="0" cy="0"/>
+        </a:xfrm>
+      </p:grpSpPr>
+      <p:sp>
+        <p:nvSpPr>
+          <p:cNvPr id="3" name="標題 2"/>
+          <p:cNvSpPr>
+            <a:spLocks noGrp="1"/>
+          </p:cNvSpPr>
+          <p:nvPr>
+            <p:ph type="title"/>
+          </p:nvPr>
+        </p:nvSpPr>
+        <p:spPr>
+          <a:xfrm>
+            <a:off x="838200" y="365125"/>
+            <a:ext cx="10515600" cy="720000"/>
+          </a:xfrm>
+        </p:spPr>
+        <p:txBody>
+          <a:bodyPr>
+            <a:noAutofit/>
+          </a:bodyPr>
+          <a:lstStyle/>
+          <a:p>
+            <a:r>
+              <a:rPr lang="zh-TW" altLang="en-US" sz="3200" dirty="0"/>
+              <a:t>成果展示 </a:t>
+            </a:r>
+            <a:r>
+              <a:rPr lang="en-US" altLang="zh-TW" sz="3200" dirty="0"/>
+              <a:t>–</a:t>
+            </a:r>
+            <a:r>
+              <a:rPr lang="zh-TW" altLang="en-US" sz="3200" dirty="0"/>
+              <a:t> </a:t>
+            </a:r>
+            <a:r>
+              <a:rPr lang="en-US" altLang="zh-TW" sz="3200" dirty="0" err="1"/>
+              <a:t>VGA_pong_BRam</a:t>
+            </a:r>
+            <a:r>
+              <a:rPr lang="en-US" altLang="zh-TW" sz="3200" dirty="0"/>
+              <a:t>(2023/5/7)</a:t>
+            </a:r>
+            <a:endParaRPr lang="zh-TW" altLang="en-US" sz="3200" dirty="0"/>
+          </a:p>
+        </p:txBody>
+      </p:sp>
+      <p:sp>
+        <p:nvSpPr>
+          <p:cNvPr id="14" name="文字方塊 13">
+            <a:extLst>
+              <a:ext uri="{FF2B5EF4-FFF2-40B4-BE49-F238E27FC236}">
+                <a16:creationId xmlns:a16="http://schemas.microsoft.com/office/drawing/2014/main" id="{E4E592F9-FC71-4DD1-9118-16844995CC7F}"/>
+              </a:ext>
+            </a:extLst>
+          </p:cNvPr>
+          <p:cNvSpPr txBox="1"/>
+          <p:nvPr/>
+        </p:nvSpPr>
+        <p:spPr>
+          <a:xfrm>
+            <a:off x="2022446" y="1472202"/>
+            <a:ext cx="5373306" cy="646331"/>
+          </a:xfrm>
+          <a:prstGeom prst="rect">
+            <a:avLst/>
+          </a:prstGeom>
+          <a:noFill/>
+        </p:spPr>
+        <p:txBody>
+          <a:bodyPr wrap="square">
+            <a:spAutoFit/>
+          </a:bodyPr>
+          <a:lstStyle/>
+          <a:p>
+            <a:r>
+              <a:rPr lang="en-US" altLang="zh-TW" sz="1800" kern="1200" baseline="0" dirty="0" err="1">
+                <a:solidFill>
+                  <a:srgbClr val="000000"/>
+                </a:solidFill>
+                <a:effectLst/>
+                <a:latin typeface="Times New Roman" panose="02020603050405020304" pitchFamily="18" charset="0"/>
+                <a:ea typeface="標楷體" panose="03000509000000000000" pitchFamily="65" charset="-120"/>
+                <a:cs typeface="+mj-cs"/>
+              </a:rPr>
+              <a:t>VGA_pong</a:t>
+            </a:r>
+            <a:endParaRPr lang="zh-TW" altLang="en-US" dirty="0">
+              <a:latin typeface="標楷體" panose="03000509000000000000" pitchFamily="65" charset="-120"/>
+              <a:ea typeface="標楷體" panose="03000509000000000000" pitchFamily="65" charset="-120"/>
+            </a:endParaRPr>
+          </a:p>
+          <a:p>
+            <a:pPr marL="285750" indent="-285750">
+              <a:buFont typeface="Arial" panose="020B0604020202020204" pitchFamily="34" charset="0"/>
+              <a:buChar char="•"/>
+            </a:pPr>
+            <a:r>
+              <a:rPr lang="zh-TW" altLang="en-US" dirty="0">
+                <a:latin typeface="Times New Roman" panose="02020603050405020304" pitchFamily="18" charset="0"/>
+                <a:ea typeface="標楷體" panose="03000509000000000000" pitchFamily="65" charset="-120"/>
+              </a:rPr>
+              <a:t>學號</a:t>
+            </a:r>
+            <a:endParaRPr lang="en-US" altLang="zh-TW" dirty="0">
+              <a:latin typeface="標楷體" panose="03000509000000000000" pitchFamily="65" charset="-120"/>
+              <a:ea typeface="標楷體" panose="03000509000000000000" pitchFamily="65" charset="-120"/>
+            </a:endParaRPr>
+          </a:p>
+        </p:txBody>
+      </p:sp>
+      <p:sp>
+        <p:nvSpPr>
+          <p:cNvPr id="5" name="文字方塊 4">
+            <a:extLst>
+              <a:ext uri="{FF2B5EF4-FFF2-40B4-BE49-F238E27FC236}">
+                <a16:creationId xmlns:a16="http://schemas.microsoft.com/office/drawing/2014/main" id="{7D31011E-9A66-434B-9EC7-95F8A4A33AA8}"/>
+              </a:ext>
+            </a:extLst>
+          </p:cNvPr>
+          <p:cNvSpPr txBox="1"/>
+          <p:nvPr/>
+        </p:nvSpPr>
+        <p:spPr>
+          <a:xfrm>
+            <a:off x="5510399" y="5554207"/>
+            <a:ext cx="1171202" cy="369332"/>
+          </a:xfrm>
+          <a:prstGeom prst="rect">
+            <a:avLst/>
+          </a:prstGeom>
+          <a:noFill/>
+        </p:spPr>
+        <p:txBody>
+          <a:bodyPr wrap="square">
+            <a:spAutoFit/>
+          </a:bodyPr>
+          <a:lstStyle/>
+          <a:p>
+            <a:r>
+              <a:rPr lang="zh-TW" altLang="en-US" dirty="0">
+                <a:latin typeface="標楷體" panose="03000509000000000000" pitchFamily="65" charset="-120"/>
+                <a:ea typeface="標楷體" panose="03000509000000000000" pitchFamily="65" charset="-120"/>
+              </a:rPr>
+              <a:t>來回接球</a:t>
+            </a:r>
+          </a:p>
+        </p:txBody>
+      </p:sp>
+    </p:spTree>
+    <p:extLst>
+      <p:ext uri="{BB962C8B-B14F-4D97-AF65-F5344CB8AC3E}">
+        <p14:creationId xmlns:p14="http://schemas.microsoft.com/office/powerpoint/2010/main" val="3698673102"/>
+      </p:ext>
+    </p:extLst>
+  </p:cSld>
+  <p:clrMapOvr>
+    <a:masterClrMapping/>
+  </p:clrMapOvr>
+</p:sld>
+</file>
+
 <file path=ppt/slides/slide27.xml><?xml version="1.0" encoding="utf-8"?>
 <p:sld xmlns:a="http://schemas.openxmlformats.org/drawingml/2006/main" xmlns:r="http://schemas.openxmlformats.org/officeDocument/2006/relationships" xmlns:p="http://schemas.openxmlformats.org/presentationml/2006/main">
   <p:cSld>
@@ -11068,379 +11107,6 @@
       </p:grpSpPr>
       <p:sp>
         <p:nvSpPr>
-          <p:cNvPr id="3" name="標題 2"/>
-          <p:cNvSpPr>
-            <a:spLocks noGrp="1"/>
-          </p:cNvSpPr>
-          <p:nvPr>
-            <p:ph type="title"/>
-          </p:nvPr>
-        </p:nvSpPr>
-        <p:spPr>
-          <a:xfrm>
-            <a:off x="838200" y="365125"/>
-            <a:ext cx="10515600" cy="720000"/>
-          </a:xfrm>
-        </p:spPr>
-        <p:txBody>
-          <a:bodyPr>
-            <a:noAutofit/>
-          </a:bodyPr>
-          <a:lstStyle/>
-          <a:p>
-            <a:r>
-              <a:rPr lang="zh-TW" altLang="en-US" sz="3200" dirty="0"/>
-              <a:t>成果展示 </a:t>
-            </a:r>
-            <a:r>
-              <a:rPr lang="en-US" altLang="zh-TW" sz="3200" dirty="0"/>
-              <a:t>–</a:t>
-            </a:r>
-            <a:r>
-              <a:rPr lang="zh-TW" altLang="en-US" sz="3200" dirty="0">
-                <a:latin typeface="標楷體" panose="03000509000000000000" pitchFamily="65" charset="-120"/>
-              </a:rPr>
-              <a:t>單元測試</a:t>
-            </a:r>
-            <a:r>
-              <a:rPr lang="en-US" altLang="zh-TW" sz="3200" dirty="0">
-                <a:latin typeface="標楷體" panose="03000509000000000000" pitchFamily="65" charset="-120"/>
-              </a:rPr>
-              <a:t>:</a:t>
-            </a:r>
-            <a:r>
-              <a:rPr lang="zh-TW" altLang="en-US" sz="3200" dirty="0"/>
-              <a:t>字母、號碼</a:t>
-            </a:r>
-            <a:r>
-              <a:rPr lang="en-US" altLang="zh-TW" sz="3200" dirty="0"/>
-              <a:t>(2023/5/7)</a:t>
-            </a:r>
-            <a:endParaRPr lang="zh-TW" altLang="en-US" sz="3200" dirty="0"/>
-          </a:p>
-        </p:txBody>
-      </p:sp>
-      <p:sp>
-        <p:nvSpPr>
-          <p:cNvPr id="14" name="文字方塊 13">
-            <a:extLst>
-              <a:ext uri="{FF2B5EF4-FFF2-40B4-BE49-F238E27FC236}">
-                <a16:creationId xmlns:a16="http://schemas.microsoft.com/office/drawing/2014/main" id="{E4E592F9-FC71-4DD1-9118-16844995CC7F}"/>
-              </a:ext>
-            </a:extLst>
-          </p:cNvPr>
-          <p:cNvSpPr txBox="1"/>
-          <p:nvPr/>
-        </p:nvSpPr>
-        <p:spPr>
-          <a:xfrm>
-            <a:off x="2022446" y="1472203"/>
-            <a:ext cx="5373306" cy="646331"/>
-          </a:xfrm>
-          <a:prstGeom prst="rect">
-            <a:avLst/>
-          </a:prstGeom>
-          <a:noFill/>
-        </p:spPr>
-        <p:txBody>
-          <a:bodyPr wrap="square">
-            <a:spAutoFit/>
-          </a:bodyPr>
-          <a:lstStyle/>
-          <a:p>
-            <a:pPr marL="285750" indent="-285750">
-              <a:buFont typeface="Arial" panose="020B0604020202020204" pitchFamily="34" charset="0"/>
-              <a:buChar char="•"/>
-            </a:pPr>
-            <a:r>
-              <a:rPr lang="zh-TW" altLang="en-US" dirty="0">
-                <a:latin typeface="標楷體" panose="03000509000000000000" pitchFamily="65" charset="-120"/>
-                <a:ea typeface="標楷體" panose="03000509000000000000" pitchFamily="65" charset="-120"/>
-              </a:rPr>
-              <a:t>圖案比例</a:t>
-            </a:r>
-            <a:r>
-              <a:rPr lang="en-US" altLang="zh-TW" dirty="0">
-                <a:latin typeface="標楷體" panose="03000509000000000000" pitchFamily="65" charset="-120"/>
-                <a:ea typeface="標楷體" panose="03000509000000000000" pitchFamily="65" charset="-120"/>
-              </a:rPr>
-              <a:t>: </a:t>
-            </a:r>
-          </a:p>
-          <a:p>
-            <a:pPr marL="742950" lvl="1" indent="-285750">
-              <a:buFont typeface="Arial" panose="020B0604020202020204" pitchFamily="34" charset="0"/>
-              <a:buChar char="•"/>
-            </a:pPr>
-            <a:r>
-              <a:rPr lang="zh-TW" altLang="en-US" dirty="0">
-                <a:latin typeface="標楷體" panose="03000509000000000000" pitchFamily="65" charset="-120"/>
-                <a:ea typeface="標楷體" panose="03000509000000000000" pitchFamily="65" charset="-120"/>
-              </a:rPr>
-              <a:t>學號</a:t>
-            </a:r>
-            <a:r>
-              <a:rPr lang="en-US" altLang="zh-TW" dirty="0">
-                <a:latin typeface="標楷體" panose="03000509000000000000" pitchFamily="65" charset="-120"/>
-                <a:ea typeface="標楷體" panose="03000509000000000000" pitchFamily="65" charset="-120"/>
-              </a:rPr>
-              <a:t>: 140x38 (8bits)</a:t>
-            </a:r>
-            <a:endParaRPr lang="zh-TW" altLang="en-US" dirty="0">
-              <a:latin typeface="標楷體" panose="03000509000000000000" pitchFamily="65" charset="-120"/>
-              <a:ea typeface="標楷體" panose="03000509000000000000" pitchFamily="65" charset="-120"/>
-            </a:endParaRPr>
-          </a:p>
-        </p:txBody>
-      </p:sp>
-      <p:sp>
-        <p:nvSpPr>
-          <p:cNvPr id="4" name="文字方塊 3">
-            <a:extLst>
-              <a:ext uri="{FF2B5EF4-FFF2-40B4-BE49-F238E27FC236}">
-                <a16:creationId xmlns:a16="http://schemas.microsoft.com/office/drawing/2014/main" id="{ED2814D5-88C3-433F-99B6-BECD9FEA1494}"/>
-              </a:ext>
-            </a:extLst>
-          </p:cNvPr>
-          <p:cNvSpPr txBox="1"/>
-          <p:nvPr/>
-        </p:nvSpPr>
-        <p:spPr>
-          <a:xfrm>
-            <a:off x="5772014" y="5669617"/>
-            <a:ext cx="647972" cy="369332"/>
-          </a:xfrm>
-          <a:prstGeom prst="rect">
-            <a:avLst/>
-          </a:prstGeom>
-          <a:noFill/>
-        </p:spPr>
-        <p:txBody>
-          <a:bodyPr wrap="square">
-            <a:spAutoFit/>
-          </a:bodyPr>
-          <a:lstStyle/>
-          <a:p>
-            <a:r>
-              <a:rPr lang="zh-TW" altLang="en-US" dirty="0">
-                <a:latin typeface="標楷體" panose="03000509000000000000" pitchFamily="65" charset="-120"/>
-                <a:ea typeface="標楷體" panose="03000509000000000000" pitchFamily="65" charset="-120"/>
-              </a:rPr>
-              <a:t>學號</a:t>
-            </a:r>
-          </a:p>
-        </p:txBody>
-      </p:sp>
-    </p:spTree>
-    <p:extLst>
-      <p:ext uri="{BB962C8B-B14F-4D97-AF65-F5344CB8AC3E}">
-        <p14:creationId xmlns:p14="http://schemas.microsoft.com/office/powerpoint/2010/main" val="2902632193"/>
-      </p:ext>
-    </p:extLst>
-  </p:cSld>
-  <p:clrMapOvr>
-    <a:masterClrMapping/>
-  </p:clrMapOvr>
-</p:sld>
-</file>
-
-<file path=ppt/slides/slide28.xml><?xml version="1.0" encoding="utf-8"?>
-<p:sld xmlns:a="http://schemas.openxmlformats.org/drawingml/2006/main" xmlns:r="http://schemas.openxmlformats.org/officeDocument/2006/relationships" xmlns:p="http://schemas.openxmlformats.org/presentationml/2006/main">
-  <p:cSld>
-    <p:spTree>
-      <p:nvGrpSpPr>
-        <p:cNvPr id="1" name=""/>
-        <p:cNvGrpSpPr/>
-        <p:nvPr/>
-      </p:nvGrpSpPr>
-      <p:grpSpPr>
-        <a:xfrm>
-          <a:off x="0" y="0"/>
-          <a:ext cx="0" cy="0"/>
-          <a:chOff x="0" y="0"/>
-          <a:chExt cx="0" cy="0"/>
-        </a:xfrm>
-      </p:grpSpPr>
-      <p:sp>
-        <p:nvSpPr>
-          <p:cNvPr id="3" name="標題 2"/>
-          <p:cNvSpPr>
-            <a:spLocks noGrp="1"/>
-          </p:cNvSpPr>
-          <p:nvPr>
-            <p:ph type="title"/>
-          </p:nvPr>
-        </p:nvSpPr>
-        <p:spPr>
-          <a:xfrm>
-            <a:off x="838200" y="365125"/>
-            <a:ext cx="10515600" cy="720000"/>
-          </a:xfrm>
-        </p:spPr>
-        <p:txBody>
-          <a:bodyPr>
-            <a:noAutofit/>
-          </a:bodyPr>
-          <a:lstStyle/>
-          <a:p>
-            <a:r>
-              <a:rPr lang="zh-TW" altLang="en-US" sz="3200" dirty="0"/>
-              <a:t>成果展示 </a:t>
-            </a:r>
-            <a:r>
-              <a:rPr lang="en-US" altLang="zh-TW" sz="3200" dirty="0"/>
-              <a:t>–</a:t>
-            </a:r>
-            <a:r>
-              <a:rPr lang="zh-TW" altLang="en-US" sz="3200" dirty="0"/>
-              <a:t> </a:t>
-            </a:r>
-            <a:r>
-              <a:rPr lang="en-US" altLang="zh-TW" sz="3200" dirty="0" err="1"/>
-              <a:t>VGA_pong_BRam</a:t>
-            </a:r>
-            <a:r>
-              <a:rPr lang="en-US" altLang="zh-TW" sz="3200" dirty="0"/>
-              <a:t>(2023/5/7)</a:t>
-            </a:r>
-            <a:endParaRPr lang="zh-TW" altLang="en-US" sz="3200" dirty="0"/>
-          </a:p>
-        </p:txBody>
-      </p:sp>
-      <p:sp>
-        <p:nvSpPr>
-          <p:cNvPr id="14" name="文字方塊 13">
-            <a:extLst>
-              <a:ext uri="{FF2B5EF4-FFF2-40B4-BE49-F238E27FC236}">
-                <a16:creationId xmlns:a16="http://schemas.microsoft.com/office/drawing/2014/main" id="{E4E592F9-FC71-4DD1-9118-16844995CC7F}"/>
-              </a:ext>
-            </a:extLst>
-          </p:cNvPr>
-          <p:cNvSpPr txBox="1"/>
-          <p:nvPr/>
-        </p:nvSpPr>
-        <p:spPr>
-          <a:xfrm>
-            <a:off x="2022446" y="1472202"/>
-            <a:ext cx="5373306" cy="646331"/>
-          </a:xfrm>
-          <a:prstGeom prst="rect">
-            <a:avLst/>
-          </a:prstGeom>
-          <a:noFill/>
-        </p:spPr>
-        <p:txBody>
-          <a:bodyPr wrap="square">
-            <a:spAutoFit/>
-          </a:bodyPr>
-          <a:lstStyle/>
-          <a:p>
-            <a:r>
-              <a:rPr lang="en-US" altLang="zh-TW" sz="1800" kern="1200" baseline="0" dirty="0" err="1">
-                <a:solidFill>
-                  <a:srgbClr val="000000"/>
-                </a:solidFill>
-                <a:effectLst/>
-                <a:latin typeface="Times New Roman" panose="02020603050405020304" pitchFamily="18" charset="0"/>
-                <a:ea typeface="標楷體" panose="03000509000000000000" pitchFamily="65" charset="-120"/>
-                <a:cs typeface="+mj-cs"/>
-              </a:rPr>
-              <a:t>VGA_pong</a:t>
-            </a:r>
-            <a:endParaRPr lang="zh-TW" altLang="en-US" dirty="0">
-              <a:latin typeface="標楷體" panose="03000509000000000000" pitchFamily="65" charset="-120"/>
-              <a:ea typeface="標楷體" panose="03000509000000000000" pitchFamily="65" charset="-120"/>
-            </a:endParaRPr>
-          </a:p>
-          <a:p>
-            <a:pPr marL="285750" indent="-285750">
-              <a:buFont typeface="Arial" panose="020B0604020202020204" pitchFamily="34" charset="0"/>
-              <a:buChar char="•"/>
-            </a:pPr>
-            <a:r>
-              <a:rPr lang="zh-TW" altLang="en-US" dirty="0">
-                <a:latin typeface="Times New Roman" panose="02020603050405020304" pitchFamily="18" charset="0"/>
-                <a:ea typeface="標楷體" panose="03000509000000000000" pitchFamily="65" charset="-120"/>
-              </a:rPr>
-              <a:t>學號</a:t>
-            </a:r>
-            <a:endParaRPr lang="en-US" altLang="zh-TW" dirty="0">
-              <a:latin typeface="標楷體" panose="03000509000000000000" pitchFamily="65" charset="-120"/>
-              <a:ea typeface="標楷體" panose="03000509000000000000" pitchFamily="65" charset="-120"/>
-            </a:endParaRPr>
-          </a:p>
-        </p:txBody>
-      </p:sp>
-      <p:sp>
-        <p:nvSpPr>
-          <p:cNvPr id="5" name="文字方塊 4">
-            <a:extLst>
-              <a:ext uri="{FF2B5EF4-FFF2-40B4-BE49-F238E27FC236}">
-                <a16:creationId xmlns:a16="http://schemas.microsoft.com/office/drawing/2014/main" id="{7D31011E-9A66-434B-9EC7-95F8A4A33AA8}"/>
-              </a:ext>
-            </a:extLst>
-          </p:cNvPr>
-          <p:cNvSpPr txBox="1"/>
-          <p:nvPr/>
-        </p:nvSpPr>
-        <p:spPr>
-          <a:xfrm>
-            <a:off x="5510399" y="5554207"/>
-            <a:ext cx="1171202" cy="369332"/>
-          </a:xfrm>
-          <a:prstGeom prst="rect">
-            <a:avLst/>
-          </a:prstGeom>
-          <a:noFill/>
-        </p:spPr>
-        <p:txBody>
-          <a:bodyPr wrap="square">
-            <a:spAutoFit/>
-          </a:bodyPr>
-          <a:lstStyle/>
-          <a:p>
-            <a:r>
-              <a:rPr lang="zh-TW" altLang="en-US" dirty="0">
-                <a:latin typeface="標楷體" panose="03000509000000000000" pitchFamily="65" charset="-120"/>
-                <a:ea typeface="標楷體" panose="03000509000000000000" pitchFamily="65" charset="-120"/>
-              </a:rPr>
-              <a:t>來回接球</a:t>
-            </a:r>
-          </a:p>
-        </p:txBody>
-      </p:sp>
-    </p:spTree>
-    <p:extLst>
-      <p:ext uri="{BB962C8B-B14F-4D97-AF65-F5344CB8AC3E}">
-        <p14:creationId xmlns:p14="http://schemas.microsoft.com/office/powerpoint/2010/main" val="3698673102"/>
-      </p:ext>
-    </p:extLst>
-  </p:cSld>
-  <p:clrMapOvr>
-    <a:masterClrMapping/>
-  </p:clrMapOvr>
-</p:sld>
-</file>
-
-<file path=ppt/slides/slide29.xml><?xml version="1.0" encoding="utf-8"?>
-<p:sld xmlns:a="http://schemas.openxmlformats.org/drawingml/2006/main" xmlns:r="http://schemas.openxmlformats.org/officeDocument/2006/relationships" xmlns:p="http://schemas.openxmlformats.org/presentationml/2006/main">
-  <p:cSld>
-    <p:spTree>
-      <p:nvGrpSpPr>
-        <p:cNvPr id="1" name=""/>
-        <p:cNvGrpSpPr/>
-        <p:nvPr/>
-      </p:nvGrpSpPr>
-      <p:grpSpPr>
-        <a:xfrm>
-          <a:off x="0" y="0"/>
-          <a:ext cx="0" cy="0"/>
-          <a:chOff x="0" y="0"/>
-          <a:chExt cx="0" cy="0"/>
-        </a:xfrm>
-      </p:grpSpPr>
-      <p:sp>
-        <p:nvSpPr>
           <p:cNvPr id="2" name="內容版面配置區 1"/>
           <p:cNvSpPr>
             <a:spLocks noGrp="1"/>
@@ -11556,241 +11222,7 @@
 </p:sld>
 </file>
 
-<file path=ppt/slides/slide3.xml><?xml version="1.0" encoding="utf-8"?>
-<p:sld xmlns:a="http://schemas.openxmlformats.org/drawingml/2006/main" xmlns:r="http://schemas.openxmlformats.org/officeDocument/2006/relationships" xmlns:p="http://schemas.openxmlformats.org/presentationml/2006/main">
-  <p:cSld>
-    <p:spTree>
-      <p:nvGrpSpPr>
-        <p:cNvPr id="1" name=""/>
-        <p:cNvGrpSpPr/>
-        <p:nvPr/>
-      </p:nvGrpSpPr>
-      <p:grpSpPr>
-        <a:xfrm>
-          <a:off x="0" y="0"/>
-          <a:ext cx="0" cy="0"/>
-          <a:chOff x="0" y="0"/>
-          <a:chExt cx="0" cy="0"/>
-        </a:xfrm>
-      </p:grpSpPr>
-      <p:sp>
-        <p:nvSpPr>
-          <p:cNvPr id="3" name="標題 2"/>
-          <p:cNvSpPr>
-            <a:spLocks noGrp="1"/>
-          </p:cNvSpPr>
-          <p:nvPr>
-            <p:ph type="title"/>
-          </p:nvPr>
-        </p:nvSpPr>
-        <p:spPr/>
-        <p:txBody>
-          <a:bodyPr/>
-          <a:lstStyle/>
-          <a:p>
-            <a:r>
-              <a:rPr lang="zh-TW" altLang="en-US" dirty="0"/>
-              <a:t>控管記錄 </a:t>
-            </a:r>
-            <a:r>
-              <a:rPr lang="en-US" altLang="zh-TW" dirty="0"/>
-              <a:t>–</a:t>
-            </a:r>
-            <a:r>
-              <a:rPr lang="zh-TW" altLang="en-US" dirty="0"/>
-              <a:t> </a:t>
-            </a:r>
-            <a:r>
-              <a:rPr lang="en-US" altLang="zh-TW" dirty="0"/>
-              <a:t>NAS</a:t>
-            </a:r>
-            <a:r>
-              <a:rPr lang="zh-TW" altLang="en-US" dirty="0"/>
-              <a:t> </a:t>
-            </a:r>
-            <a:r>
-              <a:rPr lang="en-US" altLang="zh-TW" dirty="0"/>
-              <a:t>(</a:t>
-            </a:r>
-            <a:r>
-              <a:rPr lang="en-US" altLang="zh-TW" sz="4400" dirty="0"/>
-              <a:t>2023/5/18</a:t>
-            </a:r>
-            <a:r>
-              <a:rPr lang="en-US" altLang="zh-TW" dirty="0"/>
-              <a:t>)</a:t>
-            </a:r>
-            <a:endParaRPr lang="zh-TW" altLang="en-US" dirty="0"/>
-          </a:p>
-        </p:txBody>
-      </p:sp>
-      <p:sp>
-        <p:nvSpPr>
-          <p:cNvPr id="9" name="矩形 8">
-            <a:extLst>
-              <a:ext uri="{FF2B5EF4-FFF2-40B4-BE49-F238E27FC236}">
-                <a16:creationId xmlns:a16="http://schemas.microsoft.com/office/drawing/2014/main" id="{1F596EB5-194B-41DD-9405-83C981B5180E}"/>
-              </a:ext>
-            </a:extLst>
-          </p:cNvPr>
-          <p:cNvSpPr/>
-          <p:nvPr/>
-        </p:nvSpPr>
-        <p:spPr>
-          <a:xfrm>
-            <a:off x="589428" y="1662062"/>
-            <a:ext cx="3120704" cy="1323439"/>
-          </a:xfrm>
-          <a:prstGeom prst="rect">
-            <a:avLst/>
-          </a:prstGeom>
-        </p:spPr>
-        <p:txBody>
-          <a:bodyPr wrap="square">
-            <a:spAutoFit/>
-          </a:bodyPr>
-          <a:lstStyle/>
-          <a:p>
-            <a:pPr marL="285750" lvl="1" indent="-285750"/>
-            <a:r>
-              <a:rPr lang="zh-TW" altLang="en-US" sz="2000" dirty="0">
-                <a:latin typeface="Times New Roman" panose="02020603050405020304" pitchFamily="18" charset="0"/>
-                <a:ea typeface="標楷體" panose="03000509000000000000" pitchFamily="65" charset="-120"/>
-              </a:rPr>
-              <a:t>本週更新：</a:t>
-            </a:r>
-            <a:endParaRPr lang="en-US" altLang="zh-TW" sz="2000" dirty="0">
-              <a:latin typeface="Times New Roman" panose="02020603050405020304" pitchFamily="18" charset="0"/>
-              <a:ea typeface="標楷體" panose="03000509000000000000" pitchFamily="65" charset="-120"/>
-            </a:endParaRPr>
-          </a:p>
-          <a:p>
-            <a:pPr marL="285750" lvl="1" indent="-285750"/>
-            <a:r>
-              <a:rPr lang="en-US" altLang="zh-TW" sz="2000" dirty="0">
-                <a:latin typeface="Times New Roman" panose="02020603050405020304" pitchFamily="18" charset="0"/>
-                <a:ea typeface="標楷體" panose="03000509000000000000" pitchFamily="65" charset="-120"/>
-              </a:rPr>
-              <a:t>N02-Architecture</a:t>
-            </a:r>
-          </a:p>
-          <a:p>
-            <a:pPr marL="285750" lvl="1" indent="-285750"/>
-            <a:r>
-              <a:rPr lang="en-US" altLang="zh-TW" sz="2000" dirty="0">
-                <a:latin typeface="Times New Roman" panose="02020603050405020304" pitchFamily="18" charset="0"/>
-                <a:ea typeface="標楷體" panose="03000509000000000000" pitchFamily="65" charset="-120"/>
-              </a:rPr>
-              <a:t>N06-Demo&amp;ppt</a:t>
-            </a:r>
-          </a:p>
-          <a:p>
-            <a:pPr marL="285750" lvl="1" indent="-285750"/>
-            <a:endParaRPr lang="en-US" altLang="zh-TW" sz="2000" dirty="0">
-              <a:latin typeface="Times New Roman" panose="02020603050405020304" pitchFamily="18" charset="0"/>
-              <a:ea typeface="標楷體" panose="03000509000000000000" pitchFamily="65" charset="-120"/>
-            </a:endParaRPr>
-          </a:p>
-        </p:txBody>
-      </p:sp>
-      <p:pic>
-        <p:nvPicPr>
-          <p:cNvPr id="4" name="圖片 3">
-            <a:extLst>
-              <a:ext uri="{FF2B5EF4-FFF2-40B4-BE49-F238E27FC236}">
-                <a16:creationId xmlns:a16="http://schemas.microsoft.com/office/drawing/2014/main" id="{5F262EE3-1953-4C6B-82FB-D50775E48C3A}"/>
-              </a:ext>
-            </a:extLst>
-          </p:cNvPr>
-          <p:cNvPicPr>
-            <a:picLocks noChangeAspect="1"/>
-          </p:cNvPicPr>
-          <p:nvPr/>
-        </p:nvPicPr>
-        <p:blipFill>
-          <a:blip r:embed="rId2"/>
-          <a:stretch>
-            <a:fillRect/>
-          </a:stretch>
-        </p:blipFill>
-        <p:spPr>
-          <a:xfrm>
-            <a:off x="3421022" y="1467468"/>
-            <a:ext cx="7232025" cy="4455725"/>
-          </a:xfrm>
-          <a:prstGeom prst="rect">
-            <a:avLst/>
-          </a:prstGeom>
-        </p:spPr>
-      </p:pic>
-      <p:sp>
-        <p:nvSpPr>
-          <p:cNvPr id="5" name="矩形 4">
-            <a:extLst>
-              <a:ext uri="{FF2B5EF4-FFF2-40B4-BE49-F238E27FC236}">
-                <a16:creationId xmlns:a16="http://schemas.microsoft.com/office/drawing/2014/main" id="{57854072-619E-4378-B351-7DB5F8B98C17}"/>
-              </a:ext>
-            </a:extLst>
-          </p:cNvPr>
-          <p:cNvSpPr/>
-          <p:nvPr/>
-        </p:nvSpPr>
-        <p:spPr>
-          <a:xfrm>
-            <a:off x="5033640" y="2529430"/>
-            <a:ext cx="5619407" cy="296595"/>
-          </a:xfrm>
-          <a:prstGeom prst="rect">
-            <a:avLst/>
-          </a:prstGeom>
-          <a:noFill/>
-          <a:ln w="28575">
-            <a:solidFill>
-              <a:srgbClr val="FF0000"/>
-            </a:solidFill>
-          </a:ln>
-        </p:spPr>
-        <p:style>
-          <a:lnRef idx="2">
-            <a:schemeClr val="accent1">
-              <a:shade val="50000"/>
-            </a:schemeClr>
-          </a:lnRef>
-          <a:fillRef idx="1">
-            <a:schemeClr val="accent1"/>
-          </a:fillRef>
-          <a:effectRef idx="0">
-            <a:schemeClr val="accent1"/>
-          </a:effectRef>
-          <a:fontRef idx="minor">
-            <a:schemeClr val="lt1"/>
-          </a:fontRef>
-        </p:style>
-        <p:txBody>
-          <a:bodyPr rtlCol="0" anchor="ctr"/>
-          <a:lstStyle/>
-          <a:p>
-            <a:pPr algn="ctr"/>
-            <a:endParaRPr lang="zh-TW" altLang="en-US" dirty="0">
-              <a:noFill/>
-            </a:endParaRPr>
-          </a:p>
-        </p:txBody>
-      </p:sp>
-    </p:spTree>
-    <p:extLst>
-      <p:ext uri="{BB962C8B-B14F-4D97-AF65-F5344CB8AC3E}">
-        <p14:creationId xmlns:p14="http://schemas.microsoft.com/office/powerpoint/2010/main" val="409289478"/>
-      </p:ext>
-    </p:extLst>
-  </p:cSld>
-  <p:clrMapOvr>
-    <a:masterClrMapping/>
-  </p:clrMapOvr>
-</p:sld>
-</file>
-
-<file path=ppt/slides/slide30.xml><?xml version="1.0" encoding="utf-8"?>
+<file path=ppt/slides/slide28.xml><?xml version="1.0" encoding="utf-8"?>
 <p:sld xmlns:a="http://schemas.openxmlformats.org/drawingml/2006/main" xmlns:r="http://schemas.openxmlformats.org/officeDocument/2006/relationships" xmlns:p="http://schemas.openxmlformats.org/presentationml/2006/main">
   <p:cSld>
     <p:spTree>
@@ -12149,7 +11581,7 @@
 </p:sld>
 </file>
 
-<file path=ppt/slides/slide31.xml><?xml version="1.0" encoding="utf-8"?>
+<file path=ppt/slides/slide29.xml><?xml version="1.0" encoding="utf-8"?>
 <p:sld xmlns:a="http://schemas.openxmlformats.org/drawingml/2006/main" xmlns:r="http://schemas.openxmlformats.org/officeDocument/2006/relationships" xmlns:p="http://schemas.openxmlformats.org/presentationml/2006/main">
   <p:cSld>
     <p:spTree>
@@ -12434,7 +11866,256 @@
 </p:sld>
 </file>
 
-<file path=ppt/slides/slide32.xml><?xml version="1.0" encoding="utf-8"?>
+<file path=ppt/slides/slide3.xml><?xml version="1.0" encoding="utf-8"?>
+<p:sld xmlns:a="http://schemas.openxmlformats.org/drawingml/2006/main" xmlns:r="http://schemas.openxmlformats.org/officeDocument/2006/relationships" xmlns:p="http://schemas.openxmlformats.org/presentationml/2006/main">
+  <p:cSld>
+    <p:spTree>
+      <p:nvGrpSpPr>
+        <p:cNvPr id="1" name=""/>
+        <p:cNvGrpSpPr/>
+        <p:nvPr/>
+      </p:nvGrpSpPr>
+      <p:grpSpPr>
+        <a:xfrm>
+          <a:off x="0" y="0"/>
+          <a:ext cx="0" cy="0"/>
+          <a:chOff x="0" y="0"/>
+          <a:chExt cx="0" cy="0"/>
+        </a:xfrm>
+      </p:grpSpPr>
+      <p:sp>
+        <p:nvSpPr>
+          <p:cNvPr id="3" name="標題 2"/>
+          <p:cNvSpPr>
+            <a:spLocks noGrp="1"/>
+          </p:cNvSpPr>
+          <p:nvPr>
+            <p:ph type="title"/>
+          </p:nvPr>
+        </p:nvSpPr>
+        <p:spPr/>
+        <p:txBody>
+          <a:bodyPr/>
+          <a:lstStyle/>
+          <a:p>
+            <a:r>
+              <a:rPr lang="zh-TW" altLang="en-US" dirty="0"/>
+              <a:t>控管記錄 </a:t>
+            </a:r>
+            <a:r>
+              <a:rPr lang="en-US" altLang="zh-TW" dirty="0"/>
+              <a:t>-</a:t>
+            </a:r>
+            <a:r>
+              <a:rPr lang="zh-TW" altLang="en-US" dirty="0"/>
+              <a:t> </a:t>
+            </a:r>
+            <a:r>
+              <a:rPr lang="en-US" altLang="zh-TW" dirty="0"/>
+              <a:t>Git (</a:t>
+            </a:r>
+            <a:r>
+              <a:rPr lang="en-US" altLang="zh-TW" sz="4400" dirty="0"/>
+              <a:t>2023/5/15</a:t>
+            </a:r>
+            <a:r>
+              <a:rPr lang="en-US" altLang="zh-TW" dirty="0"/>
+              <a:t>)</a:t>
+            </a:r>
+            <a:endParaRPr lang="zh-TW" altLang="en-US" dirty="0"/>
+          </a:p>
+        </p:txBody>
+      </p:sp>
+      <p:sp>
+        <p:nvSpPr>
+          <p:cNvPr id="6" name="文字方塊 5">
+            <a:extLst>
+              <a:ext uri="{FF2B5EF4-FFF2-40B4-BE49-F238E27FC236}">
+                <a16:creationId xmlns:a16="http://schemas.microsoft.com/office/drawing/2014/main" id="{A9630E79-417B-4A02-AC06-A6D82BBB95D7}"/>
+              </a:ext>
+            </a:extLst>
+          </p:cNvPr>
+          <p:cNvSpPr txBox="1"/>
+          <p:nvPr/>
+        </p:nvSpPr>
+        <p:spPr>
+          <a:xfrm>
+            <a:off x="838200" y="1594705"/>
+            <a:ext cx="6094520" cy="707886"/>
+          </a:xfrm>
+          <a:prstGeom prst="rect">
+            <a:avLst/>
+          </a:prstGeom>
+          <a:noFill/>
+        </p:spPr>
+        <p:txBody>
+          <a:bodyPr wrap="square">
+            <a:spAutoFit/>
+          </a:bodyPr>
+          <a:lstStyle/>
+          <a:p>
+            <a:pPr marL="285750" marR="0" lvl="1" indent="-285750" algn="l" defTabSz="914400" rtl="0" eaLnBrk="1" fontAlgn="auto" latinLnBrk="0" hangingPunct="1">
+              <a:lnSpc>
+                <a:spcPct val="100000"/>
+              </a:lnSpc>
+              <a:spcBef>
+                <a:spcPts val="0"/>
+              </a:spcBef>
+              <a:spcAft>
+                <a:spcPts val="0"/>
+              </a:spcAft>
+              <a:buClrTx/>
+              <a:buSzTx/>
+              <a:buFontTx/>
+              <a:buNone/>
+              <a:tabLst/>
+              <a:defRPr/>
+            </a:pPr>
+            <a:r>
+              <a:rPr kumimoji="0" lang="zh-TW" altLang="en-US" sz="2000" b="0" i="0" u="none" strike="noStrike" kern="1200" cap="none" spc="0" normalizeH="0" baseline="0" noProof="0" dirty="0">
+                <a:ln>
+                  <a:noFill/>
+                </a:ln>
+                <a:solidFill>
+                  <a:prstClr val="black"/>
+                </a:solidFill>
+                <a:effectLst/>
+                <a:uLnTx/>
+                <a:uFillTx/>
+                <a:latin typeface="Times New Roman" panose="02020603050405020304" pitchFamily="18" charset="0"/>
+                <a:ea typeface="標楷體" panose="03000509000000000000" pitchFamily="65" charset="-120"/>
+                <a:cs typeface="+mn-cs"/>
+              </a:rPr>
+              <a:t>本週更新：</a:t>
+            </a:r>
+            <a:endParaRPr kumimoji="0" lang="en-US" altLang="zh-TW" sz="2000" b="0" i="0" u="none" strike="noStrike" kern="1200" cap="none" spc="0" normalizeH="0" baseline="0" noProof="0" dirty="0">
+              <a:ln>
+                <a:noFill/>
+              </a:ln>
+              <a:solidFill>
+                <a:prstClr val="black"/>
+              </a:solidFill>
+              <a:effectLst/>
+              <a:uLnTx/>
+              <a:uFillTx/>
+              <a:latin typeface="Times New Roman" panose="02020603050405020304" pitchFamily="18" charset="0"/>
+              <a:ea typeface="標楷體" panose="03000509000000000000" pitchFamily="65" charset="-120"/>
+              <a:cs typeface="+mn-cs"/>
+            </a:endParaRPr>
+          </a:p>
+          <a:p>
+            <a:pPr marL="285750" marR="0" lvl="1" indent="-285750" algn="l" defTabSz="914400" rtl="0" eaLnBrk="1" fontAlgn="auto" latinLnBrk="0" hangingPunct="1">
+              <a:lnSpc>
+                <a:spcPct val="100000"/>
+              </a:lnSpc>
+              <a:spcBef>
+                <a:spcPts val="0"/>
+              </a:spcBef>
+              <a:spcAft>
+                <a:spcPts val="0"/>
+              </a:spcAft>
+              <a:buClrTx/>
+              <a:buSzTx/>
+              <a:buFontTx/>
+              <a:buNone/>
+              <a:tabLst/>
+              <a:defRPr/>
+            </a:pPr>
+            <a:r>
+              <a:rPr kumimoji="0" lang="en-US" altLang="zh-TW" sz="2000" b="0" i="0" u="none" strike="noStrike" kern="1200" cap="none" spc="0" normalizeH="0" baseline="0" noProof="0" dirty="0">
+                <a:ln>
+                  <a:noFill/>
+                </a:ln>
+                <a:solidFill>
+                  <a:prstClr val="black"/>
+                </a:solidFill>
+                <a:effectLst/>
+                <a:uLnTx/>
+                <a:uFillTx/>
+                <a:latin typeface="Times New Roman" panose="02020603050405020304" pitchFamily="18" charset="0"/>
+                <a:ea typeface="標楷體" panose="03000509000000000000" pitchFamily="65" charset="-120"/>
+                <a:cs typeface="+mn-cs"/>
+              </a:rPr>
+              <a:t>G01: </a:t>
+            </a:r>
+            <a:r>
+              <a:rPr kumimoji="0" lang="en-US" altLang="zh-TW" sz="2000" b="0" i="0" u="none" strike="noStrike" kern="1200" cap="none" spc="0" normalizeH="0" baseline="0" noProof="0" dirty="0" err="1">
+                <a:ln>
+                  <a:noFill/>
+                </a:ln>
+                <a:solidFill>
+                  <a:prstClr val="black"/>
+                </a:solidFill>
+                <a:effectLst/>
+                <a:uLnTx/>
+                <a:uFillTx/>
+                <a:latin typeface="Times New Roman" panose="02020603050405020304" pitchFamily="18" charset="0"/>
+                <a:ea typeface="標楷體" panose="03000509000000000000" pitchFamily="65" charset="-120"/>
+                <a:cs typeface="+mn-cs"/>
+              </a:rPr>
+              <a:t>SourceCode</a:t>
+            </a:r>
+            <a:endParaRPr kumimoji="0" lang="en-US" altLang="zh-TW" sz="2000" b="0" i="0" u="none" strike="noStrike" kern="1200" cap="none" spc="0" normalizeH="0" baseline="0" noProof="0" dirty="0">
+              <a:ln>
+                <a:noFill/>
+              </a:ln>
+              <a:solidFill>
+                <a:prstClr val="black"/>
+              </a:solidFill>
+              <a:effectLst/>
+              <a:uLnTx/>
+              <a:uFillTx/>
+              <a:latin typeface="Times New Roman" panose="02020603050405020304" pitchFamily="18" charset="0"/>
+              <a:ea typeface="標楷體" panose="03000509000000000000" pitchFamily="65" charset="-120"/>
+              <a:cs typeface="+mn-cs"/>
+            </a:endParaRPr>
+          </a:p>
+        </p:txBody>
+      </p:sp>
+      <p:pic>
+        <p:nvPicPr>
+          <p:cNvPr id="4" name="圖片 3">
+            <a:extLst>
+              <a:ext uri="{FF2B5EF4-FFF2-40B4-BE49-F238E27FC236}">
+                <a16:creationId xmlns:a16="http://schemas.microsoft.com/office/drawing/2014/main" id="{BABBAD19-9DF9-457D-91AB-B3ACC2E4BE90}"/>
+              </a:ext>
+            </a:extLst>
+          </p:cNvPr>
+          <p:cNvPicPr>
+            <a:picLocks noChangeAspect="1"/>
+          </p:cNvPicPr>
+          <p:nvPr/>
+        </p:nvPicPr>
+        <p:blipFill>
+          <a:blip r:embed="rId2"/>
+          <a:stretch>
+            <a:fillRect/>
+          </a:stretch>
+        </p:blipFill>
+        <p:spPr>
+          <a:xfrm>
+            <a:off x="3194973" y="1200537"/>
+            <a:ext cx="7719631" cy="5028733"/>
+          </a:xfrm>
+          <a:prstGeom prst="rect">
+            <a:avLst/>
+          </a:prstGeom>
+        </p:spPr>
+      </p:pic>
+    </p:spTree>
+    <p:extLst>
+      <p:ext uri="{BB962C8B-B14F-4D97-AF65-F5344CB8AC3E}">
+        <p14:creationId xmlns:p14="http://schemas.microsoft.com/office/powerpoint/2010/main" val="2552787574"/>
+      </p:ext>
+    </p:extLst>
+  </p:cSld>
+  <p:clrMapOvr>
+    <a:masterClrMapping/>
+  </p:clrMapOvr>
+</p:sld>
+</file>
+
+<file path=ppt/slides/slide30.xml><?xml version="1.0" encoding="utf-8"?>
 <p:sld xmlns:a="http://schemas.openxmlformats.org/drawingml/2006/main" xmlns:r="http://schemas.openxmlformats.org/officeDocument/2006/relationships" xmlns:p="http://schemas.openxmlformats.org/presentationml/2006/main">
   <p:cSld>
     <p:spTree>
@@ -12695,7 +12376,7 @@
 </p:sld>
 </file>
 
-<file path=ppt/slides/slide33.xml><?xml version="1.0" encoding="utf-8"?>
+<file path=ppt/slides/slide31.xml><?xml version="1.0" encoding="utf-8"?>
 <p:sld xmlns:a="http://schemas.openxmlformats.org/drawingml/2006/main" xmlns:r="http://schemas.openxmlformats.org/officeDocument/2006/relationships" xmlns:p="http://schemas.openxmlformats.org/presentationml/2006/main">
   <p:cSld>
     <p:spTree>
@@ -13051,7 +12732,7 @@
 </p:sld>
 </file>
 
-<file path=ppt/slides/slide34.xml><?xml version="1.0" encoding="utf-8"?>
+<file path=ppt/slides/slide32.xml><?xml version="1.0" encoding="utf-8"?>
 <p:sld xmlns:a="http://schemas.openxmlformats.org/drawingml/2006/main" xmlns:r="http://schemas.openxmlformats.org/officeDocument/2006/relationships" xmlns:p="http://schemas.openxmlformats.org/presentationml/2006/main">
   <p:cSld>
     <p:spTree>
@@ -13673,255 +13354,6 @@
 </file>
 
 <file path=ppt/slides/slide4.xml><?xml version="1.0" encoding="utf-8"?>
-<p:sld xmlns:a="http://schemas.openxmlformats.org/drawingml/2006/main" xmlns:r="http://schemas.openxmlformats.org/officeDocument/2006/relationships" xmlns:p="http://schemas.openxmlformats.org/presentationml/2006/main">
-  <p:cSld>
-    <p:spTree>
-      <p:nvGrpSpPr>
-        <p:cNvPr id="1" name=""/>
-        <p:cNvGrpSpPr/>
-        <p:nvPr/>
-      </p:nvGrpSpPr>
-      <p:grpSpPr>
-        <a:xfrm>
-          <a:off x="0" y="0"/>
-          <a:ext cx="0" cy="0"/>
-          <a:chOff x="0" y="0"/>
-          <a:chExt cx="0" cy="0"/>
-        </a:xfrm>
-      </p:grpSpPr>
-      <p:sp>
-        <p:nvSpPr>
-          <p:cNvPr id="3" name="標題 2"/>
-          <p:cNvSpPr>
-            <a:spLocks noGrp="1"/>
-          </p:cNvSpPr>
-          <p:nvPr>
-            <p:ph type="title"/>
-          </p:nvPr>
-        </p:nvSpPr>
-        <p:spPr/>
-        <p:txBody>
-          <a:bodyPr/>
-          <a:lstStyle/>
-          <a:p>
-            <a:r>
-              <a:rPr lang="zh-TW" altLang="en-US" dirty="0"/>
-              <a:t>控管記錄 </a:t>
-            </a:r>
-            <a:r>
-              <a:rPr lang="en-US" altLang="zh-TW" dirty="0"/>
-              <a:t>-</a:t>
-            </a:r>
-            <a:r>
-              <a:rPr lang="zh-TW" altLang="en-US" dirty="0"/>
-              <a:t> </a:t>
-            </a:r>
-            <a:r>
-              <a:rPr lang="en-US" altLang="zh-TW" dirty="0"/>
-              <a:t>Git (</a:t>
-            </a:r>
-            <a:r>
-              <a:rPr lang="en-US" altLang="zh-TW" sz="4400" dirty="0"/>
-              <a:t>2023/5/15</a:t>
-            </a:r>
-            <a:r>
-              <a:rPr lang="en-US" altLang="zh-TW" dirty="0"/>
-              <a:t>)</a:t>
-            </a:r>
-            <a:endParaRPr lang="zh-TW" altLang="en-US" dirty="0"/>
-          </a:p>
-        </p:txBody>
-      </p:sp>
-      <p:sp>
-        <p:nvSpPr>
-          <p:cNvPr id="6" name="文字方塊 5">
-            <a:extLst>
-              <a:ext uri="{FF2B5EF4-FFF2-40B4-BE49-F238E27FC236}">
-                <a16:creationId xmlns:a16="http://schemas.microsoft.com/office/drawing/2014/main" id="{A9630E79-417B-4A02-AC06-A6D82BBB95D7}"/>
-              </a:ext>
-            </a:extLst>
-          </p:cNvPr>
-          <p:cNvSpPr txBox="1"/>
-          <p:nvPr/>
-        </p:nvSpPr>
-        <p:spPr>
-          <a:xfrm>
-            <a:off x="838200" y="1594705"/>
-            <a:ext cx="6094520" cy="707886"/>
-          </a:xfrm>
-          <a:prstGeom prst="rect">
-            <a:avLst/>
-          </a:prstGeom>
-          <a:noFill/>
-        </p:spPr>
-        <p:txBody>
-          <a:bodyPr wrap="square">
-            <a:spAutoFit/>
-          </a:bodyPr>
-          <a:lstStyle/>
-          <a:p>
-            <a:pPr marL="285750" marR="0" lvl="1" indent="-285750" algn="l" defTabSz="914400" rtl="0" eaLnBrk="1" fontAlgn="auto" latinLnBrk="0" hangingPunct="1">
-              <a:lnSpc>
-                <a:spcPct val="100000"/>
-              </a:lnSpc>
-              <a:spcBef>
-                <a:spcPts val="0"/>
-              </a:spcBef>
-              <a:spcAft>
-                <a:spcPts val="0"/>
-              </a:spcAft>
-              <a:buClrTx/>
-              <a:buSzTx/>
-              <a:buFontTx/>
-              <a:buNone/>
-              <a:tabLst/>
-              <a:defRPr/>
-            </a:pPr>
-            <a:r>
-              <a:rPr kumimoji="0" lang="zh-TW" altLang="en-US" sz="2000" b="0" i="0" u="none" strike="noStrike" kern="1200" cap="none" spc="0" normalizeH="0" baseline="0" noProof="0" dirty="0">
-                <a:ln>
-                  <a:noFill/>
-                </a:ln>
-                <a:solidFill>
-                  <a:prstClr val="black"/>
-                </a:solidFill>
-                <a:effectLst/>
-                <a:uLnTx/>
-                <a:uFillTx/>
-                <a:latin typeface="Times New Roman" panose="02020603050405020304" pitchFamily="18" charset="0"/>
-                <a:ea typeface="標楷體" panose="03000509000000000000" pitchFamily="65" charset="-120"/>
-                <a:cs typeface="+mn-cs"/>
-              </a:rPr>
-              <a:t>本週更新：</a:t>
-            </a:r>
-            <a:endParaRPr kumimoji="0" lang="en-US" altLang="zh-TW" sz="2000" b="0" i="0" u="none" strike="noStrike" kern="1200" cap="none" spc="0" normalizeH="0" baseline="0" noProof="0" dirty="0">
-              <a:ln>
-                <a:noFill/>
-              </a:ln>
-              <a:solidFill>
-                <a:prstClr val="black"/>
-              </a:solidFill>
-              <a:effectLst/>
-              <a:uLnTx/>
-              <a:uFillTx/>
-              <a:latin typeface="Times New Roman" panose="02020603050405020304" pitchFamily="18" charset="0"/>
-              <a:ea typeface="標楷體" panose="03000509000000000000" pitchFamily="65" charset="-120"/>
-              <a:cs typeface="+mn-cs"/>
-            </a:endParaRPr>
-          </a:p>
-          <a:p>
-            <a:pPr marL="285750" marR="0" lvl="1" indent="-285750" algn="l" defTabSz="914400" rtl="0" eaLnBrk="1" fontAlgn="auto" latinLnBrk="0" hangingPunct="1">
-              <a:lnSpc>
-                <a:spcPct val="100000"/>
-              </a:lnSpc>
-              <a:spcBef>
-                <a:spcPts val="0"/>
-              </a:spcBef>
-              <a:spcAft>
-                <a:spcPts val="0"/>
-              </a:spcAft>
-              <a:buClrTx/>
-              <a:buSzTx/>
-              <a:buFontTx/>
-              <a:buNone/>
-              <a:tabLst/>
-              <a:defRPr/>
-            </a:pPr>
-            <a:r>
-              <a:rPr kumimoji="0" lang="en-US" altLang="zh-TW" sz="2000" b="0" i="0" u="none" strike="noStrike" kern="1200" cap="none" spc="0" normalizeH="0" baseline="0" noProof="0" dirty="0">
-                <a:ln>
-                  <a:noFill/>
-                </a:ln>
-                <a:solidFill>
-                  <a:prstClr val="black"/>
-                </a:solidFill>
-                <a:effectLst/>
-                <a:uLnTx/>
-                <a:uFillTx/>
-                <a:latin typeface="Times New Roman" panose="02020603050405020304" pitchFamily="18" charset="0"/>
-                <a:ea typeface="標楷體" panose="03000509000000000000" pitchFamily="65" charset="-120"/>
-                <a:cs typeface="+mn-cs"/>
-              </a:rPr>
-              <a:t>G01: </a:t>
-            </a:r>
-            <a:r>
-              <a:rPr kumimoji="0" lang="en-US" altLang="zh-TW" sz="2000" b="0" i="0" u="none" strike="noStrike" kern="1200" cap="none" spc="0" normalizeH="0" baseline="0" noProof="0" dirty="0" err="1">
-                <a:ln>
-                  <a:noFill/>
-                </a:ln>
-                <a:solidFill>
-                  <a:prstClr val="black"/>
-                </a:solidFill>
-                <a:effectLst/>
-                <a:uLnTx/>
-                <a:uFillTx/>
-                <a:latin typeface="Times New Roman" panose="02020603050405020304" pitchFamily="18" charset="0"/>
-                <a:ea typeface="標楷體" panose="03000509000000000000" pitchFamily="65" charset="-120"/>
-                <a:cs typeface="+mn-cs"/>
-              </a:rPr>
-              <a:t>SourceCode</a:t>
-            </a:r>
-            <a:endParaRPr kumimoji="0" lang="en-US" altLang="zh-TW" sz="2000" b="0" i="0" u="none" strike="noStrike" kern="1200" cap="none" spc="0" normalizeH="0" baseline="0" noProof="0" dirty="0">
-              <a:ln>
-                <a:noFill/>
-              </a:ln>
-              <a:solidFill>
-                <a:prstClr val="black"/>
-              </a:solidFill>
-              <a:effectLst/>
-              <a:uLnTx/>
-              <a:uFillTx/>
-              <a:latin typeface="Times New Roman" panose="02020603050405020304" pitchFamily="18" charset="0"/>
-              <a:ea typeface="標楷體" panose="03000509000000000000" pitchFamily="65" charset="-120"/>
-              <a:cs typeface="+mn-cs"/>
-            </a:endParaRPr>
-          </a:p>
-        </p:txBody>
-      </p:sp>
-      <p:pic>
-        <p:nvPicPr>
-          <p:cNvPr id="4" name="圖片 3">
-            <a:extLst>
-              <a:ext uri="{FF2B5EF4-FFF2-40B4-BE49-F238E27FC236}">
-                <a16:creationId xmlns:a16="http://schemas.microsoft.com/office/drawing/2014/main" id="{BABBAD19-9DF9-457D-91AB-B3ACC2E4BE90}"/>
-              </a:ext>
-            </a:extLst>
-          </p:cNvPr>
-          <p:cNvPicPr>
-            <a:picLocks noChangeAspect="1"/>
-          </p:cNvPicPr>
-          <p:nvPr/>
-        </p:nvPicPr>
-        <p:blipFill>
-          <a:blip r:embed="rId2"/>
-          <a:stretch>
-            <a:fillRect/>
-          </a:stretch>
-        </p:blipFill>
-        <p:spPr>
-          <a:xfrm>
-            <a:off x="3194973" y="1200537"/>
-            <a:ext cx="7719631" cy="5028733"/>
-          </a:xfrm>
-          <a:prstGeom prst="rect">
-            <a:avLst/>
-          </a:prstGeom>
-        </p:spPr>
-      </p:pic>
-    </p:spTree>
-    <p:extLst>
-      <p:ext uri="{BB962C8B-B14F-4D97-AF65-F5344CB8AC3E}">
-        <p14:creationId xmlns:p14="http://schemas.microsoft.com/office/powerpoint/2010/main" val="2552787574"/>
-      </p:ext>
-    </p:extLst>
-  </p:cSld>
-  <p:clrMapOvr>
-    <a:masterClrMapping/>
-  </p:clrMapOvr>
-</p:sld>
-</file>
-
-<file path=ppt/slides/slide5.xml><?xml version="1.0" encoding="utf-8"?>
 <p:sld xmlns:a="http://schemas.openxmlformats.org/drawingml/2006/main" xmlns:r="http://schemas.openxmlformats.org/officeDocument/2006/relationships" xmlns:p="http://schemas.openxmlformats.org/presentationml/2006/main">
   <p:cSld>
     <p:spTree>
@@ -14411,8 +13843,8 @@
         </p:nvSpPr>
         <p:spPr>
           <a:xfrm>
-            <a:off x="2583019" y="1684646"/>
-            <a:ext cx="5557803" cy="3754874"/>
+            <a:off x="2698429" y="1872067"/>
+            <a:ext cx="5557803" cy="2900794"/>
           </a:xfrm>
           <a:prstGeom prst="rect">
             <a:avLst/>
@@ -14667,7 +14099,7 @@
               <a:buChar char="•"/>
             </a:pPr>
             <a:r>
-              <a:rPr lang="en-US" altLang="zh-TW" sz="1600" b="1" dirty="0">
+              <a:rPr lang="en-US" altLang="zh-TW" sz="1600" b="1">
                 <a:solidFill>
                   <a:schemeClr val="accent6">
                     <a:lumMod val="75000"/>
@@ -14680,7 +14112,7 @@
               <a:t>2023/5/</a:t>
             </a:r>
             <a:r>
-              <a:rPr lang="en-US" altLang="zh-TW" sz="1600" b="1" dirty="0">
+              <a:rPr lang="en-US" altLang="zh-TW" sz="1600" b="1">
                 <a:solidFill>
                   <a:schemeClr val="accent6">
                     <a:lumMod val="75000"/>
@@ -14689,8 +14121,17 @@
                 <a:latin typeface="標楷體" panose="03000509000000000000" pitchFamily="65" charset="-120"/>
                 <a:ea typeface="標楷體" panose="03000509000000000000" pitchFamily="65" charset="-120"/>
               </a:rPr>
-              <a:t>15~2023/5/25:</a:t>
-            </a:r>
+              <a:t>15~2023/5/22:</a:t>
+            </a:r>
+            <a:endParaRPr lang="en-US" altLang="zh-TW" sz="1600" b="1" dirty="0">
+              <a:solidFill>
+                <a:schemeClr val="accent6">
+                  <a:lumMod val="75000"/>
+                </a:schemeClr>
+              </a:solidFill>
+              <a:latin typeface="標楷體" panose="03000509000000000000" pitchFamily="65" charset="-120"/>
+              <a:ea typeface="標楷體" panose="03000509000000000000" pitchFamily="65" charset="-120"/>
+            </a:endParaRPr>
           </a:p>
           <a:p>
             <a:pPr rtl="0" fontAlgn="base">
@@ -14735,98 +14176,6 @@
               </a:rPr>
               <a:t>)</a:t>
             </a:r>
-          </a:p>
-          <a:p>
-            <a:pPr rtl="0" fontAlgn="base">
-              <a:spcBef>
-                <a:spcPts val="300"/>
-              </a:spcBef>
-              <a:spcAft>
-                <a:spcPts val="0"/>
-              </a:spcAft>
-              <a:buFont typeface="Arial" panose="020B0604020202020204" pitchFamily="34" charset="0"/>
-              <a:buChar char="•"/>
-            </a:pPr>
-            <a:endParaRPr lang="en-US" altLang="zh-TW" sz="1600" dirty="0">
-              <a:latin typeface="Times New Roman" panose="02020603050405020304" pitchFamily="18" charset="0"/>
-              <a:ea typeface="標楷體" panose="03000509000000000000" pitchFamily="65" charset="-120"/>
-              <a:cs typeface="Times New Roman" panose="02020603050405020304" pitchFamily="18" charset="0"/>
-            </a:endParaRPr>
-          </a:p>
-          <a:p>
-            <a:pPr fontAlgn="base">
-              <a:spcBef>
-                <a:spcPts val="300"/>
-              </a:spcBef>
-              <a:buFont typeface="Arial" panose="020B0604020202020204" pitchFamily="34" charset="0"/>
-              <a:buChar char="•"/>
-            </a:pPr>
-            <a:r>
-              <a:rPr lang="en-US" altLang="zh-TW" sz="1600" b="1" dirty="0">
-                <a:solidFill>
-                  <a:schemeClr val="accent6">
-                    <a:lumMod val="75000"/>
-                  </a:schemeClr>
-                </a:solidFill>
-                <a:effectLst/>
-                <a:latin typeface="標楷體" panose="03000509000000000000" pitchFamily="65" charset="-120"/>
-                <a:ea typeface="標楷體" panose="03000509000000000000" pitchFamily="65" charset="-120"/>
-              </a:rPr>
-              <a:t>2023/5/26</a:t>
-            </a:r>
-            <a:r>
-              <a:rPr lang="en-US" altLang="zh-TW" sz="1600" b="1" dirty="0">
-                <a:solidFill>
-                  <a:schemeClr val="accent6">
-                    <a:lumMod val="75000"/>
-                  </a:schemeClr>
-                </a:solidFill>
-                <a:latin typeface="標楷體" panose="03000509000000000000" pitchFamily="65" charset="-120"/>
-                <a:ea typeface="標楷體" panose="03000509000000000000" pitchFamily="65" charset="-120"/>
-              </a:rPr>
-              <a:t>~2023/6/06:</a:t>
-            </a:r>
-          </a:p>
-          <a:p>
-            <a:pPr rtl="0" fontAlgn="base">
-              <a:spcBef>
-                <a:spcPts val="300"/>
-              </a:spcBef>
-              <a:spcAft>
-                <a:spcPts val="0"/>
-              </a:spcAft>
-              <a:buFont typeface="Arial" panose="020B0604020202020204" pitchFamily="34" charset="0"/>
-              <a:buChar char="•"/>
-            </a:pPr>
-            <a:r>
-              <a:rPr lang="en-US" altLang="zh-TW" sz="1600" dirty="0">
-                <a:latin typeface="Times New Roman" panose="02020603050405020304" pitchFamily="18" charset="0"/>
-                <a:ea typeface="標楷體" panose="03000509000000000000" pitchFamily="65" charset="-120"/>
-                <a:cs typeface="Times New Roman" panose="02020603050405020304" pitchFamily="18" charset="0"/>
-              </a:rPr>
-              <a:t>Block Ram(QR</a:t>
-            </a:r>
-            <a:r>
-              <a:rPr lang="zh-TW" altLang="en-US" sz="1600" dirty="0">
-                <a:latin typeface="Times New Roman" panose="02020603050405020304" pitchFamily="18" charset="0"/>
-                <a:ea typeface="標楷體" panose="03000509000000000000" pitchFamily="65" charset="-120"/>
-                <a:cs typeface="Times New Roman" panose="02020603050405020304" pitchFamily="18" charset="0"/>
-              </a:rPr>
-              <a:t> </a:t>
-            </a:r>
-            <a:r>
-              <a:rPr lang="en-US" altLang="zh-TW" sz="1600" dirty="0">
-                <a:latin typeface="Times New Roman" panose="02020603050405020304" pitchFamily="18" charset="0"/>
-                <a:ea typeface="標楷體" panose="03000509000000000000" pitchFamily="65" charset="-120"/>
-                <a:cs typeface="Times New Roman" panose="02020603050405020304" pitchFamily="18" charset="0"/>
-              </a:rPr>
-              <a:t>code)</a:t>
-            </a:r>
-            <a:endParaRPr lang="zh-TW" altLang="en-US" sz="1600" dirty="0">
-              <a:latin typeface="Times New Roman" panose="02020603050405020304" pitchFamily="18" charset="0"/>
-              <a:ea typeface="標楷體" panose="03000509000000000000" pitchFamily="65" charset="-120"/>
-              <a:cs typeface="Times New Roman" panose="02020603050405020304" pitchFamily="18" charset="0"/>
-            </a:endParaRPr>
           </a:p>
         </p:txBody>
       </p:sp>
@@ -14843,7 +14192,7 @@
 </p:sld>
 </file>
 
-<file path=ppt/slides/slide6.xml><?xml version="1.0" encoding="utf-8"?>
+<file path=ppt/slides/slide5.xml><?xml version="1.0" encoding="utf-8"?>
 <p:sld xmlns:a="http://schemas.openxmlformats.org/drawingml/2006/main" xmlns:r="http://schemas.openxmlformats.org/officeDocument/2006/relationships" xmlns:p="http://schemas.openxmlformats.org/presentationml/2006/main">
   <p:cSld>
     <p:spTree>
@@ -15347,7 +14696,7 @@
 </p:sld>
 </file>
 
-<file path=ppt/slides/slide7.xml><?xml version="1.0" encoding="utf-8"?>
+<file path=ppt/slides/slide6.xml><?xml version="1.0" encoding="utf-8"?>
 <p:sld xmlns:a="http://schemas.openxmlformats.org/drawingml/2006/main" xmlns:r="http://schemas.openxmlformats.org/officeDocument/2006/relationships" xmlns:p="http://schemas.openxmlformats.org/presentationml/2006/main">
   <p:cSld>
     <p:spTree>
@@ -16035,7 +15384,7 @@
 </p:sld>
 </file>
 
-<file path=ppt/slides/slide8.xml><?xml version="1.0" encoding="utf-8"?>
+<file path=ppt/slides/slide7.xml><?xml version="1.0" encoding="utf-8"?>
 <p:sld xmlns:a="http://schemas.openxmlformats.org/drawingml/2006/main" xmlns:r="http://schemas.openxmlformats.org/officeDocument/2006/relationships" xmlns:p="http://schemas.openxmlformats.org/presentationml/2006/main">
   <p:cSld>
     <p:spTree>
@@ -16358,7 +15707,7 @@
 </p:sld>
 </file>
 
-<file path=ppt/slides/slide9.xml><?xml version="1.0" encoding="utf-8"?>
+<file path=ppt/slides/slide8.xml><?xml version="1.0" encoding="utf-8"?>
 <p:sld xmlns:a="http://schemas.openxmlformats.org/drawingml/2006/main" xmlns:r="http://schemas.openxmlformats.org/officeDocument/2006/relationships" xmlns:p="http://schemas.openxmlformats.org/presentationml/2006/main">
   <p:cSld>
     <p:spTree>
@@ -16931,6 +16280,117 @@
     <p:extLst>
       <p:ext uri="{BB962C8B-B14F-4D97-AF65-F5344CB8AC3E}">
         <p14:creationId xmlns:p14="http://schemas.microsoft.com/office/powerpoint/2010/main" val="4161202371"/>
+      </p:ext>
+    </p:extLst>
+  </p:cSld>
+  <p:clrMapOvr>
+    <a:masterClrMapping/>
+  </p:clrMapOvr>
+</p:sld>
+</file>
+
+<file path=ppt/slides/slide9.xml><?xml version="1.0" encoding="utf-8"?>
+<p:sld xmlns:a="http://schemas.openxmlformats.org/drawingml/2006/main" xmlns:r="http://schemas.openxmlformats.org/officeDocument/2006/relationships" xmlns:p="http://schemas.openxmlformats.org/presentationml/2006/main">
+  <p:cSld>
+    <p:spTree>
+      <p:nvGrpSpPr>
+        <p:cNvPr id="1" name=""/>
+        <p:cNvGrpSpPr/>
+        <p:nvPr/>
+      </p:nvGrpSpPr>
+      <p:grpSpPr>
+        <a:xfrm>
+          <a:off x="0" y="0"/>
+          <a:ext cx="0" cy="0"/>
+          <a:chOff x="0" y="0"/>
+          <a:chExt cx="0" cy="0"/>
+        </a:xfrm>
+      </p:grpSpPr>
+      <p:sp>
+        <p:nvSpPr>
+          <p:cNvPr id="4" name="標題 3"/>
+          <p:cNvSpPr>
+            <a:spLocks noGrp="1"/>
+          </p:cNvSpPr>
+          <p:nvPr>
+            <p:ph type="title"/>
+          </p:nvPr>
+        </p:nvSpPr>
+        <p:spPr/>
+        <p:txBody>
+          <a:bodyPr/>
+          <a:lstStyle/>
+          <a:p>
+            <a:r>
+              <a:rPr lang="zh-TW" altLang="en-US" dirty="0"/>
+              <a:t>系統分析 </a:t>
+            </a:r>
+            <a:r>
+              <a:rPr lang="en-US" altLang="zh-TW" dirty="0"/>
+              <a:t>–</a:t>
+            </a:r>
+            <a:r>
+              <a:rPr lang="zh-TW" altLang="en-US" dirty="0"/>
+              <a:t> </a:t>
+            </a:r>
+            <a:r>
+              <a:rPr lang="en-US" altLang="zh-TW" dirty="0"/>
+              <a:t>Break down</a:t>
+            </a:r>
+            <a:r>
+              <a:rPr lang="zh-TW" altLang="en-US" dirty="0"/>
+              <a:t> </a:t>
+            </a:r>
+            <a:r>
+              <a:rPr lang="en-US" altLang="zh-TW" dirty="0"/>
+              <a:t>(2023/5/13</a:t>
+            </a:r>
+            <a:r>
+              <a:rPr lang="zh-TW" altLang="en-US" dirty="0"/>
+              <a:t>更新</a:t>
+            </a:r>
+            <a:r>
+              <a:rPr lang="en-US" altLang="zh-TW" dirty="0"/>
+              <a:t>)</a:t>
+            </a:r>
+            <a:endParaRPr lang="zh-TW" altLang="en-US" dirty="0"/>
+          </a:p>
+        </p:txBody>
+      </p:sp>
+      <p:pic>
+        <p:nvPicPr>
+          <p:cNvPr id="3" name="圖片 2">
+            <a:extLst>
+              <a:ext uri="{FF2B5EF4-FFF2-40B4-BE49-F238E27FC236}">
+                <a16:creationId xmlns:a16="http://schemas.microsoft.com/office/drawing/2014/main" id="{5362726A-8B91-47F6-80D9-15DE3DC47D25}"/>
+              </a:ext>
+            </a:extLst>
+          </p:cNvPr>
+          <p:cNvPicPr>
+            <a:picLocks noChangeAspect="1"/>
+          </p:cNvPicPr>
+          <p:nvPr/>
+        </p:nvPicPr>
+        <p:blipFill>
+          <a:blip r:embed="rId2"/>
+          <a:stretch>
+            <a:fillRect/>
+          </a:stretch>
+        </p:blipFill>
+        <p:spPr>
+          <a:xfrm>
+            <a:off x="1600922" y="1307764"/>
+            <a:ext cx="8990157" cy="4863906"/>
+          </a:xfrm>
+          <a:prstGeom prst="rect">
+            <a:avLst/>
+          </a:prstGeom>
+        </p:spPr>
+      </p:pic>
+    </p:spTree>
+    <p:extLst>
+      <p:ext uri="{BB962C8B-B14F-4D97-AF65-F5344CB8AC3E}">
+        <p14:creationId xmlns:p14="http://schemas.microsoft.com/office/powerpoint/2010/main" val="4097681233"/>
       </p:ext>
     </p:extLst>
   </p:cSld>

--- a/HW6_BRam_VGA/N06-Tutorial/專案進度報告-BRam_VGA-吳東穎-20230517.pptx
+++ b/HW6_BRam_VGA/N06-Tutorial/專案進度報告-BRam_VGA-吳東穎-20230517.pptx
@@ -5,10 +5,10 @@
     <p:sldMasterId id="2147483648" r:id="rId1"/>
   </p:sldMasterIdLst>
   <p:notesMasterIdLst>
-    <p:notesMasterId r:id="rId34"/>
+    <p:notesMasterId r:id="rId37"/>
   </p:notesMasterIdLst>
   <p:handoutMasterIdLst>
-    <p:handoutMasterId r:id="rId35"/>
+    <p:handoutMasterId r:id="rId38"/>
   </p:handoutMasterIdLst>
   <p:sldIdLst>
     <p:sldId id="259" r:id="rId2"/>
@@ -25,24 +25,27 @@
     <p:sldId id="1294" r:id="rId13"/>
     <p:sldId id="1281" r:id="rId14"/>
     <p:sldId id="1303" r:id="rId15"/>
-    <p:sldId id="1304" r:id="rId16"/>
-    <p:sldId id="1309" r:id="rId17"/>
-    <p:sldId id="1310" r:id="rId18"/>
-    <p:sldId id="1305" r:id="rId19"/>
-    <p:sldId id="1308" r:id="rId20"/>
-    <p:sldId id="1306" r:id="rId21"/>
-    <p:sldId id="261" r:id="rId22"/>
-    <p:sldId id="1287" r:id="rId23"/>
-    <p:sldId id="1299" r:id="rId24"/>
-    <p:sldId id="1300" r:id="rId25"/>
-    <p:sldId id="1298" r:id="rId26"/>
-    <p:sldId id="1292" r:id="rId27"/>
-    <p:sldId id="1258" r:id="rId28"/>
-    <p:sldId id="1282" r:id="rId29"/>
-    <p:sldId id="1297" r:id="rId30"/>
-    <p:sldId id="1301" r:id="rId31"/>
-    <p:sldId id="1302" r:id="rId32"/>
-    <p:sldId id="271" r:id="rId33"/>
+    <p:sldId id="1312" r:id="rId16"/>
+    <p:sldId id="1313" r:id="rId17"/>
+    <p:sldId id="1311" r:id="rId18"/>
+    <p:sldId id="1304" r:id="rId19"/>
+    <p:sldId id="1309" r:id="rId20"/>
+    <p:sldId id="1310" r:id="rId21"/>
+    <p:sldId id="1305" r:id="rId22"/>
+    <p:sldId id="1308" r:id="rId23"/>
+    <p:sldId id="1306" r:id="rId24"/>
+    <p:sldId id="261" r:id="rId25"/>
+    <p:sldId id="1287" r:id="rId26"/>
+    <p:sldId id="1299" r:id="rId27"/>
+    <p:sldId id="1300" r:id="rId28"/>
+    <p:sldId id="1298" r:id="rId29"/>
+    <p:sldId id="1292" r:id="rId30"/>
+    <p:sldId id="1258" r:id="rId31"/>
+    <p:sldId id="1282" r:id="rId32"/>
+    <p:sldId id="1297" r:id="rId33"/>
+    <p:sldId id="1301" r:id="rId34"/>
+    <p:sldId id="1302" r:id="rId35"/>
+    <p:sldId id="271" r:id="rId36"/>
   </p:sldIdLst>
   <p:sldSz cx="12192000" cy="6858000"/>
   <p:notesSz cx="6858000" cy="9144000"/>
@@ -190,11 +193,15 @@
           </p14:sldIdLst>
         </p14:section>
         <p14:section name="成果展示(2023/05/25)" id="{05835091-8D82-40E6-9118-44446D52D717}">
-          <p14:sldIdLst/>
+          <p14:sldIdLst>
+            <p14:sldId id="1303"/>
+            <p14:sldId id="1312"/>
+            <p14:sldId id="1313"/>
+          </p14:sldIdLst>
         </p14:section>
         <p14:section name="成果展示(2023/05/18)" id="{CD850086-4697-4729-8810-D56E5076CDEC}">
           <p14:sldIdLst>
-            <p14:sldId id="1303"/>
+            <p14:sldId id="1311"/>
             <p14:sldId id="1304"/>
             <p14:sldId id="1309"/>
             <p14:sldId id="1310"/>
@@ -325,7 +332,7 @@
               <a:rPr lang="zh-TW" altLang="en-US" smtClean="0">
                 <a:ea typeface="標楷體" panose="03000509000000000000" pitchFamily="65" charset="-120"/>
               </a:rPr>
-              <a:t>2023/5/27</a:t>
+              <a:t>2023/5/28</a:t>
             </a:fld>
             <a:endParaRPr lang="zh-TW" altLang="en-US" dirty="0">
               <a:ea typeface="標楷體" panose="03000509000000000000" pitchFamily="65" charset="-120"/>
@@ -503,7 +510,7 @@
             <a:fld id="{2CB905C5-9D54-40E2-B40C-7996280CAB02}" type="datetimeFigureOut">
               <a:rPr lang="zh-TW" altLang="en-US" smtClean="0"/>
               <a:pPr/>
-              <a:t>2023/5/27</a:t>
+              <a:t>2023/5/28</a:t>
             </a:fld>
             <a:endParaRPr lang="zh-TW" altLang="en-US" dirty="0"/>
           </a:p>
@@ -933,7 +940,7 @@
     </p:spTree>
     <p:extLst>
       <p:ext uri="{BB962C8B-B14F-4D97-AF65-F5344CB8AC3E}">
-        <p14:creationId xmlns:p14="http://schemas.microsoft.com/office/powerpoint/2010/main" val="990272692"/>
+        <p14:creationId xmlns:p14="http://schemas.microsoft.com/office/powerpoint/2010/main" val="995771577"/>
       </p:ext>
     </p:extLst>
   </p:cSld>
@@ -1017,7 +1024,7 @@
     </p:spTree>
     <p:extLst>
       <p:ext uri="{BB962C8B-B14F-4D97-AF65-F5344CB8AC3E}">
-        <p14:creationId xmlns:p14="http://schemas.microsoft.com/office/powerpoint/2010/main" val="821652528"/>
+        <p14:creationId xmlns:p14="http://schemas.microsoft.com/office/powerpoint/2010/main" val="1282522162"/>
       </p:ext>
     </p:extLst>
   </p:cSld>
@@ -1101,7 +1108,7 @@
     </p:spTree>
     <p:extLst>
       <p:ext uri="{BB962C8B-B14F-4D97-AF65-F5344CB8AC3E}">
-        <p14:creationId xmlns:p14="http://schemas.microsoft.com/office/powerpoint/2010/main" val="1837026944"/>
+        <p14:creationId xmlns:p14="http://schemas.microsoft.com/office/powerpoint/2010/main" val="3371315486"/>
       </p:ext>
     </p:extLst>
   </p:cSld>
@@ -1185,7 +1192,7 @@
     </p:spTree>
     <p:extLst>
       <p:ext uri="{BB962C8B-B14F-4D97-AF65-F5344CB8AC3E}">
-        <p14:creationId xmlns:p14="http://schemas.microsoft.com/office/powerpoint/2010/main" val="1270164773"/>
+        <p14:creationId xmlns:p14="http://schemas.microsoft.com/office/powerpoint/2010/main" val="990272692"/>
       </p:ext>
     </p:extLst>
   </p:cSld>
@@ -1269,7 +1276,7 @@
     </p:spTree>
     <p:extLst>
       <p:ext uri="{BB962C8B-B14F-4D97-AF65-F5344CB8AC3E}">
-        <p14:creationId xmlns:p14="http://schemas.microsoft.com/office/powerpoint/2010/main" val="485267844"/>
+        <p14:creationId xmlns:p14="http://schemas.microsoft.com/office/powerpoint/2010/main" val="821652528"/>
       </p:ext>
     </p:extLst>
   </p:cSld>
@@ -1353,7 +1360,7 @@
     </p:spTree>
     <p:extLst>
       <p:ext uri="{BB962C8B-B14F-4D97-AF65-F5344CB8AC3E}">
-        <p14:creationId xmlns:p14="http://schemas.microsoft.com/office/powerpoint/2010/main" val="3654295459"/>
+        <p14:creationId xmlns:p14="http://schemas.microsoft.com/office/powerpoint/2010/main" val="1837026944"/>
       </p:ext>
     </p:extLst>
   </p:cSld>
@@ -1437,7 +1444,7 @@
     </p:spTree>
     <p:extLst>
       <p:ext uri="{BB962C8B-B14F-4D97-AF65-F5344CB8AC3E}">
-        <p14:creationId xmlns:p14="http://schemas.microsoft.com/office/powerpoint/2010/main" val="1813557240"/>
+        <p14:creationId xmlns:p14="http://schemas.microsoft.com/office/powerpoint/2010/main" val="1270164773"/>
       </p:ext>
     </p:extLst>
   </p:cSld>
@@ -1521,7 +1528,7 @@
     </p:spTree>
     <p:extLst>
       <p:ext uri="{BB962C8B-B14F-4D97-AF65-F5344CB8AC3E}">
-        <p14:creationId xmlns:p14="http://schemas.microsoft.com/office/powerpoint/2010/main" val="800052063"/>
+        <p14:creationId xmlns:p14="http://schemas.microsoft.com/office/powerpoint/2010/main" val="485267844"/>
       </p:ext>
     </p:extLst>
   </p:cSld>
@@ -1605,7 +1612,7 @@
     </p:spTree>
     <p:extLst>
       <p:ext uri="{BB962C8B-B14F-4D97-AF65-F5344CB8AC3E}">
-        <p14:creationId xmlns:p14="http://schemas.microsoft.com/office/powerpoint/2010/main" val="1901851392"/>
+        <p14:creationId xmlns:p14="http://schemas.microsoft.com/office/powerpoint/2010/main" val="3654295459"/>
       </p:ext>
     </p:extLst>
   </p:cSld>
@@ -1689,7 +1696,7 @@
     </p:spTree>
     <p:extLst>
       <p:ext uri="{BB962C8B-B14F-4D97-AF65-F5344CB8AC3E}">
-        <p14:creationId xmlns:p14="http://schemas.microsoft.com/office/powerpoint/2010/main" val="3644232668"/>
+        <p14:creationId xmlns:p14="http://schemas.microsoft.com/office/powerpoint/2010/main" val="1813557240"/>
       </p:ext>
     </p:extLst>
   </p:cSld>
@@ -1857,6 +1864,258 @@
     </p:spTree>
     <p:extLst>
       <p:ext uri="{BB962C8B-B14F-4D97-AF65-F5344CB8AC3E}">
+        <p14:creationId xmlns:p14="http://schemas.microsoft.com/office/powerpoint/2010/main" val="800052063"/>
+      </p:ext>
+    </p:extLst>
+  </p:cSld>
+  <p:clrMapOvr>
+    <a:masterClrMapping/>
+  </p:clrMapOvr>
+</p:notes>
+</file>
+
+<file path=ppt/notesSlides/notesSlide21.xml><?xml version="1.0" encoding="utf-8"?>
+<p:notes xmlns:a="http://schemas.openxmlformats.org/drawingml/2006/main" xmlns:r="http://schemas.openxmlformats.org/officeDocument/2006/relationships" xmlns:p="http://schemas.openxmlformats.org/presentationml/2006/main">
+  <p:cSld>
+    <p:spTree>
+      <p:nvGrpSpPr>
+        <p:cNvPr id="1" name=""/>
+        <p:cNvGrpSpPr/>
+        <p:nvPr/>
+      </p:nvGrpSpPr>
+      <p:grpSpPr>
+        <a:xfrm>
+          <a:off x="0" y="0"/>
+          <a:ext cx="0" cy="0"/>
+          <a:chOff x="0" y="0"/>
+          <a:chExt cx="0" cy="0"/>
+        </a:xfrm>
+      </p:grpSpPr>
+      <p:sp>
+        <p:nvSpPr>
+          <p:cNvPr id="2" name="投影片圖像版面配置區 1"/>
+          <p:cNvSpPr>
+            <a:spLocks noGrp="1" noRot="1" noChangeAspect="1"/>
+          </p:cNvSpPr>
+          <p:nvPr>
+            <p:ph type="sldImg"/>
+          </p:nvPr>
+        </p:nvSpPr>
+        <p:spPr/>
+      </p:sp>
+      <p:sp>
+        <p:nvSpPr>
+          <p:cNvPr id="3" name="備忘稿版面配置區 2"/>
+          <p:cNvSpPr>
+            <a:spLocks noGrp="1"/>
+          </p:cNvSpPr>
+          <p:nvPr>
+            <p:ph type="body" idx="1"/>
+          </p:nvPr>
+        </p:nvSpPr>
+        <p:spPr/>
+        <p:txBody>
+          <a:bodyPr/>
+          <a:lstStyle/>
+          <a:p>
+            <a:endParaRPr lang="zh-TW" altLang="en-US" dirty="0"/>
+          </a:p>
+        </p:txBody>
+      </p:sp>
+      <p:sp>
+        <p:nvSpPr>
+          <p:cNvPr id="4" name="投影片編號版面配置區 3"/>
+          <p:cNvSpPr>
+            <a:spLocks noGrp="1"/>
+          </p:cNvSpPr>
+          <p:nvPr>
+            <p:ph type="sldNum" sz="quarter" idx="10"/>
+          </p:nvPr>
+        </p:nvSpPr>
+        <p:spPr/>
+        <p:txBody>
+          <a:bodyPr/>
+          <a:lstStyle/>
+          <a:p>
+            <a:fld id="{EF8A6B0B-A5FB-4629-B823-69B1A9EB3A43}" type="slidenum">
+              <a:rPr lang="zh-TW" altLang="en-US" smtClean="0"/>
+              <a:t>32</a:t>
+            </a:fld>
+            <a:endParaRPr lang="zh-TW" altLang="en-US"/>
+          </a:p>
+        </p:txBody>
+      </p:sp>
+    </p:spTree>
+    <p:extLst>
+      <p:ext uri="{BB962C8B-B14F-4D97-AF65-F5344CB8AC3E}">
+        <p14:creationId xmlns:p14="http://schemas.microsoft.com/office/powerpoint/2010/main" val="1901851392"/>
+      </p:ext>
+    </p:extLst>
+  </p:cSld>
+  <p:clrMapOvr>
+    <a:masterClrMapping/>
+  </p:clrMapOvr>
+</p:notes>
+</file>
+
+<file path=ppt/notesSlides/notesSlide22.xml><?xml version="1.0" encoding="utf-8"?>
+<p:notes xmlns:a="http://schemas.openxmlformats.org/drawingml/2006/main" xmlns:r="http://schemas.openxmlformats.org/officeDocument/2006/relationships" xmlns:p="http://schemas.openxmlformats.org/presentationml/2006/main">
+  <p:cSld>
+    <p:spTree>
+      <p:nvGrpSpPr>
+        <p:cNvPr id="1" name=""/>
+        <p:cNvGrpSpPr/>
+        <p:nvPr/>
+      </p:nvGrpSpPr>
+      <p:grpSpPr>
+        <a:xfrm>
+          <a:off x="0" y="0"/>
+          <a:ext cx="0" cy="0"/>
+          <a:chOff x="0" y="0"/>
+          <a:chExt cx="0" cy="0"/>
+        </a:xfrm>
+      </p:grpSpPr>
+      <p:sp>
+        <p:nvSpPr>
+          <p:cNvPr id="2" name="投影片圖像版面配置區 1"/>
+          <p:cNvSpPr>
+            <a:spLocks noGrp="1" noRot="1" noChangeAspect="1"/>
+          </p:cNvSpPr>
+          <p:nvPr>
+            <p:ph type="sldImg"/>
+          </p:nvPr>
+        </p:nvSpPr>
+        <p:spPr/>
+      </p:sp>
+      <p:sp>
+        <p:nvSpPr>
+          <p:cNvPr id="3" name="備忘稿版面配置區 2"/>
+          <p:cNvSpPr>
+            <a:spLocks noGrp="1"/>
+          </p:cNvSpPr>
+          <p:nvPr>
+            <p:ph type="body" idx="1"/>
+          </p:nvPr>
+        </p:nvSpPr>
+        <p:spPr/>
+        <p:txBody>
+          <a:bodyPr/>
+          <a:lstStyle/>
+          <a:p>
+            <a:endParaRPr lang="zh-TW" altLang="en-US" dirty="0"/>
+          </a:p>
+        </p:txBody>
+      </p:sp>
+      <p:sp>
+        <p:nvSpPr>
+          <p:cNvPr id="4" name="投影片編號版面配置區 3"/>
+          <p:cNvSpPr>
+            <a:spLocks noGrp="1"/>
+          </p:cNvSpPr>
+          <p:nvPr>
+            <p:ph type="sldNum" sz="quarter" idx="10"/>
+          </p:nvPr>
+        </p:nvSpPr>
+        <p:spPr/>
+        <p:txBody>
+          <a:bodyPr/>
+          <a:lstStyle/>
+          <a:p>
+            <a:fld id="{EF8A6B0B-A5FB-4629-B823-69B1A9EB3A43}" type="slidenum">
+              <a:rPr lang="zh-TW" altLang="en-US" smtClean="0"/>
+              <a:t>33</a:t>
+            </a:fld>
+            <a:endParaRPr lang="zh-TW" altLang="en-US"/>
+          </a:p>
+        </p:txBody>
+      </p:sp>
+    </p:spTree>
+    <p:extLst>
+      <p:ext uri="{BB962C8B-B14F-4D97-AF65-F5344CB8AC3E}">
+        <p14:creationId xmlns:p14="http://schemas.microsoft.com/office/powerpoint/2010/main" val="3644232668"/>
+      </p:ext>
+    </p:extLst>
+  </p:cSld>
+  <p:clrMapOvr>
+    <a:masterClrMapping/>
+  </p:clrMapOvr>
+</p:notes>
+</file>
+
+<file path=ppt/notesSlides/notesSlide23.xml><?xml version="1.0" encoding="utf-8"?>
+<p:notes xmlns:a="http://schemas.openxmlformats.org/drawingml/2006/main" xmlns:r="http://schemas.openxmlformats.org/officeDocument/2006/relationships" xmlns:p="http://schemas.openxmlformats.org/presentationml/2006/main">
+  <p:cSld>
+    <p:spTree>
+      <p:nvGrpSpPr>
+        <p:cNvPr id="1" name=""/>
+        <p:cNvGrpSpPr/>
+        <p:nvPr/>
+      </p:nvGrpSpPr>
+      <p:grpSpPr>
+        <a:xfrm>
+          <a:off x="0" y="0"/>
+          <a:ext cx="0" cy="0"/>
+          <a:chOff x="0" y="0"/>
+          <a:chExt cx="0" cy="0"/>
+        </a:xfrm>
+      </p:grpSpPr>
+      <p:sp>
+        <p:nvSpPr>
+          <p:cNvPr id="2" name="投影片圖像版面配置區 1"/>
+          <p:cNvSpPr>
+            <a:spLocks noGrp="1" noRot="1" noChangeAspect="1"/>
+          </p:cNvSpPr>
+          <p:nvPr>
+            <p:ph type="sldImg"/>
+          </p:nvPr>
+        </p:nvSpPr>
+        <p:spPr/>
+      </p:sp>
+      <p:sp>
+        <p:nvSpPr>
+          <p:cNvPr id="3" name="備忘稿版面配置區 2"/>
+          <p:cNvSpPr>
+            <a:spLocks noGrp="1"/>
+          </p:cNvSpPr>
+          <p:nvPr>
+            <p:ph type="body" idx="1"/>
+          </p:nvPr>
+        </p:nvSpPr>
+        <p:spPr/>
+        <p:txBody>
+          <a:bodyPr/>
+          <a:lstStyle/>
+          <a:p>
+            <a:endParaRPr lang="zh-TW" altLang="en-US" dirty="0"/>
+          </a:p>
+        </p:txBody>
+      </p:sp>
+      <p:sp>
+        <p:nvSpPr>
+          <p:cNvPr id="4" name="投影片編號版面配置區 3"/>
+          <p:cNvSpPr>
+            <a:spLocks noGrp="1"/>
+          </p:cNvSpPr>
+          <p:nvPr>
+            <p:ph type="sldNum" sz="quarter" idx="10"/>
+          </p:nvPr>
+        </p:nvSpPr>
+        <p:spPr/>
+        <p:txBody>
+          <a:bodyPr/>
+          <a:lstStyle/>
+          <a:p>
+            <a:fld id="{EF8A6B0B-A5FB-4629-B823-69B1A9EB3A43}" type="slidenum">
+              <a:rPr lang="zh-TW" altLang="en-US" smtClean="0"/>
+              <a:t>34</a:t>
+            </a:fld>
+            <a:endParaRPr lang="zh-TW" altLang="en-US"/>
+          </a:p>
+        </p:txBody>
+      </p:sp>
+    </p:spTree>
+    <p:extLst>
+      <p:ext uri="{BB962C8B-B14F-4D97-AF65-F5344CB8AC3E}">
         <p14:creationId xmlns:p14="http://schemas.microsoft.com/office/powerpoint/2010/main" val="1720177217"/>
       </p:ext>
     </p:extLst>
@@ -2025,7 +2284,7 @@
     </p:spTree>
     <p:extLst>
       <p:ext uri="{BB962C8B-B14F-4D97-AF65-F5344CB8AC3E}">
-        <p14:creationId xmlns:p14="http://schemas.microsoft.com/office/powerpoint/2010/main" val="1021362145"/>
+        <p14:creationId xmlns:p14="http://schemas.microsoft.com/office/powerpoint/2010/main" val="3607439692"/>
       </p:ext>
     </p:extLst>
   </p:cSld>
@@ -2109,7 +2368,7 @@
     </p:spTree>
     <p:extLst>
       <p:ext uri="{BB962C8B-B14F-4D97-AF65-F5344CB8AC3E}">
-        <p14:creationId xmlns:p14="http://schemas.microsoft.com/office/powerpoint/2010/main" val="403506783"/>
+        <p14:creationId xmlns:p14="http://schemas.microsoft.com/office/powerpoint/2010/main" val="997729401"/>
       </p:ext>
     </p:extLst>
   </p:cSld>
@@ -2193,7 +2452,7 @@
     </p:spTree>
     <p:extLst>
       <p:ext uri="{BB962C8B-B14F-4D97-AF65-F5344CB8AC3E}">
-        <p14:creationId xmlns:p14="http://schemas.microsoft.com/office/powerpoint/2010/main" val="2914016583"/>
+        <p14:creationId xmlns:p14="http://schemas.microsoft.com/office/powerpoint/2010/main" val="3645191668"/>
       </p:ext>
     </p:extLst>
   </p:cSld>
@@ -2277,7 +2536,7 @@
     </p:spTree>
     <p:extLst>
       <p:ext uri="{BB962C8B-B14F-4D97-AF65-F5344CB8AC3E}">
-        <p14:creationId xmlns:p14="http://schemas.microsoft.com/office/powerpoint/2010/main" val="995771577"/>
+        <p14:creationId xmlns:p14="http://schemas.microsoft.com/office/powerpoint/2010/main" val="1021362145"/>
       </p:ext>
     </p:extLst>
   </p:cSld>
@@ -2361,7 +2620,7 @@
     </p:spTree>
     <p:extLst>
       <p:ext uri="{BB962C8B-B14F-4D97-AF65-F5344CB8AC3E}">
-        <p14:creationId xmlns:p14="http://schemas.microsoft.com/office/powerpoint/2010/main" val="1282522162"/>
+        <p14:creationId xmlns:p14="http://schemas.microsoft.com/office/powerpoint/2010/main" val="403506783"/>
       </p:ext>
     </p:extLst>
   </p:cSld>
@@ -2445,7 +2704,7 @@
     </p:spTree>
     <p:extLst>
       <p:ext uri="{BB962C8B-B14F-4D97-AF65-F5344CB8AC3E}">
-        <p14:creationId xmlns:p14="http://schemas.microsoft.com/office/powerpoint/2010/main" val="3371315486"/>
+        <p14:creationId xmlns:p14="http://schemas.microsoft.com/office/powerpoint/2010/main" val="2914016583"/>
       </p:ext>
     </p:extLst>
   </p:cSld>
@@ -2589,7 +2848,7 @@
           <a:p>
             <a:fld id="{0C0CC965-A63A-473D-BEFB-C8F9714D5269}" type="datetimeFigureOut">
               <a:rPr lang="zh-TW" altLang="en-US" smtClean="0"/>
-              <a:t>2023/5/27</a:t>
+              <a:t>2023/5/28</a:t>
             </a:fld>
             <a:endParaRPr lang="zh-TW" altLang="en-US"/>
           </a:p>
@@ -2757,7 +3016,7 @@
           <a:p>
             <a:fld id="{0C0CC965-A63A-473D-BEFB-C8F9714D5269}" type="datetimeFigureOut">
               <a:rPr lang="zh-TW" altLang="en-US" smtClean="0"/>
-              <a:t>2023/5/27</a:t>
+              <a:t>2023/5/28</a:t>
             </a:fld>
             <a:endParaRPr lang="zh-TW" altLang="en-US"/>
           </a:p>
@@ -2935,7 +3194,7 @@
           <a:p>
             <a:fld id="{0C0CC965-A63A-473D-BEFB-C8F9714D5269}" type="datetimeFigureOut">
               <a:rPr lang="zh-TW" altLang="en-US" smtClean="0"/>
-              <a:t>2023/5/27</a:t>
+              <a:t>2023/5/28</a:t>
             </a:fld>
             <a:endParaRPr lang="zh-TW" altLang="en-US"/>
           </a:p>
@@ -3157,7 +3416,7 @@
           <a:p>
             <a:fld id="{0C0CC965-A63A-473D-BEFB-C8F9714D5269}" type="datetimeFigureOut">
               <a:rPr lang="zh-TW" altLang="en-US" smtClean="0"/>
-              <a:t>2023/5/27</a:t>
+              <a:t>2023/5/28</a:t>
             </a:fld>
             <a:endParaRPr lang="zh-TW" altLang="en-US"/>
           </a:p>
@@ -3352,7 +3611,7 @@
           <a:p>
             <a:fld id="{0C0CC965-A63A-473D-BEFB-C8F9714D5269}" type="datetimeFigureOut">
               <a:rPr lang="zh-TW" altLang="en-US" smtClean="0"/>
-              <a:t>2023/5/27</a:t>
+              <a:t>2023/5/28</a:t>
             </a:fld>
             <a:endParaRPr lang="zh-TW" altLang="en-US"/>
           </a:p>
@@ -3597,7 +3856,7 @@
           <a:p>
             <a:fld id="{0C0CC965-A63A-473D-BEFB-C8F9714D5269}" type="datetimeFigureOut">
               <a:rPr lang="zh-TW" altLang="en-US" smtClean="0"/>
-              <a:t>2023/5/27</a:t>
+              <a:t>2023/5/28</a:t>
             </a:fld>
             <a:endParaRPr lang="zh-TW" altLang="en-US"/>
           </a:p>
@@ -3826,7 +4085,7 @@
           <a:p>
             <a:fld id="{0C0CC965-A63A-473D-BEFB-C8F9714D5269}" type="datetimeFigureOut">
               <a:rPr lang="zh-TW" altLang="en-US" smtClean="0"/>
-              <a:t>2023/5/27</a:t>
+              <a:t>2023/5/28</a:t>
             </a:fld>
             <a:endParaRPr lang="zh-TW" altLang="en-US"/>
           </a:p>
@@ -4190,7 +4449,7 @@
           <a:p>
             <a:fld id="{0C0CC965-A63A-473D-BEFB-C8F9714D5269}" type="datetimeFigureOut">
               <a:rPr lang="zh-TW" altLang="en-US" smtClean="0"/>
-              <a:t>2023/5/27</a:t>
+              <a:t>2023/5/28</a:t>
             </a:fld>
             <a:endParaRPr lang="zh-TW" altLang="en-US"/>
           </a:p>
@@ -4307,7 +4566,7 @@
           <a:p>
             <a:fld id="{0C0CC965-A63A-473D-BEFB-C8F9714D5269}" type="datetimeFigureOut">
               <a:rPr lang="zh-TW" altLang="en-US" smtClean="0"/>
-              <a:t>2023/5/27</a:t>
+              <a:t>2023/5/28</a:t>
             </a:fld>
             <a:endParaRPr lang="zh-TW" altLang="en-US"/>
           </a:p>
@@ -4402,7 +4661,7 @@
           <a:p>
             <a:fld id="{0C0CC965-A63A-473D-BEFB-C8F9714D5269}" type="datetimeFigureOut">
               <a:rPr lang="zh-TW" altLang="en-US" smtClean="0"/>
-              <a:t>2023/5/27</a:t>
+              <a:t>2023/5/28</a:t>
             </a:fld>
             <a:endParaRPr lang="zh-TW" altLang="en-US"/>
           </a:p>
@@ -4677,7 +4936,7 @@
           <a:p>
             <a:fld id="{0C0CC965-A63A-473D-BEFB-C8F9714D5269}" type="datetimeFigureOut">
               <a:rPr lang="zh-TW" altLang="en-US" smtClean="0"/>
-              <a:t>2023/5/27</a:t>
+              <a:t>2023/5/28</a:t>
             </a:fld>
             <a:endParaRPr lang="zh-TW" altLang="en-US"/>
           </a:p>
@@ -4929,7 +5188,7 @@
           <a:p>
             <a:fld id="{0C0CC965-A63A-473D-BEFB-C8F9714D5269}" type="datetimeFigureOut">
               <a:rPr lang="zh-TW" altLang="en-US" smtClean="0"/>
-              <a:t>2023/5/27</a:t>
+              <a:t>2023/5/28</a:t>
             </a:fld>
             <a:endParaRPr lang="zh-TW" altLang="en-US"/>
           </a:p>
@@ -5143,7 +5402,7 @@
             <a:fld id="{0C0CC965-A63A-473D-BEFB-C8F9714D5269}" type="datetimeFigureOut">
               <a:rPr lang="zh-TW" altLang="en-US" smtClean="0"/>
               <a:pPr/>
-              <a:t>2023/5/27</a:t>
+              <a:t>2023/5/28</a:t>
             </a:fld>
             <a:endParaRPr lang="zh-TW" altLang="en-US"/>
           </a:p>
@@ -7554,48 +7813,37 @@
             </a:lvl9pPr>
           </a:lstStyle>
           <a:p>
-            <a:pPr marL="285750" lvl="1" indent="-285750"/>
-            <a:r>
-              <a:rPr lang="en-US" altLang="zh-TW" sz="1800" dirty="0" err="1"/>
-              <a:t>VGA_pong_Bram</a:t>
-            </a:r>
-            <a:endParaRPr lang="en-US" altLang="zh-TW" sz="1800" dirty="0"/>
-          </a:p>
-          <a:p>
-            <a:pPr marL="742950" lvl="2" indent="-285750"/>
-            <a:r>
-              <a:rPr lang="en-US" altLang="zh-TW" sz="1800" dirty="0"/>
-              <a:t>FSM</a:t>
-            </a:r>
+            <a:pPr marL="601200" lvl="2" indent="-144000"/>
+            <a:r>
+              <a:rPr lang="en-US" altLang="zh-TW" sz="1800" b="1" dirty="0">
+                <a:latin typeface="標楷體" panose="03000509000000000000" pitchFamily="65" charset="-120"/>
+              </a:rPr>
+              <a:t>2023/5/25-2023/6/06</a:t>
+            </a:r>
+            <a:r>
+              <a:rPr lang="zh-TW" altLang="en-US" sz="1800" b="1" dirty="0">
+                <a:latin typeface="標楷體" panose="03000509000000000000" pitchFamily="65" charset="-120"/>
+              </a:rPr>
+              <a:t>：</a:t>
+            </a:r>
+            <a:endParaRPr lang="en-US" altLang="zh-TW" sz="1800" b="1" dirty="0">
+              <a:latin typeface="標楷體" panose="03000509000000000000" pitchFamily="65" charset="-120"/>
+            </a:endParaRPr>
+          </a:p>
+          <a:p>
+            <a:pPr marL="601200" lvl="2" indent="-144000"/>
             <a:r>
               <a:rPr lang="zh-TW" altLang="en-US" sz="1800" dirty="0"/>
-              <a:t>修補</a:t>
-            </a:r>
-            <a:endParaRPr lang="en-US" altLang="zh-TW" sz="1800" dirty="0"/>
-          </a:p>
-          <a:p>
-            <a:pPr marL="742950" lvl="2" indent="-285750"/>
+              <a:t>  顯示數字並在</a:t>
+            </a:r>
             <a:r>
               <a:rPr lang="en-US" altLang="zh-TW" sz="1800" dirty="0"/>
               <a:t>VGA</a:t>
             </a:r>
             <a:r>
               <a:rPr lang="zh-TW" altLang="en-US" sz="1800" dirty="0"/>
-              <a:t>顯示</a:t>
-            </a:r>
-            <a:endParaRPr lang="en-US" altLang="zh-TW" sz="1800" dirty="0"/>
-          </a:p>
-          <a:p>
-            <a:pPr marL="285750" lvl="1" indent="-285750"/>
-            <a:r>
-              <a:rPr lang="en-US" altLang="zh-TW" sz="1800" dirty="0" err="1"/>
-              <a:t>VGA_BRam</a:t>
-            </a:r>
-            <a:r>
-              <a:rPr lang="zh-TW" altLang="en-US" sz="1800" dirty="0"/>
-              <a:t>的圖形改號誌</a:t>
-            </a:r>
-            <a:endParaRPr lang="en-US" altLang="zh-TW" sz="1800" dirty="0"/>
+              <a:t>畫面計分</a:t>
+            </a:r>
           </a:p>
           <a:p>
             <a:pPr marL="285750" lvl="1" indent="-285750"/>
@@ -7647,7 +7895,7 @@
             </a:r>
             <a:r>
               <a:rPr lang="en-US" altLang="zh-TW" sz="3200" dirty="0"/>
-              <a:t>(2023/05/18)</a:t>
+              <a:t>(2023/05/25)</a:t>
             </a:r>
             <a:endParaRPr lang="zh-TW" altLang="en-US" sz="3200" dirty="0"/>
           </a:p>
@@ -7706,20 +7954,28 @@
           <a:lstStyle/>
           <a:p>
             <a:r>
-              <a:rPr lang="en-US" altLang="zh-TW" sz="3200" dirty="0" err="1"/>
-              <a:t>VGA_pong_Bram</a:t>
+              <a:rPr lang="zh-TW" altLang="en-US" sz="3200" dirty="0"/>
+              <a:t>成果展示 </a:t>
             </a:r>
             <a:r>
               <a:rPr lang="en-US" altLang="zh-TW" sz="3200" dirty="0"/>
-              <a:t> - FSM</a:t>
+              <a:t>– </a:t>
             </a:r>
             <a:r>
               <a:rPr lang="zh-TW" altLang="en-US" sz="3200" dirty="0"/>
-              <a:t>修補</a:t>
+              <a:t>顯示數字並在</a:t>
             </a:r>
             <a:r>
               <a:rPr lang="en-US" altLang="zh-TW" sz="3200" dirty="0"/>
-              <a:t>(1/3)</a:t>
+              <a:t>VGA</a:t>
+            </a:r>
+            <a:r>
+              <a:rPr lang="zh-TW" altLang="en-US" sz="3200" dirty="0"/>
+              <a:t>畫面計分</a:t>
+            </a:r>
+            <a:r>
+              <a:rPr lang="en-US" altLang="zh-TW" sz="3200" dirty="0"/>
+              <a:t>(1/2)</a:t>
             </a:r>
             <a:endParaRPr lang="zh-TW" altLang="en-US" sz="3200" dirty="0"/>
           </a:p>
@@ -7740,7 +7996,7 @@
         <p:spPr>
           <a:xfrm>
             <a:off x="1640706" y="1623546"/>
-            <a:ext cx="5373306" cy="923330"/>
+            <a:ext cx="5373306" cy="646331"/>
           </a:xfrm>
           <a:prstGeom prst="rect">
             <a:avLst/>
@@ -7766,29 +8022,9 @@
               <a:t>VGA_pong</a:t>
             </a:r>
             <a:endParaRPr lang="en-US" altLang="zh-TW" dirty="0">
-              <a:latin typeface="標楷體" panose="03000509000000000000" pitchFamily="65" charset="-120"/>
+              <a:latin typeface="Times New Roman" panose="02020603050405020304" pitchFamily="18" charset="0"/>
               <a:ea typeface="標楷體" panose="03000509000000000000" pitchFamily="65" charset="-120"/>
             </a:endParaRPr>
-          </a:p>
-          <a:p>
-            <a:pPr marL="285750" indent="-285750">
-              <a:buFont typeface="Arial" panose="020B0604020202020204" pitchFamily="34" charset="0"/>
-              <a:buChar char="•"/>
-            </a:pPr>
-            <a:r>
-              <a:rPr lang="zh-TW" altLang="en-US" dirty="0">
-                <a:latin typeface="標楷體" panose="03000509000000000000" pitchFamily="65" charset="-120"/>
-                <a:ea typeface="標楷體" panose="03000509000000000000" pitchFamily="65" charset="-120"/>
-              </a:rPr>
-              <a:t>修補</a:t>
-            </a:r>
-            <a:r>
-              <a:rPr lang="en-US" altLang="zh-TW" dirty="0">
-                <a:latin typeface="Times New Roman" panose="02020603050405020304" pitchFamily="18" charset="0"/>
-                <a:ea typeface="標楷體" panose="03000509000000000000" pitchFamily="65" charset="-120"/>
-              </a:rPr>
-              <a:t>FSM</a:t>
-            </a:r>
           </a:p>
           <a:p>
             <a:pPr marL="285750" indent="-285750">
@@ -7840,8 +8076,8 @@
         </p:nvSpPr>
         <p:spPr>
           <a:xfrm>
-            <a:off x="7014012" y="5552052"/>
-            <a:ext cx="1680675" cy="369332"/>
+            <a:off x="7249575" y="5601622"/>
+            <a:ext cx="1848743" cy="646331"/>
           </a:xfrm>
           <a:prstGeom prst="rect">
             <a:avLst/>
@@ -7863,27 +8099,34 @@
             </a:r>
             <a:r>
               <a:rPr lang="en-US" altLang="zh-TW" dirty="0">
-                <a:latin typeface="標楷體" panose="03000509000000000000" pitchFamily="65" charset="-120"/>
+                <a:latin typeface="Times New Roman" panose="02020603050405020304" pitchFamily="18" charset="0"/>
                 <a:ea typeface="標楷體" panose="03000509000000000000" pitchFamily="65" charset="-120"/>
               </a:rPr>
               <a:t>&amp;</a:t>
+            </a:r>
+            <a:r>
+              <a:rPr lang="zh-TW" altLang="en-US" dirty="0">
+                <a:latin typeface="Times New Roman" panose="02020603050405020304" pitchFamily="18" charset="0"/>
+                <a:ea typeface="標楷體" panose="03000509000000000000" pitchFamily="65" charset="-120"/>
+              </a:rPr>
+              <a:t>玩家</a:t>
             </a:r>
             <a:r>
               <a:rPr lang="zh-TW" altLang="en-US" dirty="0">
                 <a:latin typeface="標楷體" panose="03000509000000000000" pitchFamily="65" charset="-120"/>
                 <a:ea typeface="標楷體" panose="03000509000000000000" pitchFamily="65" charset="-120"/>
               </a:rPr>
-              <a:t>發球置右</a:t>
+              <a:t>加分</a:t>
             </a:r>
           </a:p>
         </p:txBody>
       </p:sp>
       <p:pic>
         <p:nvPicPr>
-          <p:cNvPr id="5" name="圖片 4">
+          <p:cNvPr id="6" name="圖片 5">
             <a:extLst>
               <a:ext uri="{FF2B5EF4-FFF2-40B4-BE49-F238E27FC236}">
-                <a16:creationId xmlns:a16="http://schemas.microsoft.com/office/drawing/2014/main" id="{D065580F-6DD2-4E87-99DF-302249D12434}"/>
+                <a16:creationId xmlns:a16="http://schemas.microsoft.com/office/drawing/2014/main" id="{402E28CC-B4CA-45A6-96F5-01F355E9A924}"/>
               </a:ext>
             </a:extLst>
           </p:cNvPr>
@@ -7893,15 +8136,21 @@
           <p:nvPr/>
         </p:nvPicPr>
         <p:blipFill>
-          <a:blip r:embed="rId3"/>
+          <a:blip r:embed="rId3">
+            <a:extLst>
+              <a:ext uri="{28A0092B-C50C-407E-A947-70E740481C1C}">
+                <a14:useLocalDpi xmlns:a14="http://schemas.microsoft.com/office/drawing/2010/main" val="0"/>
+              </a:ext>
+            </a:extLst>
+          </a:blip>
           <a:stretch>
             <a:fillRect/>
           </a:stretch>
         </p:blipFill>
         <p:spPr>
           <a:xfrm>
-            <a:off x="4158922" y="1974466"/>
-            <a:ext cx="7016848" cy="3411332"/>
+            <a:off x="4073951" y="1730078"/>
+            <a:ext cx="7435368" cy="3871544"/>
           </a:xfrm>
           <a:prstGeom prst="rect">
             <a:avLst/>
@@ -7911,7 +8160,7 @@
     </p:spTree>
     <p:extLst>
       <p:ext uri="{BB962C8B-B14F-4D97-AF65-F5344CB8AC3E}">
-        <p14:creationId xmlns:p14="http://schemas.microsoft.com/office/powerpoint/2010/main" val="3160319976"/>
+        <p14:creationId xmlns:p14="http://schemas.microsoft.com/office/powerpoint/2010/main" val="3372095372"/>
       </p:ext>
     </p:extLst>
   </p:cSld>
@@ -7961,20 +8210,32 @@
           <a:lstStyle/>
           <a:p>
             <a:r>
-              <a:rPr lang="en-US" altLang="zh-TW" sz="3200" dirty="0" err="1"/>
-              <a:t>VGA_pong_Bram</a:t>
+              <a:rPr lang="zh-TW" altLang="en-US" sz="3200" dirty="0"/>
+              <a:t>成果展示 </a:t>
             </a:r>
             <a:r>
               <a:rPr lang="en-US" altLang="zh-TW" sz="3200" dirty="0"/>
-              <a:t> - FSM</a:t>
+              <a:t>– </a:t>
             </a:r>
             <a:r>
               <a:rPr lang="zh-TW" altLang="en-US" sz="3200" dirty="0"/>
-              <a:t>修補</a:t>
+              <a:t>顯示數字並在</a:t>
             </a:r>
             <a:r>
               <a:rPr lang="en-US" altLang="zh-TW" sz="3200" dirty="0"/>
-              <a:t>(2/3)</a:t>
+              <a:t>VGA</a:t>
+            </a:r>
+            <a:r>
+              <a:rPr lang="zh-TW" altLang="en-US" sz="3200" dirty="0"/>
+              <a:t>畫面計分</a:t>
+            </a:r>
+            <a:r>
+              <a:rPr lang="en-US" altLang="zh-TW" sz="3200"/>
+              <a:t>(2/2</a:t>
+            </a:r>
+            <a:r>
+              <a:rPr lang="en-US" altLang="zh-TW" sz="3200" dirty="0"/>
+              <a:t>)</a:t>
             </a:r>
             <a:endParaRPr lang="zh-TW" altLang="en-US" sz="3200" dirty="0"/>
           </a:p>
@@ -7995,7 +8256,7 @@
         <p:spPr>
           <a:xfrm>
             <a:off x="1640706" y="1623546"/>
-            <a:ext cx="5373306" cy="923330"/>
+            <a:ext cx="5373306" cy="1200329"/>
           </a:xfrm>
           <a:prstGeom prst="rect">
             <a:avLst/>
@@ -8021,7 +8282,7 @@
               <a:t>VGA_pong</a:t>
             </a:r>
             <a:endParaRPr lang="en-US" altLang="zh-TW" dirty="0">
-              <a:latin typeface="標楷體" panose="03000509000000000000" pitchFamily="65" charset="-120"/>
+              <a:latin typeface="Times New Roman" panose="02020603050405020304" pitchFamily="18" charset="0"/>
               <a:ea typeface="標楷體" panose="03000509000000000000" pitchFamily="65" charset="-120"/>
             </a:endParaRPr>
           </a:p>
@@ -8032,18 +8293,15 @@
             </a:pPr>
             <a:r>
               <a:rPr lang="zh-TW" altLang="en-US" dirty="0">
-                <a:latin typeface="標楷體" panose="03000509000000000000" pitchFamily="65" charset="-120"/>
-                <a:ea typeface="標楷體" panose="03000509000000000000" pitchFamily="65" charset="-120"/>
-              </a:rPr>
-              <a:t>修補</a:t>
-            </a:r>
-            <a:r>
-              <a:rPr lang="en-US" altLang="zh-TW" dirty="0">
                 <a:latin typeface="Times New Roman" panose="02020603050405020304" pitchFamily="18" charset="0"/>
                 <a:ea typeface="標楷體" panose="03000509000000000000" pitchFamily="65" charset="-120"/>
               </a:rPr>
-              <a:t>FSM</a:t>
-            </a:r>
+              <a:t>計分模組波形模擬</a:t>
+            </a:r>
+            <a:endParaRPr lang="en-US" altLang="zh-TW" dirty="0">
+              <a:latin typeface="Times New Roman" panose="02020603050405020304" pitchFamily="18" charset="0"/>
+              <a:ea typeface="標楷體" panose="03000509000000000000" pitchFamily="65" charset="-120"/>
+            </a:endParaRPr>
           </a:p>
           <a:p>
             <a:pPr marL="285750" indent="-285750">
@@ -8055,38 +8313,72 @@
                 <a:latin typeface="Times New Roman" panose="02020603050405020304" pitchFamily="18" charset="0"/>
                 <a:ea typeface="標楷體" panose="03000509000000000000" pitchFamily="65" charset="-120"/>
               </a:rPr>
-              <a:t>波形模擬</a:t>
+              <a:t>起點位置</a:t>
             </a:r>
             <a:r>
               <a:rPr lang="en-US" altLang="zh-TW" dirty="0">
                 <a:latin typeface="Times New Roman" panose="02020603050405020304" pitchFamily="18" charset="0"/>
                 <a:ea typeface="標楷體" panose="03000509000000000000" pitchFamily="65" charset="-120"/>
               </a:rPr>
-              <a:t>(</a:t>
+              <a:t>:</a:t>
             </a:r>
             <a:r>
               <a:rPr lang="zh-TW" altLang="en-US" dirty="0">
                 <a:latin typeface="Times New Roman" panose="02020603050405020304" pitchFamily="18" charset="0"/>
                 <a:ea typeface="標楷體" panose="03000509000000000000" pitchFamily="65" charset="-120"/>
               </a:rPr>
-              <a:t>漏接期間</a:t>
+              <a:t> </a:t>
             </a:r>
             <a:r>
               <a:rPr lang="en-US" altLang="zh-TW" dirty="0">
                 <a:latin typeface="Times New Roman" panose="02020603050405020304" pitchFamily="18" charset="0"/>
                 <a:ea typeface="標楷體" panose="03000509000000000000" pitchFamily="65" charset="-120"/>
               </a:rPr>
-              <a:t>)</a:t>
-            </a:r>
-          </a:p>
-        </p:txBody>
-      </p:sp>
-      <p:sp>
-        <p:nvSpPr>
-          <p:cNvPr id="4" name="文字方塊 3">
+              <a:t>316x60</a:t>
+            </a:r>
+          </a:p>
+          <a:p>
+            <a:pPr marL="285750" indent="-285750">
+              <a:buFont typeface="Arial" panose="020B0604020202020204" pitchFamily="34" charset="0"/>
+              <a:buChar char="•"/>
+            </a:pPr>
+            <a:r>
+              <a:rPr lang="zh-TW" altLang="en-US" dirty="0">
+                <a:latin typeface="Times New Roman" panose="02020603050405020304" pitchFamily="18" charset="0"/>
+                <a:ea typeface="標楷體" panose="03000509000000000000" pitchFamily="65" charset="-120"/>
+              </a:rPr>
+              <a:t>圖形大小</a:t>
+            </a:r>
+            <a:r>
+              <a:rPr lang="en-US" altLang="zh-TW" dirty="0">
+                <a:latin typeface="Times New Roman" panose="02020603050405020304" pitchFamily="18" charset="0"/>
+                <a:ea typeface="標楷體" panose="03000509000000000000" pitchFamily="65" charset="-120"/>
+              </a:rPr>
+              <a:t>:</a:t>
+            </a:r>
+            <a:r>
+              <a:rPr lang="zh-TW" altLang="en-US" dirty="0">
+                <a:latin typeface="Times New Roman" panose="02020603050405020304" pitchFamily="18" charset="0"/>
+                <a:ea typeface="標楷體" panose="03000509000000000000" pitchFamily="65" charset="-120"/>
+              </a:rPr>
+              <a:t> </a:t>
+            </a:r>
+            <a:r>
+              <a:rPr lang="en-US" altLang="zh-TW" dirty="0">
+                <a:latin typeface="Times New Roman" panose="02020603050405020304" pitchFamily="18" charset="0"/>
+                <a:ea typeface="標楷體" panose="03000509000000000000" pitchFamily="65" charset="-120"/>
+              </a:rPr>
+              <a:t>8x8</a:t>
+            </a:r>
+          </a:p>
+        </p:txBody>
+      </p:sp>
+      <p:sp>
+        <p:nvSpPr>
+          <p:cNvPr id="7" name="文字方塊 6">
             <a:extLst>
               <a:ext uri="{FF2B5EF4-FFF2-40B4-BE49-F238E27FC236}">
-                <a16:creationId xmlns:a16="http://schemas.microsoft.com/office/drawing/2014/main" id="{CA337AD0-263C-415E-B4F1-4E075D291556}"/>
+                <a16:creationId xmlns:a16="http://schemas.microsoft.com/office/drawing/2014/main" id="{A77B7BE4-1671-47B0-982F-481E74429385}"/>
               </a:ext>
             </a:extLst>
           </p:cNvPr>
@@ -8095,8 +8387,8 @@
         </p:nvSpPr>
         <p:spPr>
           <a:xfrm>
-            <a:off x="7014012" y="5569808"/>
-            <a:ext cx="1680675" cy="369332"/>
+            <a:off x="6938759" y="5631784"/>
+            <a:ext cx="1996168" cy="369332"/>
           </a:xfrm>
           <a:prstGeom prst="rect">
             <a:avLst/>
@@ -8114,31 +8406,31 @@
                 <a:latin typeface="標楷體" panose="03000509000000000000" pitchFamily="65" charset="-120"/>
                 <a:ea typeface="標楷體" panose="03000509000000000000" pitchFamily="65" charset="-120"/>
               </a:rPr>
-              <a:t>漏接</a:t>
+              <a:t>圖</a:t>
             </a:r>
             <a:r>
               <a:rPr lang="en-US" altLang="zh-TW" dirty="0">
                 <a:latin typeface="標楷體" panose="03000509000000000000" pitchFamily="65" charset="-120"/>
                 <a:ea typeface="標楷體" panose="03000509000000000000" pitchFamily="65" charset="-120"/>
               </a:rPr>
-              <a:t>&amp;</a:t>
+              <a:t>4.</a:t>
             </a:r>
             <a:r>
               <a:rPr lang="zh-TW" altLang="en-US" dirty="0">
                 <a:latin typeface="標楷體" panose="03000509000000000000" pitchFamily="65" charset="-120"/>
                 <a:ea typeface="標楷體" panose="03000509000000000000" pitchFamily="65" charset="-120"/>
               </a:rPr>
-              <a:t>發球置左</a:t>
+              <a:t>單幀全圖</a:t>
             </a:r>
           </a:p>
         </p:txBody>
       </p:sp>
       <p:pic>
         <p:nvPicPr>
-          <p:cNvPr id="6" name="圖片 5">
+          <p:cNvPr id="5" name="圖片 4">
             <a:extLst>
               <a:ext uri="{FF2B5EF4-FFF2-40B4-BE49-F238E27FC236}">
-                <a16:creationId xmlns:a16="http://schemas.microsoft.com/office/drawing/2014/main" id="{22B0130E-5F73-43B6-A175-EAEE26004266}"/>
+                <a16:creationId xmlns:a16="http://schemas.microsoft.com/office/drawing/2014/main" id="{F087F7F7-EAD7-4EA2-9605-FC872DFFE1A8}"/>
               </a:ext>
             </a:extLst>
           </p:cNvPr>
@@ -8148,79 +8440,31 @@
           <p:nvPr/>
         </p:nvPicPr>
         <p:blipFill>
-          <a:blip r:embed="rId3"/>
+          <a:blip r:embed="rId3">
+            <a:extLst>
+              <a:ext uri="{28A0092B-C50C-407E-A947-70E740481C1C}">
+                <a14:useLocalDpi xmlns:a14="http://schemas.microsoft.com/office/drawing/2010/main" val="0"/>
+              </a:ext>
+            </a:extLst>
+          </a:blip>
           <a:stretch>
             <a:fillRect/>
           </a:stretch>
         </p:blipFill>
         <p:spPr>
           <a:xfrm>
-            <a:off x="2183929" y="2781494"/>
-            <a:ext cx="9169871" cy="2717940"/>
+            <a:off x="4322029" y="1955588"/>
+            <a:ext cx="6726145" cy="3537813"/>
           </a:xfrm>
           <a:prstGeom prst="rect">
             <a:avLst/>
           </a:prstGeom>
         </p:spPr>
       </p:pic>
-      <p:sp>
-        <p:nvSpPr>
-          <p:cNvPr id="8" name="矩形 7">
-            <a:extLst>
-              <a:ext uri="{FF2B5EF4-FFF2-40B4-BE49-F238E27FC236}">
-                <a16:creationId xmlns:a16="http://schemas.microsoft.com/office/drawing/2014/main" id="{D585DF47-2623-4213-A749-070CDF8E1AC8}"/>
-              </a:ext>
-            </a:extLst>
-          </p:cNvPr>
-          <p:cNvSpPr/>
-          <p:nvPr/>
-        </p:nvSpPr>
-        <p:spPr>
-          <a:xfrm rot="5400000">
-            <a:off x="8816247" y="3961023"/>
-            <a:ext cx="2883645" cy="358881"/>
-          </a:xfrm>
-          <a:prstGeom prst="rect">
-            <a:avLst/>
-          </a:prstGeom>
-          <a:noFill/>
-          <a:ln w="28575">
-            <a:solidFill>
-              <a:srgbClr val="FF0000"/>
-            </a:solidFill>
-          </a:ln>
-        </p:spPr>
-        <p:style>
-          <a:lnRef idx="2">
-            <a:schemeClr val="accent1">
-              <a:shade val="50000"/>
-            </a:schemeClr>
-          </a:lnRef>
-          <a:fillRef idx="1">
-            <a:schemeClr val="accent1"/>
-          </a:fillRef>
-          <a:effectRef idx="0">
-            <a:schemeClr val="accent1"/>
-          </a:effectRef>
-          <a:fontRef idx="minor">
-            <a:schemeClr val="lt1"/>
-          </a:fontRef>
-        </p:style>
-        <p:txBody>
-          <a:bodyPr rtlCol="0" anchor="ctr"/>
-          <a:lstStyle/>
-          <a:p>
-            <a:pPr algn="ctr"/>
-            <a:endParaRPr lang="zh-TW" altLang="en-US" dirty="0">
-              <a:noFill/>
-            </a:endParaRPr>
-          </a:p>
-        </p:txBody>
-      </p:sp>
     </p:spTree>
     <p:extLst>
       <p:ext uri="{BB962C8B-B14F-4D97-AF65-F5344CB8AC3E}">
-        <p14:creationId xmlns:p14="http://schemas.microsoft.com/office/powerpoint/2010/main" val="3760653788"/>
+        <p14:creationId xmlns:p14="http://schemas.microsoft.com/office/powerpoint/2010/main" val="2697767053"/>
       </p:ext>
     </p:extLst>
   </p:cSld>
@@ -8249,1052 +8493,6 @@
       </p:grpSpPr>
       <p:sp>
         <p:nvSpPr>
-          <p:cNvPr id="3" name="標題 2"/>
-          <p:cNvSpPr>
-            <a:spLocks noGrp="1"/>
-          </p:cNvSpPr>
-          <p:nvPr>
-            <p:ph type="title"/>
-          </p:nvPr>
-        </p:nvSpPr>
-        <p:spPr>
-          <a:xfrm>
-            <a:off x="838200" y="365125"/>
-            <a:ext cx="10515600" cy="720000"/>
-          </a:xfrm>
-        </p:spPr>
-        <p:txBody>
-          <a:bodyPr>
-            <a:noAutofit/>
-          </a:bodyPr>
-          <a:lstStyle/>
-          <a:p>
-            <a:r>
-              <a:rPr lang="en-US" altLang="zh-TW" sz="3200" dirty="0" err="1"/>
-              <a:t>VGA_pong_Bram</a:t>
-            </a:r>
-            <a:r>
-              <a:rPr lang="en-US" altLang="zh-TW" sz="3200" dirty="0"/>
-              <a:t> - FSM</a:t>
-            </a:r>
-            <a:r>
-              <a:rPr lang="zh-TW" altLang="en-US" sz="3200" dirty="0"/>
-              <a:t>修補</a:t>
-            </a:r>
-            <a:r>
-              <a:rPr lang="en-US" altLang="zh-TW" sz="3200" dirty="0"/>
-              <a:t>(2/3)</a:t>
-            </a:r>
-            <a:endParaRPr lang="zh-TW" altLang="en-US" sz="3200" dirty="0"/>
-          </a:p>
-        </p:txBody>
-      </p:sp>
-      <p:sp>
-        <p:nvSpPr>
-          <p:cNvPr id="14" name="文字方塊 13">
-            <a:extLst>
-              <a:ext uri="{FF2B5EF4-FFF2-40B4-BE49-F238E27FC236}">
-                <a16:creationId xmlns:a16="http://schemas.microsoft.com/office/drawing/2014/main" id="{E4E592F9-FC71-4DD1-9118-16844995CC7F}"/>
-              </a:ext>
-            </a:extLst>
-          </p:cNvPr>
-          <p:cNvSpPr txBox="1"/>
-          <p:nvPr/>
-        </p:nvSpPr>
-        <p:spPr>
-          <a:xfrm>
-            <a:off x="1640706" y="1623546"/>
-            <a:ext cx="5373306" cy="923330"/>
-          </a:xfrm>
-          <a:prstGeom prst="rect">
-            <a:avLst/>
-          </a:prstGeom>
-          <a:noFill/>
-        </p:spPr>
-        <p:txBody>
-          <a:bodyPr wrap="square">
-            <a:spAutoFit/>
-          </a:bodyPr>
-          <a:lstStyle/>
-          <a:p>
-            <a:r>
-              <a:rPr lang="en-US" altLang="zh-TW" sz="1800" kern="1200" baseline="0" dirty="0" err="1">
-                <a:solidFill>
-                  <a:srgbClr val="000000"/>
-                </a:solidFill>
-                <a:effectLst/>
-                <a:latin typeface="Times New Roman" panose="02020603050405020304" pitchFamily="18" charset="0"/>
-                <a:ea typeface="標楷體" panose="03000509000000000000" pitchFamily="65" charset="-120"/>
-                <a:cs typeface="+mj-cs"/>
-              </a:rPr>
-              <a:t>VGA_pong</a:t>
-            </a:r>
-            <a:endParaRPr lang="en-US" altLang="zh-TW" dirty="0">
-              <a:latin typeface="標楷體" panose="03000509000000000000" pitchFamily="65" charset="-120"/>
-              <a:ea typeface="標楷體" panose="03000509000000000000" pitchFamily="65" charset="-120"/>
-            </a:endParaRPr>
-          </a:p>
-          <a:p>
-            <a:pPr marL="285750" indent="-285750">
-              <a:buFont typeface="Arial" panose="020B0604020202020204" pitchFamily="34" charset="0"/>
-              <a:buChar char="•"/>
-            </a:pPr>
-            <a:r>
-              <a:rPr lang="zh-TW" altLang="en-US" dirty="0">
-                <a:latin typeface="標楷體" panose="03000509000000000000" pitchFamily="65" charset="-120"/>
-                <a:ea typeface="標楷體" panose="03000509000000000000" pitchFamily="65" charset="-120"/>
-              </a:rPr>
-              <a:t>修補</a:t>
-            </a:r>
-            <a:r>
-              <a:rPr lang="en-US" altLang="zh-TW" dirty="0">
-                <a:latin typeface="Times New Roman" panose="02020603050405020304" pitchFamily="18" charset="0"/>
-                <a:ea typeface="標楷體" panose="03000509000000000000" pitchFamily="65" charset="-120"/>
-              </a:rPr>
-              <a:t>FSM</a:t>
-            </a:r>
-          </a:p>
-          <a:p>
-            <a:pPr marL="285750" indent="-285750">
-              <a:buFont typeface="Arial" panose="020B0604020202020204" pitchFamily="34" charset="0"/>
-              <a:buChar char="•"/>
-            </a:pPr>
-            <a:r>
-              <a:rPr lang="zh-TW" altLang="en-US" dirty="0">
-                <a:latin typeface="Times New Roman" panose="02020603050405020304" pitchFamily="18" charset="0"/>
-                <a:ea typeface="標楷體" panose="03000509000000000000" pitchFamily="65" charset="-120"/>
-              </a:rPr>
-              <a:t>波形模擬</a:t>
-            </a:r>
-            <a:r>
-              <a:rPr lang="en-US" altLang="zh-TW" dirty="0">
-                <a:latin typeface="Times New Roman" panose="02020603050405020304" pitchFamily="18" charset="0"/>
-                <a:ea typeface="標楷體" panose="03000509000000000000" pitchFamily="65" charset="-120"/>
-              </a:rPr>
-              <a:t>(</a:t>
-            </a:r>
-            <a:r>
-              <a:rPr lang="zh-TW" altLang="en-US" dirty="0">
-                <a:latin typeface="Times New Roman" panose="02020603050405020304" pitchFamily="18" charset="0"/>
-                <a:ea typeface="標楷體" panose="03000509000000000000" pitchFamily="65" charset="-120"/>
-              </a:rPr>
-              <a:t>漏接期間</a:t>
-            </a:r>
-            <a:r>
-              <a:rPr lang="en-US" altLang="zh-TW" dirty="0">
-                <a:latin typeface="Times New Roman" panose="02020603050405020304" pitchFamily="18" charset="0"/>
-                <a:ea typeface="標楷體" panose="03000509000000000000" pitchFamily="65" charset="-120"/>
-              </a:rPr>
-              <a:t>)</a:t>
-            </a:r>
-          </a:p>
-        </p:txBody>
-      </p:sp>
-      <p:sp>
-        <p:nvSpPr>
-          <p:cNvPr id="4" name="文字方塊 3">
-            <a:extLst>
-              <a:ext uri="{FF2B5EF4-FFF2-40B4-BE49-F238E27FC236}">
-                <a16:creationId xmlns:a16="http://schemas.microsoft.com/office/drawing/2014/main" id="{CA337AD0-263C-415E-B4F1-4E075D291556}"/>
-              </a:ext>
-            </a:extLst>
-          </p:cNvPr>
-          <p:cNvSpPr txBox="1"/>
-          <p:nvPr/>
-        </p:nvSpPr>
-        <p:spPr>
-          <a:xfrm>
-            <a:off x="7014012" y="5552052"/>
-            <a:ext cx="1680675" cy="369332"/>
-          </a:xfrm>
-          <a:prstGeom prst="rect">
-            <a:avLst/>
-          </a:prstGeom>
-          <a:noFill/>
-        </p:spPr>
-        <p:txBody>
-          <a:bodyPr wrap="square">
-            <a:spAutoFit/>
-          </a:bodyPr>
-          <a:lstStyle/>
-          <a:p>
-            <a:r>
-              <a:rPr lang="zh-TW" altLang="en-US" dirty="0">
-                <a:latin typeface="標楷體" panose="03000509000000000000" pitchFamily="65" charset="-120"/>
-                <a:ea typeface="標楷體" panose="03000509000000000000" pitchFamily="65" charset="-120"/>
-              </a:rPr>
-              <a:t>漏接</a:t>
-            </a:r>
-            <a:r>
-              <a:rPr lang="en-US" altLang="zh-TW" dirty="0">
-                <a:latin typeface="標楷體" panose="03000509000000000000" pitchFamily="65" charset="-120"/>
-                <a:ea typeface="標楷體" panose="03000509000000000000" pitchFamily="65" charset="-120"/>
-              </a:rPr>
-              <a:t>&amp;</a:t>
-            </a:r>
-            <a:r>
-              <a:rPr lang="zh-TW" altLang="en-US" dirty="0">
-                <a:latin typeface="標楷體" panose="03000509000000000000" pitchFamily="65" charset="-120"/>
-                <a:ea typeface="標楷體" panose="03000509000000000000" pitchFamily="65" charset="-120"/>
-              </a:rPr>
-              <a:t>發球置左</a:t>
-            </a:r>
-          </a:p>
-        </p:txBody>
-      </p:sp>
-      <p:pic>
-        <p:nvPicPr>
-          <p:cNvPr id="5" name="圖片 4">
-            <a:extLst>
-              <a:ext uri="{FF2B5EF4-FFF2-40B4-BE49-F238E27FC236}">
-                <a16:creationId xmlns:a16="http://schemas.microsoft.com/office/drawing/2014/main" id="{F651C9E4-143D-4981-ACD3-A28557EEC848}"/>
-              </a:ext>
-            </a:extLst>
-          </p:cNvPr>
-          <p:cNvPicPr>
-            <a:picLocks noChangeAspect="1"/>
-          </p:cNvPicPr>
-          <p:nvPr/>
-        </p:nvPicPr>
-        <p:blipFill>
-          <a:blip r:embed="rId3"/>
-          <a:stretch>
-            <a:fillRect/>
-          </a:stretch>
-        </p:blipFill>
-        <p:spPr>
-          <a:xfrm>
-            <a:off x="2571299" y="2715455"/>
-            <a:ext cx="8782501" cy="2749691"/>
-          </a:xfrm>
-          <a:prstGeom prst="rect">
-            <a:avLst/>
-          </a:prstGeom>
-        </p:spPr>
-      </p:pic>
-      <p:sp>
-        <p:nvSpPr>
-          <p:cNvPr id="8" name="矩形 7">
-            <a:extLst>
-              <a:ext uri="{FF2B5EF4-FFF2-40B4-BE49-F238E27FC236}">
-                <a16:creationId xmlns:a16="http://schemas.microsoft.com/office/drawing/2014/main" id="{25499D1C-168C-43A1-919F-C8E553C659EC}"/>
-              </a:ext>
-            </a:extLst>
-          </p:cNvPr>
-          <p:cNvSpPr/>
-          <p:nvPr/>
-        </p:nvSpPr>
-        <p:spPr>
-          <a:xfrm>
-            <a:off x="5015884" y="4177206"/>
-            <a:ext cx="6383043" cy="1374846"/>
-          </a:xfrm>
-          <a:prstGeom prst="rect">
-            <a:avLst/>
-          </a:prstGeom>
-          <a:noFill/>
-          <a:ln w="28575">
-            <a:solidFill>
-              <a:srgbClr val="FF0000"/>
-            </a:solidFill>
-          </a:ln>
-        </p:spPr>
-        <p:style>
-          <a:lnRef idx="2">
-            <a:schemeClr val="accent1">
-              <a:shade val="50000"/>
-            </a:schemeClr>
-          </a:lnRef>
-          <a:fillRef idx="1">
-            <a:schemeClr val="accent1"/>
-          </a:fillRef>
-          <a:effectRef idx="0">
-            <a:schemeClr val="accent1"/>
-          </a:effectRef>
-          <a:fontRef idx="minor">
-            <a:schemeClr val="lt1"/>
-          </a:fontRef>
-        </p:style>
-        <p:txBody>
-          <a:bodyPr rtlCol="0" anchor="ctr"/>
-          <a:lstStyle/>
-          <a:p>
-            <a:pPr algn="ctr"/>
-            <a:endParaRPr lang="zh-TW" altLang="en-US" dirty="0">
-              <a:noFill/>
-            </a:endParaRPr>
-          </a:p>
-        </p:txBody>
-      </p:sp>
-    </p:spTree>
-    <p:extLst>
-      <p:ext uri="{BB962C8B-B14F-4D97-AF65-F5344CB8AC3E}">
-        <p14:creationId xmlns:p14="http://schemas.microsoft.com/office/powerpoint/2010/main" val="1223746285"/>
-      </p:ext>
-    </p:extLst>
-  </p:cSld>
-  <p:clrMapOvr>
-    <a:masterClrMapping/>
-  </p:clrMapOvr>
-</p:sld>
-</file>
-
-<file path=ppt/slides/slide18.xml><?xml version="1.0" encoding="utf-8"?>
-<p:sld xmlns:a="http://schemas.openxmlformats.org/drawingml/2006/main" xmlns:r="http://schemas.openxmlformats.org/officeDocument/2006/relationships" xmlns:p="http://schemas.openxmlformats.org/presentationml/2006/main">
-  <p:cSld>
-    <p:spTree>
-      <p:nvGrpSpPr>
-        <p:cNvPr id="1" name=""/>
-        <p:cNvGrpSpPr/>
-        <p:nvPr/>
-      </p:nvGrpSpPr>
-      <p:grpSpPr>
-        <a:xfrm>
-          <a:off x="0" y="0"/>
-          <a:ext cx="0" cy="0"/>
-          <a:chOff x="0" y="0"/>
-          <a:chExt cx="0" cy="0"/>
-        </a:xfrm>
-      </p:grpSpPr>
-      <p:sp>
-        <p:nvSpPr>
-          <p:cNvPr id="3" name="標題 2"/>
-          <p:cNvSpPr>
-            <a:spLocks noGrp="1"/>
-          </p:cNvSpPr>
-          <p:nvPr>
-            <p:ph type="title"/>
-          </p:nvPr>
-        </p:nvSpPr>
-        <p:spPr>
-          <a:xfrm>
-            <a:off x="838200" y="365125"/>
-            <a:ext cx="10515600" cy="720000"/>
-          </a:xfrm>
-        </p:spPr>
-        <p:txBody>
-          <a:bodyPr>
-            <a:noAutofit/>
-          </a:bodyPr>
-          <a:lstStyle/>
-          <a:p>
-            <a:r>
-              <a:rPr lang="en-US" altLang="zh-TW" sz="3200" dirty="0" err="1"/>
-              <a:t>VGA_BRam</a:t>
-            </a:r>
-            <a:r>
-              <a:rPr lang="zh-TW" altLang="en-US" sz="3200" dirty="0"/>
-              <a:t>的圖形改號誌</a:t>
-            </a:r>
-          </a:p>
-        </p:txBody>
-      </p:sp>
-      <p:sp>
-        <p:nvSpPr>
-          <p:cNvPr id="8" name="文字方塊 7">
-            <a:extLst>
-              <a:ext uri="{FF2B5EF4-FFF2-40B4-BE49-F238E27FC236}">
-                <a16:creationId xmlns:a16="http://schemas.microsoft.com/office/drawing/2014/main" id="{4BA85CC5-34E4-41F1-B7F8-09CEB0CDED2B}"/>
-              </a:ext>
-            </a:extLst>
-          </p:cNvPr>
-          <p:cNvSpPr txBox="1"/>
-          <p:nvPr/>
-        </p:nvSpPr>
-        <p:spPr>
-          <a:xfrm>
-            <a:off x="2022446" y="1472202"/>
-            <a:ext cx="5373306" cy="646331"/>
-          </a:xfrm>
-          <a:prstGeom prst="rect">
-            <a:avLst/>
-          </a:prstGeom>
-          <a:noFill/>
-        </p:spPr>
-        <p:txBody>
-          <a:bodyPr wrap="square">
-            <a:spAutoFit/>
-          </a:bodyPr>
-          <a:lstStyle/>
-          <a:p>
-            <a:r>
-              <a:rPr lang="en-US" altLang="zh-TW" sz="1800" kern="1200" baseline="0" dirty="0" err="1">
-                <a:solidFill>
-                  <a:srgbClr val="000000"/>
-                </a:solidFill>
-                <a:effectLst/>
-                <a:latin typeface="Times New Roman" panose="02020603050405020304" pitchFamily="18" charset="0"/>
-                <a:ea typeface="標楷體" panose="03000509000000000000" pitchFamily="65" charset="-120"/>
-                <a:cs typeface="+mj-cs"/>
-              </a:rPr>
-              <a:t>VGA_Bram</a:t>
-            </a:r>
-            <a:endParaRPr lang="zh-TW" altLang="en-US" dirty="0">
-              <a:latin typeface="標楷體" panose="03000509000000000000" pitchFamily="65" charset="-120"/>
-              <a:ea typeface="標楷體" panose="03000509000000000000" pitchFamily="65" charset="-120"/>
-            </a:endParaRPr>
-          </a:p>
-          <a:p>
-            <a:pPr marL="285750" indent="-285750">
-              <a:buFont typeface="Arial" panose="020B0604020202020204" pitchFamily="34" charset="0"/>
-              <a:buChar char="•"/>
-            </a:pPr>
-            <a:r>
-              <a:rPr lang="en-US" altLang="zh-TW" dirty="0">
-                <a:latin typeface="Times New Roman" panose="02020603050405020304" pitchFamily="18" charset="0"/>
-                <a:ea typeface="標楷體" panose="03000509000000000000" pitchFamily="65" charset="-120"/>
-              </a:rPr>
-              <a:t>QR code</a:t>
-            </a:r>
-            <a:endParaRPr lang="en-US" altLang="zh-TW" dirty="0">
-              <a:latin typeface="標楷體" panose="03000509000000000000" pitchFamily="65" charset="-120"/>
-              <a:ea typeface="標楷體" panose="03000509000000000000" pitchFamily="65" charset="-120"/>
-            </a:endParaRPr>
-          </a:p>
-        </p:txBody>
-      </p:sp>
-      <p:sp>
-        <p:nvSpPr>
-          <p:cNvPr id="9" name="文字方塊 8">
-            <a:extLst>
-              <a:ext uri="{FF2B5EF4-FFF2-40B4-BE49-F238E27FC236}">
-                <a16:creationId xmlns:a16="http://schemas.microsoft.com/office/drawing/2014/main" id="{EB8D24F1-959B-48A6-8E8B-73F5E4AE6FCC}"/>
-              </a:ext>
-            </a:extLst>
-          </p:cNvPr>
-          <p:cNvSpPr txBox="1"/>
-          <p:nvPr/>
-        </p:nvSpPr>
-        <p:spPr>
-          <a:xfrm>
-            <a:off x="5577470" y="5474308"/>
-            <a:ext cx="1171202" cy="369332"/>
-          </a:xfrm>
-          <a:prstGeom prst="rect">
-            <a:avLst/>
-          </a:prstGeom>
-          <a:noFill/>
-        </p:spPr>
-        <p:txBody>
-          <a:bodyPr wrap="square">
-            <a:spAutoFit/>
-          </a:bodyPr>
-          <a:lstStyle/>
-          <a:p>
-            <a:r>
-              <a:rPr lang="zh-TW" altLang="en-US" dirty="0">
-                <a:latin typeface="標楷體" panose="03000509000000000000" pitchFamily="65" charset="-120"/>
-                <a:ea typeface="標楷體" panose="03000509000000000000" pitchFamily="65" charset="-120"/>
-              </a:rPr>
-              <a:t>圖形置中</a:t>
-            </a:r>
-          </a:p>
-        </p:txBody>
-      </p:sp>
-    </p:spTree>
-    <p:extLst>
-      <p:ext uri="{BB962C8B-B14F-4D97-AF65-F5344CB8AC3E}">
-        <p14:creationId xmlns:p14="http://schemas.microsoft.com/office/powerpoint/2010/main" val="2179286972"/>
-      </p:ext>
-    </p:extLst>
-  </p:cSld>
-  <p:clrMapOvr>
-    <a:masterClrMapping/>
-  </p:clrMapOvr>
-</p:sld>
-</file>
-
-<file path=ppt/slides/slide19.xml><?xml version="1.0" encoding="utf-8"?>
-<p:sld xmlns:a="http://schemas.openxmlformats.org/drawingml/2006/main" xmlns:r="http://schemas.openxmlformats.org/officeDocument/2006/relationships" xmlns:p="http://schemas.openxmlformats.org/presentationml/2006/main">
-  <p:cSld>
-    <p:spTree>
-      <p:nvGrpSpPr>
-        <p:cNvPr id="1" name=""/>
-        <p:cNvGrpSpPr/>
-        <p:nvPr/>
-      </p:nvGrpSpPr>
-      <p:grpSpPr>
-        <a:xfrm>
-          <a:off x="0" y="0"/>
-          <a:ext cx="0" cy="0"/>
-          <a:chOff x="0" y="0"/>
-          <a:chExt cx="0" cy="0"/>
-        </a:xfrm>
-      </p:grpSpPr>
-      <p:sp>
-        <p:nvSpPr>
-          <p:cNvPr id="3" name="標題 2"/>
-          <p:cNvSpPr>
-            <a:spLocks noGrp="1"/>
-          </p:cNvSpPr>
-          <p:nvPr>
-            <p:ph type="title"/>
-          </p:nvPr>
-        </p:nvSpPr>
-        <p:spPr>
-          <a:xfrm>
-            <a:off x="838200" y="365125"/>
-            <a:ext cx="10515600" cy="720000"/>
-          </a:xfrm>
-        </p:spPr>
-        <p:txBody>
-          <a:bodyPr>
-            <a:noAutofit/>
-          </a:bodyPr>
-          <a:lstStyle/>
-          <a:p>
-            <a:r>
-              <a:rPr lang="en-US" altLang="zh-TW" sz="3200" dirty="0" err="1"/>
-              <a:t>VGA_pong_Bram</a:t>
-            </a:r>
-            <a:r>
-              <a:rPr lang="en-US" altLang="zh-TW" sz="3200" dirty="0"/>
-              <a:t> - VGA</a:t>
-            </a:r>
-            <a:r>
-              <a:rPr lang="zh-TW" altLang="en-US" sz="3200"/>
-              <a:t>顯示</a:t>
-            </a:r>
-            <a:endParaRPr lang="zh-TW" altLang="en-US" sz="3200" dirty="0"/>
-          </a:p>
-        </p:txBody>
-      </p:sp>
-      <p:sp>
-        <p:nvSpPr>
-          <p:cNvPr id="14" name="文字方塊 13">
-            <a:extLst>
-              <a:ext uri="{FF2B5EF4-FFF2-40B4-BE49-F238E27FC236}">
-                <a16:creationId xmlns:a16="http://schemas.microsoft.com/office/drawing/2014/main" id="{E4E592F9-FC71-4DD1-9118-16844995CC7F}"/>
-              </a:ext>
-            </a:extLst>
-          </p:cNvPr>
-          <p:cNvSpPr txBox="1"/>
-          <p:nvPr/>
-        </p:nvSpPr>
-        <p:spPr>
-          <a:xfrm>
-            <a:off x="2022446" y="1472202"/>
-            <a:ext cx="5373306" cy="923330"/>
-          </a:xfrm>
-          <a:prstGeom prst="rect">
-            <a:avLst/>
-          </a:prstGeom>
-          <a:noFill/>
-        </p:spPr>
-        <p:txBody>
-          <a:bodyPr wrap="square">
-            <a:spAutoFit/>
-          </a:bodyPr>
-          <a:lstStyle/>
-          <a:p>
-            <a:r>
-              <a:rPr lang="en-US" altLang="zh-TW" sz="1800" kern="1200" baseline="0" dirty="0" err="1">
-                <a:solidFill>
-                  <a:srgbClr val="000000"/>
-                </a:solidFill>
-                <a:effectLst/>
-                <a:latin typeface="Times New Roman" panose="02020603050405020304" pitchFamily="18" charset="0"/>
-                <a:ea typeface="標楷體" panose="03000509000000000000" pitchFamily="65" charset="-120"/>
-                <a:cs typeface="+mj-cs"/>
-              </a:rPr>
-              <a:t>VGA_pong</a:t>
-            </a:r>
-            <a:endParaRPr lang="zh-TW" altLang="en-US" dirty="0">
-              <a:latin typeface="標楷體" panose="03000509000000000000" pitchFamily="65" charset="-120"/>
-              <a:ea typeface="標楷體" panose="03000509000000000000" pitchFamily="65" charset="-120"/>
-            </a:endParaRPr>
-          </a:p>
-          <a:p>
-            <a:pPr marL="285750" indent="-285750">
-              <a:buFont typeface="Arial" panose="020B0604020202020204" pitchFamily="34" charset="0"/>
-              <a:buChar char="•"/>
-            </a:pPr>
-            <a:r>
-              <a:rPr lang="zh-TW" altLang="en-US" dirty="0">
-                <a:latin typeface="Times New Roman" panose="02020603050405020304" pitchFamily="18" charset="0"/>
-                <a:ea typeface="標楷體" panose="03000509000000000000" pitchFamily="65" charset="-120"/>
-              </a:rPr>
-              <a:t>學號</a:t>
-            </a:r>
-            <a:endParaRPr lang="en-US" altLang="zh-TW" dirty="0">
-              <a:latin typeface="Times New Roman" panose="02020603050405020304" pitchFamily="18" charset="0"/>
-              <a:ea typeface="標楷體" panose="03000509000000000000" pitchFamily="65" charset="-120"/>
-            </a:endParaRPr>
-          </a:p>
-          <a:p>
-            <a:pPr marL="285750" indent="-285750">
-              <a:buFont typeface="Arial" panose="020B0604020202020204" pitchFamily="34" charset="0"/>
-              <a:buChar char="•"/>
-            </a:pPr>
-            <a:r>
-              <a:rPr lang="zh-TW" altLang="en-US" dirty="0">
-                <a:latin typeface="標楷體" panose="03000509000000000000" pitchFamily="65" charset="-120"/>
-                <a:ea typeface="標楷體" panose="03000509000000000000" pitchFamily="65" charset="-120"/>
-              </a:rPr>
-              <a:t>修補</a:t>
-            </a:r>
-            <a:r>
-              <a:rPr lang="en-US" altLang="zh-TW" dirty="0">
-                <a:latin typeface="Times New Roman" panose="02020603050405020304" pitchFamily="18" charset="0"/>
-                <a:ea typeface="標楷體" panose="03000509000000000000" pitchFamily="65" charset="-120"/>
-              </a:rPr>
-              <a:t>FSM</a:t>
-            </a:r>
-          </a:p>
-        </p:txBody>
-      </p:sp>
-      <p:sp>
-        <p:nvSpPr>
-          <p:cNvPr id="4" name="文字方塊 3">
-            <a:extLst>
-              <a:ext uri="{FF2B5EF4-FFF2-40B4-BE49-F238E27FC236}">
-                <a16:creationId xmlns:a16="http://schemas.microsoft.com/office/drawing/2014/main" id="{CA337AD0-263C-415E-B4F1-4E075D291556}"/>
-              </a:ext>
-            </a:extLst>
-          </p:cNvPr>
-          <p:cNvSpPr txBox="1"/>
-          <p:nvPr/>
-        </p:nvSpPr>
-        <p:spPr>
-          <a:xfrm>
-            <a:off x="5171629" y="5352421"/>
-            <a:ext cx="1848742" cy="369332"/>
-          </a:xfrm>
-          <a:prstGeom prst="rect">
-            <a:avLst/>
-          </a:prstGeom>
-          <a:noFill/>
-        </p:spPr>
-        <p:txBody>
-          <a:bodyPr wrap="square">
-            <a:spAutoFit/>
-          </a:bodyPr>
-          <a:lstStyle/>
-          <a:p>
-            <a:r>
-              <a:rPr lang="zh-TW" altLang="en-US" dirty="0">
-                <a:latin typeface="標楷體" panose="03000509000000000000" pitchFamily="65" charset="-120"/>
-                <a:ea typeface="標楷體" panose="03000509000000000000" pitchFamily="65" charset="-120"/>
-              </a:rPr>
-              <a:t>漏接</a:t>
-            </a:r>
-            <a:r>
-              <a:rPr lang="en-US" altLang="zh-TW" dirty="0">
-                <a:latin typeface="標楷體" panose="03000509000000000000" pitchFamily="65" charset="-120"/>
-                <a:ea typeface="標楷體" panose="03000509000000000000" pitchFamily="65" charset="-120"/>
-              </a:rPr>
-              <a:t>&amp;</a:t>
-            </a:r>
-            <a:r>
-              <a:rPr lang="zh-TW" altLang="en-US" dirty="0">
-                <a:latin typeface="標楷體" panose="03000509000000000000" pitchFamily="65" charset="-120"/>
-                <a:ea typeface="標楷體" panose="03000509000000000000" pitchFamily="65" charset="-120"/>
-              </a:rPr>
-              <a:t>發球置右</a:t>
-            </a:r>
-          </a:p>
-        </p:txBody>
-      </p:sp>
-    </p:spTree>
-    <p:extLst>
-      <p:ext uri="{BB962C8B-B14F-4D97-AF65-F5344CB8AC3E}">
-        <p14:creationId xmlns:p14="http://schemas.microsoft.com/office/powerpoint/2010/main" val="2304594691"/>
-      </p:ext>
-    </p:extLst>
-  </p:cSld>
-  <p:clrMapOvr>
-    <a:masterClrMapping/>
-  </p:clrMapOvr>
-</p:sld>
-</file>
-
-<file path=ppt/slides/slide2.xml><?xml version="1.0" encoding="utf-8"?>
-<p:sld xmlns:a="http://schemas.openxmlformats.org/drawingml/2006/main" xmlns:r="http://schemas.openxmlformats.org/officeDocument/2006/relationships" xmlns:p="http://schemas.openxmlformats.org/presentationml/2006/main">
-  <p:cSld>
-    <p:spTree>
-      <p:nvGrpSpPr>
-        <p:cNvPr id="1" name=""/>
-        <p:cNvGrpSpPr/>
-        <p:nvPr/>
-      </p:nvGrpSpPr>
-      <p:grpSpPr>
-        <a:xfrm>
-          <a:off x="0" y="0"/>
-          <a:ext cx="0" cy="0"/>
-          <a:chOff x="0" y="0"/>
-          <a:chExt cx="0" cy="0"/>
-        </a:xfrm>
-      </p:grpSpPr>
-      <p:sp>
-        <p:nvSpPr>
-          <p:cNvPr id="3" name="標題 2"/>
-          <p:cNvSpPr>
-            <a:spLocks noGrp="1"/>
-          </p:cNvSpPr>
-          <p:nvPr>
-            <p:ph type="title"/>
-          </p:nvPr>
-        </p:nvSpPr>
-        <p:spPr/>
-        <p:txBody>
-          <a:bodyPr/>
-          <a:lstStyle/>
-          <a:p>
-            <a:r>
-              <a:rPr lang="zh-TW" altLang="en-US" dirty="0"/>
-              <a:t>控管記錄 </a:t>
-            </a:r>
-            <a:r>
-              <a:rPr lang="en-US" altLang="zh-TW" dirty="0"/>
-              <a:t>–</a:t>
-            </a:r>
-            <a:r>
-              <a:rPr lang="zh-TW" altLang="en-US" dirty="0"/>
-              <a:t> </a:t>
-            </a:r>
-            <a:r>
-              <a:rPr lang="en-US" altLang="zh-TW" dirty="0"/>
-              <a:t>NAS</a:t>
-            </a:r>
-            <a:r>
-              <a:rPr lang="zh-TW" altLang="en-US" dirty="0"/>
-              <a:t> </a:t>
-            </a:r>
-            <a:r>
-              <a:rPr lang="en-US" altLang="zh-TW" dirty="0"/>
-              <a:t>(</a:t>
-            </a:r>
-            <a:r>
-              <a:rPr lang="en-US" altLang="zh-TW" sz="4400" dirty="0"/>
-              <a:t>2023/5/18</a:t>
-            </a:r>
-            <a:r>
-              <a:rPr lang="en-US" altLang="zh-TW" dirty="0"/>
-              <a:t>)</a:t>
-            </a:r>
-            <a:endParaRPr lang="zh-TW" altLang="en-US" dirty="0"/>
-          </a:p>
-        </p:txBody>
-      </p:sp>
-      <p:sp>
-        <p:nvSpPr>
-          <p:cNvPr id="9" name="矩形 8">
-            <a:extLst>
-              <a:ext uri="{FF2B5EF4-FFF2-40B4-BE49-F238E27FC236}">
-                <a16:creationId xmlns:a16="http://schemas.microsoft.com/office/drawing/2014/main" id="{1F596EB5-194B-41DD-9405-83C981B5180E}"/>
-              </a:ext>
-            </a:extLst>
-          </p:cNvPr>
-          <p:cNvSpPr/>
-          <p:nvPr/>
-        </p:nvSpPr>
-        <p:spPr>
-          <a:xfrm>
-            <a:off x="589428" y="1662062"/>
-            <a:ext cx="3120704" cy="1323439"/>
-          </a:xfrm>
-          <a:prstGeom prst="rect">
-            <a:avLst/>
-          </a:prstGeom>
-        </p:spPr>
-        <p:txBody>
-          <a:bodyPr wrap="square">
-            <a:spAutoFit/>
-          </a:bodyPr>
-          <a:lstStyle/>
-          <a:p>
-            <a:pPr marL="285750" lvl="1" indent="-285750"/>
-            <a:r>
-              <a:rPr lang="zh-TW" altLang="en-US" sz="2000" dirty="0">
-                <a:latin typeface="Times New Roman" panose="02020603050405020304" pitchFamily="18" charset="0"/>
-                <a:ea typeface="標楷體" panose="03000509000000000000" pitchFamily="65" charset="-120"/>
-              </a:rPr>
-              <a:t>本週更新：</a:t>
-            </a:r>
-            <a:endParaRPr lang="en-US" altLang="zh-TW" sz="2000" dirty="0">
-              <a:latin typeface="Times New Roman" panose="02020603050405020304" pitchFamily="18" charset="0"/>
-              <a:ea typeface="標楷體" panose="03000509000000000000" pitchFamily="65" charset="-120"/>
-            </a:endParaRPr>
-          </a:p>
-          <a:p>
-            <a:pPr marL="285750" lvl="1" indent="-285750"/>
-            <a:r>
-              <a:rPr lang="en-US" altLang="zh-TW" sz="2000" dirty="0">
-                <a:latin typeface="Times New Roman" panose="02020603050405020304" pitchFamily="18" charset="0"/>
-                <a:ea typeface="標楷體" panose="03000509000000000000" pitchFamily="65" charset="-120"/>
-              </a:rPr>
-              <a:t>N02-Architecture</a:t>
-            </a:r>
-          </a:p>
-          <a:p>
-            <a:pPr marL="285750" lvl="1" indent="-285750"/>
-            <a:r>
-              <a:rPr lang="en-US" altLang="zh-TW" sz="2000" dirty="0">
-                <a:latin typeface="Times New Roman" panose="02020603050405020304" pitchFamily="18" charset="0"/>
-                <a:ea typeface="標楷體" panose="03000509000000000000" pitchFamily="65" charset="-120"/>
-              </a:rPr>
-              <a:t>N06-Demo&amp;ppt</a:t>
-            </a:r>
-          </a:p>
-          <a:p>
-            <a:pPr marL="285750" lvl="1" indent="-285750"/>
-            <a:endParaRPr lang="en-US" altLang="zh-TW" sz="2000" dirty="0">
-              <a:latin typeface="Times New Roman" panose="02020603050405020304" pitchFamily="18" charset="0"/>
-              <a:ea typeface="標楷體" panose="03000509000000000000" pitchFamily="65" charset="-120"/>
-            </a:endParaRPr>
-          </a:p>
-        </p:txBody>
-      </p:sp>
-      <p:pic>
-        <p:nvPicPr>
-          <p:cNvPr id="4" name="圖片 3">
-            <a:extLst>
-              <a:ext uri="{FF2B5EF4-FFF2-40B4-BE49-F238E27FC236}">
-                <a16:creationId xmlns:a16="http://schemas.microsoft.com/office/drawing/2014/main" id="{5F262EE3-1953-4C6B-82FB-D50775E48C3A}"/>
-              </a:ext>
-            </a:extLst>
-          </p:cNvPr>
-          <p:cNvPicPr>
-            <a:picLocks noChangeAspect="1"/>
-          </p:cNvPicPr>
-          <p:nvPr/>
-        </p:nvPicPr>
-        <p:blipFill>
-          <a:blip r:embed="rId2"/>
-          <a:stretch>
-            <a:fillRect/>
-          </a:stretch>
-        </p:blipFill>
-        <p:spPr>
-          <a:xfrm>
-            <a:off x="3421022" y="1467468"/>
-            <a:ext cx="7232025" cy="4455725"/>
-          </a:xfrm>
-          <a:prstGeom prst="rect">
-            <a:avLst/>
-          </a:prstGeom>
-        </p:spPr>
-      </p:pic>
-      <p:sp>
-        <p:nvSpPr>
-          <p:cNvPr id="5" name="矩形 4">
-            <a:extLst>
-              <a:ext uri="{FF2B5EF4-FFF2-40B4-BE49-F238E27FC236}">
-                <a16:creationId xmlns:a16="http://schemas.microsoft.com/office/drawing/2014/main" id="{57854072-619E-4378-B351-7DB5F8B98C17}"/>
-              </a:ext>
-            </a:extLst>
-          </p:cNvPr>
-          <p:cNvSpPr/>
-          <p:nvPr/>
-        </p:nvSpPr>
-        <p:spPr>
-          <a:xfrm>
-            <a:off x="5033640" y="2529430"/>
-            <a:ext cx="5619407" cy="296595"/>
-          </a:xfrm>
-          <a:prstGeom prst="rect">
-            <a:avLst/>
-          </a:prstGeom>
-          <a:noFill/>
-          <a:ln w="28575">
-            <a:solidFill>
-              <a:srgbClr val="FF0000"/>
-            </a:solidFill>
-          </a:ln>
-        </p:spPr>
-        <p:style>
-          <a:lnRef idx="2">
-            <a:schemeClr val="accent1">
-              <a:shade val="50000"/>
-            </a:schemeClr>
-          </a:lnRef>
-          <a:fillRef idx="1">
-            <a:schemeClr val="accent1"/>
-          </a:fillRef>
-          <a:effectRef idx="0">
-            <a:schemeClr val="accent1"/>
-          </a:effectRef>
-          <a:fontRef idx="minor">
-            <a:schemeClr val="lt1"/>
-          </a:fontRef>
-        </p:style>
-        <p:txBody>
-          <a:bodyPr rtlCol="0" anchor="ctr"/>
-          <a:lstStyle/>
-          <a:p>
-            <a:pPr algn="ctr"/>
-            <a:endParaRPr lang="zh-TW" altLang="en-US" dirty="0">
-              <a:noFill/>
-            </a:endParaRPr>
-          </a:p>
-        </p:txBody>
-      </p:sp>
-    </p:spTree>
-    <p:extLst>
-      <p:ext uri="{BB962C8B-B14F-4D97-AF65-F5344CB8AC3E}">
-        <p14:creationId xmlns:p14="http://schemas.microsoft.com/office/powerpoint/2010/main" val="409289478"/>
-      </p:ext>
-    </p:extLst>
-  </p:cSld>
-  <p:clrMapOvr>
-    <a:masterClrMapping/>
-  </p:clrMapOvr>
-</p:sld>
-</file>
-
-<file path=ppt/slides/slide20.xml><?xml version="1.0" encoding="utf-8"?>
-<p:sld xmlns:a="http://schemas.openxmlformats.org/drawingml/2006/main" xmlns:r="http://schemas.openxmlformats.org/officeDocument/2006/relationships" xmlns:p="http://schemas.openxmlformats.org/presentationml/2006/main">
-  <p:cSld>
-    <p:spTree>
-      <p:nvGrpSpPr>
-        <p:cNvPr id="1" name=""/>
-        <p:cNvGrpSpPr/>
-        <p:nvPr/>
-      </p:nvGrpSpPr>
-      <p:grpSpPr>
-        <a:xfrm>
-          <a:off x="0" y="0"/>
-          <a:ext cx="0" cy="0"/>
-          <a:chOff x="0" y="0"/>
-          <a:chExt cx="0" cy="0"/>
-        </a:xfrm>
-      </p:grpSpPr>
-      <p:sp>
-        <p:nvSpPr>
-          <p:cNvPr id="2" name="內容版面配置區 1"/>
-          <p:cNvSpPr>
-            <a:spLocks noGrp="1"/>
-          </p:cNvSpPr>
-          <p:nvPr>
-            <p:ph idx="1"/>
-          </p:nvPr>
-        </p:nvSpPr>
-        <p:spPr/>
-        <p:txBody>
-          <a:bodyPr>
-            <a:normAutofit/>
-          </a:bodyPr>
-          <a:lstStyle/>
-          <a:p>
-            <a:pPr marL="914400" lvl="3" indent="0">
-              <a:buNone/>
-            </a:pPr>
-            <a:endParaRPr lang="en-US" altLang="zh-TW" sz="1800" dirty="0"/>
-          </a:p>
-          <a:p>
-            <a:pPr marL="914400" lvl="3" indent="0">
-              <a:buNone/>
-            </a:pPr>
-            <a:endParaRPr lang="en-US" altLang="zh-TW" sz="1800" dirty="0"/>
-          </a:p>
-          <a:p>
-            <a:pPr marL="999000" lvl="2" indent="0">
-              <a:buNone/>
-            </a:pPr>
-            <a:r>
-              <a:rPr lang="zh-TW" altLang="en-US" sz="1800" b="1" dirty="0">
-                <a:latin typeface="標楷體" panose="03000509000000000000" pitchFamily="65" charset="-120"/>
-              </a:rPr>
-              <a:t>五月：</a:t>
-            </a:r>
-            <a:endParaRPr lang="en-US" altLang="zh-TW" sz="1800" b="1" dirty="0">
-              <a:latin typeface="標楷體" panose="03000509000000000000" pitchFamily="65" charset="-120"/>
-            </a:endParaRPr>
-          </a:p>
-          <a:p>
-            <a:pPr marL="1058400" lvl="3" indent="-144000"/>
-            <a:r>
-              <a:rPr lang="en-US" altLang="zh-TW" sz="1800" b="1" dirty="0">
-                <a:latin typeface="標楷體" panose="03000509000000000000" pitchFamily="65" charset="-120"/>
-              </a:rPr>
-              <a:t>2023/5/25-2023/6/06</a:t>
-            </a:r>
-            <a:r>
-              <a:rPr lang="zh-TW" altLang="en-US" sz="1800" b="1" dirty="0">
-                <a:latin typeface="標楷體" panose="03000509000000000000" pitchFamily="65" charset="-120"/>
-              </a:rPr>
-              <a:t>：</a:t>
-            </a:r>
-            <a:endParaRPr lang="en-US" altLang="zh-TW" sz="1800" b="1" dirty="0">
-              <a:latin typeface="標楷體" panose="03000509000000000000" pitchFamily="65" charset="-120"/>
-            </a:endParaRPr>
-          </a:p>
-          <a:p>
-            <a:pPr marL="1058400" lvl="3" indent="-144000"/>
-            <a:r>
-              <a:rPr lang="zh-TW" altLang="en-US" sz="1800" dirty="0"/>
-              <a:t>  顯示數字並在</a:t>
-            </a:r>
-            <a:r>
-              <a:rPr lang="en-US" altLang="zh-TW" sz="1800" dirty="0"/>
-              <a:t>VGA</a:t>
-            </a:r>
-            <a:r>
-              <a:rPr lang="zh-TW" altLang="en-US" sz="1800" dirty="0"/>
-              <a:t>畫面上數</a:t>
-            </a:r>
-          </a:p>
-        </p:txBody>
-      </p:sp>
-      <p:sp>
-        <p:nvSpPr>
-          <p:cNvPr id="3" name="標題 2"/>
-          <p:cNvSpPr>
-            <a:spLocks noGrp="1"/>
-          </p:cNvSpPr>
-          <p:nvPr>
-            <p:ph type="title"/>
-          </p:nvPr>
-        </p:nvSpPr>
-        <p:spPr>
-          <a:xfrm>
-            <a:off x="838200" y="329615"/>
-            <a:ext cx="10515600" cy="720000"/>
-          </a:xfrm>
-        </p:spPr>
-        <p:txBody>
-          <a:bodyPr/>
-          <a:lstStyle/>
-          <a:p>
-            <a:r>
-              <a:rPr lang="zh-TW" altLang="en-US" dirty="0"/>
-              <a:t>預期進度</a:t>
-            </a:r>
-          </a:p>
-        </p:txBody>
-      </p:sp>
-    </p:spTree>
-    <p:extLst>
-      <p:ext uri="{BB962C8B-B14F-4D97-AF65-F5344CB8AC3E}">
-        <p14:creationId xmlns:p14="http://schemas.microsoft.com/office/powerpoint/2010/main" val="3913257163"/>
-      </p:ext>
-    </p:extLst>
-  </p:cSld>
-  <p:clrMapOvr>
-    <a:masterClrMapping/>
-  </p:clrMapOvr>
-</p:sld>
-</file>
-
-<file path=ppt/slides/slide21.xml><?xml version="1.0" encoding="utf-8"?>
-<p:sld xmlns:a="http://schemas.openxmlformats.org/drawingml/2006/main" xmlns:r="http://schemas.openxmlformats.org/officeDocument/2006/relationships" xmlns:p="http://schemas.openxmlformats.org/presentationml/2006/main">
-  <p:cSld>
-    <p:spTree>
-      <p:nvGrpSpPr>
-        <p:cNvPr id="1" name=""/>
-        <p:cNvGrpSpPr/>
-        <p:nvPr/>
-      </p:nvGrpSpPr>
-      <p:grpSpPr>
-        <a:xfrm>
-          <a:off x="0" y="0"/>
-          <a:ext cx="0" cy="0"/>
-          <a:chOff x="0" y="0"/>
-          <a:chExt cx="0" cy="0"/>
-        </a:xfrm>
-      </p:grpSpPr>
-      <p:sp>
-        <p:nvSpPr>
           <p:cNvPr id="4" name="內容版面配置區 1">
             <a:extLst>
               <a:ext uri="{FF2B5EF4-FFF2-40B4-BE49-F238E27FC236}">
@@ -9309,7 +8507,7 @@
         </p:nvSpPr>
         <p:spPr>
           <a:xfrm>
-            <a:off x="2230686" y="1967315"/>
+            <a:off x="2239564" y="1789761"/>
             <a:ext cx="9283652" cy="3278477"/>
           </a:xfrm>
           <a:prstGeom prst="rect">
@@ -9487,6 +8685,1937 @@
           <a:p>
             <a:pPr marL="285750" lvl="1" indent="-285750"/>
             <a:r>
+              <a:rPr lang="en-US" altLang="zh-TW" sz="1800" dirty="0" err="1"/>
+              <a:t>VGA_pong_Bram</a:t>
+            </a:r>
+            <a:endParaRPr lang="en-US" altLang="zh-TW" sz="1800" dirty="0"/>
+          </a:p>
+          <a:p>
+            <a:pPr marL="742950" lvl="2" indent="-285750"/>
+            <a:r>
+              <a:rPr lang="en-US" altLang="zh-TW" sz="1800" dirty="0"/>
+              <a:t>FSM</a:t>
+            </a:r>
+            <a:r>
+              <a:rPr lang="zh-TW" altLang="en-US" sz="1800" dirty="0"/>
+              <a:t>修補</a:t>
+            </a:r>
+            <a:endParaRPr lang="en-US" altLang="zh-TW" sz="1800" dirty="0"/>
+          </a:p>
+          <a:p>
+            <a:pPr marL="742950" lvl="2" indent="-285750"/>
+            <a:r>
+              <a:rPr lang="en-US" altLang="zh-TW" sz="1800" dirty="0"/>
+              <a:t>VGA</a:t>
+            </a:r>
+            <a:r>
+              <a:rPr lang="zh-TW" altLang="en-US" sz="1800" dirty="0"/>
+              <a:t>顯示</a:t>
+            </a:r>
+            <a:endParaRPr lang="en-US" altLang="zh-TW" sz="1800" dirty="0"/>
+          </a:p>
+          <a:p>
+            <a:pPr marL="285750" lvl="1" indent="-285750"/>
+            <a:r>
+              <a:rPr lang="en-US" altLang="zh-TW" sz="1800" dirty="0" err="1"/>
+              <a:t>VGA_BRam</a:t>
+            </a:r>
+            <a:r>
+              <a:rPr lang="zh-TW" altLang="en-US" sz="1800" dirty="0"/>
+              <a:t>的圖形改號誌</a:t>
+            </a:r>
+            <a:endParaRPr lang="en-US" altLang="zh-TW" sz="1800" dirty="0"/>
+          </a:p>
+          <a:p>
+            <a:pPr marL="285750" lvl="1" indent="-285750"/>
+            <a:endParaRPr lang="en-US" altLang="zh-TW" sz="1800" dirty="0">
+              <a:latin typeface="標楷體" panose="03000509000000000000" pitchFamily="65" charset="-120"/>
+            </a:endParaRPr>
+          </a:p>
+        </p:txBody>
+      </p:sp>
+      <p:sp>
+        <p:nvSpPr>
+          <p:cNvPr id="8" name="標題 2">
+            <a:extLst>
+              <a:ext uri="{FF2B5EF4-FFF2-40B4-BE49-F238E27FC236}">
+                <a16:creationId xmlns:a16="http://schemas.microsoft.com/office/drawing/2014/main" id="{69E0405C-A713-4890-AE44-DF0783C1D487}"/>
+              </a:ext>
+            </a:extLst>
+          </p:cNvPr>
+          <p:cNvSpPr>
+            <a:spLocks noGrp="1"/>
+          </p:cNvSpPr>
+          <p:nvPr>
+            <p:ph type="title"/>
+          </p:nvPr>
+        </p:nvSpPr>
+        <p:spPr>
+          <a:xfrm>
+            <a:off x="838200" y="365125"/>
+            <a:ext cx="10515600" cy="720000"/>
+          </a:xfrm>
+        </p:spPr>
+        <p:txBody>
+          <a:bodyPr>
+            <a:noAutofit/>
+          </a:bodyPr>
+          <a:lstStyle/>
+          <a:p>
+            <a:r>
+              <a:rPr lang="zh-TW" altLang="en-US" sz="3200" dirty="0"/>
+              <a:t>成果展示 </a:t>
+            </a:r>
+            <a:r>
+              <a:rPr lang="en-US" altLang="zh-TW" sz="3200" dirty="0"/>
+              <a:t>–</a:t>
+            </a:r>
+            <a:r>
+              <a:rPr lang="zh-TW" altLang="en-US" sz="3200" dirty="0"/>
+              <a:t> 週進度項目 </a:t>
+            </a:r>
+            <a:r>
+              <a:rPr lang="en-US" altLang="zh-TW" sz="3200" dirty="0"/>
+              <a:t>(2023/05/18)</a:t>
+            </a:r>
+            <a:endParaRPr lang="zh-TW" altLang="en-US" sz="3200" dirty="0"/>
+          </a:p>
+        </p:txBody>
+      </p:sp>
+    </p:spTree>
+    <p:extLst>
+      <p:ext uri="{BB962C8B-B14F-4D97-AF65-F5344CB8AC3E}">
+        <p14:creationId xmlns:p14="http://schemas.microsoft.com/office/powerpoint/2010/main" val="1365625190"/>
+      </p:ext>
+    </p:extLst>
+  </p:cSld>
+  <p:clrMapOvr>
+    <a:masterClrMapping/>
+  </p:clrMapOvr>
+</p:sld>
+</file>
+
+<file path=ppt/slides/slide18.xml><?xml version="1.0" encoding="utf-8"?>
+<p:sld xmlns:a="http://schemas.openxmlformats.org/drawingml/2006/main" xmlns:r="http://schemas.openxmlformats.org/officeDocument/2006/relationships" xmlns:p="http://schemas.openxmlformats.org/presentationml/2006/main">
+  <p:cSld>
+    <p:spTree>
+      <p:nvGrpSpPr>
+        <p:cNvPr id="1" name=""/>
+        <p:cNvGrpSpPr/>
+        <p:nvPr/>
+      </p:nvGrpSpPr>
+      <p:grpSpPr>
+        <a:xfrm>
+          <a:off x="0" y="0"/>
+          <a:ext cx="0" cy="0"/>
+          <a:chOff x="0" y="0"/>
+          <a:chExt cx="0" cy="0"/>
+        </a:xfrm>
+      </p:grpSpPr>
+      <p:sp>
+        <p:nvSpPr>
+          <p:cNvPr id="3" name="標題 2"/>
+          <p:cNvSpPr>
+            <a:spLocks noGrp="1"/>
+          </p:cNvSpPr>
+          <p:nvPr>
+            <p:ph type="title"/>
+          </p:nvPr>
+        </p:nvSpPr>
+        <p:spPr>
+          <a:xfrm>
+            <a:off x="838200" y="365125"/>
+            <a:ext cx="10515600" cy="720000"/>
+          </a:xfrm>
+        </p:spPr>
+        <p:txBody>
+          <a:bodyPr>
+            <a:noAutofit/>
+          </a:bodyPr>
+          <a:lstStyle/>
+          <a:p>
+            <a:r>
+              <a:rPr lang="en-US" altLang="zh-TW" sz="3200" dirty="0" err="1"/>
+              <a:t>VGA_pong_Bram</a:t>
+            </a:r>
+            <a:r>
+              <a:rPr lang="en-US" altLang="zh-TW" sz="3200" dirty="0"/>
+              <a:t> - FSM</a:t>
+            </a:r>
+            <a:r>
+              <a:rPr lang="zh-TW" altLang="en-US" sz="3200" dirty="0"/>
+              <a:t>修補</a:t>
+            </a:r>
+            <a:r>
+              <a:rPr lang="en-US" altLang="zh-TW" sz="3200" dirty="0"/>
+              <a:t>(1/3)</a:t>
+            </a:r>
+            <a:endParaRPr lang="zh-TW" altLang="en-US" sz="3200" dirty="0"/>
+          </a:p>
+        </p:txBody>
+      </p:sp>
+      <p:sp>
+        <p:nvSpPr>
+          <p:cNvPr id="14" name="文字方塊 13">
+            <a:extLst>
+              <a:ext uri="{FF2B5EF4-FFF2-40B4-BE49-F238E27FC236}">
+                <a16:creationId xmlns:a16="http://schemas.microsoft.com/office/drawing/2014/main" id="{E4E592F9-FC71-4DD1-9118-16844995CC7F}"/>
+              </a:ext>
+            </a:extLst>
+          </p:cNvPr>
+          <p:cNvSpPr txBox="1"/>
+          <p:nvPr/>
+        </p:nvSpPr>
+        <p:spPr>
+          <a:xfrm>
+            <a:off x="1640706" y="1623546"/>
+            <a:ext cx="5373306" cy="923330"/>
+          </a:xfrm>
+          <a:prstGeom prst="rect">
+            <a:avLst/>
+          </a:prstGeom>
+          <a:noFill/>
+        </p:spPr>
+        <p:txBody>
+          <a:bodyPr wrap="square">
+            <a:spAutoFit/>
+          </a:bodyPr>
+          <a:lstStyle/>
+          <a:p>
+            <a:r>
+              <a:rPr lang="en-US" altLang="zh-TW" sz="1800" kern="1200" baseline="0" dirty="0" err="1">
+                <a:solidFill>
+                  <a:srgbClr val="000000"/>
+                </a:solidFill>
+                <a:effectLst/>
+                <a:latin typeface="Times New Roman" panose="02020603050405020304" pitchFamily="18" charset="0"/>
+                <a:ea typeface="標楷體" panose="03000509000000000000" pitchFamily="65" charset="-120"/>
+                <a:cs typeface="+mj-cs"/>
+              </a:rPr>
+              <a:t>VGA_pong</a:t>
+            </a:r>
+            <a:endParaRPr lang="en-US" altLang="zh-TW" dirty="0">
+              <a:latin typeface="標楷體" panose="03000509000000000000" pitchFamily="65" charset="-120"/>
+              <a:ea typeface="標楷體" panose="03000509000000000000" pitchFamily="65" charset="-120"/>
+            </a:endParaRPr>
+          </a:p>
+          <a:p>
+            <a:pPr marL="285750" indent="-285750">
+              <a:buFont typeface="Arial" panose="020B0604020202020204" pitchFamily="34" charset="0"/>
+              <a:buChar char="•"/>
+            </a:pPr>
+            <a:r>
+              <a:rPr lang="zh-TW" altLang="en-US" dirty="0">
+                <a:latin typeface="標楷體" panose="03000509000000000000" pitchFamily="65" charset="-120"/>
+                <a:ea typeface="標楷體" panose="03000509000000000000" pitchFamily="65" charset="-120"/>
+              </a:rPr>
+              <a:t>修補</a:t>
+            </a:r>
+            <a:r>
+              <a:rPr lang="en-US" altLang="zh-TW" dirty="0">
+                <a:latin typeface="Times New Roman" panose="02020603050405020304" pitchFamily="18" charset="0"/>
+                <a:ea typeface="標楷體" panose="03000509000000000000" pitchFamily="65" charset="-120"/>
+              </a:rPr>
+              <a:t>FSM</a:t>
+            </a:r>
+          </a:p>
+          <a:p>
+            <a:pPr marL="285750" indent="-285750">
+              <a:buFont typeface="Arial" panose="020B0604020202020204" pitchFamily="34" charset="0"/>
+              <a:buChar char="•"/>
+            </a:pPr>
+            <a:r>
+              <a:rPr lang="zh-TW" altLang="en-US" dirty="0">
+                <a:latin typeface="Times New Roman" panose="02020603050405020304" pitchFamily="18" charset="0"/>
+                <a:ea typeface="標楷體" panose="03000509000000000000" pitchFamily="65" charset="-120"/>
+              </a:rPr>
+              <a:t>波形模擬</a:t>
+            </a:r>
+            <a:r>
+              <a:rPr lang="en-US" altLang="zh-TW" dirty="0">
+                <a:latin typeface="Times New Roman" panose="02020603050405020304" pitchFamily="18" charset="0"/>
+                <a:ea typeface="標楷體" panose="03000509000000000000" pitchFamily="65" charset="-120"/>
+              </a:rPr>
+              <a:t>(</a:t>
+            </a:r>
+            <a:r>
+              <a:rPr lang="zh-TW" altLang="en-US" dirty="0">
+                <a:latin typeface="Times New Roman" panose="02020603050405020304" pitchFamily="18" charset="0"/>
+                <a:ea typeface="標楷體" panose="03000509000000000000" pitchFamily="65" charset="-120"/>
+              </a:rPr>
+              <a:t>漏接期間</a:t>
+            </a:r>
+            <a:r>
+              <a:rPr lang="en-US" altLang="zh-TW" dirty="0">
+                <a:latin typeface="Times New Roman" panose="02020603050405020304" pitchFamily="18" charset="0"/>
+                <a:ea typeface="標楷體" panose="03000509000000000000" pitchFamily="65" charset="-120"/>
+              </a:rPr>
+              <a:t>)</a:t>
+            </a:r>
+          </a:p>
+        </p:txBody>
+      </p:sp>
+      <p:sp>
+        <p:nvSpPr>
+          <p:cNvPr id="4" name="文字方塊 3">
+            <a:extLst>
+              <a:ext uri="{FF2B5EF4-FFF2-40B4-BE49-F238E27FC236}">
+                <a16:creationId xmlns:a16="http://schemas.microsoft.com/office/drawing/2014/main" id="{CA337AD0-263C-415E-B4F1-4E075D291556}"/>
+              </a:ext>
+            </a:extLst>
+          </p:cNvPr>
+          <p:cNvSpPr txBox="1"/>
+          <p:nvPr/>
+        </p:nvSpPr>
+        <p:spPr>
+          <a:xfrm>
+            <a:off x="7014012" y="5552052"/>
+            <a:ext cx="1680675" cy="369332"/>
+          </a:xfrm>
+          <a:prstGeom prst="rect">
+            <a:avLst/>
+          </a:prstGeom>
+          <a:noFill/>
+        </p:spPr>
+        <p:txBody>
+          <a:bodyPr wrap="square">
+            <a:spAutoFit/>
+          </a:bodyPr>
+          <a:lstStyle/>
+          <a:p>
+            <a:r>
+              <a:rPr lang="zh-TW" altLang="en-US" dirty="0">
+                <a:latin typeface="標楷體" panose="03000509000000000000" pitchFamily="65" charset="-120"/>
+                <a:ea typeface="標楷體" panose="03000509000000000000" pitchFamily="65" charset="-120"/>
+              </a:rPr>
+              <a:t>漏接</a:t>
+            </a:r>
+            <a:r>
+              <a:rPr lang="en-US" altLang="zh-TW" dirty="0">
+                <a:latin typeface="標楷體" panose="03000509000000000000" pitchFamily="65" charset="-120"/>
+                <a:ea typeface="標楷體" panose="03000509000000000000" pitchFamily="65" charset="-120"/>
+              </a:rPr>
+              <a:t>&amp;</a:t>
+            </a:r>
+            <a:r>
+              <a:rPr lang="zh-TW" altLang="en-US" dirty="0">
+                <a:latin typeface="標楷體" panose="03000509000000000000" pitchFamily="65" charset="-120"/>
+                <a:ea typeface="標楷體" panose="03000509000000000000" pitchFamily="65" charset="-120"/>
+              </a:rPr>
+              <a:t>發球置右</a:t>
+            </a:r>
+          </a:p>
+        </p:txBody>
+      </p:sp>
+      <p:pic>
+        <p:nvPicPr>
+          <p:cNvPr id="5" name="圖片 4">
+            <a:extLst>
+              <a:ext uri="{FF2B5EF4-FFF2-40B4-BE49-F238E27FC236}">
+                <a16:creationId xmlns:a16="http://schemas.microsoft.com/office/drawing/2014/main" id="{D065580F-6DD2-4E87-99DF-302249D12434}"/>
+              </a:ext>
+            </a:extLst>
+          </p:cNvPr>
+          <p:cNvPicPr>
+            <a:picLocks noChangeAspect="1"/>
+          </p:cNvPicPr>
+          <p:nvPr/>
+        </p:nvPicPr>
+        <p:blipFill>
+          <a:blip r:embed="rId3"/>
+          <a:stretch>
+            <a:fillRect/>
+          </a:stretch>
+        </p:blipFill>
+        <p:spPr>
+          <a:xfrm>
+            <a:off x="4158922" y="1974466"/>
+            <a:ext cx="7016848" cy="3411332"/>
+          </a:xfrm>
+          <a:prstGeom prst="rect">
+            <a:avLst/>
+          </a:prstGeom>
+        </p:spPr>
+      </p:pic>
+    </p:spTree>
+    <p:extLst>
+      <p:ext uri="{BB962C8B-B14F-4D97-AF65-F5344CB8AC3E}">
+        <p14:creationId xmlns:p14="http://schemas.microsoft.com/office/powerpoint/2010/main" val="3160319976"/>
+      </p:ext>
+    </p:extLst>
+  </p:cSld>
+  <p:clrMapOvr>
+    <a:masterClrMapping/>
+  </p:clrMapOvr>
+</p:sld>
+</file>
+
+<file path=ppt/slides/slide19.xml><?xml version="1.0" encoding="utf-8"?>
+<p:sld xmlns:a="http://schemas.openxmlformats.org/drawingml/2006/main" xmlns:r="http://schemas.openxmlformats.org/officeDocument/2006/relationships" xmlns:p="http://schemas.openxmlformats.org/presentationml/2006/main">
+  <p:cSld>
+    <p:spTree>
+      <p:nvGrpSpPr>
+        <p:cNvPr id="1" name=""/>
+        <p:cNvGrpSpPr/>
+        <p:nvPr/>
+      </p:nvGrpSpPr>
+      <p:grpSpPr>
+        <a:xfrm>
+          <a:off x="0" y="0"/>
+          <a:ext cx="0" cy="0"/>
+          <a:chOff x="0" y="0"/>
+          <a:chExt cx="0" cy="0"/>
+        </a:xfrm>
+      </p:grpSpPr>
+      <p:sp>
+        <p:nvSpPr>
+          <p:cNvPr id="3" name="標題 2"/>
+          <p:cNvSpPr>
+            <a:spLocks noGrp="1"/>
+          </p:cNvSpPr>
+          <p:nvPr>
+            <p:ph type="title"/>
+          </p:nvPr>
+        </p:nvSpPr>
+        <p:spPr>
+          <a:xfrm>
+            <a:off x="838200" y="365125"/>
+            <a:ext cx="10515600" cy="720000"/>
+          </a:xfrm>
+        </p:spPr>
+        <p:txBody>
+          <a:bodyPr>
+            <a:noAutofit/>
+          </a:bodyPr>
+          <a:lstStyle/>
+          <a:p>
+            <a:r>
+              <a:rPr lang="en-US" altLang="zh-TW" sz="3200" dirty="0" err="1"/>
+              <a:t>VGA_pong_Bram</a:t>
+            </a:r>
+            <a:r>
+              <a:rPr lang="en-US" altLang="zh-TW" sz="3200" dirty="0"/>
+              <a:t> - FSM</a:t>
+            </a:r>
+            <a:r>
+              <a:rPr lang="zh-TW" altLang="en-US" sz="3200" dirty="0"/>
+              <a:t>修補</a:t>
+            </a:r>
+            <a:r>
+              <a:rPr lang="en-US" altLang="zh-TW" sz="3200" dirty="0"/>
+              <a:t>(2/3)</a:t>
+            </a:r>
+            <a:endParaRPr lang="zh-TW" altLang="en-US" sz="3200" dirty="0"/>
+          </a:p>
+        </p:txBody>
+      </p:sp>
+      <p:sp>
+        <p:nvSpPr>
+          <p:cNvPr id="14" name="文字方塊 13">
+            <a:extLst>
+              <a:ext uri="{FF2B5EF4-FFF2-40B4-BE49-F238E27FC236}">
+                <a16:creationId xmlns:a16="http://schemas.microsoft.com/office/drawing/2014/main" id="{E4E592F9-FC71-4DD1-9118-16844995CC7F}"/>
+              </a:ext>
+            </a:extLst>
+          </p:cNvPr>
+          <p:cNvSpPr txBox="1"/>
+          <p:nvPr/>
+        </p:nvSpPr>
+        <p:spPr>
+          <a:xfrm>
+            <a:off x="1640706" y="1623546"/>
+            <a:ext cx="5373306" cy="923330"/>
+          </a:xfrm>
+          <a:prstGeom prst="rect">
+            <a:avLst/>
+          </a:prstGeom>
+          <a:noFill/>
+        </p:spPr>
+        <p:txBody>
+          <a:bodyPr wrap="square">
+            <a:spAutoFit/>
+          </a:bodyPr>
+          <a:lstStyle/>
+          <a:p>
+            <a:r>
+              <a:rPr lang="en-US" altLang="zh-TW" sz="1800" kern="1200" baseline="0" dirty="0" err="1">
+                <a:solidFill>
+                  <a:srgbClr val="000000"/>
+                </a:solidFill>
+                <a:effectLst/>
+                <a:latin typeface="Times New Roman" panose="02020603050405020304" pitchFamily="18" charset="0"/>
+                <a:ea typeface="標楷體" panose="03000509000000000000" pitchFamily="65" charset="-120"/>
+                <a:cs typeface="+mj-cs"/>
+              </a:rPr>
+              <a:t>VGA_pong</a:t>
+            </a:r>
+            <a:endParaRPr lang="en-US" altLang="zh-TW" dirty="0">
+              <a:latin typeface="標楷體" panose="03000509000000000000" pitchFamily="65" charset="-120"/>
+              <a:ea typeface="標楷體" panose="03000509000000000000" pitchFamily="65" charset="-120"/>
+            </a:endParaRPr>
+          </a:p>
+          <a:p>
+            <a:pPr marL="285750" indent="-285750">
+              <a:buFont typeface="Arial" panose="020B0604020202020204" pitchFamily="34" charset="0"/>
+              <a:buChar char="•"/>
+            </a:pPr>
+            <a:r>
+              <a:rPr lang="zh-TW" altLang="en-US" dirty="0">
+                <a:latin typeface="標楷體" panose="03000509000000000000" pitchFamily="65" charset="-120"/>
+                <a:ea typeface="標楷體" panose="03000509000000000000" pitchFamily="65" charset="-120"/>
+              </a:rPr>
+              <a:t>修補</a:t>
+            </a:r>
+            <a:r>
+              <a:rPr lang="en-US" altLang="zh-TW" dirty="0">
+                <a:latin typeface="Times New Roman" panose="02020603050405020304" pitchFamily="18" charset="0"/>
+                <a:ea typeface="標楷體" panose="03000509000000000000" pitchFamily="65" charset="-120"/>
+              </a:rPr>
+              <a:t>FSM</a:t>
+            </a:r>
+          </a:p>
+          <a:p>
+            <a:pPr marL="285750" indent="-285750">
+              <a:buFont typeface="Arial" panose="020B0604020202020204" pitchFamily="34" charset="0"/>
+              <a:buChar char="•"/>
+            </a:pPr>
+            <a:r>
+              <a:rPr lang="zh-TW" altLang="en-US" dirty="0">
+                <a:latin typeface="Times New Roman" panose="02020603050405020304" pitchFamily="18" charset="0"/>
+                <a:ea typeface="標楷體" panose="03000509000000000000" pitchFamily="65" charset="-120"/>
+              </a:rPr>
+              <a:t>波形模擬</a:t>
+            </a:r>
+            <a:r>
+              <a:rPr lang="en-US" altLang="zh-TW" dirty="0">
+                <a:latin typeface="Times New Roman" panose="02020603050405020304" pitchFamily="18" charset="0"/>
+                <a:ea typeface="標楷體" panose="03000509000000000000" pitchFamily="65" charset="-120"/>
+              </a:rPr>
+              <a:t>(</a:t>
+            </a:r>
+            <a:r>
+              <a:rPr lang="zh-TW" altLang="en-US" dirty="0">
+                <a:latin typeface="Times New Roman" panose="02020603050405020304" pitchFamily="18" charset="0"/>
+                <a:ea typeface="標楷體" panose="03000509000000000000" pitchFamily="65" charset="-120"/>
+              </a:rPr>
+              <a:t>漏接期間</a:t>
+            </a:r>
+            <a:r>
+              <a:rPr lang="en-US" altLang="zh-TW" dirty="0">
+                <a:latin typeface="Times New Roman" panose="02020603050405020304" pitchFamily="18" charset="0"/>
+                <a:ea typeface="標楷體" panose="03000509000000000000" pitchFamily="65" charset="-120"/>
+              </a:rPr>
+              <a:t>)</a:t>
+            </a:r>
+          </a:p>
+        </p:txBody>
+      </p:sp>
+      <p:sp>
+        <p:nvSpPr>
+          <p:cNvPr id="4" name="文字方塊 3">
+            <a:extLst>
+              <a:ext uri="{FF2B5EF4-FFF2-40B4-BE49-F238E27FC236}">
+                <a16:creationId xmlns:a16="http://schemas.microsoft.com/office/drawing/2014/main" id="{CA337AD0-263C-415E-B4F1-4E075D291556}"/>
+              </a:ext>
+            </a:extLst>
+          </p:cNvPr>
+          <p:cNvSpPr txBox="1"/>
+          <p:nvPr/>
+        </p:nvSpPr>
+        <p:spPr>
+          <a:xfrm>
+            <a:off x="7014012" y="5569808"/>
+            <a:ext cx="1680675" cy="369332"/>
+          </a:xfrm>
+          <a:prstGeom prst="rect">
+            <a:avLst/>
+          </a:prstGeom>
+          <a:noFill/>
+        </p:spPr>
+        <p:txBody>
+          <a:bodyPr wrap="square">
+            <a:spAutoFit/>
+          </a:bodyPr>
+          <a:lstStyle/>
+          <a:p>
+            <a:r>
+              <a:rPr lang="zh-TW" altLang="en-US" dirty="0">
+                <a:latin typeface="標楷體" panose="03000509000000000000" pitchFamily="65" charset="-120"/>
+                <a:ea typeface="標楷體" panose="03000509000000000000" pitchFamily="65" charset="-120"/>
+              </a:rPr>
+              <a:t>漏接</a:t>
+            </a:r>
+            <a:r>
+              <a:rPr lang="en-US" altLang="zh-TW" dirty="0">
+                <a:latin typeface="標楷體" panose="03000509000000000000" pitchFamily="65" charset="-120"/>
+                <a:ea typeface="標楷體" panose="03000509000000000000" pitchFamily="65" charset="-120"/>
+              </a:rPr>
+              <a:t>&amp;</a:t>
+            </a:r>
+            <a:r>
+              <a:rPr lang="zh-TW" altLang="en-US" dirty="0">
+                <a:latin typeface="標楷體" panose="03000509000000000000" pitchFamily="65" charset="-120"/>
+                <a:ea typeface="標楷體" panose="03000509000000000000" pitchFamily="65" charset="-120"/>
+              </a:rPr>
+              <a:t>發球置左</a:t>
+            </a:r>
+          </a:p>
+        </p:txBody>
+      </p:sp>
+      <p:pic>
+        <p:nvPicPr>
+          <p:cNvPr id="6" name="圖片 5">
+            <a:extLst>
+              <a:ext uri="{FF2B5EF4-FFF2-40B4-BE49-F238E27FC236}">
+                <a16:creationId xmlns:a16="http://schemas.microsoft.com/office/drawing/2014/main" id="{22B0130E-5F73-43B6-A175-EAEE26004266}"/>
+              </a:ext>
+            </a:extLst>
+          </p:cNvPr>
+          <p:cNvPicPr>
+            <a:picLocks noChangeAspect="1"/>
+          </p:cNvPicPr>
+          <p:nvPr/>
+        </p:nvPicPr>
+        <p:blipFill>
+          <a:blip r:embed="rId3"/>
+          <a:stretch>
+            <a:fillRect/>
+          </a:stretch>
+        </p:blipFill>
+        <p:spPr>
+          <a:xfrm>
+            <a:off x="2183929" y="2781494"/>
+            <a:ext cx="9169871" cy="2717940"/>
+          </a:xfrm>
+          <a:prstGeom prst="rect">
+            <a:avLst/>
+          </a:prstGeom>
+        </p:spPr>
+      </p:pic>
+      <p:sp>
+        <p:nvSpPr>
+          <p:cNvPr id="8" name="矩形 7">
+            <a:extLst>
+              <a:ext uri="{FF2B5EF4-FFF2-40B4-BE49-F238E27FC236}">
+                <a16:creationId xmlns:a16="http://schemas.microsoft.com/office/drawing/2014/main" id="{D585DF47-2623-4213-A749-070CDF8E1AC8}"/>
+              </a:ext>
+            </a:extLst>
+          </p:cNvPr>
+          <p:cNvSpPr/>
+          <p:nvPr/>
+        </p:nvSpPr>
+        <p:spPr>
+          <a:xfrm rot="5400000">
+            <a:off x="8816247" y="3961023"/>
+            <a:ext cx="2883645" cy="358881"/>
+          </a:xfrm>
+          <a:prstGeom prst="rect">
+            <a:avLst/>
+          </a:prstGeom>
+          <a:noFill/>
+          <a:ln w="28575">
+            <a:solidFill>
+              <a:srgbClr val="FF0000"/>
+            </a:solidFill>
+          </a:ln>
+        </p:spPr>
+        <p:style>
+          <a:lnRef idx="2">
+            <a:schemeClr val="accent1">
+              <a:shade val="50000"/>
+            </a:schemeClr>
+          </a:lnRef>
+          <a:fillRef idx="1">
+            <a:schemeClr val="accent1"/>
+          </a:fillRef>
+          <a:effectRef idx="0">
+            <a:schemeClr val="accent1"/>
+          </a:effectRef>
+          <a:fontRef idx="minor">
+            <a:schemeClr val="lt1"/>
+          </a:fontRef>
+        </p:style>
+        <p:txBody>
+          <a:bodyPr rtlCol="0" anchor="ctr"/>
+          <a:lstStyle/>
+          <a:p>
+            <a:pPr algn="ctr"/>
+            <a:endParaRPr lang="zh-TW" altLang="en-US" dirty="0">
+              <a:noFill/>
+            </a:endParaRPr>
+          </a:p>
+        </p:txBody>
+      </p:sp>
+    </p:spTree>
+    <p:extLst>
+      <p:ext uri="{BB962C8B-B14F-4D97-AF65-F5344CB8AC3E}">
+        <p14:creationId xmlns:p14="http://schemas.microsoft.com/office/powerpoint/2010/main" val="3760653788"/>
+      </p:ext>
+    </p:extLst>
+  </p:cSld>
+  <p:clrMapOvr>
+    <a:masterClrMapping/>
+  </p:clrMapOvr>
+</p:sld>
+</file>
+
+<file path=ppt/slides/slide2.xml><?xml version="1.0" encoding="utf-8"?>
+<p:sld xmlns:a="http://schemas.openxmlformats.org/drawingml/2006/main" xmlns:r="http://schemas.openxmlformats.org/officeDocument/2006/relationships" xmlns:p="http://schemas.openxmlformats.org/presentationml/2006/main">
+  <p:cSld>
+    <p:spTree>
+      <p:nvGrpSpPr>
+        <p:cNvPr id="1" name=""/>
+        <p:cNvGrpSpPr/>
+        <p:nvPr/>
+      </p:nvGrpSpPr>
+      <p:grpSpPr>
+        <a:xfrm>
+          <a:off x="0" y="0"/>
+          <a:ext cx="0" cy="0"/>
+          <a:chOff x="0" y="0"/>
+          <a:chExt cx="0" cy="0"/>
+        </a:xfrm>
+      </p:grpSpPr>
+      <p:sp>
+        <p:nvSpPr>
+          <p:cNvPr id="3" name="標題 2"/>
+          <p:cNvSpPr>
+            <a:spLocks noGrp="1"/>
+          </p:cNvSpPr>
+          <p:nvPr>
+            <p:ph type="title"/>
+          </p:nvPr>
+        </p:nvSpPr>
+        <p:spPr/>
+        <p:txBody>
+          <a:bodyPr/>
+          <a:lstStyle/>
+          <a:p>
+            <a:r>
+              <a:rPr lang="zh-TW" altLang="en-US" dirty="0"/>
+              <a:t>控管記錄 </a:t>
+            </a:r>
+            <a:r>
+              <a:rPr lang="en-US" altLang="zh-TW" dirty="0"/>
+              <a:t>–</a:t>
+            </a:r>
+            <a:r>
+              <a:rPr lang="zh-TW" altLang="en-US" dirty="0"/>
+              <a:t> </a:t>
+            </a:r>
+            <a:r>
+              <a:rPr lang="en-US" altLang="zh-TW" dirty="0"/>
+              <a:t>NAS</a:t>
+            </a:r>
+            <a:r>
+              <a:rPr lang="zh-TW" altLang="en-US" dirty="0"/>
+              <a:t> </a:t>
+            </a:r>
+            <a:r>
+              <a:rPr lang="en-US" altLang="zh-TW" dirty="0"/>
+              <a:t>(</a:t>
+            </a:r>
+            <a:r>
+              <a:rPr lang="en-US" altLang="zh-TW" sz="4400" dirty="0"/>
+              <a:t>2023/5/18</a:t>
+            </a:r>
+            <a:r>
+              <a:rPr lang="en-US" altLang="zh-TW" dirty="0"/>
+              <a:t>)</a:t>
+            </a:r>
+            <a:endParaRPr lang="zh-TW" altLang="en-US" dirty="0"/>
+          </a:p>
+        </p:txBody>
+      </p:sp>
+      <p:sp>
+        <p:nvSpPr>
+          <p:cNvPr id="9" name="矩形 8">
+            <a:extLst>
+              <a:ext uri="{FF2B5EF4-FFF2-40B4-BE49-F238E27FC236}">
+                <a16:creationId xmlns:a16="http://schemas.microsoft.com/office/drawing/2014/main" id="{1F596EB5-194B-41DD-9405-83C981B5180E}"/>
+              </a:ext>
+            </a:extLst>
+          </p:cNvPr>
+          <p:cNvSpPr/>
+          <p:nvPr/>
+        </p:nvSpPr>
+        <p:spPr>
+          <a:xfrm>
+            <a:off x="589428" y="1662062"/>
+            <a:ext cx="3120704" cy="1323439"/>
+          </a:xfrm>
+          <a:prstGeom prst="rect">
+            <a:avLst/>
+          </a:prstGeom>
+        </p:spPr>
+        <p:txBody>
+          <a:bodyPr wrap="square">
+            <a:spAutoFit/>
+          </a:bodyPr>
+          <a:lstStyle/>
+          <a:p>
+            <a:pPr marL="285750" lvl="1" indent="-285750"/>
+            <a:r>
+              <a:rPr lang="zh-TW" altLang="en-US" sz="2000" dirty="0">
+                <a:latin typeface="Times New Roman" panose="02020603050405020304" pitchFamily="18" charset="0"/>
+                <a:ea typeface="標楷體" panose="03000509000000000000" pitchFamily="65" charset="-120"/>
+              </a:rPr>
+              <a:t>本週更新：</a:t>
+            </a:r>
+            <a:endParaRPr lang="en-US" altLang="zh-TW" sz="2000" dirty="0">
+              <a:latin typeface="Times New Roman" panose="02020603050405020304" pitchFamily="18" charset="0"/>
+              <a:ea typeface="標楷體" panose="03000509000000000000" pitchFamily="65" charset="-120"/>
+            </a:endParaRPr>
+          </a:p>
+          <a:p>
+            <a:pPr marL="285750" lvl="1" indent="-285750"/>
+            <a:r>
+              <a:rPr lang="en-US" altLang="zh-TW" sz="2000" dirty="0">
+                <a:latin typeface="Times New Roman" panose="02020603050405020304" pitchFamily="18" charset="0"/>
+                <a:ea typeface="標楷體" panose="03000509000000000000" pitchFamily="65" charset="-120"/>
+              </a:rPr>
+              <a:t>N02-Architecture</a:t>
+            </a:r>
+          </a:p>
+          <a:p>
+            <a:pPr marL="285750" lvl="1" indent="-285750"/>
+            <a:r>
+              <a:rPr lang="en-US" altLang="zh-TW" sz="2000" dirty="0">
+                <a:latin typeface="Times New Roman" panose="02020603050405020304" pitchFamily="18" charset="0"/>
+                <a:ea typeface="標楷體" panose="03000509000000000000" pitchFamily="65" charset="-120"/>
+              </a:rPr>
+              <a:t>N06-Demo&amp;ppt</a:t>
+            </a:r>
+          </a:p>
+          <a:p>
+            <a:pPr marL="285750" lvl="1" indent="-285750"/>
+            <a:endParaRPr lang="en-US" altLang="zh-TW" sz="2000" dirty="0">
+              <a:latin typeface="Times New Roman" panose="02020603050405020304" pitchFamily="18" charset="0"/>
+              <a:ea typeface="標楷體" panose="03000509000000000000" pitchFamily="65" charset="-120"/>
+            </a:endParaRPr>
+          </a:p>
+        </p:txBody>
+      </p:sp>
+      <p:pic>
+        <p:nvPicPr>
+          <p:cNvPr id="4" name="圖片 3">
+            <a:extLst>
+              <a:ext uri="{FF2B5EF4-FFF2-40B4-BE49-F238E27FC236}">
+                <a16:creationId xmlns:a16="http://schemas.microsoft.com/office/drawing/2014/main" id="{5F262EE3-1953-4C6B-82FB-D50775E48C3A}"/>
+              </a:ext>
+            </a:extLst>
+          </p:cNvPr>
+          <p:cNvPicPr>
+            <a:picLocks noChangeAspect="1"/>
+          </p:cNvPicPr>
+          <p:nvPr/>
+        </p:nvPicPr>
+        <p:blipFill>
+          <a:blip r:embed="rId2"/>
+          <a:stretch>
+            <a:fillRect/>
+          </a:stretch>
+        </p:blipFill>
+        <p:spPr>
+          <a:xfrm>
+            <a:off x="3421022" y="1467468"/>
+            <a:ext cx="7232025" cy="4455725"/>
+          </a:xfrm>
+          <a:prstGeom prst="rect">
+            <a:avLst/>
+          </a:prstGeom>
+        </p:spPr>
+      </p:pic>
+      <p:sp>
+        <p:nvSpPr>
+          <p:cNvPr id="5" name="矩形 4">
+            <a:extLst>
+              <a:ext uri="{FF2B5EF4-FFF2-40B4-BE49-F238E27FC236}">
+                <a16:creationId xmlns:a16="http://schemas.microsoft.com/office/drawing/2014/main" id="{57854072-619E-4378-B351-7DB5F8B98C17}"/>
+              </a:ext>
+            </a:extLst>
+          </p:cNvPr>
+          <p:cNvSpPr/>
+          <p:nvPr/>
+        </p:nvSpPr>
+        <p:spPr>
+          <a:xfrm>
+            <a:off x="5033640" y="2529430"/>
+            <a:ext cx="5619407" cy="296595"/>
+          </a:xfrm>
+          <a:prstGeom prst="rect">
+            <a:avLst/>
+          </a:prstGeom>
+          <a:noFill/>
+          <a:ln w="28575">
+            <a:solidFill>
+              <a:srgbClr val="FF0000"/>
+            </a:solidFill>
+          </a:ln>
+        </p:spPr>
+        <p:style>
+          <a:lnRef idx="2">
+            <a:schemeClr val="accent1">
+              <a:shade val="50000"/>
+            </a:schemeClr>
+          </a:lnRef>
+          <a:fillRef idx="1">
+            <a:schemeClr val="accent1"/>
+          </a:fillRef>
+          <a:effectRef idx="0">
+            <a:schemeClr val="accent1"/>
+          </a:effectRef>
+          <a:fontRef idx="minor">
+            <a:schemeClr val="lt1"/>
+          </a:fontRef>
+        </p:style>
+        <p:txBody>
+          <a:bodyPr rtlCol="0" anchor="ctr"/>
+          <a:lstStyle/>
+          <a:p>
+            <a:pPr algn="ctr"/>
+            <a:endParaRPr lang="zh-TW" altLang="en-US" dirty="0">
+              <a:noFill/>
+            </a:endParaRPr>
+          </a:p>
+        </p:txBody>
+      </p:sp>
+    </p:spTree>
+    <p:extLst>
+      <p:ext uri="{BB962C8B-B14F-4D97-AF65-F5344CB8AC3E}">
+        <p14:creationId xmlns:p14="http://schemas.microsoft.com/office/powerpoint/2010/main" val="409289478"/>
+      </p:ext>
+    </p:extLst>
+  </p:cSld>
+  <p:clrMapOvr>
+    <a:masterClrMapping/>
+  </p:clrMapOvr>
+</p:sld>
+</file>
+
+<file path=ppt/slides/slide20.xml><?xml version="1.0" encoding="utf-8"?>
+<p:sld xmlns:a="http://schemas.openxmlformats.org/drawingml/2006/main" xmlns:r="http://schemas.openxmlformats.org/officeDocument/2006/relationships" xmlns:p="http://schemas.openxmlformats.org/presentationml/2006/main">
+  <p:cSld>
+    <p:spTree>
+      <p:nvGrpSpPr>
+        <p:cNvPr id="1" name=""/>
+        <p:cNvGrpSpPr/>
+        <p:nvPr/>
+      </p:nvGrpSpPr>
+      <p:grpSpPr>
+        <a:xfrm>
+          <a:off x="0" y="0"/>
+          <a:ext cx="0" cy="0"/>
+          <a:chOff x="0" y="0"/>
+          <a:chExt cx="0" cy="0"/>
+        </a:xfrm>
+      </p:grpSpPr>
+      <p:sp>
+        <p:nvSpPr>
+          <p:cNvPr id="3" name="標題 2"/>
+          <p:cNvSpPr>
+            <a:spLocks noGrp="1"/>
+          </p:cNvSpPr>
+          <p:nvPr>
+            <p:ph type="title"/>
+          </p:nvPr>
+        </p:nvSpPr>
+        <p:spPr>
+          <a:xfrm>
+            <a:off x="838200" y="365125"/>
+            <a:ext cx="10515600" cy="720000"/>
+          </a:xfrm>
+        </p:spPr>
+        <p:txBody>
+          <a:bodyPr>
+            <a:noAutofit/>
+          </a:bodyPr>
+          <a:lstStyle/>
+          <a:p>
+            <a:r>
+              <a:rPr lang="en-US" altLang="zh-TW" sz="3200" dirty="0" err="1"/>
+              <a:t>VGA_pong_Bram</a:t>
+            </a:r>
+            <a:r>
+              <a:rPr lang="en-US" altLang="zh-TW" sz="3200" dirty="0"/>
+              <a:t> - FSM</a:t>
+            </a:r>
+            <a:r>
+              <a:rPr lang="zh-TW" altLang="en-US" sz="3200" dirty="0"/>
+              <a:t>修補</a:t>
+            </a:r>
+            <a:r>
+              <a:rPr lang="en-US" altLang="zh-TW" sz="3200" dirty="0"/>
+              <a:t>(2/3)</a:t>
+            </a:r>
+            <a:endParaRPr lang="zh-TW" altLang="en-US" sz="3200" dirty="0"/>
+          </a:p>
+        </p:txBody>
+      </p:sp>
+      <p:sp>
+        <p:nvSpPr>
+          <p:cNvPr id="14" name="文字方塊 13">
+            <a:extLst>
+              <a:ext uri="{FF2B5EF4-FFF2-40B4-BE49-F238E27FC236}">
+                <a16:creationId xmlns:a16="http://schemas.microsoft.com/office/drawing/2014/main" id="{E4E592F9-FC71-4DD1-9118-16844995CC7F}"/>
+              </a:ext>
+            </a:extLst>
+          </p:cNvPr>
+          <p:cNvSpPr txBox="1"/>
+          <p:nvPr/>
+        </p:nvSpPr>
+        <p:spPr>
+          <a:xfrm>
+            <a:off x="1640706" y="1623546"/>
+            <a:ext cx="5373306" cy="923330"/>
+          </a:xfrm>
+          <a:prstGeom prst="rect">
+            <a:avLst/>
+          </a:prstGeom>
+          <a:noFill/>
+        </p:spPr>
+        <p:txBody>
+          <a:bodyPr wrap="square">
+            <a:spAutoFit/>
+          </a:bodyPr>
+          <a:lstStyle/>
+          <a:p>
+            <a:r>
+              <a:rPr lang="en-US" altLang="zh-TW" sz="1800" kern="1200" baseline="0" dirty="0" err="1">
+                <a:solidFill>
+                  <a:srgbClr val="000000"/>
+                </a:solidFill>
+                <a:effectLst/>
+                <a:latin typeface="Times New Roman" panose="02020603050405020304" pitchFamily="18" charset="0"/>
+                <a:ea typeface="標楷體" panose="03000509000000000000" pitchFamily="65" charset="-120"/>
+                <a:cs typeface="+mj-cs"/>
+              </a:rPr>
+              <a:t>VGA_pong</a:t>
+            </a:r>
+            <a:endParaRPr lang="en-US" altLang="zh-TW" dirty="0">
+              <a:latin typeface="標楷體" panose="03000509000000000000" pitchFamily="65" charset="-120"/>
+              <a:ea typeface="標楷體" panose="03000509000000000000" pitchFamily="65" charset="-120"/>
+            </a:endParaRPr>
+          </a:p>
+          <a:p>
+            <a:pPr marL="285750" indent="-285750">
+              <a:buFont typeface="Arial" panose="020B0604020202020204" pitchFamily="34" charset="0"/>
+              <a:buChar char="•"/>
+            </a:pPr>
+            <a:r>
+              <a:rPr lang="zh-TW" altLang="en-US" dirty="0">
+                <a:latin typeface="標楷體" panose="03000509000000000000" pitchFamily="65" charset="-120"/>
+                <a:ea typeface="標楷體" panose="03000509000000000000" pitchFamily="65" charset="-120"/>
+              </a:rPr>
+              <a:t>修補</a:t>
+            </a:r>
+            <a:r>
+              <a:rPr lang="en-US" altLang="zh-TW" dirty="0">
+                <a:latin typeface="Times New Roman" panose="02020603050405020304" pitchFamily="18" charset="0"/>
+                <a:ea typeface="標楷體" panose="03000509000000000000" pitchFamily="65" charset="-120"/>
+              </a:rPr>
+              <a:t>FSM</a:t>
+            </a:r>
+          </a:p>
+          <a:p>
+            <a:pPr marL="285750" indent="-285750">
+              <a:buFont typeface="Arial" panose="020B0604020202020204" pitchFamily="34" charset="0"/>
+              <a:buChar char="•"/>
+            </a:pPr>
+            <a:r>
+              <a:rPr lang="zh-TW" altLang="en-US" dirty="0">
+                <a:latin typeface="Times New Roman" panose="02020603050405020304" pitchFamily="18" charset="0"/>
+                <a:ea typeface="標楷體" panose="03000509000000000000" pitchFamily="65" charset="-120"/>
+              </a:rPr>
+              <a:t>波形模擬</a:t>
+            </a:r>
+            <a:r>
+              <a:rPr lang="en-US" altLang="zh-TW" dirty="0">
+                <a:latin typeface="Times New Roman" panose="02020603050405020304" pitchFamily="18" charset="0"/>
+                <a:ea typeface="標楷體" panose="03000509000000000000" pitchFamily="65" charset="-120"/>
+              </a:rPr>
+              <a:t>(</a:t>
+            </a:r>
+            <a:r>
+              <a:rPr lang="zh-TW" altLang="en-US" dirty="0">
+                <a:latin typeface="Times New Roman" panose="02020603050405020304" pitchFamily="18" charset="0"/>
+                <a:ea typeface="標楷體" panose="03000509000000000000" pitchFamily="65" charset="-120"/>
+              </a:rPr>
+              <a:t>漏接期間</a:t>
+            </a:r>
+            <a:r>
+              <a:rPr lang="en-US" altLang="zh-TW" dirty="0">
+                <a:latin typeface="Times New Roman" panose="02020603050405020304" pitchFamily="18" charset="0"/>
+                <a:ea typeface="標楷體" panose="03000509000000000000" pitchFamily="65" charset="-120"/>
+              </a:rPr>
+              <a:t>)</a:t>
+            </a:r>
+          </a:p>
+        </p:txBody>
+      </p:sp>
+      <p:sp>
+        <p:nvSpPr>
+          <p:cNvPr id="4" name="文字方塊 3">
+            <a:extLst>
+              <a:ext uri="{FF2B5EF4-FFF2-40B4-BE49-F238E27FC236}">
+                <a16:creationId xmlns:a16="http://schemas.microsoft.com/office/drawing/2014/main" id="{CA337AD0-263C-415E-B4F1-4E075D291556}"/>
+              </a:ext>
+            </a:extLst>
+          </p:cNvPr>
+          <p:cNvSpPr txBox="1"/>
+          <p:nvPr/>
+        </p:nvSpPr>
+        <p:spPr>
+          <a:xfrm>
+            <a:off x="7014012" y="5552052"/>
+            <a:ext cx="1680675" cy="369332"/>
+          </a:xfrm>
+          <a:prstGeom prst="rect">
+            <a:avLst/>
+          </a:prstGeom>
+          <a:noFill/>
+        </p:spPr>
+        <p:txBody>
+          <a:bodyPr wrap="square">
+            <a:spAutoFit/>
+          </a:bodyPr>
+          <a:lstStyle/>
+          <a:p>
+            <a:r>
+              <a:rPr lang="zh-TW" altLang="en-US" dirty="0">
+                <a:latin typeface="標楷體" panose="03000509000000000000" pitchFamily="65" charset="-120"/>
+                <a:ea typeface="標楷體" panose="03000509000000000000" pitchFamily="65" charset="-120"/>
+              </a:rPr>
+              <a:t>漏接</a:t>
+            </a:r>
+            <a:r>
+              <a:rPr lang="en-US" altLang="zh-TW" dirty="0">
+                <a:latin typeface="標楷體" panose="03000509000000000000" pitchFamily="65" charset="-120"/>
+                <a:ea typeface="標楷體" panose="03000509000000000000" pitchFamily="65" charset="-120"/>
+              </a:rPr>
+              <a:t>&amp;</a:t>
+            </a:r>
+            <a:r>
+              <a:rPr lang="zh-TW" altLang="en-US" dirty="0">
+                <a:latin typeface="標楷體" panose="03000509000000000000" pitchFamily="65" charset="-120"/>
+                <a:ea typeface="標楷體" panose="03000509000000000000" pitchFamily="65" charset="-120"/>
+              </a:rPr>
+              <a:t>發球置左</a:t>
+            </a:r>
+          </a:p>
+        </p:txBody>
+      </p:sp>
+      <p:pic>
+        <p:nvPicPr>
+          <p:cNvPr id="5" name="圖片 4">
+            <a:extLst>
+              <a:ext uri="{FF2B5EF4-FFF2-40B4-BE49-F238E27FC236}">
+                <a16:creationId xmlns:a16="http://schemas.microsoft.com/office/drawing/2014/main" id="{F651C9E4-143D-4981-ACD3-A28557EEC848}"/>
+              </a:ext>
+            </a:extLst>
+          </p:cNvPr>
+          <p:cNvPicPr>
+            <a:picLocks noChangeAspect="1"/>
+          </p:cNvPicPr>
+          <p:nvPr/>
+        </p:nvPicPr>
+        <p:blipFill>
+          <a:blip r:embed="rId3"/>
+          <a:stretch>
+            <a:fillRect/>
+          </a:stretch>
+        </p:blipFill>
+        <p:spPr>
+          <a:xfrm>
+            <a:off x="2571299" y="2715455"/>
+            <a:ext cx="8782501" cy="2749691"/>
+          </a:xfrm>
+          <a:prstGeom prst="rect">
+            <a:avLst/>
+          </a:prstGeom>
+        </p:spPr>
+      </p:pic>
+      <p:sp>
+        <p:nvSpPr>
+          <p:cNvPr id="8" name="矩形 7">
+            <a:extLst>
+              <a:ext uri="{FF2B5EF4-FFF2-40B4-BE49-F238E27FC236}">
+                <a16:creationId xmlns:a16="http://schemas.microsoft.com/office/drawing/2014/main" id="{25499D1C-168C-43A1-919F-C8E553C659EC}"/>
+              </a:ext>
+            </a:extLst>
+          </p:cNvPr>
+          <p:cNvSpPr/>
+          <p:nvPr/>
+        </p:nvSpPr>
+        <p:spPr>
+          <a:xfrm>
+            <a:off x="5015884" y="4177206"/>
+            <a:ext cx="6383043" cy="1374846"/>
+          </a:xfrm>
+          <a:prstGeom prst="rect">
+            <a:avLst/>
+          </a:prstGeom>
+          <a:noFill/>
+          <a:ln w="28575">
+            <a:solidFill>
+              <a:srgbClr val="FF0000"/>
+            </a:solidFill>
+          </a:ln>
+        </p:spPr>
+        <p:style>
+          <a:lnRef idx="2">
+            <a:schemeClr val="accent1">
+              <a:shade val="50000"/>
+            </a:schemeClr>
+          </a:lnRef>
+          <a:fillRef idx="1">
+            <a:schemeClr val="accent1"/>
+          </a:fillRef>
+          <a:effectRef idx="0">
+            <a:schemeClr val="accent1"/>
+          </a:effectRef>
+          <a:fontRef idx="minor">
+            <a:schemeClr val="lt1"/>
+          </a:fontRef>
+        </p:style>
+        <p:txBody>
+          <a:bodyPr rtlCol="0" anchor="ctr"/>
+          <a:lstStyle/>
+          <a:p>
+            <a:pPr algn="ctr"/>
+            <a:endParaRPr lang="zh-TW" altLang="en-US" dirty="0">
+              <a:noFill/>
+            </a:endParaRPr>
+          </a:p>
+        </p:txBody>
+      </p:sp>
+    </p:spTree>
+    <p:extLst>
+      <p:ext uri="{BB962C8B-B14F-4D97-AF65-F5344CB8AC3E}">
+        <p14:creationId xmlns:p14="http://schemas.microsoft.com/office/powerpoint/2010/main" val="1223746285"/>
+      </p:ext>
+    </p:extLst>
+  </p:cSld>
+  <p:clrMapOvr>
+    <a:masterClrMapping/>
+  </p:clrMapOvr>
+</p:sld>
+</file>
+
+<file path=ppt/slides/slide21.xml><?xml version="1.0" encoding="utf-8"?>
+<p:sld xmlns:a="http://schemas.openxmlformats.org/drawingml/2006/main" xmlns:r="http://schemas.openxmlformats.org/officeDocument/2006/relationships" xmlns:p="http://schemas.openxmlformats.org/presentationml/2006/main">
+  <p:cSld>
+    <p:spTree>
+      <p:nvGrpSpPr>
+        <p:cNvPr id="1" name=""/>
+        <p:cNvGrpSpPr/>
+        <p:nvPr/>
+      </p:nvGrpSpPr>
+      <p:grpSpPr>
+        <a:xfrm>
+          <a:off x="0" y="0"/>
+          <a:ext cx="0" cy="0"/>
+          <a:chOff x="0" y="0"/>
+          <a:chExt cx="0" cy="0"/>
+        </a:xfrm>
+      </p:grpSpPr>
+      <p:sp>
+        <p:nvSpPr>
+          <p:cNvPr id="3" name="標題 2"/>
+          <p:cNvSpPr>
+            <a:spLocks noGrp="1"/>
+          </p:cNvSpPr>
+          <p:nvPr>
+            <p:ph type="title"/>
+          </p:nvPr>
+        </p:nvSpPr>
+        <p:spPr>
+          <a:xfrm>
+            <a:off x="838200" y="365125"/>
+            <a:ext cx="10515600" cy="720000"/>
+          </a:xfrm>
+        </p:spPr>
+        <p:txBody>
+          <a:bodyPr>
+            <a:noAutofit/>
+          </a:bodyPr>
+          <a:lstStyle/>
+          <a:p>
+            <a:r>
+              <a:rPr lang="en-US" altLang="zh-TW" sz="3200" dirty="0" err="1"/>
+              <a:t>VGA_BRam</a:t>
+            </a:r>
+            <a:r>
+              <a:rPr lang="zh-TW" altLang="en-US" sz="3200" dirty="0"/>
+              <a:t>的圖形改號誌</a:t>
+            </a:r>
+          </a:p>
+        </p:txBody>
+      </p:sp>
+      <p:sp>
+        <p:nvSpPr>
+          <p:cNvPr id="8" name="文字方塊 7">
+            <a:extLst>
+              <a:ext uri="{FF2B5EF4-FFF2-40B4-BE49-F238E27FC236}">
+                <a16:creationId xmlns:a16="http://schemas.microsoft.com/office/drawing/2014/main" id="{4BA85CC5-34E4-41F1-B7F8-09CEB0CDED2B}"/>
+              </a:ext>
+            </a:extLst>
+          </p:cNvPr>
+          <p:cNvSpPr txBox="1"/>
+          <p:nvPr/>
+        </p:nvSpPr>
+        <p:spPr>
+          <a:xfrm>
+            <a:off x="2022446" y="1472202"/>
+            <a:ext cx="5373306" cy="646331"/>
+          </a:xfrm>
+          <a:prstGeom prst="rect">
+            <a:avLst/>
+          </a:prstGeom>
+          <a:noFill/>
+        </p:spPr>
+        <p:txBody>
+          <a:bodyPr wrap="square">
+            <a:spAutoFit/>
+          </a:bodyPr>
+          <a:lstStyle/>
+          <a:p>
+            <a:r>
+              <a:rPr lang="en-US" altLang="zh-TW" sz="1800" kern="1200" baseline="0" dirty="0" err="1">
+                <a:solidFill>
+                  <a:srgbClr val="000000"/>
+                </a:solidFill>
+                <a:effectLst/>
+                <a:latin typeface="Times New Roman" panose="02020603050405020304" pitchFamily="18" charset="0"/>
+                <a:ea typeface="標楷體" panose="03000509000000000000" pitchFamily="65" charset="-120"/>
+                <a:cs typeface="+mj-cs"/>
+              </a:rPr>
+              <a:t>VGA_Bram</a:t>
+            </a:r>
+            <a:endParaRPr lang="zh-TW" altLang="en-US" dirty="0">
+              <a:latin typeface="標楷體" panose="03000509000000000000" pitchFamily="65" charset="-120"/>
+              <a:ea typeface="標楷體" panose="03000509000000000000" pitchFamily="65" charset="-120"/>
+            </a:endParaRPr>
+          </a:p>
+          <a:p>
+            <a:pPr marL="285750" indent="-285750">
+              <a:buFont typeface="Arial" panose="020B0604020202020204" pitchFamily="34" charset="0"/>
+              <a:buChar char="•"/>
+            </a:pPr>
+            <a:r>
+              <a:rPr lang="en-US" altLang="zh-TW" dirty="0">
+                <a:latin typeface="Times New Roman" panose="02020603050405020304" pitchFamily="18" charset="0"/>
+                <a:ea typeface="標楷體" panose="03000509000000000000" pitchFamily="65" charset="-120"/>
+              </a:rPr>
+              <a:t>QR code</a:t>
+            </a:r>
+            <a:endParaRPr lang="en-US" altLang="zh-TW" dirty="0">
+              <a:latin typeface="標楷體" panose="03000509000000000000" pitchFamily="65" charset="-120"/>
+              <a:ea typeface="標楷體" panose="03000509000000000000" pitchFamily="65" charset="-120"/>
+            </a:endParaRPr>
+          </a:p>
+        </p:txBody>
+      </p:sp>
+      <p:sp>
+        <p:nvSpPr>
+          <p:cNvPr id="9" name="文字方塊 8">
+            <a:extLst>
+              <a:ext uri="{FF2B5EF4-FFF2-40B4-BE49-F238E27FC236}">
+                <a16:creationId xmlns:a16="http://schemas.microsoft.com/office/drawing/2014/main" id="{EB8D24F1-959B-48A6-8E8B-73F5E4AE6FCC}"/>
+              </a:ext>
+            </a:extLst>
+          </p:cNvPr>
+          <p:cNvSpPr txBox="1"/>
+          <p:nvPr/>
+        </p:nvSpPr>
+        <p:spPr>
+          <a:xfrm>
+            <a:off x="5577470" y="5474308"/>
+            <a:ext cx="1171202" cy="369332"/>
+          </a:xfrm>
+          <a:prstGeom prst="rect">
+            <a:avLst/>
+          </a:prstGeom>
+          <a:noFill/>
+        </p:spPr>
+        <p:txBody>
+          <a:bodyPr wrap="square">
+            <a:spAutoFit/>
+          </a:bodyPr>
+          <a:lstStyle/>
+          <a:p>
+            <a:r>
+              <a:rPr lang="zh-TW" altLang="en-US" dirty="0">
+                <a:latin typeface="標楷體" panose="03000509000000000000" pitchFamily="65" charset="-120"/>
+                <a:ea typeface="標楷體" panose="03000509000000000000" pitchFamily="65" charset="-120"/>
+              </a:rPr>
+              <a:t>圖形置中</a:t>
+            </a:r>
+          </a:p>
+        </p:txBody>
+      </p:sp>
+    </p:spTree>
+    <p:extLst>
+      <p:ext uri="{BB962C8B-B14F-4D97-AF65-F5344CB8AC3E}">
+        <p14:creationId xmlns:p14="http://schemas.microsoft.com/office/powerpoint/2010/main" val="2179286972"/>
+      </p:ext>
+    </p:extLst>
+  </p:cSld>
+  <p:clrMapOvr>
+    <a:masterClrMapping/>
+  </p:clrMapOvr>
+</p:sld>
+</file>
+
+<file path=ppt/slides/slide22.xml><?xml version="1.0" encoding="utf-8"?>
+<p:sld xmlns:a="http://schemas.openxmlformats.org/drawingml/2006/main" xmlns:r="http://schemas.openxmlformats.org/officeDocument/2006/relationships" xmlns:p="http://schemas.openxmlformats.org/presentationml/2006/main">
+  <p:cSld>
+    <p:spTree>
+      <p:nvGrpSpPr>
+        <p:cNvPr id="1" name=""/>
+        <p:cNvGrpSpPr/>
+        <p:nvPr/>
+      </p:nvGrpSpPr>
+      <p:grpSpPr>
+        <a:xfrm>
+          <a:off x="0" y="0"/>
+          <a:ext cx="0" cy="0"/>
+          <a:chOff x="0" y="0"/>
+          <a:chExt cx="0" cy="0"/>
+        </a:xfrm>
+      </p:grpSpPr>
+      <p:sp>
+        <p:nvSpPr>
+          <p:cNvPr id="3" name="標題 2"/>
+          <p:cNvSpPr>
+            <a:spLocks noGrp="1"/>
+          </p:cNvSpPr>
+          <p:nvPr>
+            <p:ph type="title"/>
+          </p:nvPr>
+        </p:nvSpPr>
+        <p:spPr>
+          <a:xfrm>
+            <a:off x="838200" y="365125"/>
+            <a:ext cx="10515600" cy="720000"/>
+          </a:xfrm>
+        </p:spPr>
+        <p:txBody>
+          <a:bodyPr>
+            <a:noAutofit/>
+          </a:bodyPr>
+          <a:lstStyle/>
+          <a:p>
+            <a:r>
+              <a:rPr lang="en-US" altLang="zh-TW" sz="3200" dirty="0" err="1"/>
+              <a:t>VGA_pong_Bram</a:t>
+            </a:r>
+            <a:r>
+              <a:rPr lang="en-US" altLang="zh-TW" sz="3200" dirty="0"/>
+              <a:t> - VGA</a:t>
+            </a:r>
+            <a:r>
+              <a:rPr lang="zh-TW" altLang="en-US" sz="3200"/>
+              <a:t>顯示</a:t>
+            </a:r>
+            <a:endParaRPr lang="zh-TW" altLang="en-US" sz="3200" dirty="0"/>
+          </a:p>
+        </p:txBody>
+      </p:sp>
+      <p:sp>
+        <p:nvSpPr>
+          <p:cNvPr id="14" name="文字方塊 13">
+            <a:extLst>
+              <a:ext uri="{FF2B5EF4-FFF2-40B4-BE49-F238E27FC236}">
+                <a16:creationId xmlns:a16="http://schemas.microsoft.com/office/drawing/2014/main" id="{E4E592F9-FC71-4DD1-9118-16844995CC7F}"/>
+              </a:ext>
+            </a:extLst>
+          </p:cNvPr>
+          <p:cNvSpPr txBox="1"/>
+          <p:nvPr/>
+        </p:nvSpPr>
+        <p:spPr>
+          <a:xfrm>
+            <a:off x="2022446" y="1472202"/>
+            <a:ext cx="5373306" cy="923330"/>
+          </a:xfrm>
+          <a:prstGeom prst="rect">
+            <a:avLst/>
+          </a:prstGeom>
+          <a:noFill/>
+        </p:spPr>
+        <p:txBody>
+          <a:bodyPr wrap="square">
+            <a:spAutoFit/>
+          </a:bodyPr>
+          <a:lstStyle/>
+          <a:p>
+            <a:r>
+              <a:rPr lang="en-US" altLang="zh-TW" sz="1800" kern="1200" baseline="0" dirty="0" err="1">
+                <a:solidFill>
+                  <a:srgbClr val="000000"/>
+                </a:solidFill>
+                <a:effectLst/>
+                <a:latin typeface="Times New Roman" panose="02020603050405020304" pitchFamily="18" charset="0"/>
+                <a:ea typeface="標楷體" panose="03000509000000000000" pitchFamily="65" charset="-120"/>
+                <a:cs typeface="+mj-cs"/>
+              </a:rPr>
+              <a:t>VGA_pong</a:t>
+            </a:r>
+            <a:endParaRPr lang="zh-TW" altLang="en-US" dirty="0">
+              <a:latin typeface="標楷體" panose="03000509000000000000" pitchFamily="65" charset="-120"/>
+              <a:ea typeface="標楷體" panose="03000509000000000000" pitchFamily="65" charset="-120"/>
+            </a:endParaRPr>
+          </a:p>
+          <a:p>
+            <a:pPr marL="285750" indent="-285750">
+              <a:buFont typeface="Arial" panose="020B0604020202020204" pitchFamily="34" charset="0"/>
+              <a:buChar char="•"/>
+            </a:pPr>
+            <a:r>
+              <a:rPr lang="zh-TW" altLang="en-US" dirty="0">
+                <a:latin typeface="Times New Roman" panose="02020603050405020304" pitchFamily="18" charset="0"/>
+                <a:ea typeface="標楷體" panose="03000509000000000000" pitchFamily="65" charset="-120"/>
+              </a:rPr>
+              <a:t>學號</a:t>
+            </a:r>
+            <a:endParaRPr lang="en-US" altLang="zh-TW" dirty="0">
+              <a:latin typeface="Times New Roman" panose="02020603050405020304" pitchFamily="18" charset="0"/>
+              <a:ea typeface="標楷體" panose="03000509000000000000" pitchFamily="65" charset="-120"/>
+            </a:endParaRPr>
+          </a:p>
+          <a:p>
+            <a:pPr marL="285750" indent="-285750">
+              <a:buFont typeface="Arial" panose="020B0604020202020204" pitchFamily="34" charset="0"/>
+              <a:buChar char="•"/>
+            </a:pPr>
+            <a:r>
+              <a:rPr lang="zh-TW" altLang="en-US" dirty="0">
+                <a:latin typeface="標楷體" panose="03000509000000000000" pitchFamily="65" charset="-120"/>
+                <a:ea typeface="標楷體" panose="03000509000000000000" pitchFamily="65" charset="-120"/>
+              </a:rPr>
+              <a:t>修補</a:t>
+            </a:r>
+            <a:r>
+              <a:rPr lang="en-US" altLang="zh-TW" dirty="0">
+                <a:latin typeface="Times New Roman" panose="02020603050405020304" pitchFamily="18" charset="0"/>
+                <a:ea typeface="標楷體" panose="03000509000000000000" pitchFamily="65" charset="-120"/>
+              </a:rPr>
+              <a:t>FSM</a:t>
+            </a:r>
+          </a:p>
+        </p:txBody>
+      </p:sp>
+      <p:sp>
+        <p:nvSpPr>
+          <p:cNvPr id="4" name="文字方塊 3">
+            <a:extLst>
+              <a:ext uri="{FF2B5EF4-FFF2-40B4-BE49-F238E27FC236}">
+                <a16:creationId xmlns:a16="http://schemas.microsoft.com/office/drawing/2014/main" id="{CA337AD0-263C-415E-B4F1-4E075D291556}"/>
+              </a:ext>
+            </a:extLst>
+          </p:cNvPr>
+          <p:cNvSpPr txBox="1"/>
+          <p:nvPr/>
+        </p:nvSpPr>
+        <p:spPr>
+          <a:xfrm>
+            <a:off x="5171629" y="5352421"/>
+            <a:ext cx="1848742" cy="369332"/>
+          </a:xfrm>
+          <a:prstGeom prst="rect">
+            <a:avLst/>
+          </a:prstGeom>
+          <a:noFill/>
+        </p:spPr>
+        <p:txBody>
+          <a:bodyPr wrap="square">
+            <a:spAutoFit/>
+          </a:bodyPr>
+          <a:lstStyle/>
+          <a:p>
+            <a:r>
+              <a:rPr lang="zh-TW" altLang="en-US" dirty="0">
+                <a:latin typeface="標楷體" panose="03000509000000000000" pitchFamily="65" charset="-120"/>
+                <a:ea typeface="標楷體" panose="03000509000000000000" pitchFamily="65" charset="-120"/>
+              </a:rPr>
+              <a:t>漏接</a:t>
+            </a:r>
+            <a:r>
+              <a:rPr lang="en-US" altLang="zh-TW" dirty="0">
+                <a:latin typeface="標楷體" panose="03000509000000000000" pitchFamily="65" charset="-120"/>
+                <a:ea typeface="標楷體" panose="03000509000000000000" pitchFamily="65" charset="-120"/>
+              </a:rPr>
+              <a:t>&amp;</a:t>
+            </a:r>
+            <a:r>
+              <a:rPr lang="zh-TW" altLang="en-US" dirty="0">
+                <a:latin typeface="標楷體" panose="03000509000000000000" pitchFamily="65" charset="-120"/>
+                <a:ea typeface="標楷體" panose="03000509000000000000" pitchFamily="65" charset="-120"/>
+              </a:rPr>
+              <a:t>發球置右</a:t>
+            </a:r>
+          </a:p>
+        </p:txBody>
+      </p:sp>
+    </p:spTree>
+    <p:extLst>
+      <p:ext uri="{BB962C8B-B14F-4D97-AF65-F5344CB8AC3E}">
+        <p14:creationId xmlns:p14="http://schemas.microsoft.com/office/powerpoint/2010/main" val="2304594691"/>
+      </p:ext>
+    </p:extLst>
+  </p:cSld>
+  <p:clrMapOvr>
+    <a:masterClrMapping/>
+  </p:clrMapOvr>
+</p:sld>
+</file>
+
+<file path=ppt/slides/slide23.xml><?xml version="1.0" encoding="utf-8"?>
+<p:sld xmlns:a="http://schemas.openxmlformats.org/drawingml/2006/main" xmlns:r="http://schemas.openxmlformats.org/officeDocument/2006/relationships" xmlns:p="http://schemas.openxmlformats.org/presentationml/2006/main">
+  <p:cSld>
+    <p:spTree>
+      <p:nvGrpSpPr>
+        <p:cNvPr id="1" name=""/>
+        <p:cNvGrpSpPr/>
+        <p:nvPr/>
+      </p:nvGrpSpPr>
+      <p:grpSpPr>
+        <a:xfrm>
+          <a:off x="0" y="0"/>
+          <a:ext cx="0" cy="0"/>
+          <a:chOff x="0" y="0"/>
+          <a:chExt cx="0" cy="0"/>
+        </a:xfrm>
+      </p:grpSpPr>
+      <p:sp>
+        <p:nvSpPr>
+          <p:cNvPr id="2" name="內容版面配置區 1"/>
+          <p:cNvSpPr>
+            <a:spLocks noGrp="1"/>
+          </p:cNvSpPr>
+          <p:nvPr>
+            <p:ph idx="1"/>
+          </p:nvPr>
+        </p:nvSpPr>
+        <p:spPr/>
+        <p:txBody>
+          <a:bodyPr>
+            <a:normAutofit/>
+          </a:bodyPr>
+          <a:lstStyle/>
+          <a:p>
+            <a:pPr marL="914400" lvl="3" indent="0">
+              <a:buNone/>
+            </a:pPr>
+            <a:endParaRPr lang="en-US" altLang="zh-TW" sz="1800" dirty="0"/>
+          </a:p>
+          <a:p>
+            <a:pPr marL="914400" lvl="3" indent="0">
+              <a:buNone/>
+            </a:pPr>
+            <a:endParaRPr lang="en-US" altLang="zh-TW" sz="1800" dirty="0"/>
+          </a:p>
+          <a:p>
+            <a:pPr marL="999000" lvl="2" indent="0">
+              <a:buNone/>
+            </a:pPr>
+            <a:r>
+              <a:rPr lang="zh-TW" altLang="en-US" sz="1800" b="1" dirty="0">
+                <a:latin typeface="標楷體" panose="03000509000000000000" pitchFamily="65" charset="-120"/>
+              </a:rPr>
+              <a:t>五月：</a:t>
+            </a:r>
+            <a:endParaRPr lang="en-US" altLang="zh-TW" sz="1800" b="1" dirty="0">
+              <a:latin typeface="標楷體" panose="03000509000000000000" pitchFamily="65" charset="-120"/>
+            </a:endParaRPr>
+          </a:p>
+          <a:p>
+            <a:pPr marL="1058400" lvl="3" indent="-144000"/>
+            <a:r>
+              <a:rPr lang="en-US" altLang="zh-TW" sz="1800" b="1" dirty="0">
+                <a:latin typeface="標楷體" panose="03000509000000000000" pitchFamily="65" charset="-120"/>
+              </a:rPr>
+              <a:t>2023/5/25-2023/6/06</a:t>
+            </a:r>
+            <a:r>
+              <a:rPr lang="zh-TW" altLang="en-US" sz="1800" b="1" dirty="0">
+                <a:latin typeface="標楷體" panose="03000509000000000000" pitchFamily="65" charset="-120"/>
+              </a:rPr>
+              <a:t>：</a:t>
+            </a:r>
+            <a:endParaRPr lang="en-US" altLang="zh-TW" sz="1800" b="1" dirty="0">
+              <a:latin typeface="標楷體" panose="03000509000000000000" pitchFamily="65" charset="-120"/>
+            </a:endParaRPr>
+          </a:p>
+          <a:p>
+            <a:pPr marL="1058400" lvl="3" indent="-144000"/>
+            <a:r>
+              <a:rPr lang="zh-TW" altLang="en-US" sz="1800" dirty="0"/>
+              <a:t>  顯示數字並在</a:t>
+            </a:r>
+            <a:r>
+              <a:rPr lang="en-US" altLang="zh-TW" sz="1800" dirty="0"/>
+              <a:t>VGA</a:t>
+            </a:r>
+            <a:r>
+              <a:rPr lang="zh-TW" altLang="en-US" sz="1800" dirty="0"/>
+              <a:t>畫面計分</a:t>
+            </a:r>
+          </a:p>
+        </p:txBody>
+      </p:sp>
+      <p:sp>
+        <p:nvSpPr>
+          <p:cNvPr id="3" name="標題 2"/>
+          <p:cNvSpPr>
+            <a:spLocks noGrp="1"/>
+          </p:cNvSpPr>
+          <p:nvPr>
+            <p:ph type="title"/>
+          </p:nvPr>
+        </p:nvSpPr>
+        <p:spPr>
+          <a:xfrm>
+            <a:off x="838200" y="329615"/>
+            <a:ext cx="10515600" cy="720000"/>
+          </a:xfrm>
+        </p:spPr>
+        <p:txBody>
+          <a:bodyPr/>
+          <a:lstStyle/>
+          <a:p>
+            <a:r>
+              <a:rPr lang="zh-TW" altLang="en-US" dirty="0"/>
+              <a:t>預期進度</a:t>
+            </a:r>
+          </a:p>
+        </p:txBody>
+      </p:sp>
+    </p:spTree>
+    <p:extLst>
+      <p:ext uri="{BB962C8B-B14F-4D97-AF65-F5344CB8AC3E}">
+        <p14:creationId xmlns:p14="http://schemas.microsoft.com/office/powerpoint/2010/main" val="3913257163"/>
+      </p:ext>
+    </p:extLst>
+  </p:cSld>
+  <p:clrMapOvr>
+    <a:masterClrMapping/>
+  </p:clrMapOvr>
+</p:sld>
+</file>
+
+<file path=ppt/slides/slide24.xml><?xml version="1.0" encoding="utf-8"?>
+<p:sld xmlns:a="http://schemas.openxmlformats.org/drawingml/2006/main" xmlns:r="http://schemas.openxmlformats.org/officeDocument/2006/relationships" xmlns:p="http://schemas.openxmlformats.org/presentationml/2006/main">
+  <p:cSld>
+    <p:spTree>
+      <p:nvGrpSpPr>
+        <p:cNvPr id="1" name=""/>
+        <p:cNvGrpSpPr/>
+        <p:nvPr/>
+      </p:nvGrpSpPr>
+      <p:grpSpPr>
+        <a:xfrm>
+          <a:off x="0" y="0"/>
+          <a:ext cx="0" cy="0"/>
+          <a:chOff x="0" y="0"/>
+          <a:chExt cx="0" cy="0"/>
+        </a:xfrm>
+      </p:grpSpPr>
+      <p:sp>
+        <p:nvSpPr>
+          <p:cNvPr id="4" name="內容版面配置區 1">
+            <a:extLst>
+              <a:ext uri="{FF2B5EF4-FFF2-40B4-BE49-F238E27FC236}">
+                <a16:creationId xmlns:a16="http://schemas.microsoft.com/office/drawing/2014/main" id="{4A1B0F57-0982-4059-B5C8-3E99E47EBA65}"/>
+              </a:ext>
+            </a:extLst>
+          </p:cNvPr>
+          <p:cNvSpPr txBox="1">
+            <a:spLocks/>
+          </p:cNvSpPr>
+          <p:nvPr/>
+        </p:nvSpPr>
+        <p:spPr>
+          <a:xfrm>
+            <a:off x="2230686" y="1967315"/>
+            <a:ext cx="9283652" cy="3278477"/>
+          </a:xfrm>
+          <a:prstGeom prst="rect">
+            <a:avLst/>
+          </a:prstGeom>
+        </p:spPr>
+        <p:txBody>
+          <a:bodyPr vert="horz" lIns="91440" tIns="45720" rIns="91440" bIns="45720" numCol="2" rtlCol="0">
+            <a:normAutofit/>
+          </a:bodyPr>
+          <a:lstStyle>
+            <a:lvl1pPr marL="144000" indent="-144000" algn="l" defTabSz="914400" rtl="0" eaLnBrk="1" latinLnBrk="0" hangingPunct="0">
+              <a:lnSpc>
+                <a:spcPct val="90000"/>
+              </a:lnSpc>
+              <a:spcBef>
+                <a:spcPts val="300"/>
+              </a:spcBef>
+              <a:buFont typeface="Arial" panose="020B0604020202020204" pitchFamily="34" charset="0"/>
+              <a:buChar char="•"/>
+              <a:defRPr sz="1600" kern="1200" baseline="0">
+                <a:solidFill>
+                  <a:schemeClr val="tx1"/>
+                </a:solidFill>
+                <a:latin typeface="Times New Roman" panose="02020603050405020304" pitchFamily="18" charset="0"/>
+                <a:ea typeface="標楷體" panose="03000509000000000000" pitchFamily="65" charset="-120"/>
+                <a:cs typeface="+mn-cs"/>
+              </a:defRPr>
+            </a:lvl1pPr>
+            <a:lvl2pPr marL="685800" indent="-228600" algn="l" defTabSz="914400" rtl="0" eaLnBrk="1" latinLnBrk="0" hangingPunct="0">
+              <a:lnSpc>
+                <a:spcPct val="90000"/>
+              </a:lnSpc>
+              <a:spcBef>
+                <a:spcPts val="300"/>
+              </a:spcBef>
+              <a:buFont typeface="Arial" panose="020B0604020202020204" pitchFamily="34" charset="0"/>
+              <a:buChar char="•"/>
+              <a:defRPr sz="1600" kern="1200" baseline="0">
+                <a:solidFill>
+                  <a:schemeClr val="tx1"/>
+                </a:solidFill>
+                <a:latin typeface="Times New Roman" panose="02020603050405020304" pitchFamily="18" charset="0"/>
+                <a:ea typeface="標楷體" panose="03000509000000000000" pitchFamily="65" charset="-120"/>
+                <a:cs typeface="+mn-cs"/>
+              </a:defRPr>
+            </a:lvl2pPr>
+            <a:lvl3pPr marL="1143000" indent="-228600" algn="l" defTabSz="914400" rtl="0" eaLnBrk="1" latinLnBrk="0" hangingPunct="0">
+              <a:lnSpc>
+                <a:spcPct val="90000"/>
+              </a:lnSpc>
+              <a:spcBef>
+                <a:spcPts val="300"/>
+              </a:spcBef>
+              <a:buFont typeface="Arial" panose="020B0604020202020204" pitchFamily="34" charset="0"/>
+              <a:buChar char="•"/>
+              <a:defRPr sz="1600" kern="1200" baseline="0">
+                <a:solidFill>
+                  <a:schemeClr val="tx1"/>
+                </a:solidFill>
+                <a:latin typeface="Times New Roman" panose="02020603050405020304" pitchFamily="18" charset="0"/>
+                <a:ea typeface="標楷體" panose="03000509000000000000" pitchFamily="65" charset="-120"/>
+                <a:cs typeface="+mn-cs"/>
+              </a:defRPr>
+            </a:lvl3pPr>
+            <a:lvl4pPr marL="1600200" indent="-228600" algn="l" defTabSz="914400" rtl="0" eaLnBrk="1" latinLnBrk="0" hangingPunct="0">
+              <a:lnSpc>
+                <a:spcPct val="90000"/>
+              </a:lnSpc>
+              <a:spcBef>
+                <a:spcPts val="300"/>
+              </a:spcBef>
+              <a:buFont typeface="Arial" panose="020B0604020202020204" pitchFamily="34" charset="0"/>
+              <a:buChar char="•"/>
+              <a:defRPr sz="1600" kern="1200" baseline="0">
+                <a:solidFill>
+                  <a:schemeClr val="tx1"/>
+                </a:solidFill>
+                <a:latin typeface="Times New Roman" panose="02020603050405020304" pitchFamily="18" charset="0"/>
+                <a:ea typeface="標楷體" panose="03000509000000000000" pitchFamily="65" charset="-120"/>
+                <a:cs typeface="+mn-cs"/>
+              </a:defRPr>
+            </a:lvl4pPr>
+            <a:lvl5pPr marL="2057400" indent="-228600" algn="l" defTabSz="914400" rtl="0" eaLnBrk="1" latinLnBrk="0" hangingPunct="0">
+              <a:lnSpc>
+                <a:spcPct val="90000"/>
+              </a:lnSpc>
+              <a:spcBef>
+                <a:spcPts val="300"/>
+              </a:spcBef>
+              <a:buFont typeface="Arial" panose="020B0604020202020204" pitchFamily="34" charset="0"/>
+              <a:buChar char="•"/>
+              <a:defRPr sz="1600" kern="1200" baseline="0">
+                <a:solidFill>
+                  <a:schemeClr val="tx1"/>
+                </a:solidFill>
+                <a:latin typeface="Times New Roman" panose="02020603050405020304" pitchFamily="18" charset="0"/>
+                <a:ea typeface="標楷體" panose="03000509000000000000" pitchFamily="65" charset="-120"/>
+                <a:cs typeface="+mn-cs"/>
+              </a:defRPr>
+            </a:lvl5pPr>
+            <a:lvl6pPr marL="2514600" indent="-228600" algn="l" defTabSz="914400" rtl="0" eaLnBrk="1" latinLnBrk="0" hangingPunct="1">
+              <a:lnSpc>
+                <a:spcPct val="90000"/>
+              </a:lnSpc>
+              <a:spcBef>
+                <a:spcPts val="500"/>
+              </a:spcBef>
+              <a:buFont typeface="Arial" panose="020B0604020202020204" pitchFamily="34" charset="0"/>
+              <a:buChar char="•"/>
+              <a:defRPr sz="1800" kern="1200">
+                <a:solidFill>
+                  <a:schemeClr val="tx1"/>
+                </a:solidFill>
+                <a:latin typeface="+mn-lt"/>
+                <a:ea typeface="+mn-ea"/>
+                <a:cs typeface="+mn-cs"/>
+              </a:defRPr>
+            </a:lvl6pPr>
+            <a:lvl7pPr marL="2971800" indent="-228600" algn="l" defTabSz="914400" rtl="0" eaLnBrk="1" latinLnBrk="0" hangingPunct="1">
+              <a:lnSpc>
+                <a:spcPct val="90000"/>
+              </a:lnSpc>
+              <a:spcBef>
+                <a:spcPts val="500"/>
+              </a:spcBef>
+              <a:buFont typeface="Arial" panose="020B0604020202020204" pitchFamily="34" charset="0"/>
+              <a:buChar char="•"/>
+              <a:defRPr sz="1800" kern="1200">
+                <a:solidFill>
+                  <a:schemeClr val="tx1"/>
+                </a:solidFill>
+                <a:latin typeface="+mn-lt"/>
+                <a:ea typeface="+mn-ea"/>
+                <a:cs typeface="+mn-cs"/>
+              </a:defRPr>
+            </a:lvl7pPr>
+            <a:lvl8pPr marL="3429000" indent="-228600" algn="l" defTabSz="914400" rtl="0" eaLnBrk="1" latinLnBrk="0" hangingPunct="1">
+              <a:lnSpc>
+                <a:spcPct val="90000"/>
+              </a:lnSpc>
+              <a:spcBef>
+                <a:spcPts val="500"/>
+              </a:spcBef>
+              <a:buFont typeface="Arial" panose="020B0604020202020204" pitchFamily="34" charset="0"/>
+              <a:buChar char="•"/>
+              <a:defRPr sz="1800" kern="1200">
+                <a:solidFill>
+                  <a:schemeClr val="tx1"/>
+                </a:solidFill>
+                <a:latin typeface="+mn-lt"/>
+                <a:ea typeface="+mn-ea"/>
+                <a:cs typeface="+mn-cs"/>
+              </a:defRPr>
+            </a:lvl8pPr>
+            <a:lvl9pPr marL="3886200" indent="-228600" algn="l" defTabSz="914400" rtl="0" eaLnBrk="1" latinLnBrk="0" hangingPunct="1">
+              <a:lnSpc>
+                <a:spcPct val="90000"/>
+              </a:lnSpc>
+              <a:spcBef>
+                <a:spcPts val="500"/>
+              </a:spcBef>
+              <a:buFont typeface="Arial" panose="020B0604020202020204" pitchFamily="34" charset="0"/>
+              <a:buChar char="•"/>
+              <a:defRPr sz="1800" kern="1200">
+                <a:solidFill>
+                  <a:schemeClr val="tx1"/>
+                </a:solidFill>
+                <a:latin typeface="+mn-lt"/>
+                <a:ea typeface="+mn-ea"/>
+                <a:cs typeface="+mn-cs"/>
+              </a:defRPr>
+            </a:lvl9pPr>
+          </a:lstStyle>
+          <a:p>
+            <a:pPr marL="285750" lvl="1" indent="-285750"/>
+            <a:r>
               <a:rPr lang="en-US" altLang="zh-TW" sz="1800" dirty="0">
                 <a:ea typeface="Tahoma" panose="020B0604030504040204" pitchFamily="34" charset="0"/>
               </a:rPr>
@@ -9595,7 +10724,7 @@
 </p:sld>
 </file>
 
-<file path=ppt/slides/slide22.xml><?xml version="1.0" encoding="utf-8"?>
+<file path=ppt/slides/slide25.xml><?xml version="1.0" encoding="utf-8"?>
 <p:sld xmlns:a="http://schemas.openxmlformats.org/drawingml/2006/main" xmlns:r="http://schemas.openxmlformats.org/officeDocument/2006/relationships" xmlns:p="http://schemas.openxmlformats.org/presentationml/2006/main">
   <p:cSld>
     <p:spTree>
@@ -9864,7 +10993,7 @@
 </p:sld>
 </file>
 
-<file path=ppt/slides/slide23.xml><?xml version="1.0" encoding="utf-8"?>
+<file path=ppt/slides/slide26.xml><?xml version="1.0" encoding="utf-8"?>
 <p:sld xmlns:a="http://schemas.openxmlformats.org/drawingml/2006/main" xmlns:r="http://schemas.openxmlformats.org/officeDocument/2006/relationships" xmlns:p="http://schemas.openxmlformats.org/presentationml/2006/main">
   <p:cSld>
     <p:spTree>
@@ -10209,7 +11338,7 @@
 </p:sld>
 </file>
 
-<file path=ppt/slides/slide24.xml><?xml version="1.0" encoding="utf-8"?>
+<file path=ppt/slides/slide27.xml><?xml version="1.0" encoding="utf-8"?>
 <p:sld xmlns:a="http://schemas.openxmlformats.org/drawingml/2006/main" xmlns:r="http://schemas.openxmlformats.org/officeDocument/2006/relationships" xmlns:p="http://schemas.openxmlformats.org/presentationml/2006/main">
   <p:cSld>
     <p:spTree>
@@ -10715,513 +11844,6 @@
 </p:sld>
 </file>
 
-<file path=ppt/slides/slide25.xml><?xml version="1.0" encoding="utf-8"?>
-<p:sld xmlns:a="http://schemas.openxmlformats.org/drawingml/2006/main" xmlns:r="http://schemas.openxmlformats.org/officeDocument/2006/relationships" xmlns:p="http://schemas.openxmlformats.org/presentationml/2006/main">
-  <p:cSld>
-    <p:spTree>
-      <p:nvGrpSpPr>
-        <p:cNvPr id="1" name=""/>
-        <p:cNvGrpSpPr/>
-        <p:nvPr/>
-      </p:nvGrpSpPr>
-      <p:grpSpPr>
-        <a:xfrm>
-          <a:off x="0" y="0"/>
-          <a:ext cx="0" cy="0"/>
-          <a:chOff x="0" y="0"/>
-          <a:chExt cx="0" cy="0"/>
-        </a:xfrm>
-      </p:grpSpPr>
-      <p:sp>
-        <p:nvSpPr>
-          <p:cNvPr id="3" name="標題 2"/>
-          <p:cNvSpPr>
-            <a:spLocks noGrp="1"/>
-          </p:cNvSpPr>
-          <p:nvPr>
-            <p:ph type="title"/>
-          </p:nvPr>
-        </p:nvSpPr>
-        <p:spPr>
-          <a:xfrm>
-            <a:off x="838200" y="365125"/>
-            <a:ext cx="10515600" cy="720000"/>
-          </a:xfrm>
-        </p:spPr>
-        <p:txBody>
-          <a:bodyPr>
-            <a:noAutofit/>
-          </a:bodyPr>
-          <a:lstStyle/>
-          <a:p>
-            <a:r>
-              <a:rPr lang="zh-TW" altLang="en-US" sz="3200" dirty="0"/>
-              <a:t>成果展示 </a:t>
-            </a:r>
-            <a:r>
-              <a:rPr lang="en-US" altLang="zh-TW" sz="3200" dirty="0"/>
-              <a:t>–</a:t>
-            </a:r>
-            <a:r>
-              <a:rPr lang="zh-TW" altLang="en-US" sz="3200" dirty="0">
-                <a:latin typeface="標楷體" panose="03000509000000000000" pitchFamily="65" charset="-120"/>
-              </a:rPr>
-              <a:t>單元測試</a:t>
-            </a:r>
-            <a:r>
-              <a:rPr lang="en-US" altLang="zh-TW" sz="3200" dirty="0">
-                <a:latin typeface="標楷體" panose="03000509000000000000" pitchFamily="65" charset="-120"/>
-              </a:rPr>
-              <a:t>:</a:t>
-            </a:r>
-            <a:r>
-              <a:rPr lang="zh-TW" altLang="en-US" sz="3200" dirty="0"/>
-              <a:t>字母、號碼</a:t>
-            </a:r>
-            <a:r>
-              <a:rPr lang="en-US" altLang="zh-TW" sz="3200" dirty="0"/>
-              <a:t>(2023/5/7)</a:t>
-            </a:r>
-            <a:endParaRPr lang="zh-TW" altLang="en-US" sz="3200" dirty="0"/>
-          </a:p>
-        </p:txBody>
-      </p:sp>
-      <p:sp>
-        <p:nvSpPr>
-          <p:cNvPr id="14" name="文字方塊 13">
-            <a:extLst>
-              <a:ext uri="{FF2B5EF4-FFF2-40B4-BE49-F238E27FC236}">
-                <a16:creationId xmlns:a16="http://schemas.microsoft.com/office/drawing/2014/main" id="{E4E592F9-FC71-4DD1-9118-16844995CC7F}"/>
-              </a:ext>
-            </a:extLst>
-          </p:cNvPr>
-          <p:cNvSpPr txBox="1"/>
-          <p:nvPr/>
-        </p:nvSpPr>
-        <p:spPr>
-          <a:xfrm>
-            <a:off x="2022446" y="1472203"/>
-            <a:ext cx="5373306" cy="646331"/>
-          </a:xfrm>
-          <a:prstGeom prst="rect">
-            <a:avLst/>
-          </a:prstGeom>
-          <a:noFill/>
-        </p:spPr>
-        <p:txBody>
-          <a:bodyPr wrap="square">
-            <a:spAutoFit/>
-          </a:bodyPr>
-          <a:lstStyle/>
-          <a:p>
-            <a:pPr marL="285750" indent="-285750">
-              <a:buFont typeface="Arial" panose="020B0604020202020204" pitchFamily="34" charset="0"/>
-              <a:buChar char="•"/>
-            </a:pPr>
-            <a:r>
-              <a:rPr lang="zh-TW" altLang="en-US" dirty="0">
-                <a:latin typeface="標楷體" panose="03000509000000000000" pitchFamily="65" charset="-120"/>
-                <a:ea typeface="標楷體" panose="03000509000000000000" pitchFamily="65" charset="-120"/>
-              </a:rPr>
-              <a:t>圖案比例</a:t>
-            </a:r>
-            <a:r>
-              <a:rPr lang="en-US" altLang="zh-TW" dirty="0">
-                <a:latin typeface="標楷體" panose="03000509000000000000" pitchFamily="65" charset="-120"/>
-                <a:ea typeface="標楷體" panose="03000509000000000000" pitchFamily="65" charset="-120"/>
-              </a:rPr>
-              <a:t>: </a:t>
-            </a:r>
-          </a:p>
-          <a:p>
-            <a:pPr marL="742950" lvl="1" indent="-285750">
-              <a:buFont typeface="Arial" panose="020B0604020202020204" pitchFamily="34" charset="0"/>
-              <a:buChar char="•"/>
-            </a:pPr>
-            <a:r>
-              <a:rPr lang="zh-TW" altLang="en-US" dirty="0">
-                <a:latin typeface="標楷體" panose="03000509000000000000" pitchFamily="65" charset="-120"/>
-                <a:ea typeface="標楷體" panose="03000509000000000000" pitchFamily="65" charset="-120"/>
-              </a:rPr>
-              <a:t>學號</a:t>
-            </a:r>
-            <a:r>
-              <a:rPr lang="en-US" altLang="zh-TW" dirty="0">
-                <a:latin typeface="標楷體" panose="03000509000000000000" pitchFamily="65" charset="-120"/>
-                <a:ea typeface="標楷體" panose="03000509000000000000" pitchFamily="65" charset="-120"/>
-              </a:rPr>
-              <a:t>: 140x38 (8bits)</a:t>
-            </a:r>
-            <a:endParaRPr lang="zh-TW" altLang="en-US" dirty="0">
-              <a:latin typeface="標楷體" panose="03000509000000000000" pitchFamily="65" charset="-120"/>
-              <a:ea typeface="標楷體" panose="03000509000000000000" pitchFamily="65" charset="-120"/>
-            </a:endParaRPr>
-          </a:p>
-        </p:txBody>
-      </p:sp>
-      <p:sp>
-        <p:nvSpPr>
-          <p:cNvPr id="4" name="文字方塊 3">
-            <a:extLst>
-              <a:ext uri="{FF2B5EF4-FFF2-40B4-BE49-F238E27FC236}">
-                <a16:creationId xmlns:a16="http://schemas.microsoft.com/office/drawing/2014/main" id="{ED2814D5-88C3-433F-99B6-BECD9FEA1494}"/>
-              </a:ext>
-            </a:extLst>
-          </p:cNvPr>
-          <p:cNvSpPr txBox="1"/>
-          <p:nvPr/>
-        </p:nvSpPr>
-        <p:spPr>
-          <a:xfrm>
-            <a:off x="5772014" y="5669617"/>
-            <a:ext cx="647972" cy="369332"/>
-          </a:xfrm>
-          <a:prstGeom prst="rect">
-            <a:avLst/>
-          </a:prstGeom>
-          <a:noFill/>
-        </p:spPr>
-        <p:txBody>
-          <a:bodyPr wrap="square">
-            <a:spAutoFit/>
-          </a:bodyPr>
-          <a:lstStyle/>
-          <a:p>
-            <a:r>
-              <a:rPr lang="zh-TW" altLang="en-US" dirty="0">
-                <a:latin typeface="標楷體" panose="03000509000000000000" pitchFamily="65" charset="-120"/>
-                <a:ea typeface="標楷體" panose="03000509000000000000" pitchFamily="65" charset="-120"/>
-              </a:rPr>
-              <a:t>學號</a:t>
-            </a:r>
-          </a:p>
-        </p:txBody>
-      </p:sp>
-    </p:spTree>
-    <p:extLst>
-      <p:ext uri="{BB962C8B-B14F-4D97-AF65-F5344CB8AC3E}">
-        <p14:creationId xmlns:p14="http://schemas.microsoft.com/office/powerpoint/2010/main" val="2902632193"/>
-      </p:ext>
-    </p:extLst>
-  </p:cSld>
-  <p:clrMapOvr>
-    <a:masterClrMapping/>
-  </p:clrMapOvr>
-</p:sld>
-</file>
-
-<file path=ppt/slides/slide26.xml><?xml version="1.0" encoding="utf-8"?>
-<p:sld xmlns:a="http://schemas.openxmlformats.org/drawingml/2006/main" xmlns:r="http://schemas.openxmlformats.org/officeDocument/2006/relationships" xmlns:p="http://schemas.openxmlformats.org/presentationml/2006/main">
-  <p:cSld>
-    <p:spTree>
-      <p:nvGrpSpPr>
-        <p:cNvPr id="1" name=""/>
-        <p:cNvGrpSpPr/>
-        <p:nvPr/>
-      </p:nvGrpSpPr>
-      <p:grpSpPr>
-        <a:xfrm>
-          <a:off x="0" y="0"/>
-          <a:ext cx="0" cy="0"/>
-          <a:chOff x="0" y="0"/>
-          <a:chExt cx="0" cy="0"/>
-        </a:xfrm>
-      </p:grpSpPr>
-      <p:sp>
-        <p:nvSpPr>
-          <p:cNvPr id="3" name="標題 2"/>
-          <p:cNvSpPr>
-            <a:spLocks noGrp="1"/>
-          </p:cNvSpPr>
-          <p:nvPr>
-            <p:ph type="title"/>
-          </p:nvPr>
-        </p:nvSpPr>
-        <p:spPr>
-          <a:xfrm>
-            <a:off x="838200" y="365125"/>
-            <a:ext cx="10515600" cy="720000"/>
-          </a:xfrm>
-        </p:spPr>
-        <p:txBody>
-          <a:bodyPr>
-            <a:noAutofit/>
-          </a:bodyPr>
-          <a:lstStyle/>
-          <a:p>
-            <a:r>
-              <a:rPr lang="zh-TW" altLang="en-US" sz="3200" dirty="0"/>
-              <a:t>成果展示 </a:t>
-            </a:r>
-            <a:r>
-              <a:rPr lang="en-US" altLang="zh-TW" sz="3200" dirty="0"/>
-              <a:t>–</a:t>
-            </a:r>
-            <a:r>
-              <a:rPr lang="zh-TW" altLang="en-US" sz="3200" dirty="0"/>
-              <a:t> </a:t>
-            </a:r>
-            <a:r>
-              <a:rPr lang="en-US" altLang="zh-TW" sz="3200" dirty="0" err="1"/>
-              <a:t>VGA_pong_BRam</a:t>
-            </a:r>
-            <a:r>
-              <a:rPr lang="en-US" altLang="zh-TW" sz="3200" dirty="0"/>
-              <a:t>(2023/5/7)</a:t>
-            </a:r>
-            <a:endParaRPr lang="zh-TW" altLang="en-US" sz="3200" dirty="0"/>
-          </a:p>
-        </p:txBody>
-      </p:sp>
-      <p:sp>
-        <p:nvSpPr>
-          <p:cNvPr id="14" name="文字方塊 13">
-            <a:extLst>
-              <a:ext uri="{FF2B5EF4-FFF2-40B4-BE49-F238E27FC236}">
-                <a16:creationId xmlns:a16="http://schemas.microsoft.com/office/drawing/2014/main" id="{E4E592F9-FC71-4DD1-9118-16844995CC7F}"/>
-              </a:ext>
-            </a:extLst>
-          </p:cNvPr>
-          <p:cNvSpPr txBox="1"/>
-          <p:nvPr/>
-        </p:nvSpPr>
-        <p:spPr>
-          <a:xfrm>
-            <a:off x="2022446" y="1472202"/>
-            <a:ext cx="5373306" cy="646331"/>
-          </a:xfrm>
-          <a:prstGeom prst="rect">
-            <a:avLst/>
-          </a:prstGeom>
-          <a:noFill/>
-        </p:spPr>
-        <p:txBody>
-          <a:bodyPr wrap="square">
-            <a:spAutoFit/>
-          </a:bodyPr>
-          <a:lstStyle/>
-          <a:p>
-            <a:r>
-              <a:rPr lang="en-US" altLang="zh-TW" sz="1800" kern="1200" baseline="0" dirty="0" err="1">
-                <a:solidFill>
-                  <a:srgbClr val="000000"/>
-                </a:solidFill>
-                <a:effectLst/>
-                <a:latin typeface="Times New Roman" panose="02020603050405020304" pitchFamily="18" charset="0"/>
-                <a:ea typeface="標楷體" panose="03000509000000000000" pitchFamily="65" charset="-120"/>
-                <a:cs typeface="+mj-cs"/>
-              </a:rPr>
-              <a:t>VGA_pong</a:t>
-            </a:r>
-            <a:endParaRPr lang="zh-TW" altLang="en-US" dirty="0">
-              <a:latin typeface="標楷體" panose="03000509000000000000" pitchFamily="65" charset="-120"/>
-              <a:ea typeface="標楷體" panose="03000509000000000000" pitchFamily="65" charset="-120"/>
-            </a:endParaRPr>
-          </a:p>
-          <a:p>
-            <a:pPr marL="285750" indent="-285750">
-              <a:buFont typeface="Arial" panose="020B0604020202020204" pitchFamily="34" charset="0"/>
-              <a:buChar char="•"/>
-            </a:pPr>
-            <a:r>
-              <a:rPr lang="zh-TW" altLang="en-US" dirty="0">
-                <a:latin typeface="Times New Roman" panose="02020603050405020304" pitchFamily="18" charset="0"/>
-                <a:ea typeface="標楷體" panose="03000509000000000000" pitchFamily="65" charset="-120"/>
-              </a:rPr>
-              <a:t>學號</a:t>
-            </a:r>
-            <a:endParaRPr lang="en-US" altLang="zh-TW" dirty="0">
-              <a:latin typeface="標楷體" panose="03000509000000000000" pitchFamily="65" charset="-120"/>
-              <a:ea typeface="標楷體" panose="03000509000000000000" pitchFamily="65" charset="-120"/>
-            </a:endParaRPr>
-          </a:p>
-        </p:txBody>
-      </p:sp>
-      <p:sp>
-        <p:nvSpPr>
-          <p:cNvPr id="5" name="文字方塊 4">
-            <a:extLst>
-              <a:ext uri="{FF2B5EF4-FFF2-40B4-BE49-F238E27FC236}">
-                <a16:creationId xmlns:a16="http://schemas.microsoft.com/office/drawing/2014/main" id="{7D31011E-9A66-434B-9EC7-95F8A4A33AA8}"/>
-              </a:ext>
-            </a:extLst>
-          </p:cNvPr>
-          <p:cNvSpPr txBox="1"/>
-          <p:nvPr/>
-        </p:nvSpPr>
-        <p:spPr>
-          <a:xfrm>
-            <a:off x="5510399" y="5554207"/>
-            <a:ext cx="1171202" cy="369332"/>
-          </a:xfrm>
-          <a:prstGeom prst="rect">
-            <a:avLst/>
-          </a:prstGeom>
-          <a:noFill/>
-        </p:spPr>
-        <p:txBody>
-          <a:bodyPr wrap="square">
-            <a:spAutoFit/>
-          </a:bodyPr>
-          <a:lstStyle/>
-          <a:p>
-            <a:r>
-              <a:rPr lang="zh-TW" altLang="en-US" dirty="0">
-                <a:latin typeface="標楷體" panose="03000509000000000000" pitchFamily="65" charset="-120"/>
-                <a:ea typeface="標楷體" panose="03000509000000000000" pitchFamily="65" charset="-120"/>
-              </a:rPr>
-              <a:t>來回接球</a:t>
-            </a:r>
-          </a:p>
-        </p:txBody>
-      </p:sp>
-    </p:spTree>
-    <p:extLst>
-      <p:ext uri="{BB962C8B-B14F-4D97-AF65-F5344CB8AC3E}">
-        <p14:creationId xmlns:p14="http://schemas.microsoft.com/office/powerpoint/2010/main" val="3698673102"/>
-      </p:ext>
-    </p:extLst>
-  </p:cSld>
-  <p:clrMapOvr>
-    <a:masterClrMapping/>
-  </p:clrMapOvr>
-</p:sld>
-</file>
-
-<file path=ppt/slides/slide27.xml><?xml version="1.0" encoding="utf-8"?>
-<p:sld xmlns:a="http://schemas.openxmlformats.org/drawingml/2006/main" xmlns:r="http://schemas.openxmlformats.org/officeDocument/2006/relationships" xmlns:p="http://schemas.openxmlformats.org/presentationml/2006/main">
-  <p:cSld>
-    <p:spTree>
-      <p:nvGrpSpPr>
-        <p:cNvPr id="1" name=""/>
-        <p:cNvGrpSpPr/>
-        <p:nvPr/>
-      </p:nvGrpSpPr>
-      <p:grpSpPr>
-        <a:xfrm>
-          <a:off x="0" y="0"/>
-          <a:ext cx="0" cy="0"/>
-          <a:chOff x="0" y="0"/>
-          <a:chExt cx="0" cy="0"/>
-        </a:xfrm>
-      </p:grpSpPr>
-      <p:sp>
-        <p:nvSpPr>
-          <p:cNvPr id="2" name="內容版面配置區 1"/>
-          <p:cNvSpPr>
-            <a:spLocks noGrp="1"/>
-          </p:cNvSpPr>
-          <p:nvPr>
-            <p:ph idx="1"/>
-          </p:nvPr>
-        </p:nvSpPr>
-        <p:spPr/>
-        <p:txBody>
-          <a:bodyPr>
-            <a:normAutofit/>
-          </a:bodyPr>
-          <a:lstStyle/>
-          <a:p>
-            <a:pPr marL="914400" lvl="3" indent="0">
-              <a:buNone/>
-            </a:pPr>
-            <a:endParaRPr lang="en-US" altLang="zh-TW" sz="1800" dirty="0"/>
-          </a:p>
-          <a:p>
-            <a:pPr marL="914400" lvl="3" indent="0">
-              <a:buNone/>
-            </a:pPr>
-            <a:endParaRPr lang="en-US" altLang="zh-TW" sz="1800" dirty="0"/>
-          </a:p>
-          <a:p>
-            <a:pPr marL="999000" lvl="2" indent="0">
-              <a:buNone/>
-            </a:pPr>
-            <a:r>
-              <a:rPr lang="zh-TW" altLang="en-US" sz="1800" b="1" dirty="0">
-                <a:latin typeface="標楷體" panose="03000509000000000000" pitchFamily="65" charset="-120"/>
-              </a:rPr>
-              <a:t>五月：</a:t>
-            </a:r>
-            <a:endParaRPr lang="en-US" altLang="zh-TW" sz="1800" b="1" dirty="0">
-              <a:latin typeface="標楷體" panose="03000509000000000000" pitchFamily="65" charset="-120"/>
-            </a:endParaRPr>
-          </a:p>
-          <a:p>
-            <a:pPr marL="1058400" lvl="3" indent="-144000"/>
-            <a:r>
-              <a:rPr lang="en-US" altLang="zh-TW" sz="1800" b="1" dirty="0">
-                <a:latin typeface="標楷體" panose="03000509000000000000" pitchFamily="65" charset="-120"/>
-              </a:rPr>
-              <a:t>2023/5/18-2023/5/25</a:t>
-            </a:r>
-            <a:r>
-              <a:rPr lang="zh-TW" altLang="en-US" sz="1800" b="1" dirty="0">
-                <a:latin typeface="標楷體" panose="03000509000000000000" pitchFamily="65" charset="-120"/>
-              </a:rPr>
-              <a:t>：</a:t>
-            </a:r>
-            <a:endParaRPr lang="en-US" altLang="zh-TW" sz="1800" b="1" dirty="0">
-              <a:latin typeface="標楷體" panose="03000509000000000000" pitchFamily="65" charset="-120"/>
-            </a:endParaRPr>
-          </a:p>
-          <a:p>
-            <a:pPr marL="1200150" lvl="3" indent="-285750"/>
-            <a:r>
-              <a:rPr lang="zh-TW" altLang="en-US" sz="1800" dirty="0"/>
-              <a:t>以學號圖案測試，確認</a:t>
-            </a:r>
-            <a:r>
-              <a:rPr lang="en-US" altLang="zh-TW" sz="1800" dirty="0"/>
-              <a:t>FSM</a:t>
-            </a:r>
-            <a:r>
-              <a:rPr lang="zh-TW" altLang="en-US" sz="1800" dirty="0"/>
-              <a:t>無誤後改號誌</a:t>
-            </a:r>
-          </a:p>
-        </p:txBody>
-      </p:sp>
-      <p:sp>
-        <p:nvSpPr>
-          <p:cNvPr id="3" name="標題 2"/>
-          <p:cNvSpPr>
-            <a:spLocks noGrp="1"/>
-          </p:cNvSpPr>
-          <p:nvPr>
-            <p:ph type="title"/>
-          </p:nvPr>
-        </p:nvSpPr>
-        <p:spPr>
-          <a:xfrm>
-            <a:off x="838200" y="329615"/>
-            <a:ext cx="10515600" cy="720000"/>
-          </a:xfrm>
-        </p:spPr>
-        <p:txBody>
-          <a:bodyPr/>
-          <a:lstStyle/>
-          <a:p>
-            <a:r>
-              <a:rPr lang="zh-TW" altLang="en-US" dirty="0"/>
-              <a:t>預期進度</a:t>
-            </a:r>
-          </a:p>
-        </p:txBody>
-      </p:sp>
-    </p:spTree>
-    <p:extLst>
-      <p:ext uri="{BB962C8B-B14F-4D97-AF65-F5344CB8AC3E}">
-        <p14:creationId xmlns:p14="http://schemas.microsoft.com/office/powerpoint/2010/main" val="5341612"/>
-      </p:ext>
-    </p:extLst>
-  </p:cSld>
-  <p:clrMapOvr>
-    <a:masterClrMapping/>
-  </p:clrMapOvr>
-</p:sld>
-</file>
-
 <file path=ppt/slides/slide28.xml><?xml version="1.0" encoding="utf-8"?>
 <p:sld xmlns:a="http://schemas.openxmlformats.org/drawingml/2006/main" xmlns:r="http://schemas.openxmlformats.org/officeDocument/2006/relationships" xmlns:p="http://schemas.openxmlformats.org/presentationml/2006/main">
   <p:cSld>
@@ -11239,131 +11861,66 @@
           <a:chExt cx="0" cy="0"/>
         </a:xfrm>
       </p:grpSpPr>
-      <p:pic>
-        <p:nvPicPr>
-          <p:cNvPr id="9" name="圖片 8">
+      <p:sp>
+        <p:nvSpPr>
+          <p:cNvPr id="3" name="標題 2"/>
+          <p:cNvSpPr>
+            <a:spLocks noGrp="1"/>
+          </p:cNvSpPr>
+          <p:nvPr>
+            <p:ph type="title"/>
+          </p:nvPr>
+        </p:nvSpPr>
+        <p:spPr>
+          <a:xfrm>
+            <a:off x="838200" y="365125"/>
+            <a:ext cx="10515600" cy="720000"/>
+          </a:xfrm>
+        </p:spPr>
+        <p:txBody>
+          <a:bodyPr>
+            <a:noAutofit/>
+          </a:bodyPr>
+          <a:lstStyle/>
+          <a:p>
+            <a:r>
+              <a:rPr lang="zh-TW" altLang="en-US" sz="3200" dirty="0"/>
+              <a:t>成果展示 </a:t>
+            </a:r>
+            <a:r>
+              <a:rPr lang="en-US" altLang="zh-TW" sz="3200" dirty="0"/>
+              <a:t>–</a:t>
+            </a:r>
+            <a:r>
+              <a:rPr lang="zh-TW" altLang="en-US" sz="3200" dirty="0">
+                <a:latin typeface="標楷體" panose="03000509000000000000" pitchFamily="65" charset="-120"/>
+              </a:rPr>
+              <a:t>單元測試</a:t>
+            </a:r>
+            <a:r>
+              <a:rPr lang="en-US" altLang="zh-TW" sz="3200" dirty="0">
+                <a:latin typeface="標楷體" panose="03000509000000000000" pitchFamily="65" charset="-120"/>
+              </a:rPr>
+              <a:t>:</a:t>
+            </a:r>
+            <a:r>
+              <a:rPr lang="zh-TW" altLang="en-US" sz="3200" dirty="0"/>
+              <a:t>字母、號碼</a:t>
+            </a:r>
+            <a:r>
+              <a:rPr lang="en-US" altLang="zh-TW" sz="3200" dirty="0"/>
+              <a:t>(2023/5/7)</a:t>
+            </a:r>
+            <a:endParaRPr lang="zh-TW" altLang="en-US" sz="3200" dirty="0"/>
+          </a:p>
+        </p:txBody>
+      </p:sp>
+      <p:sp>
+        <p:nvSpPr>
+          <p:cNvPr id="14" name="文字方塊 13">
             <a:extLst>
               <a:ext uri="{FF2B5EF4-FFF2-40B4-BE49-F238E27FC236}">
-                <a16:creationId xmlns:a16="http://schemas.microsoft.com/office/drawing/2014/main" id="{2F9B627B-B859-48AD-83F7-33413C0B5899}"/>
-              </a:ext>
-            </a:extLst>
-          </p:cNvPr>
-          <p:cNvPicPr>
-            <a:picLocks noChangeAspect="1"/>
-          </p:cNvPicPr>
-          <p:nvPr/>
-        </p:nvPicPr>
-        <p:blipFill>
-          <a:blip r:embed="rId3"/>
-          <a:stretch>
-            <a:fillRect/>
-          </a:stretch>
-        </p:blipFill>
-        <p:spPr>
-          <a:xfrm>
-            <a:off x="6866640" y="2969405"/>
-            <a:ext cx="3964118" cy="1962815"/>
-          </a:xfrm>
-          <a:prstGeom prst="rect">
-            <a:avLst/>
-          </a:prstGeom>
-        </p:spPr>
-      </p:pic>
-      <p:sp>
-        <p:nvSpPr>
-          <p:cNvPr id="2" name="內容版面配置區 1"/>
-          <p:cNvSpPr>
-            <a:spLocks noGrp="1"/>
-          </p:cNvSpPr>
-          <p:nvPr>
-            <p:ph idx="1"/>
-          </p:nvPr>
-        </p:nvSpPr>
-        <p:spPr>
-          <a:xfrm>
-            <a:off x="838199" y="1201850"/>
-            <a:ext cx="11048999" cy="5026422"/>
-          </a:xfrm>
-        </p:spPr>
-        <p:txBody>
-          <a:bodyPr/>
-          <a:lstStyle/>
-          <a:p>
-            <a:endParaRPr lang="en-US" altLang="zh-TW" sz="1200" dirty="0"/>
-          </a:p>
-          <a:p>
-            <a:endParaRPr lang="en-US" altLang="zh-TW" sz="1200" dirty="0"/>
-          </a:p>
-          <a:p>
-            <a:pPr lvl="1"/>
-            <a:r>
-              <a:rPr lang="en-US" altLang="zh-TW" sz="1800" dirty="0"/>
-              <a:t>Q1: </a:t>
-            </a:r>
-            <a:r>
-              <a:rPr lang="zh-TW" altLang="en-US" sz="1800" dirty="0"/>
-              <a:t>電路沒有除頻訊號</a:t>
-            </a:r>
-            <a:r>
-              <a:rPr lang="en-US" altLang="zh-TW" sz="1800" dirty="0"/>
-              <a:t>?</a:t>
-            </a:r>
-          </a:p>
-          <a:p>
-            <a:pPr lvl="1"/>
-            <a:r>
-              <a:rPr lang="en-US" altLang="zh-TW" sz="1800" dirty="0"/>
-              <a:t>A1: </a:t>
-            </a:r>
-            <a:r>
-              <a:rPr lang="zh-TW" altLang="en-US" sz="1800" dirty="0"/>
-              <a:t>除頻輸出需要加初始設定</a:t>
-            </a:r>
-            <a:endParaRPr lang="en-US" altLang="zh-TW" sz="1800" dirty="0"/>
-          </a:p>
-        </p:txBody>
-      </p:sp>
-      <p:sp>
-        <p:nvSpPr>
-          <p:cNvPr id="3" name="標題 2"/>
-          <p:cNvSpPr>
-            <a:spLocks noGrp="1"/>
-          </p:cNvSpPr>
-          <p:nvPr>
-            <p:ph type="title"/>
-          </p:nvPr>
-        </p:nvSpPr>
-        <p:spPr/>
-        <p:txBody>
-          <a:bodyPr/>
-          <a:lstStyle/>
-          <a:p>
-            <a:r>
-              <a:rPr lang="zh-TW" altLang="en-US" dirty="0"/>
-              <a:t>問題記錄 </a:t>
-            </a:r>
-            <a:r>
-              <a:rPr lang="en-US" altLang="zh-TW" dirty="0"/>
-              <a:t>- (</a:t>
-            </a:r>
-            <a:r>
-              <a:rPr lang="zh-TW" altLang="en-US" dirty="0"/>
-              <a:t>軟體問題</a:t>
-            </a:r>
-            <a:r>
-              <a:rPr lang="en-US" altLang="zh-TW" dirty="0"/>
-              <a:t>)</a:t>
-            </a:r>
-            <a:endParaRPr lang="zh-TW" altLang="en-US" dirty="0"/>
-          </a:p>
-        </p:txBody>
-      </p:sp>
-      <p:sp>
-        <p:nvSpPr>
-          <p:cNvPr id="7" name="文字方塊 6">
-            <a:extLst>
-              <a:ext uri="{FF2B5EF4-FFF2-40B4-BE49-F238E27FC236}">
-                <a16:creationId xmlns:a16="http://schemas.microsoft.com/office/drawing/2014/main" id="{BD59B565-7E10-43ED-B2C0-FA2F33DBD630}"/>
+                <a16:creationId xmlns:a16="http://schemas.microsoft.com/office/drawing/2014/main" id="{E4E592F9-FC71-4DD1-9118-16844995CC7F}"/>
               </a:ext>
             </a:extLst>
           </p:cNvPr>
@@ -11372,8 +11929,8 @@
         </p:nvSpPr>
         <p:spPr>
           <a:xfrm>
-            <a:off x="2614079" y="5048945"/>
-            <a:ext cx="3837396" cy="369332"/>
+            <a:off x="2022446" y="1472203"/>
+            <a:ext cx="5373306" cy="646331"/>
           </a:xfrm>
           <a:prstGeom prst="rect">
             <a:avLst/>
@@ -11386,125 +11943,57 @@
           </a:bodyPr>
           <a:lstStyle/>
           <a:p>
+            <a:pPr marL="285750" indent="-285750">
+              <a:buFont typeface="Arial" panose="020B0604020202020204" pitchFamily="34" charset="0"/>
+              <a:buChar char="•"/>
+            </a:pPr>
             <a:r>
               <a:rPr lang="zh-TW" altLang="en-US" dirty="0">
                 <a:latin typeface="標楷體" panose="03000509000000000000" pitchFamily="65" charset="-120"/>
                 <a:ea typeface="標楷體" panose="03000509000000000000" pitchFamily="65" charset="-120"/>
               </a:rPr>
-              <a:t>圖</a:t>
+              <a:t>圖案比例</a:t>
             </a:r>
             <a:r>
               <a:rPr lang="en-US" altLang="zh-TW" dirty="0">
                 <a:latin typeface="標楷體" panose="03000509000000000000" pitchFamily="65" charset="-120"/>
                 <a:ea typeface="標楷體" panose="03000509000000000000" pitchFamily="65" charset="-120"/>
               </a:rPr>
-              <a:t>1.</a:t>
+              <a:t>: </a:t>
+            </a:r>
+          </a:p>
+          <a:p>
+            <a:pPr marL="742950" lvl="1" indent="-285750">
+              <a:buFont typeface="Arial" panose="020B0604020202020204" pitchFamily="34" charset="0"/>
+              <a:buChar char="•"/>
+            </a:pPr>
+            <a:r>
+              <a:rPr lang="zh-TW" altLang="en-US" dirty="0">
+                <a:latin typeface="標楷體" panose="03000509000000000000" pitchFamily="65" charset="-120"/>
+                <a:ea typeface="標楷體" panose="03000509000000000000" pitchFamily="65" charset="-120"/>
+              </a:rPr>
+              <a:t>學號</a:t>
             </a:r>
             <a:r>
               <a:rPr lang="en-US" altLang="zh-TW" dirty="0">
-                <a:latin typeface="Times New Roman" panose="02020603050405020304" pitchFamily="18" charset="0"/>
-                <a:ea typeface="標楷體" panose="03000509000000000000" pitchFamily="65" charset="-120"/>
-                <a:cs typeface="Times New Roman" panose="02020603050405020304" pitchFamily="18" charset="0"/>
-              </a:rPr>
-              <a:t>clkDiv</a:t>
+                <a:latin typeface="標楷體" panose="03000509000000000000" pitchFamily="65" charset="-120"/>
+                <a:ea typeface="標楷體" panose="03000509000000000000" pitchFamily="65" charset="-120"/>
+              </a:rPr>
+              <a:t>: 140x38 (8bits)</a:t>
             </a:r>
             <a:endParaRPr lang="zh-TW" altLang="en-US" dirty="0">
-              <a:latin typeface="Times New Roman" panose="02020603050405020304" pitchFamily="18" charset="0"/>
-              <a:cs typeface="Times New Roman" panose="02020603050405020304" pitchFamily="18" charset="0"/>
+              <a:latin typeface="標楷體" panose="03000509000000000000" pitchFamily="65" charset="-120"/>
+              <a:ea typeface="標楷體" panose="03000509000000000000" pitchFamily="65" charset="-120"/>
             </a:endParaRPr>
           </a:p>
         </p:txBody>
       </p:sp>
       <p:sp>
         <p:nvSpPr>
-          <p:cNvPr id="8" name="矩形 7">
+          <p:cNvPr id="4" name="文字方塊 3">
             <a:extLst>
               <a:ext uri="{FF2B5EF4-FFF2-40B4-BE49-F238E27FC236}">
-                <a16:creationId xmlns:a16="http://schemas.microsoft.com/office/drawing/2014/main" id="{3BB642B5-5575-44DC-92FD-BF44D55799EE}"/>
-              </a:ext>
-            </a:extLst>
-          </p:cNvPr>
-          <p:cNvSpPr/>
-          <p:nvPr/>
-        </p:nvSpPr>
-        <p:spPr>
-          <a:xfrm>
-            <a:off x="7437402" y="3276116"/>
-            <a:ext cx="3393356" cy="674698"/>
-          </a:xfrm>
-          <a:prstGeom prst="rect">
-            <a:avLst/>
-          </a:prstGeom>
-          <a:noFill/>
-          <a:ln w="28575">
-            <a:solidFill>
-              <a:srgbClr val="FF0000"/>
-            </a:solidFill>
-          </a:ln>
-        </p:spPr>
-        <p:style>
-          <a:lnRef idx="2">
-            <a:schemeClr val="accent1">
-              <a:shade val="50000"/>
-            </a:schemeClr>
-          </a:lnRef>
-          <a:fillRef idx="1">
-            <a:schemeClr val="accent1"/>
-          </a:fillRef>
-          <a:effectRef idx="0">
-            <a:schemeClr val="accent1"/>
-          </a:effectRef>
-          <a:fontRef idx="minor">
-            <a:schemeClr val="lt1"/>
-          </a:fontRef>
-        </p:style>
-        <p:txBody>
-          <a:bodyPr rtlCol="0" anchor="ctr"/>
-          <a:lstStyle/>
-          <a:p>
-            <a:pPr algn="ctr"/>
-            <a:endParaRPr lang="zh-TW" altLang="en-US" dirty="0">
-              <a:noFill/>
-            </a:endParaRPr>
-          </a:p>
-        </p:txBody>
-      </p:sp>
-      <p:pic>
-        <p:nvPicPr>
-          <p:cNvPr id="5" name="圖片 4">
-            <a:extLst>
-              <a:ext uri="{FF2B5EF4-FFF2-40B4-BE49-F238E27FC236}">
-                <a16:creationId xmlns:a16="http://schemas.microsoft.com/office/drawing/2014/main" id="{A3578474-CF17-4716-A924-22E576988F36}"/>
-              </a:ext>
-            </a:extLst>
-          </p:cNvPr>
-          <p:cNvPicPr>
-            <a:picLocks noChangeAspect="1"/>
-          </p:cNvPicPr>
-          <p:nvPr/>
-        </p:nvPicPr>
-        <p:blipFill>
-          <a:blip r:embed="rId4"/>
-          <a:stretch>
-            <a:fillRect/>
-          </a:stretch>
-        </p:blipFill>
-        <p:spPr>
-          <a:xfrm>
-            <a:off x="910638" y="2969405"/>
-            <a:ext cx="5883563" cy="1868388"/>
-          </a:xfrm>
-          <a:prstGeom prst="rect">
-            <a:avLst/>
-          </a:prstGeom>
-        </p:spPr>
-      </p:pic>
-      <p:sp>
-        <p:nvSpPr>
-          <p:cNvPr id="10" name="文字方塊 9">
-            <a:extLst>
-              <a:ext uri="{FF2B5EF4-FFF2-40B4-BE49-F238E27FC236}">
-                <a16:creationId xmlns:a16="http://schemas.microsoft.com/office/drawing/2014/main" id="{BB5CB510-3FAF-4E7E-8F5C-C436845458D1}"/>
+                <a16:creationId xmlns:a16="http://schemas.microsoft.com/office/drawing/2014/main" id="{ED2814D5-88C3-433F-99B6-BECD9FEA1494}"/>
               </a:ext>
             </a:extLst>
           </p:cNvPr>
@@ -11513,8 +12002,8 @@
         </p:nvSpPr>
         <p:spPr>
           <a:xfrm>
-            <a:off x="8227355" y="5048945"/>
-            <a:ext cx="3837396" cy="369332"/>
+            <a:off x="5772014" y="5669617"/>
+            <a:ext cx="647972" cy="369332"/>
           </a:xfrm>
           <a:prstGeom prst="rect">
             <a:avLst/>
@@ -11532,46 +12021,15 @@
                 <a:latin typeface="標楷體" panose="03000509000000000000" pitchFamily="65" charset="-120"/>
                 <a:ea typeface="標楷體" panose="03000509000000000000" pitchFamily="65" charset="-120"/>
               </a:rPr>
-              <a:t>圖</a:t>
-            </a:r>
-            <a:r>
-              <a:rPr lang="en-US" altLang="zh-TW" dirty="0">
-                <a:latin typeface="標楷體" panose="03000509000000000000" pitchFamily="65" charset="-120"/>
-                <a:ea typeface="標楷體" panose="03000509000000000000" pitchFamily="65" charset="-120"/>
-              </a:rPr>
-              <a:t>2.</a:t>
-            </a:r>
-            <a:r>
-              <a:rPr lang="en-US" altLang="zh-TW" dirty="0">
-                <a:latin typeface="Times New Roman" panose="02020603050405020304" pitchFamily="18" charset="0"/>
-                <a:ea typeface="標楷體" panose="03000509000000000000" pitchFamily="65" charset="-120"/>
-                <a:cs typeface="Times New Roman" panose="02020603050405020304" pitchFamily="18" charset="0"/>
-              </a:rPr>
-              <a:t>main</a:t>
-            </a:r>
-            <a:r>
-              <a:rPr lang="en-US" altLang="zh-TW" sz="1800" dirty="0"/>
-              <a:t> (.</a:t>
-            </a:r>
-            <a:r>
-              <a:rPr lang="en-US" altLang="zh-TW" sz="1800" dirty="0" err="1"/>
-              <a:t>vhd</a:t>
-            </a:r>
-            <a:r>
-              <a:rPr lang="en-US" altLang="zh-TW" sz="1800" dirty="0"/>
-              <a:t>)</a:t>
-            </a:r>
-            <a:endParaRPr lang="zh-TW" altLang="en-US" dirty="0">
-              <a:latin typeface="Times New Roman" panose="02020603050405020304" pitchFamily="18" charset="0"/>
-              <a:cs typeface="Times New Roman" panose="02020603050405020304" pitchFamily="18" charset="0"/>
-            </a:endParaRPr>
+              <a:t>學號</a:t>
+            </a:r>
           </a:p>
         </p:txBody>
       </p:sp>
     </p:spTree>
     <p:extLst>
       <p:ext uri="{BB962C8B-B14F-4D97-AF65-F5344CB8AC3E}">
-        <p14:creationId xmlns:p14="http://schemas.microsoft.com/office/powerpoint/2010/main" val="3776667509"/>
+        <p14:creationId xmlns:p14="http://schemas.microsoft.com/office/powerpoint/2010/main" val="2902632193"/>
       </p:ext>
     </p:extLst>
   </p:cSld>
@@ -11598,151 +12056,58 @@
           <a:chExt cx="0" cy="0"/>
         </a:xfrm>
       </p:grpSpPr>
-      <p:pic>
-        <p:nvPicPr>
-          <p:cNvPr id="6" name="圖片 5">
+      <p:sp>
+        <p:nvSpPr>
+          <p:cNvPr id="3" name="標題 2"/>
+          <p:cNvSpPr>
+            <a:spLocks noGrp="1"/>
+          </p:cNvSpPr>
+          <p:nvPr>
+            <p:ph type="title"/>
+          </p:nvPr>
+        </p:nvSpPr>
+        <p:spPr>
+          <a:xfrm>
+            <a:off x="838200" y="365125"/>
+            <a:ext cx="10515600" cy="720000"/>
+          </a:xfrm>
+        </p:spPr>
+        <p:txBody>
+          <a:bodyPr>
+            <a:noAutofit/>
+          </a:bodyPr>
+          <a:lstStyle/>
+          <a:p>
+            <a:r>
+              <a:rPr lang="zh-TW" altLang="en-US" sz="3200" dirty="0"/>
+              <a:t>成果展示 </a:t>
+            </a:r>
+            <a:r>
+              <a:rPr lang="en-US" altLang="zh-TW" sz="3200" dirty="0"/>
+              <a:t>–</a:t>
+            </a:r>
+            <a:r>
+              <a:rPr lang="zh-TW" altLang="en-US" sz="3200" dirty="0"/>
+              <a:t> </a:t>
+            </a:r>
+            <a:r>
+              <a:rPr lang="en-US" altLang="zh-TW" sz="3200" dirty="0" err="1"/>
+              <a:t>VGA_pong_BRam</a:t>
+            </a:r>
+            <a:r>
+              <a:rPr lang="en-US" altLang="zh-TW" sz="3200" dirty="0"/>
+              <a:t>(2023/5/7)</a:t>
+            </a:r>
+            <a:endParaRPr lang="zh-TW" altLang="en-US" sz="3200" dirty="0"/>
+          </a:p>
+        </p:txBody>
+      </p:sp>
+      <p:sp>
+        <p:nvSpPr>
+          <p:cNvPr id="14" name="文字方塊 13">
             <a:extLst>
               <a:ext uri="{FF2B5EF4-FFF2-40B4-BE49-F238E27FC236}">
-                <a16:creationId xmlns:a16="http://schemas.microsoft.com/office/drawing/2014/main" id="{587C6D1C-E6EF-4E36-9754-EC77F4D08851}"/>
-              </a:ext>
-            </a:extLst>
-          </p:cNvPr>
-          <p:cNvPicPr>
-            <a:picLocks noChangeAspect="1"/>
-          </p:cNvPicPr>
-          <p:nvPr/>
-        </p:nvPicPr>
-        <p:blipFill>
-          <a:blip r:embed="rId3"/>
-          <a:stretch>
-            <a:fillRect/>
-          </a:stretch>
-        </p:blipFill>
-        <p:spPr>
-          <a:xfrm>
-            <a:off x="1263588" y="2864548"/>
-            <a:ext cx="9988318" cy="2120264"/>
-          </a:xfrm>
-          <a:prstGeom prst="rect">
-            <a:avLst/>
-          </a:prstGeom>
-        </p:spPr>
-      </p:pic>
-      <p:sp>
-        <p:nvSpPr>
-          <p:cNvPr id="2" name="內容版面配置區 1"/>
-          <p:cNvSpPr>
-            <a:spLocks noGrp="1"/>
-          </p:cNvSpPr>
-          <p:nvPr>
-            <p:ph idx="1"/>
-          </p:nvPr>
-        </p:nvSpPr>
-        <p:spPr>
-          <a:xfrm>
-            <a:off x="838199" y="1201850"/>
-            <a:ext cx="11048999" cy="5026422"/>
-          </a:xfrm>
-        </p:spPr>
-        <p:txBody>
-          <a:bodyPr/>
-          <a:lstStyle/>
-          <a:p>
-            <a:endParaRPr lang="en-US" altLang="zh-TW" sz="1200" dirty="0"/>
-          </a:p>
-          <a:p>
-            <a:endParaRPr lang="en-US" altLang="zh-TW" sz="1200" dirty="0"/>
-          </a:p>
-          <a:p>
-            <a:pPr lvl="1"/>
-            <a:r>
-              <a:rPr lang="en-US" altLang="zh-TW" sz="1800" dirty="0"/>
-              <a:t>Q2: </a:t>
-            </a:r>
-            <a:r>
-              <a:rPr lang="zh-TW" altLang="en-US" sz="1800" dirty="0"/>
-              <a:t>若以</a:t>
-            </a:r>
-            <a:r>
-              <a:rPr lang="en-US" altLang="zh-TW" sz="1800" dirty="0"/>
-              <a:t>Bram </a:t>
-            </a:r>
-            <a:r>
-              <a:rPr lang="zh-TW" altLang="en-US" sz="1800" dirty="0"/>
-              <a:t>讀取圓形，會只顯示一條橫線</a:t>
-            </a:r>
-            <a:r>
-              <a:rPr lang="en-US" altLang="zh-TW" sz="1800" dirty="0"/>
-              <a:t>?</a:t>
-            </a:r>
-          </a:p>
-          <a:p>
-            <a:pPr lvl="1"/>
-            <a:r>
-              <a:rPr lang="en-US" altLang="zh-TW" sz="1800" dirty="0"/>
-              <a:t>A2: </a:t>
-            </a:r>
-            <a:r>
-              <a:rPr lang="en-US" altLang="zh-TW" sz="1800" dirty="0" err="1"/>
-              <a:t>Vsync</a:t>
-            </a:r>
-            <a:r>
-              <a:rPr lang="zh-TW" altLang="en-US" sz="1800" dirty="0"/>
-              <a:t> </a:t>
-            </a:r>
-            <a:r>
-              <a:rPr lang="en-US" altLang="zh-TW" sz="1800" dirty="0"/>
-              <a:t>pulse</a:t>
-            </a:r>
-            <a:r>
-              <a:rPr lang="zh-TW" altLang="en-US" sz="1800" dirty="0"/>
-              <a:t>範圍框錯</a:t>
-            </a:r>
-            <a:endParaRPr lang="en-US" altLang="zh-TW" sz="1800" dirty="0"/>
-          </a:p>
-        </p:txBody>
-      </p:sp>
-      <p:sp>
-        <p:nvSpPr>
-          <p:cNvPr id="3" name="標題 2"/>
-          <p:cNvSpPr>
-            <a:spLocks noGrp="1"/>
-          </p:cNvSpPr>
-          <p:nvPr>
-            <p:ph type="title"/>
-          </p:nvPr>
-        </p:nvSpPr>
-        <p:spPr/>
-        <p:txBody>
-          <a:bodyPr/>
-          <a:lstStyle/>
-          <a:p>
-            <a:r>
-              <a:rPr lang="zh-TW" altLang="en-US" dirty="0"/>
-              <a:t>問題記錄 </a:t>
-            </a:r>
-            <a:r>
-              <a:rPr lang="en-US" altLang="zh-TW" dirty="0"/>
-              <a:t>- (</a:t>
-            </a:r>
-            <a:r>
-              <a:rPr lang="zh-TW" altLang="en-US" dirty="0"/>
-              <a:t>軟體問題</a:t>
-            </a:r>
-            <a:r>
-              <a:rPr lang="en-US" altLang="zh-TW" dirty="0"/>
-              <a:t>)</a:t>
-            </a:r>
-            <a:endParaRPr lang="zh-TW" altLang="en-US" dirty="0"/>
-          </a:p>
-        </p:txBody>
-      </p:sp>
-      <p:sp>
-        <p:nvSpPr>
-          <p:cNvPr id="7" name="文字方塊 6">
-            <a:extLst>
-              <a:ext uri="{FF2B5EF4-FFF2-40B4-BE49-F238E27FC236}">
-                <a16:creationId xmlns:a16="http://schemas.microsoft.com/office/drawing/2014/main" id="{BD59B565-7E10-43ED-B2C0-FA2F33DBD630}"/>
+                <a16:creationId xmlns:a16="http://schemas.microsoft.com/office/drawing/2014/main" id="{E4E592F9-FC71-4DD1-9118-16844995CC7F}"/>
               </a:ext>
             </a:extLst>
           </p:cNvPr>
@@ -11751,8 +12116,8 @@
         </p:nvSpPr>
         <p:spPr>
           <a:xfrm>
-            <a:off x="5114255" y="5025618"/>
-            <a:ext cx="3837396" cy="369332"/>
+            <a:off x="2022446" y="1472202"/>
+            <a:ext cx="5373306" cy="646331"/>
           </a:xfrm>
           <a:prstGeom prst="rect">
             <a:avLst/>
@@ -11766,97 +12131,83 @@
           <a:lstStyle/>
           <a:p>
             <a:r>
+              <a:rPr lang="en-US" altLang="zh-TW" sz="1800" kern="1200" baseline="0" dirty="0" err="1">
+                <a:solidFill>
+                  <a:srgbClr val="000000"/>
+                </a:solidFill>
+                <a:effectLst/>
+                <a:latin typeface="Times New Roman" panose="02020603050405020304" pitchFamily="18" charset="0"/>
+                <a:ea typeface="標楷體" panose="03000509000000000000" pitchFamily="65" charset="-120"/>
+                <a:cs typeface="+mj-cs"/>
+              </a:rPr>
+              <a:t>VGA_pong</a:t>
+            </a:r>
+            <a:endParaRPr lang="zh-TW" altLang="en-US" dirty="0">
+              <a:latin typeface="標楷體" panose="03000509000000000000" pitchFamily="65" charset="-120"/>
+              <a:ea typeface="標楷體" panose="03000509000000000000" pitchFamily="65" charset="-120"/>
+            </a:endParaRPr>
+          </a:p>
+          <a:p>
+            <a:pPr marL="285750" indent="-285750">
+              <a:buFont typeface="Arial" panose="020B0604020202020204" pitchFamily="34" charset="0"/>
+              <a:buChar char="•"/>
+            </a:pPr>
+            <a:r>
               <a:rPr lang="zh-TW" altLang="en-US" dirty="0">
-                <a:latin typeface="標楷體" panose="03000509000000000000" pitchFamily="65" charset="-120"/>
-                <a:ea typeface="標楷體" panose="03000509000000000000" pitchFamily="65" charset="-120"/>
-              </a:rPr>
-              <a:t>圖</a:t>
-            </a:r>
-            <a:r>
-              <a:rPr lang="en-US" altLang="zh-TW" dirty="0">
-                <a:latin typeface="標楷體" panose="03000509000000000000" pitchFamily="65" charset="-120"/>
-                <a:ea typeface="標楷體" panose="03000509000000000000" pitchFamily="65" charset="-120"/>
-              </a:rPr>
-              <a:t>3.</a:t>
-            </a:r>
-            <a:r>
-              <a:rPr lang="en-US" altLang="zh-TW" sz="1800" dirty="0"/>
-              <a:t> </a:t>
-            </a:r>
-            <a:r>
-              <a:rPr lang="en-US" altLang="zh-TW" sz="1800" dirty="0" err="1"/>
-              <a:t>sync_</a:t>
-            </a:r>
-            <a:r>
-              <a:rPr lang="en-US" altLang="zh-TW" sz="1800" err="1"/>
-              <a:t>to</a:t>
-            </a:r>
-            <a:r>
-              <a:rPr lang="en-US" altLang="zh-TW" sz="1800"/>
-              <a:t>_count.vhd</a:t>
-            </a:r>
-            <a:endParaRPr lang="zh-TW" altLang="en-US" dirty="0"/>
-          </a:p>
-        </p:txBody>
-      </p:sp>
-      <p:sp>
-        <p:nvSpPr>
-          <p:cNvPr id="8" name="矩形 7">
+                <a:latin typeface="Times New Roman" panose="02020603050405020304" pitchFamily="18" charset="0"/>
+                <a:ea typeface="標楷體" panose="03000509000000000000" pitchFamily="65" charset="-120"/>
+              </a:rPr>
+              <a:t>學號</a:t>
+            </a:r>
+            <a:endParaRPr lang="en-US" altLang="zh-TW" dirty="0">
+              <a:latin typeface="標楷體" panose="03000509000000000000" pitchFamily="65" charset="-120"/>
+              <a:ea typeface="標楷體" panose="03000509000000000000" pitchFamily="65" charset="-120"/>
+            </a:endParaRPr>
+          </a:p>
+        </p:txBody>
+      </p:sp>
+      <p:sp>
+        <p:nvSpPr>
+          <p:cNvPr id="5" name="文字方塊 4">
             <a:extLst>
               <a:ext uri="{FF2B5EF4-FFF2-40B4-BE49-F238E27FC236}">
-                <a16:creationId xmlns:a16="http://schemas.microsoft.com/office/drawing/2014/main" id="{3BB642B5-5575-44DC-92FD-BF44D55799EE}"/>
+                <a16:creationId xmlns:a16="http://schemas.microsoft.com/office/drawing/2014/main" id="{7D31011E-9A66-434B-9EC7-95F8A4A33AA8}"/>
               </a:ext>
             </a:extLst>
           </p:cNvPr>
-          <p:cNvSpPr/>
+          <p:cNvSpPr txBox="1"/>
           <p:nvPr/>
         </p:nvSpPr>
         <p:spPr>
           <a:xfrm>
-            <a:off x="3000653" y="3429000"/>
-            <a:ext cx="4687409" cy="366204"/>
+            <a:off x="5510399" y="5554207"/>
+            <a:ext cx="1171202" cy="369332"/>
           </a:xfrm>
           <a:prstGeom prst="rect">
             <a:avLst/>
           </a:prstGeom>
           <a:noFill/>
-          <a:ln w="28575">
-            <a:solidFill>
-              <a:srgbClr val="FF0000"/>
-            </a:solidFill>
-          </a:ln>
         </p:spPr>
-        <p:style>
-          <a:lnRef idx="2">
-            <a:schemeClr val="accent1">
-              <a:shade val="50000"/>
-            </a:schemeClr>
-          </a:lnRef>
-          <a:fillRef idx="1">
-            <a:schemeClr val="accent1"/>
-          </a:fillRef>
-          <a:effectRef idx="0">
-            <a:schemeClr val="accent1"/>
-          </a:effectRef>
-          <a:fontRef idx="minor">
-            <a:schemeClr val="lt1"/>
-          </a:fontRef>
-        </p:style>
-        <p:txBody>
-          <a:bodyPr rtlCol="0" anchor="ctr"/>
-          <a:lstStyle/>
-          <a:p>
-            <a:pPr algn="ctr"/>
-            <a:endParaRPr lang="zh-TW" altLang="en-US" dirty="0">
-              <a:noFill/>
-            </a:endParaRPr>
+        <p:txBody>
+          <a:bodyPr wrap="square">
+            <a:spAutoFit/>
+          </a:bodyPr>
+          <a:lstStyle/>
+          <a:p>
+            <a:r>
+              <a:rPr lang="zh-TW" altLang="en-US" dirty="0">
+                <a:latin typeface="標楷體" panose="03000509000000000000" pitchFamily="65" charset="-120"/>
+                <a:ea typeface="標楷體" panose="03000509000000000000" pitchFamily="65" charset="-120"/>
+              </a:rPr>
+              <a:t>來回接球</a:t>
+            </a:r>
           </a:p>
         </p:txBody>
       </p:sp>
     </p:spTree>
     <p:extLst>
       <p:ext uri="{BB962C8B-B14F-4D97-AF65-F5344CB8AC3E}">
-        <p14:creationId xmlns:p14="http://schemas.microsoft.com/office/powerpoint/2010/main" val="2629616775"/>
+        <p14:creationId xmlns:p14="http://schemas.microsoft.com/office/powerpoint/2010/main" val="3698673102"/>
       </p:ext>
     </p:extLst>
   </p:cSld>
@@ -12132,6 +12483,784 @@
           <a:chExt cx="0" cy="0"/>
         </a:xfrm>
       </p:grpSpPr>
+      <p:sp>
+        <p:nvSpPr>
+          <p:cNvPr id="2" name="內容版面配置區 1"/>
+          <p:cNvSpPr>
+            <a:spLocks noGrp="1"/>
+          </p:cNvSpPr>
+          <p:nvPr>
+            <p:ph idx="1"/>
+          </p:nvPr>
+        </p:nvSpPr>
+        <p:spPr/>
+        <p:txBody>
+          <a:bodyPr>
+            <a:normAutofit/>
+          </a:bodyPr>
+          <a:lstStyle/>
+          <a:p>
+            <a:pPr marL="914400" lvl="3" indent="0">
+              <a:buNone/>
+            </a:pPr>
+            <a:endParaRPr lang="en-US" altLang="zh-TW" sz="1800" dirty="0"/>
+          </a:p>
+          <a:p>
+            <a:pPr marL="914400" lvl="3" indent="0">
+              <a:buNone/>
+            </a:pPr>
+            <a:endParaRPr lang="en-US" altLang="zh-TW" sz="1800" dirty="0"/>
+          </a:p>
+          <a:p>
+            <a:pPr marL="999000" lvl="2" indent="0">
+              <a:buNone/>
+            </a:pPr>
+            <a:r>
+              <a:rPr lang="zh-TW" altLang="en-US" sz="1800" b="1" dirty="0">
+                <a:latin typeface="標楷體" panose="03000509000000000000" pitchFamily="65" charset="-120"/>
+              </a:rPr>
+              <a:t>五月：</a:t>
+            </a:r>
+            <a:endParaRPr lang="en-US" altLang="zh-TW" sz="1800" b="1" dirty="0">
+              <a:latin typeface="標楷體" panose="03000509000000000000" pitchFamily="65" charset="-120"/>
+            </a:endParaRPr>
+          </a:p>
+          <a:p>
+            <a:pPr marL="1058400" lvl="3" indent="-144000"/>
+            <a:r>
+              <a:rPr lang="en-US" altLang="zh-TW" sz="1800" b="1" dirty="0">
+                <a:latin typeface="標楷體" panose="03000509000000000000" pitchFamily="65" charset="-120"/>
+              </a:rPr>
+              <a:t>2023/5/18-2023/5/25</a:t>
+            </a:r>
+            <a:r>
+              <a:rPr lang="zh-TW" altLang="en-US" sz="1800" b="1" dirty="0">
+                <a:latin typeface="標楷體" panose="03000509000000000000" pitchFamily="65" charset="-120"/>
+              </a:rPr>
+              <a:t>：</a:t>
+            </a:r>
+            <a:endParaRPr lang="en-US" altLang="zh-TW" sz="1800" b="1" dirty="0">
+              <a:latin typeface="標楷體" panose="03000509000000000000" pitchFamily="65" charset="-120"/>
+            </a:endParaRPr>
+          </a:p>
+          <a:p>
+            <a:pPr marL="1200150" lvl="3" indent="-285750"/>
+            <a:r>
+              <a:rPr lang="zh-TW" altLang="en-US" sz="1800" dirty="0"/>
+              <a:t>以學號圖案測試，確認</a:t>
+            </a:r>
+            <a:r>
+              <a:rPr lang="en-US" altLang="zh-TW" sz="1800" dirty="0"/>
+              <a:t>FSM</a:t>
+            </a:r>
+            <a:r>
+              <a:rPr lang="zh-TW" altLang="en-US" sz="1800" dirty="0"/>
+              <a:t>無誤後改號誌</a:t>
+            </a:r>
+          </a:p>
+        </p:txBody>
+      </p:sp>
+      <p:sp>
+        <p:nvSpPr>
+          <p:cNvPr id="3" name="標題 2"/>
+          <p:cNvSpPr>
+            <a:spLocks noGrp="1"/>
+          </p:cNvSpPr>
+          <p:nvPr>
+            <p:ph type="title"/>
+          </p:nvPr>
+        </p:nvSpPr>
+        <p:spPr>
+          <a:xfrm>
+            <a:off x="838200" y="329615"/>
+            <a:ext cx="10515600" cy="720000"/>
+          </a:xfrm>
+        </p:spPr>
+        <p:txBody>
+          <a:bodyPr/>
+          <a:lstStyle/>
+          <a:p>
+            <a:r>
+              <a:rPr lang="zh-TW" altLang="en-US" dirty="0"/>
+              <a:t>預期進度</a:t>
+            </a:r>
+          </a:p>
+        </p:txBody>
+      </p:sp>
+    </p:spTree>
+    <p:extLst>
+      <p:ext uri="{BB962C8B-B14F-4D97-AF65-F5344CB8AC3E}">
+        <p14:creationId xmlns:p14="http://schemas.microsoft.com/office/powerpoint/2010/main" val="5341612"/>
+      </p:ext>
+    </p:extLst>
+  </p:cSld>
+  <p:clrMapOvr>
+    <a:masterClrMapping/>
+  </p:clrMapOvr>
+</p:sld>
+</file>
+
+<file path=ppt/slides/slide31.xml><?xml version="1.0" encoding="utf-8"?>
+<p:sld xmlns:a="http://schemas.openxmlformats.org/drawingml/2006/main" xmlns:r="http://schemas.openxmlformats.org/officeDocument/2006/relationships" xmlns:p="http://schemas.openxmlformats.org/presentationml/2006/main">
+  <p:cSld>
+    <p:spTree>
+      <p:nvGrpSpPr>
+        <p:cNvPr id="1" name=""/>
+        <p:cNvGrpSpPr/>
+        <p:nvPr/>
+      </p:nvGrpSpPr>
+      <p:grpSpPr>
+        <a:xfrm>
+          <a:off x="0" y="0"/>
+          <a:ext cx="0" cy="0"/>
+          <a:chOff x="0" y="0"/>
+          <a:chExt cx="0" cy="0"/>
+        </a:xfrm>
+      </p:grpSpPr>
+      <p:pic>
+        <p:nvPicPr>
+          <p:cNvPr id="9" name="圖片 8">
+            <a:extLst>
+              <a:ext uri="{FF2B5EF4-FFF2-40B4-BE49-F238E27FC236}">
+                <a16:creationId xmlns:a16="http://schemas.microsoft.com/office/drawing/2014/main" id="{2F9B627B-B859-48AD-83F7-33413C0B5899}"/>
+              </a:ext>
+            </a:extLst>
+          </p:cNvPr>
+          <p:cNvPicPr>
+            <a:picLocks noChangeAspect="1"/>
+          </p:cNvPicPr>
+          <p:nvPr/>
+        </p:nvPicPr>
+        <p:blipFill>
+          <a:blip r:embed="rId3"/>
+          <a:stretch>
+            <a:fillRect/>
+          </a:stretch>
+        </p:blipFill>
+        <p:spPr>
+          <a:xfrm>
+            <a:off x="6866640" y="2969405"/>
+            <a:ext cx="3964118" cy="1962815"/>
+          </a:xfrm>
+          <a:prstGeom prst="rect">
+            <a:avLst/>
+          </a:prstGeom>
+        </p:spPr>
+      </p:pic>
+      <p:sp>
+        <p:nvSpPr>
+          <p:cNvPr id="2" name="內容版面配置區 1"/>
+          <p:cNvSpPr>
+            <a:spLocks noGrp="1"/>
+          </p:cNvSpPr>
+          <p:nvPr>
+            <p:ph idx="1"/>
+          </p:nvPr>
+        </p:nvSpPr>
+        <p:spPr>
+          <a:xfrm>
+            <a:off x="838199" y="1201850"/>
+            <a:ext cx="11048999" cy="5026422"/>
+          </a:xfrm>
+        </p:spPr>
+        <p:txBody>
+          <a:bodyPr/>
+          <a:lstStyle/>
+          <a:p>
+            <a:endParaRPr lang="en-US" altLang="zh-TW" sz="1200" dirty="0"/>
+          </a:p>
+          <a:p>
+            <a:endParaRPr lang="en-US" altLang="zh-TW" sz="1200" dirty="0"/>
+          </a:p>
+          <a:p>
+            <a:pPr lvl="1"/>
+            <a:r>
+              <a:rPr lang="en-US" altLang="zh-TW" sz="1800" dirty="0"/>
+              <a:t>Q1: </a:t>
+            </a:r>
+            <a:r>
+              <a:rPr lang="zh-TW" altLang="en-US" sz="1800" dirty="0"/>
+              <a:t>電路沒有除頻訊號</a:t>
+            </a:r>
+            <a:r>
+              <a:rPr lang="en-US" altLang="zh-TW" sz="1800" dirty="0"/>
+              <a:t>?</a:t>
+            </a:r>
+          </a:p>
+          <a:p>
+            <a:pPr lvl="1"/>
+            <a:r>
+              <a:rPr lang="en-US" altLang="zh-TW" sz="1800" dirty="0"/>
+              <a:t>A1: </a:t>
+            </a:r>
+            <a:r>
+              <a:rPr lang="zh-TW" altLang="en-US" sz="1800" dirty="0"/>
+              <a:t>除頻輸出需要加初始設定</a:t>
+            </a:r>
+            <a:endParaRPr lang="en-US" altLang="zh-TW" sz="1800" dirty="0"/>
+          </a:p>
+        </p:txBody>
+      </p:sp>
+      <p:sp>
+        <p:nvSpPr>
+          <p:cNvPr id="3" name="標題 2"/>
+          <p:cNvSpPr>
+            <a:spLocks noGrp="1"/>
+          </p:cNvSpPr>
+          <p:nvPr>
+            <p:ph type="title"/>
+          </p:nvPr>
+        </p:nvSpPr>
+        <p:spPr/>
+        <p:txBody>
+          <a:bodyPr/>
+          <a:lstStyle/>
+          <a:p>
+            <a:r>
+              <a:rPr lang="zh-TW" altLang="en-US" dirty="0"/>
+              <a:t>問題記錄 </a:t>
+            </a:r>
+            <a:r>
+              <a:rPr lang="en-US" altLang="zh-TW" dirty="0"/>
+              <a:t>- (</a:t>
+            </a:r>
+            <a:r>
+              <a:rPr lang="zh-TW" altLang="en-US" dirty="0"/>
+              <a:t>軟體問題</a:t>
+            </a:r>
+            <a:r>
+              <a:rPr lang="en-US" altLang="zh-TW" dirty="0"/>
+              <a:t>)</a:t>
+            </a:r>
+            <a:endParaRPr lang="zh-TW" altLang="en-US" dirty="0"/>
+          </a:p>
+        </p:txBody>
+      </p:sp>
+      <p:sp>
+        <p:nvSpPr>
+          <p:cNvPr id="7" name="文字方塊 6">
+            <a:extLst>
+              <a:ext uri="{FF2B5EF4-FFF2-40B4-BE49-F238E27FC236}">
+                <a16:creationId xmlns:a16="http://schemas.microsoft.com/office/drawing/2014/main" id="{BD59B565-7E10-43ED-B2C0-FA2F33DBD630}"/>
+              </a:ext>
+            </a:extLst>
+          </p:cNvPr>
+          <p:cNvSpPr txBox="1"/>
+          <p:nvPr/>
+        </p:nvSpPr>
+        <p:spPr>
+          <a:xfrm>
+            <a:off x="2614079" y="5048945"/>
+            <a:ext cx="3837396" cy="369332"/>
+          </a:xfrm>
+          <a:prstGeom prst="rect">
+            <a:avLst/>
+          </a:prstGeom>
+          <a:noFill/>
+        </p:spPr>
+        <p:txBody>
+          <a:bodyPr wrap="square">
+            <a:spAutoFit/>
+          </a:bodyPr>
+          <a:lstStyle/>
+          <a:p>
+            <a:r>
+              <a:rPr lang="zh-TW" altLang="en-US" dirty="0">
+                <a:latin typeface="標楷體" panose="03000509000000000000" pitchFamily="65" charset="-120"/>
+                <a:ea typeface="標楷體" panose="03000509000000000000" pitchFamily="65" charset="-120"/>
+              </a:rPr>
+              <a:t>圖</a:t>
+            </a:r>
+            <a:r>
+              <a:rPr lang="en-US" altLang="zh-TW" dirty="0">
+                <a:latin typeface="標楷體" panose="03000509000000000000" pitchFamily="65" charset="-120"/>
+                <a:ea typeface="標楷體" panose="03000509000000000000" pitchFamily="65" charset="-120"/>
+              </a:rPr>
+              <a:t>1.</a:t>
+            </a:r>
+            <a:r>
+              <a:rPr lang="en-US" altLang="zh-TW" dirty="0">
+                <a:latin typeface="Times New Roman" panose="02020603050405020304" pitchFamily="18" charset="0"/>
+                <a:ea typeface="標楷體" panose="03000509000000000000" pitchFamily="65" charset="-120"/>
+                <a:cs typeface="Times New Roman" panose="02020603050405020304" pitchFamily="18" charset="0"/>
+              </a:rPr>
+              <a:t>clkDiv</a:t>
+            </a:r>
+            <a:endParaRPr lang="zh-TW" altLang="en-US" dirty="0">
+              <a:latin typeface="Times New Roman" panose="02020603050405020304" pitchFamily="18" charset="0"/>
+              <a:cs typeface="Times New Roman" panose="02020603050405020304" pitchFamily="18" charset="0"/>
+            </a:endParaRPr>
+          </a:p>
+        </p:txBody>
+      </p:sp>
+      <p:sp>
+        <p:nvSpPr>
+          <p:cNvPr id="8" name="矩形 7">
+            <a:extLst>
+              <a:ext uri="{FF2B5EF4-FFF2-40B4-BE49-F238E27FC236}">
+                <a16:creationId xmlns:a16="http://schemas.microsoft.com/office/drawing/2014/main" id="{3BB642B5-5575-44DC-92FD-BF44D55799EE}"/>
+              </a:ext>
+            </a:extLst>
+          </p:cNvPr>
+          <p:cNvSpPr/>
+          <p:nvPr/>
+        </p:nvSpPr>
+        <p:spPr>
+          <a:xfrm>
+            <a:off x="7437402" y="3276116"/>
+            <a:ext cx="3393356" cy="674698"/>
+          </a:xfrm>
+          <a:prstGeom prst="rect">
+            <a:avLst/>
+          </a:prstGeom>
+          <a:noFill/>
+          <a:ln w="28575">
+            <a:solidFill>
+              <a:srgbClr val="FF0000"/>
+            </a:solidFill>
+          </a:ln>
+        </p:spPr>
+        <p:style>
+          <a:lnRef idx="2">
+            <a:schemeClr val="accent1">
+              <a:shade val="50000"/>
+            </a:schemeClr>
+          </a:lnRef>
+          <a:fillRef idx="1">
+            <a:schemeClr val="accent1"/>
+          </a:fillRef>
+          <a:effectRef idx="0">
+            <a:schemeClr val="accent1"/>
+          </a:effectRef>
+          <a:fontRef idx="minor">
+            <a:schemeClr val="lt1"/>
+          </a:fontRef>
+        </p:style>
+        <p:txBody>
+          <a:bodyPr rtlCol="0" anchor="ctr"/>
+          <a:lstStyle/>
+          <a:p>
+            <a:pPr algn="ctr"/>
+            <a:endParaRPr lang="zh-TW" altLang="en-US" dirty="0">
+              <a:noFill/>
+            </a:endParaRPr>
+          </a:p>
+        </p:txBody>
+      </p:sp>
+      <p:pic>
+        <p:nvPicPr>
+          <p:cNvPr id="5" name="圖片 4">
+            <a:extLst>
+              <a:ext uri="{FF2B5EF4-FFF2-40B4-BE49-F238E27FC236}">
+                <a16:creationId xmlns:a16="http://schemas.microsoft.com/office/drawing/2014/main" id="{A3578474-CF17-4716-A924-22E576988F36}"/>
+              </a:ext>
+            </a:extLst>
+          </p:cNvPr>
+          <p:cNvPicPr>
+            <a:picLocks noChangeAspect="1"/>
+          </p:cNvPicPr>
+          <p:nvPr/>
+        </p:nvPicPr>
+        <p:blipFill>
+          <a:blip r:embed="rId4"/>
+          <a:stretch>
+            <a:fillRect/>
+          </a:stretch>
+        </p:blipFill>
+        <p:spPr>
+          <a:xfrm>
+            <a:off x="910638" y="2969405"/>
+            <a:ext cx="5883563" cy="1868388"/>
+          </a:xfrm>
+          <a:prstGeom prst="rect">
+            <a:avLst/>
+          </a:prstGeom>
+        </p:spPr>
+      </p:pic>
+      <p:sp>
+        <p:nvSpPr>
+          <p:cNvPr id="10" name="文字方塊 9">
+            <a:extLst>
+              <a:ext uri="{FF2B5EF4-FFF2-40B4-BE49-F238E27FC236}">
+                <a16:creationId xmlns:a16="http://schemas.microsoft.com/office/drawing/2014/main" id="{BB5CB510-3FAF-4E7E-8F5C-C436845458D1}"/>
+              </a:ext>
+            </a:extLst>
+          </p:cNvPr>
+          <p:cNvSpPr txBox="1"/>
+          <p:nvPr/>
+        </p:nvSpPr>
+        <p:spPr>
+          <a:xfrm>
+            <a:off x="8227355" y="5048945"/>
+            <a:ext cx="3837396" cy="369332"/>
+          </a:xfrm>
+          <a:prstGeom prst="rect">
+            <a:avLst/>
+          </a:prstGeom>
+          <a:noFill/>
+        </p:spPr>
+        <p:txBody>
+          <a:bodyPr wrap="square">
+            <a:spAutoFit/>
+          </a:bodyPr>
+          <a:lstStyle/>
+          <a:p>
+            <a:r>
+              <a:rPr lang="zh-TW" altLang="en-US" dirty="0">
+                <a:latin typeface="標楷體" panose="03000509000000000000" pitchFamily="65" charset="-120"/>
+                <a:ea typeface="標楷體" panose="03000509000000000000" pitchFamily="65" charset="-120"/>
+              </a:rPr>
+              <a:t>圖</a:t>
+            </a:r>
+            <a:r>
+              <a:rPr lang="en-US" altLang="zh-TW" dirty="0">
+                <a:latin typeface="標楷體" panose="03000509000000000000" pitchFamily="65" charset="-120"/>
+                <a:ea typeface="標楷體" panose="03000509000000000000" pitchFamily="65" charset="-120"/>
+              </a:rPr>
+              <a:t>2.</a:t>
+            </a:r>
+            <a:r>
+              <a:rPr lang="en-US" altLang="zh-TW" dirty="0">
+                <a:latin typeface="Times New Roman" panose="02020603050405020304" pitchFamily="18" charset="0"/>
+                <a:ea typeface="標楷體" panose="03000509000000000000" pitchFamily="65" charset="-120"/>
+                <a:cs typeface="Times New Roman" panose="02020603050405020304" pitchFamily="18" charset="0"/>
+              </a:rPr>
+              <a:t>main</a:t>
+            </a:r>
+            <a:r>
+              <a:rPr lang="en-US" altLang="zh-TW" sz="1800" dirty="0"/>
+              <a:t> (.</a:t>
+            </a:r>
+            <a:r>
+              <a:rPr lang="en-US" altLang="zh-TW" sz="1800" dirty="0" err="1"/>
+              <a:t>vhd</a:t>
+            </a:r>
+            <a:r>
+              <a:rPr lang="en-US" altLang="zh-TW" sz="1800" dirty="0"/>
+              <a:t>)</a:t>
+            </a:r>
+            <a:endParaRPr lang="zh-TW" altLang="en-US" dirty="0">
+              <a:latin typeface="Times New Roman" panose="02020603050405020304" pitchFamily="18" charset="0"/>
+              <a:cs typeface="Times New Roman" panose="02020603050405020304" pitchFamily="18" charset="0"/>
+            </a:endParaRPr>
+          </a:p>
+        </p:txBody>
+      </p:sp>
+    </p:spTree>
+    <p:extLst>
+      <p:ext uri="{BB962C8B-B14F-4D97-AF65-F5344CB8AC3E}">
+        <p14:creationId xmlns:p14="http://schemas.microsoft.com/office/powerpoint/2010/main" val="3776667509"/>
+      </p:ext>
+    </p:extLst>
+  </p:cSld>
+  <p:clrMapOvr>
+    <a:masterClrMapping/>
+  </p:clrMapOvr>
+</p:sld>
+</file>
+
+<file path=ppt/slides/slide32.xml><?xml version="1.0" encoding="utf-8"?>
+<p:sld xmlns:a="http://schemas.openxmlformats.org/drawingml/2006/main" xmlns:r="http://schemas.openxmlformats.org/officeDocument/2006/relationships" xmlns:p="http://schemas.openxmlformats.org/presentationml/2006/main">
+  <p:cSld>
+    <p:spTree>
+      <p:nvGrpSpPr>
+        <p:cNvPr id="1" name=""/>
+        <p:cNvGrpSpPr/>
+        <p:nvPr/>
+      </p:nvGrpSpPr>
+      <p:grpSpPr>
+        <a:xfrm>
+          <a:off x="0" y="0"/>
+          <a:ext cx="0" cy="0"/>
+          <a:chOff x="0" y="0"/>
+          <a:chExt cx="0" cy="0"/>
+        </a:xfrm>
+      </p:grpSpPr>
+      <p:pic>
+        <p:nvPicPr>
+          <p:cNvPr id="6" name="圖片 5">
+            <a:extLst>
+              <a:ext uri="{FF2B5EF4-FFF2-40B4-BE49-F238E27FC236}">
+                <a16:creationId xmlns:a16="http://schemas.microsoft.com/office/drawing/2014/main" id="{587C6D1C-E6EF-4E36-9754-EC77F4D08851}"/>
+              </a:ext>
+            </a:extLst>
+          </p:cNvPr>
+          <p:cNvPicPr>
+            <a:picLocks noChangeAspect="1"/>
+          </p:cNvPicPr>
+          <p:nvPr/>
+        </p:nvPicPr>
+        <p:blipFill>
+          <a:blip r:embed="rId3"/>
+          <a:stretch>
+            <a:fillRect/>
+          </a:stretch>
+        </p:blipFill>
+        <p:spPr>
+          <a:xfrm>
+            <a:off x="1263588" y="2864548"/>
+            <a:ext cx="9988318" cy="2120264"/>
+          </a:xfrm>
+          <a:prstGeom prst="rect">
+            <a:avLst/>
+          </a:prstGeom>
+        </p:spPr>
+      </p:pic>
+      <p:sp>
+        <p:nvSpPr>
+          <p:cNvPr id="2" name="內容版面配置區 1"/>
+          <p:cNvSpPr>
+            <a:spLocks noGrp="1"/>
+          </p:cNvSpPr>
+          <p:nvPr>
+            <p:ph idx="1"/>
+          </p:nvPr>
+        </p:nvSpPr>
+        <p:spPr>
+          <a:xfrm>
+            <a:off x="838199" y="1201850"/>
+            <a:ext cx="11048999" cy="5026422"/>
+          </a:xfrm>
+        </p:spPr>
+        <p:txBody>
+          <a:bodyPr/>
+          <a:lstStyle/>
+          <a:p>
+            <a:endParaRPr lang="en-US" altLang="zh-TW" sz="1200" dirty="0"/>
+          </a:p>
+          <a:p>
+            <a:endParaRPr lang="en-US" altLang="zh-TW" sz="1200" dirty="0"/>
+          </a:p>
+          <a:p>
+            <a:pPr lvl="1"/>
+            <a:r>
+              <a:rPr lang="en-US" altLang="zh-TW" sz="1800" dirty="0"/>
+              <a:t>Q2: </a:t>
+            </a:r>
+            <a:r>
+              <a:rPr lang="zh-TW" altLang="en-US" sz="1800" dirty="0"/>
+              <a:t>若以</a:t>
+            </a:r>
+            <a:r>
+              <a:rPr lang="en-US" altLang="zh-TW" sz="1800" dirty="0"/>
+              <a:t>Bram </a:t>
+            </a:r>
+            <a:r>
+              <a:rPr lang="zh-TW" altLang="en-US" sz="1800" dirty="0"/>
+              <a:t>讀取圓形，會只顯示一條橫線</a:t>
+            </a:r>
+            <a:r>
+              <a:rPr lang="en-US" altLang="zh-TW" sz="1800" dirty="0"/>
+              <a:t>?</a:t>
+            </a:r>
+          </a:p>
+          <a:p>
+            <a:pPr lvl="1"/>
+            <a:r>
+              <a:rPr lang="en-US" altLang="zh-TW" sz="1800" dirty="0"/>
+              <a:t>A2: </a:t>
+            </a:r>
+            <a:r>
+              <a:rPr lang="en-US" altLang="zh-TW" sz="1800" dirty="0" err="1"/>
+              <a:t>Vsync</a:t>
+            </a:r>
+            <a:r>
+              <a:rPr lang="zh-TW" altLang="en-US" sz="1800" dirty="0"/>
+              <a:t> </a:t>
+            </a:r>
+            <a:r>
+              <a:rPr lang="en-US" altLang="zh-TW" sz="1800" dirty="0"/>
+              <a:t>pulse</a:t>
+            </a:r>
+            <a:r>
+              <a:rPr lang="zh-TW" altLang="en-US" sz="1800" dirty="0"/>
+              <a:t>範圍框錯</a:t>
+            </a:r>
+            <a:endParaRPr lang="en-US" altLang="zh-TW" sz="1800" dirty="0"/>
+          </a:p>
+        </p:txBody>
+      </p:sp>
+      <p:sp>
+        <p:nvSpPr>
+          <p:cNvPr id="3" name="標題 2"/>
+          <p:cNvSpPr>
+            <a:spLocks noGrp="1"/>
+          </p:cNvSpPr>
+          <p:nvPr>
+            <p:ph type="title"/>
+          </p:nvPr>
+        </p:nvSpPr>
+        <p:spPr/>
+        <p:txBody>
+          <a:bodyPr/>
+          <a:lstStyle/>
+          <a:p>
+            <a:r>
+              <a:rPr lang="zh-TW" altLang="en-US" dirty="0"/>
+              <a:t>問題記錄 </a:t>
+            </a:r>
+            <a:r>
+              <a:rPr lang="en-US" altLang="zh-TW" dirty="0"/>
+              <a:t>- (</a:t>
+            </a:r>
+            <a:r>
+              <a:rPr lang="zh-TW" altLang="en-US" dirty="0"/>
+              <a:t>軟體問題</a:t>
+            </a:r>
+            <a:r>
+              <a:rPr lang="en-US" altLang="zh-TW" dirty="0"/>
+              <a:t>)</a:t>
+            </a:r>
+            <a:endParaRPr lang="zh-TW" altLang="en-US" dirty="0"/>
+          </a:p>
+        </p:txBody>
+      </p:sp>
+      <p:sp>
+        <p:nvSpPr>
+          <p:cNvPr id="7" name="文字方塊 6">
+            <a:extLst>
+              <a:ext uri="{FF2B5EF4-FFF2-40B4-BE49-F238E27FC236}">
+                <a16:creationId xmlns:a16="http://schemas.microsoft.com/office/drawing/2014/main" id="{BD59B565-7E10-43ED-B2C0-FA2F33DBD630}"/>
+              </a:ext>
+            </a:extLst>
+          </p:cNvPr>
+          <p:cNvSpPr txBox="1"/>
+          <p:nvPr/>
+        </p:nvSpPr>
+        <p:spPr>
+          <a:xfrm>
+            <a:off x="5114255" y="5025618"/>
+            <a:ext cx="3837396" cy="369332"/>
+          </a:xfrm>
+          <a:prstGeom prst="rect">
+            <a:avLst/>
+          </a:prstGeom>
+          <a:noFill/>
+        </p:spPr>
+        <p:txBody>
+          <a:bodyPr wrap="square">
+            <a:spAutoFit/>
+          </a:bodyPr>
+          <a:lstStyle/>
+          <a:p>
+            <a:r>
+              <a:rPr lang="zh-TW" altLang="en-US" dirty="0">
+                <a:latin typeface="標楷體" panose="03000509000000000000" pitchFamily="65" charset="-120"/>
+                <a:ea typeface="標楷體" panose="03000509000000000000" pitchFamily="65" charset="-120"/>
+              </a:rPr>
+              <a:t>圖</a:t>
+            </a:r>
+            <a:r>
+              <a:rPr lang="en-US" altLang="zh-TW" dirty="0">
+                <a:latin typeface="標楷體" panose="03000509000000000000" pitchFamily="65" charset="-120"/>
+                <a:ea typeface="標楷體" panose="03000509000000000000" pitchFamily="65" charset="-120"/>
+              </a:rPr>
+              <a:t>3.</a:t>
+            </a:r>
+            <a:r>
+              <a:rPr lang="en-US" altLang="zh-TW" sz="1800" dirty="0"/>
+              <a:t> </a:t>
+            </a:r>
+            <a:r>
+              <a:rPr lang="en-US" altLang="zh-TW" sz="1800" dirty="0" err="1"/>
+              <a:t>sync_</a:t>
+            </a:r>
+            <a:r>
+              <a:rPr lang="en-US" altLang="zh-TW" sz="1800" err="1"/>
+              <a:t>to</a:t>
+            </a:r>
+            <a:r>
+              <a:rPr lang="en-US" altLang="zh-TW" sz="1800"/>
+              <a:t>_count.vhd</a:t>
+            </a:r>
+            <a:endParaRPr lang="zh-TW" altLang="en-US" dirty="0"/>
+          </a:p>
+        </p:txBody>
+      </p:sp>
+      <p:sp>
+        <p:nvSpPr>
+          <p:cNvPr id="8" name="矩形 7">
+            <a:extLst>
+              <a:ext uri="{FF2B5EF4-FFF2-40B4-BE49-F238E27FC236}">
+                <a16:creationId xmlns:a16="http://schemas.microsoft.com/office/drawing/2014/main" id="{3BB642B5-5575-44DC-92FD-BF44D55799EE}"/>
+              </a:ext>
+            </a:extLst>
+          </p:cNvPr>
+          <p:cNvSpPr/>
+          <p:nvPr/>
+        </p:nvSpPr>
+        <p:spPr>
+          <a:xfrm>
+            <a:off x="3000653" y="3429000"/>
+            <a:ext cx="4687409" cy="366204"/>
+          </a:xfrm>
+          <a:prstGeom prst="rect">
+            <a:avLst/>
+          </a:prstGeom>
+          <a:noFill/>
+          <a:ln w="28575">
+            <a:solidFill>
+              <a:srgbClr val="FF0000"/>
+            </a:solidFill>
+          </a:ln>
+        </p:spPr>
+        <p:style>
+          <a:lnRef idx="2">
+            <a:schemeClr val="accent1">
+              <a:shade val="50000"/>
+            </a:schemeClr>
+          </a:lnRef>
+          <a:fillRef idx="1">
+            <a:schemeClr val="accent1"/>
+          </a:fillRef>
+          <a:effectRef idx="0">
+            <a:schemeClr val="accent1"/>
+          </a:effectRef>
+          <a:fontRef idx="minor">
+            <a:schemeClr val="lt1"/>
+          </a:fontRef>
+        </p:style>
+        <p:txBody>
+          <a:bodyPr rtlCol="0" anchor="ctr"/>
+          <a:lstStyle/>
+          <a:p>
+            <a:pPr algn="ctr"/>
+            <a:endParaRPr lang="zh-TW" altLang="en-US" dirty="0">
+              <a:noFill/>
+            </a:endParaRPr>
+          </a:p>
+        </p:txBody>
+      </p:sp>
+    </p:spTree>
+    <p:extLst>
+      <p:ext uri="{BB962C8B-B14F-4D97-AF65-F5344CB8AC3E}">
+        <p14:creationId xmlns:p14="http://schemas.microsoft.com/office/powerpoint/2010/main" val="2629616775"/>
+      </p:ext>
+    </p:extLst>
+  </p:cSld>
+  <p:clrMapOvr>
+    <a:masterClrMapping/>
+  </p:clrMapOvr>
+</p:sld>
+</file>
+
+<file path=ppt/slides/slide33.xml><?xml version="1.0" encoding="utf-8"?>
+<p:sld xmlns:a="http://schemas.openxmlformats.org/drawingml/2006/main" xmlns:r="http://schemas.openxmlformats.org/officeDocument/2006/relationships" xmlns:p="http://schemas.openxmlformats.org/presentationml/2006/main">
+  <p:cSld>
+    <p:spTree>
+      <p:nvGrpSpPr>
+        <p:cNvPr id="1" name=""/>
+        <p:cNvGrpSpPr/>
+        <p:nvPr/>
+      </p:nvGrpSpPr>
+      <p:grpSpPr>
+        <a:xfrm>
+          <a:off x="0" y="0"/>
+          <a:ext cx="0" cy="0"/>
+          <a:chOff x="0" y="0"/>
+          <a:chExt cx="0" cy="0"/>
+        </a:xfrm>
+      </p:grpSpPr>
       <p:pic>
         <p:nvPicPr>
           <p:cNvPr id="5" name="圖片 4">
@@ -12376,7 +13505,7 @@
 </p:sld>
 </file>
 
-<file path=ppt/slides/slide31.xml><?xml version="1.0" encoding="utf-8"?>
+<file path=ppt/slides/slide34.xml><?xml version="1.0" encoding="utf-8"?>
 <p:sld xmlns:a="http://schemas.openxmlformats.org/drawingml/2006/main" xmlns:r="http://schemas.openxmlformats.org/officeDocument/2006/relationships" xmlns:p="http://schemas.openxmlformats.org/presentationml/2006/main">
   <p:cSld>
     <p:spTree>
@@ -12732,7 +13861,7 @@
 </p:sld>
 </file>
 
-<file path=ppt/slides/slide32.xml><?xml version="1.0" encoding="utf-8"?>
+<file path=ppt/slides/slide35.xml><?xml version="1.0" encoding="utf-8"?>
 <p:sld xmlns:a="http://schemas.openxmlformats.org/drawingml/2006/main" xmlns:r="http://schemas.openxmlformats.org/officeDocument/2006/relationships" xmlns:p="http://schemas.openxmlformats.org/presentationml/2006/main">
   <p:cSld>
     <p:spTree>
